--- a/frontend-cursus/ 5 - Functional programmming.pptx
+++ b/frontend-cursus/ 5 - Functional programmming.pptx
@@ -3552,16 +3552,6 @@
               </a:rPr>
               <a:t> and returns a function. The returned function also accepts one argument and also returns a function.</a:t>
             </a:r>
-            <a:endParaRPr lang="en-US" sz="2200" b="0" i="0" u="none" strike="noStrike" kern="1200" cap="none" dirty="0" smtClean="0">
-              <a:solidFill>
-                <a:schemeClr val="tx1"/>
-              </a:solidFill>
-              <a:effectLst/>
-              <a:latin typeface="Helvetica Neue"/>
-              <a:ea typeface="Helvetica Neue"/>
-              <a:cs typeface="Helvetica Neue"/>
-              <a:sym typeface="Helvetica Neue"/>
-            </a:endParaRPr>
           </a:p>
         </p:txBody>
       </p:sp>
@@ -16757,8 +16747,50 @@
             </a:r>
             <a:r>
               <a:rPr lang="en-US" sz="3600" dirty="0"/>
-              <a:t> is the process of translating a function that takes multiple arguments into a series of functions that each take one argument.</a:t>
-            </a:r>
+              <a:t> is the process of translating a function that takes multiple arguments into a series of functions that each take one argument</a:t>
+            </a:r>
+            <a:r>
+              <a:rPr lang="en-US" sz="3600" dirty="0" smtClean="0"/>
+              <a:t>.</a:t>
+            </a:r>
+          </a:p>
+          <a:p>
+            <a:pPr marL="180975" indent="0">
+              <a:spcBef>
+                <a:spcPts val="0"/>
+              </a:spcBef>
+              <a:buNone/>
+            </a:pPr>
+            <a:endParaRPr lang="en-US" sz="3600" dirty="0"/>
+          </a:p>
+          <a:p>
+            <a:pPr marL="180975" indent="0">
+              <a:spcBef>
+                <a:spcPts val="0"/>
+              </a:spcBef>
+              <a:buNone/>
+            </a:pPr>
+            <a:r>
+              <a:rPr lang="en-US" sz="3600" dirty="0"/>
+              <a:t>https://</a:t>
+            </a:r>
+            <a:r>
+              <a:rPr lang="en-US" sz="3600" dirty="0" err="1"/>
+              <a:t>www.sitepoint.com</a:t>
+            </a:r>
+            <a:r>
+              <a:rPr lang="en-US" sz="3600" dirty="0"/>
+              <a:t>/currying-in-functional-</a:t>
+            </a:r>
+            <a:r>
+              <a:rPr lang="en-US" sz="3600" dirty="0" err="1"/>
+              <a:t>javascript</a:t>
+            </a:r>
+            <a:r>
+              <a:rPr lang="en-US" sz="3600"/>
+              <a:t>/</a:t>
+            </a:r>
+            <a:endParaRPr lang="en-US" sz="3600" dirty="0"/>
           </a:p>
         </p:txBody>
       </p:sp>
@@ -19486,11 +19518,7 @@
             </a:r>
             <a:r>
               <a:rPr lang="en-US" sz="2800" dirty="0" smtClean="0"/>
-              <a:t> </a:t>
-            </a:r>
-            <a:r>
-              <a:rPr lang="en-US" sz="2800" dirty="0" smtClean="0"/>
-              <a:t>result = </a:t>
+              <a:t> result = </a:t>
             </a:r>
             <a:r>
               <a:rPr lang="en-US" sz="2800" dirty="0" err="1" smtClean="0"/>
@@ -19498,15 +19526,7 @@
             </a:r>
             <a:r>
               <a:rPr lang="en-US" sz="2800" dirty="0" smtClean="0"/>
-              <a:t> </a:t>
-            </a:r>
-            <a:r>
-              <a:rPr lang="en-US" sz="2800" dirty="0" smtClean="0"/>
-              <a:t>( </a:t>
-            </a:r>
-            <a:r>
-              <a:rPr lang="en-US" sz="2800" dirty="0" smtClean="0"/>
-              <a:t>2, 8);</a:t>
+              <a:t> ( 2, 8);</a:t>
             </a:r>
           </a:p>
           <a:p>
@@ -20087,47 +20107,7 @@
             </a:r>
             <a:r>
               <a:rPr lang="en-US" sz="2800" dirty="0"/>
-              <a:t>greet </a:t>
-            </a:r>
-            <a:r>
-              <a:rPr lang="en-US" sz="2800" dirty="0"/>
-              <a:t>=</a:t>
-            </a:r>
-            <a:r>
-              <a:rPr lang="en-US" sz="2800" dirty="0"/>
-              <a:t> </a:t>
-            </a:r>
-            <a:r>
-              <a:rPr lang="en-US" sz="2800" dirty="0"/>
-              <a:t>function(</a:t>
-            </a:r>
-            <a:r>
-              <a:rPr lang="en-US" sz="2800" dirty="0"/>
-              <a:t>greeting</a:t>
-            </a:r>
-            <a:r>
-              <a:rPr lang="en-US" sz="2800" dirty="0"/>
-              <a:t>,</a:t>
-            </a:r>
-            <a:r>
-              <a:rPr lang="en-US" sz="2800" dirty="0"/>
-              <a:t> name</a:t>
-            </a:r>
-            <a:r>
-              <a:rPr lang="en-US" sz="2800" dirty="0"/>
-              <a:t>)</a:t>
-            </a:r>
-            <a:r>
-              <a:rPr lang="en-US" sz="2800" dirty="0"/>
-              <a:t> </a:t>
-            </a:r>
-            <a:r>
-              <a:rPr lang="en-US" sz="2800" dirty="0"/>
-              <a:t>{</a:t>
-            </a:r>
-            <a:r>
-              <a:rPr lang="en-US" sz="2800" dirty="0"/>
-              <a:t> </a:t>
+              <a:t>greet = function(greeting, name) { </a:t>
             </a:r>
             <a:endParaRPr lang="en-US" sz="2800" dirty="0" smtClean="0"/>
           </a:p>
@@ -20152,35 +20132,7 @@
             </a:r>
             <a:r>
               <a:rPr lang="en-US" sz="2800" dirty="0"/>
-              <a:t>+</a:t>
-            </a:r>
-            <a:r>
-              <a:rPr lang="en-US" sz="2800" dirty="0"/>
-              <a:t> </a:t>
-            </a:r>
-            <a:r>
-              <a:rPr lang="en-US" sz="2800" dirty="0"/>
-              <a:t>", "</a:t>
-            </a:r>
-            <a:r>
-              <a:rPr lang="en-US" sz="2800" dirty="0"/>
-              <a:t> </a:t>
-            </a:r>
-            <a:r>
-              <a:rPr lang="en-US" sz="2800" dirty="0"/>
-              <a:t>+</a:t>
-            </a:r>
-            <a:r>
-              <a:rPr lang="en-US" sz="2800" dirty="0"/>
-              <a:t> name</a:t>
-            </a:r>
-            <a:r>
-              <a:rPr lang="en-US" sz="2800" dirty="0"/>
-              <a:t>);</a:t>
-            </a:r>
-            <a:r>
-              <a:rPr lang="en-US" sz="2800" dirty="0"/>
-              <a:t> </a:t>
+              <a:t>+ ", " + name); </a:t>
             </a:r>
             <a:endParaRPr lang="en-US" sz="2800" dirty="0" smtClean="0"/>
           </a:p>
@@ -20209,25 +20161,8 @@
             </a:r>
             <a:r>
               <a:rPr lang="en-US" sz="2800" dirty="0"/>
-              <a:t>("Hello",</a:t>
-            </a:r>
-            <a:r>
-              <a:rPr lang="en-US" sz="2800" dirty="0"/>
-              <a:t> </a:t>
-            </a:r>
-            <a:r>
-              <a:rPr lang="en-US" sz="2800" dirty="0"/>
-              <a:t>"Heidi");</a:t>
-            </a:r>
-            <a:r>
-              <a:rPr lang="en-US" sz="2800" dirty="0"/>
-              <a:t> </a:t>
-            </a:r>
-            <a:r>
-              <a:rPr lang="en-US" sz="2800" dirty="0"/>
-              <a:t>//"Hello, Heidi"</a:t>
-            </a:r>
-            <a:endParaRPr lang="en-US" sz="2800" dirty="0"/>
+              <a:t>("Hello", "Heidi"); //"Hello, Heidi"</a:t>
+            </a:r>
           </a:p>
         </p:txBody>
       </p:sp>

--- a/frontend-cursus/ 5 - Functional programmming.pptx
+++ b/frontend-cursus/ 5 - Functional programmming.pptx
@@ -4356,6 +4356,97 @@
             <a:noAutofit/>
           </a:bodyPr>
           <a:lstStyle/>
+          <a:p>
+            <a:pPr lvl="0">
+              <a:spcBef>
+                <a:spcPts val="0"/>
+              </a:spcBef>
+              <a:buNone/>
+            </a:pPr>
+            <a:r>
+              <a:rPr lang="en-US" sz="2200" b="0" i="0" u="none" strike="noStrike" kern="1200" cap="none" dirty="0" smtClean="0">
+                <a:solidFill>
+                  <a:schemeClr val="tx1"/>
+                </a:solidFill>
+                <a:effectLst/>
+                <a:latin typeface="Helvetica Neue"/>
+                <a:ea typeface="Helvetica Neue"/>
+                <a:cs typeface="Helvetica Neue"/>
+                <a:sym typeface="Helvetica Neue"/>
+              </a:rPr>
+              <a:t>See: https://</a:t>
+            </a:r>
+            <a:r>
+              <a:rPr lang="en-US" sz="2200" b="0" i="0" u="none" strike="noStrike" kern="1200" cap="none" dirty="0" err="1" smtClean="0">
+                <a:solidFill>
+                  <a:schemeClr val="tx1"/>
+                </a:solidFill>
+                <a:effectLst/>
+                <a:latin typeface="Helvetica Neue"/>
+                <a:ea typeface="Helvetica Neue"/>
+                <a:cs typeface="Helvetica Neue"/>
+                <a:sym typeface="Helvetica Neue"/>
+              </a:rPr>
+              <a:t>www.sitepoint.com</a:t>
+            </a:r>
+            <a:r>
+              <a:rPr lang="en-US" sz="2200" b="0" i="0" u="none" strike="noStrike" kern="1200" cap="none" dirty="0" smtClean="0">
+                <a:solidFill>
+                  <a:schemeClr val="tx1"/>
+                </a:solidFill>
+                <a:effectLst/>
+                <a:latin typeface="Helvetica Neue"/>
+                <a:ea typeface="Helvetica Neue"/>
+                <a:cs typeface="Helvetica Neue"/>
+                <a:sym typeface="Helvetica Neue"/>
+              </a:rPr>
+              <a:t>/currying-in-functional-</a:t>
+            </a:r>
+            <a:r>
+              <a:rPr lang="en-US" sz="2200" b="0" i="0" u="none" strike="noStrike" kern="1200" cap="none" dirty="0" err="1" smtClean="0">
+                <a:solidFill>
+                  <a:schemeClr val="tx1"/>
+                </a:solidFill>
+                <a:effectLst/>
+                <a:latin typeface="Helvetica Neue"/>
+                <a:ea typeface="Helvetica Neue"/>
+                <a:cs typeface="Helvetica Neue"/>
+                <a:sym typeface="Helvetica Neue"/>
+              </a:rPr>
+              <a:t>javascript</a:t>
+            </a:r>
+            <a:r>
+              <a:rPr lang="en-US" sz="2200" b="0" i="0" u="none" strike="noStrike" kern="1200" cap="none" dirty="0" smtClean="0">
+                <a:solidFill>
+                  <a:schemeClr val="tx1"/>
+                </a:solidFill>
+                <a:effectLst/>
+                <a:latin typeface="Helvetica Neue"/>
+                <a:ea typeface="Helvetica Neue"/>
+                <a:cs typeface="Helvetica Neue"/>
+                <a:sym typeface="Helvetica Neue"/>
+              </a:rPr>
+              <a:t>/</a:t>
+            </a:r>
+          </a:p>
+          <a:p>
+            <a:pPr lvl="0">
+              <a:spcBef>
+                <a:spcPts val="0"/>
+              </a:spcBef>
+              <a:buNone/>
+            </a:pPr>
+            <a:endParaRPr lang="en-US" sz="2200" b="0" i="0" u="none" strike="noStrike" kern="1200" cap="none" dirty="0" smtClean="0">
+              <a:solidFill>
+                <a:schemeClr val="tx1"/>
+              </a:solidFill>
+              <a:effectLst/>
+              <a:latin typeface="Helvetica Neue"/>
+              <a:ea typeface="Helvetica Neue"/>
+              <a:cs typeface="Helvetica Neue"/>
+              <a:sym typeface="Helvetica Neue"/>
+            </a:endParaRPr>
+          </a:p>
           <a:p>
             <a:pPr lvl="0">
               <a:spcBef>
@@ -18227,187 +18318,75 @@
             <a:endParaRPr lang="en-US" sz="3200" dirty="0"/>
           </a:p>
           <a:p>
-            <a:pPr marL="180975" indent="0">
-              <a:spcBef>
-                <a:spcPts val="0"/>
-              </a:spcBef>
-              <a:buNone/>
+            <a:pPr marL="695325" indent="-514350">
+              <a:spcBef>
+                <a:spcPts val="0"/>
+              </a:spcBef>
+              <a:buAutoNum type="arabicPeriod"/>
             </a:pPr>
             <a:r>
-              <a:rPr lang="en-US" sz="3200" b="1" dirty="0" smtClean="0">
+              <a:rPr lang="en-US" sz="3200" dirty="0" smtClean="0">
                 <a:solidFill>
                   <a:srgbClr val="FFC000"/>
                 </a:solidFill>
               </a:rPr>
-              <a:t>1. </a:t>
-            </a:r>
-            <a:r>
-              <a:rPr lang="en-US" sz="3200" b="1" dirty="0" err="1" smtClean="0">
+              <a:t>add </a:t>
+            </a:r>
+            <a:r>
+              <a:rPr lang="en-US" sz="3200" dirty="0">
                 <a:solidFill>
                   <a:srgbClr val="FFC000"/>
                 </a:solidFill>
               </a:rPr>
-              <a:t>tel</a:t>
-            </a:r>
-            <a:r>
-              <a:rPr lang="en-US" sz="3200" b="1" dirty="0" smtClean="0">
+              <a:t>all values </a:t>
+            </a:r>
+            <a:r>
+              <a:rPr lang="en-US" sz="3200" dirty="0" smtClean="0">
                 <a:solidFill>
                   <a:srgbClr val="FFC000"/>
                 </a:solidFill>
               </a:rPr>
+              <a:t>in the </a:t>
+            </a:r>
+            <a:r>
+              <a:rPr lang="en-US" sz="3200" dirty="0">
+                <a:solidFill>
+                  <a:srgbClr val="FFC000"/>
+                </a:solidFill>
+              </a:rPr>
+              <a:t>array and print the total. Only use: </a:t>
+            </a:r>
+            <a:r>
+              <a:rPr lang="en-US" sz="3200" dirty="0" err="1">
+                <a:solidFill>
+                  <a:srgbClr val="FFC000"/>
+                </a:solidFill>
+              </a:rPr>
+              <a:t>Array.reduce</a:t>
+            </a:r>
+            <a:r>
+              <a:rPr lang="en-US" sz="3200" dirty="0">
+                <a:solidFill>
+                  <a:srgbClr val="FFC000"/>
+                </a:solidFill>
+              </a:rPr>
               <a:t> </a:t>
             </a:r>
             <a:r>
-              <a:rPr lang="en-US" sz="3200" b="1" dirty="0" err="1" smtClean="0">
+              <a:rPr lang="en-US" sz="3200" dirty="0" smtClean="0">
                 <a:solidFill>
                   <a:srgbClr val="FFC000"/>
                 </a:solidFill>
               </a:rPr>
-              <a:t>alle</a:t>
-            </a:r>
-            <a:r>
-              <a:rPr lang="en-US" sz="3200" b="1" dirty="0" smtClean="0">
-                <a:solidFill>
-                  <a:srgbClr val="FFC000"/>
-                </a:solidFill>
-              </a:rPr>
-              <a:t> </a:t>
-            </a:r>
-            <a:r>
-              <a:rPr lang="en-US" sz="3200" b="1" dirty="0" err="1" smtClean="0">
-                <a:solidFill>
-                  <a:srgbClr val="FFC000"/>
-                </a:solidFill>
-              </a:rPr>
-              <a:t>waarden</a:t>
-            </a:r>
-            <a:r>
-              <a:rPr lang="en-US" sz="3200" b="1" dirty="0" smtClean="0">
-                <a:solidFill>
-                  <a:srgbClr val="FFC000"/>
-                </a:solidFill>
-              </a:rPr>
-              <a:t> op in de array </a:t>
-            </a:r>
-            <a:r>
-              <a:rPr lang="en-US" sz="3200" b="1" dirty="0" err="1" smtClean="0">
-                <a:solidFill>
-                  <a:srgbClr val="FFC000"/>
-                </a:solidFill>
-              </a:rPr>
-              <a:t>en</a:t>
-            </a:r>
-            <a:r>
-              <a:rPr lang="en-US" sz="3200" b="1" dirty="0" smtClean="0">
-                <a:solidFill>
-                  <a:srgbClr val="FFC000"/>
-                </a:solidFill>
-              </a:rPr>
-              <a:t> </a:t>
-            </a:r>
-            <a:r>
-              <a:rPr lang="en-US" sz="3200" b="1" dirty="0" err="1" smtClean="0">
-                <a:solidFill>
-                  <a:srgbClr val="FFC000"/>
-                </a:solidFill>
-              </a:rPr>
-              <a:t>druk</a:t>
-            </a:r>
-            <a:r>
-              <a:rPr lang="en-US" sz="3200" b="1" dirty="0" smtClean="0">
-                <a:solidFill>
-                  <a:srgbClr val="FFC000"/>
-                </a:solidFill>
-              </a:rPr>
-              <a:t> het </a:t>
-            </a:r>
-            <a:r>
-              <a:rPr lang="en-US" sz="3200" b="1" dirty="0" err="1" smtClean="0">
-                <a:solidFill>
-                  <a:srgbClr val="FFC000"/>
-                </a:solidFill>
-              </a:rPr>
-              <a:t>totaal</a:t>
-            </a:r>
-            <a:r>
-              <a:rPr lang="en-US" sz="3200" b="1" dirty="0" smtClean="0">
-                <a:solidFill>
-                  <a:srgbClr val="FFC000"/>
-                </a:solidFill>
-              </a:rPr>
-              <a:t> </a:t>
-            </a:r>
-            <a:r>
-              <a:rPr lang="en-US" sz="3200" b="1" dirty="0" err="1" smtClean="0">
-                <a:solidFill>
-                  <a:srgbClr val="FFC000"/>
-                </a:solidFill>
-              </a:rPr>
-              <a:t>af</a:t>
-            </a:r>
-            <a:r>
-              <a:rPr lang="en-US" sz="3200" b="1" dirty="0" smtClean="0">
-                <a:solidFill>
-                  <a:srgbClr val="FFC000"/>
-                </a:solidFill>
-              </a:rPr>
-              <a:t>. </a:t>
-            </a:r>
-            <a:r>
-              <a:rPr lang="en-US" sz="3200" b="1" dirty="0" err="1">
-                <a:solidFill>
-                  <a:srgbClr val="FFC000"/>
-                </a:solidFill>
-              </a:rPr>
-              <a:t>Gebruik</a:t>
-            </a:r>
-            <a:r>
-              <a:rPr lang="en-US" sz="3200" b="1" dirty="0">
-                <a:solidFill>
-                  <a:srgbClr val="FFC000"/>
-                </a:solidFill>
-              </a:rPr>
-              <a:t> </a:t>
-            </a:r>
-            <a:r>
-              <a:rPr lang="en-US" sz="3200" b="1" dirty="0" err="1">
-                <a:solidFill>
-                  <a:srgbClr val="FFC000"/>
-                </a:solidFill>
-              </a:rPr>
-              <a:t>uitsluitend</a:t>
-            </a:r>
-            <a:r>
-              <a:rPr lang="en-US" sz="3200" b="1" dirty="0">
-                <a:solidFill>
-                  <a:srgbClr val="FFC000"/>
-                </a:solidFill>
-              </a:rPr>
-              <a:t>: </a:t>
-            </a:r>
-            <a:r>
-              <a:rPr lang="en-US" sz="3200" b="1" dirty="0" err="1">
-                <a:solidFill>
-                  <a:srgbClr val="FFC000"/>
-                </a:solidFill>
-              </a:rPr>
-              <a:t>Array.reduce</a:t>
-            </a:r>
-            <a:r>
-              <a:rPr lang="en-US" sz="3200" b="1" dirty="0">
-                <a:solidFill>
-                  <a:srgbClr val="FFC000"/>
-                </a:solidFill>
-              </a:rPr>
               <a:t>()</a:t>
             </a:r>
           </a:p>
           <a:p>
-            <a:pPr marL="180975" indent="0">
-              <a:spcBef>
-                <a:spcPts val="0"/>
-              </a:spcBef>
-              <a:buNone/>
+            <a:pPr marL="695325" indent="-514350">
+              <a:spcBef>
+                <a:spcPts val="0"/>
+              </a:spcBef>
+              <a:buAutoNum type="arabicPeriod"/>
             </a:pPr>
             <a:endParaRPr lang="en-US" sz="3200" b="1" dirty="0">
               <a:solidFill>
@@ -18431,267 +18410,50 @@
               <a:t>2. </a:t>
             </a:r>
             <a:r>
-              <a:rPr lang="en-US" sz="3200" b="1" dirty="0" err="1">
+              <a:rPr lang="en-US" sz="3200" dirty="0">
                 <a:solidFill>
                   <a:srgbClr val="FFC000"/>
                 </a:solidFill>
               </a:rPr>
-              <a:t>tel</a:t>
-            </a:r>
-            <a:r>
-              <a:rPr lang="en-US" sz="3200" b="1" dirty="0">
+              <a:t>add all values </a:t>
+            </a:r>
+            <a:r>
+              <a:rPr lang="en-US" sz="3200" dirty="0" smtClean="0">
                 <a:solidFill>
                   <a:srgbClr val="FFC000"/>
                 </a:solidFill>
               </a:rPr>
-              <a:t> </a:t>
-            </a:r>
-            <a:r>
-              <a:rPr lang="en-US" sz="3200" b="1" dirty="0" err="1">
+              <a:t>in </a:t>
+            </a:r>
+            <a:r>
+              <a:rPr lang="en-US" sz="3200" dirty="0">
                 <a:solidFill>
                   <a:srgbClr val="FFC000"/>
                 </a:solidFill>
               </a:rPr>
-              <a:t>alle</a:t>
-            </a:r>
-            <a:r>
-              <a:rPr lang="en-US" sz="3200" b="1" dirty="0">
+              <a:t>the array + add an initial value and print the total. Only use: </a:t>
+            </a:r>
+            <a:r>
+              <a:rPr lang="en-US" sz="3200" dirty="0" err="1">
                 <a:solidFill>
                   <a:srgbClr val="FFC000"/>
                 </a:solidFill>
               </a:rPr>
-              <a:t> </a:t>
-            </a:r>
-            <a:r>
-              <a:rPr lang="en-US" sz="3200" b="1" dirty="0" err="1">
+              <a:t>Array.reduce</a:t>
+            </a:r>
+            <a:r>
+              <a:rPr lang="en-US" sz="3200" dirty="0">
                 <a:solidFill>
                   <a:srgbClr val="FFC000"/>
                 </a:solidFill>
               </a:rPr>
-              <a:t>waarden</a:t>
-            </a:r>
-            <a:r>
-              <a:rPr lang="en-US" sz="3200" b="1" dirty="0">
-                <a:solidFill>
-                  <a:srgbClr val="FFC000"/>
-                </a:solidFill>
-              </a:rPr>
-              <a:t> op in de </a:t>
-            </a:r>
-            <a:r>
-              <a:rPr lang="en-US" sz="3200" b="1" dirty="0" smtClean="0">
-                <a:solidFill>
-                  <a:srgbClr val="FFC000"/>
-                </a:solidFill>
-              </a:rPr>
-              <a:t>array + </a:t>
-            </a:r>
-            <a:r>
-              <a:rPr lang="en-US" sz="3200" b="1" dirty="0" err="1" smtClean="0">
-                <a:solidFill>
-                  <a:srgbClr val="FFC000"/>
-                </a:solidFill>
-              </a:rPr>
-              <a:t>tel</a:t>
-            </a:r>
-            <a:r>
-              <a:rPr lang="en-US" sz="3200" b="1" dirty="0" smtClean="0">
-                <a:solidFill>
-                  <a:srgbClr val="FFC000"/>
-                </a:solidFill>
-              </a:rPr>
-              <a:t> </a:t>
-            </a:r>
-            <a:r>
-              <a:rPr lang="en-US" sz="3200" b="1" dirty="0" err="1" smtClean="0">
-                <a:solidFill>
-                  <a:srgbClr val="FFC000"/>
-                </a:solidFill>
-              </a:rPr>
-              <a:t>een</a:t>
-            </a:r>
-            <a:r>
-              <a:rPr lang="en-US" sz="3200" b="1" dirty="0" smtClean="0">
-                <a:solidFill>
-                  <a:srgbClr val="FFC000"/>
-                </a:solidFill>
-              </a:rPr>
-              <a:t> </a:t>
-            </a:r>
-            <a:r>
-              <a:rPr lang="en-US" sz="3200" b="1" dirty="0" err="1" smtClean="0">
-                <a:solidFill>
-                  <a:srgbClr val="FFC000"/>
-                </a:solidFill>
-              </a:rPr>
-              <a:t>initiele</a:t>
-            </a:r>
-            <a:r>
-              <a:rPr lang="en-US" sz="3200" b="1" dirty="0" smtClean="0">
-                <a:solidFill>
-                  <a:srgbClr val="FFC000"/>
-                </a:solidFill>
-              </a:rPr>
-              <a:t> </a:t>
-            </a:r>
-            <a:r>
-              <a:rPr lang="en-US" sz="3200" b="1" dirty="0" err="1" smtClean="0">
-                <a:solidFill>
-                  <a:srgbClr val="FFC000"/>
-                </a:solidFill>
-              </a:rPr>
-              <a:t>waarde</a:t>
-            </a:r>
-            <a:r>
-              <a:rPr lang="en-US" sz="3200" b="1" dirty="0" smtClean="0">
-                <a:solidFill>
-                  <a:srgbClr val="FFC000"/>
-                </a:solidFill>
-              </a:rPr>
-              <a:t> </a:t>
-            </a:r>
-            <a:r>
-              <a:rPr lang="en-US" sz="3200" b="1" dirty="0" err="1" smtClean="0">
-                <a:solidFill>
-                  <a:srgbClr val="FFC000"/>
-                </a:solidFill>
-              </a:rPr>
-              <a:t>erbij</a:t>
-            </a:r>
-            <a:r>
-              <a:rPr lang="en-US" sz="3200" b="1" dirty="0" smtClean="0">
-                <a:solidFill>
-                  <a:srgbClr val="FFC000"/>
-                </a:solidFill>
-              </a:rPr>
-              <a:t> op </a:t>
-            </a:r>
-            <a:r>
-              <a:rPr lang="en-US" sz="3200" b="1" dirty="0" err="1" smtClean="0">
-                <a:solidFill>
-                  <a:srgbClr val="FFC000"/>
-                </a:solidFill>
-              </a:rPr>
-              <a:t>en</a:t>
-            </a:r>
-            <a:r>
-              <a:rPr lang="en-US" sz="3200" b="1" dirty="0" smtClean="0">
-                <a:solidFill>
-                  <a:srgbClr val="FFC000"/>
-                </a:solidFill>
-              </a:rPr>
-              <a:t> </a:t>
-            </a:r>
-            <a:r>
-              <a:rPr lang="en-US" sz="3200" b="1" dirty="0" err="1" smtClean="0">
-                <a:solidFill>
-                  <a:srgbClr val="FFC000"/>
-                </a:solidFill>
-              </a:rPr>
-              <a:t>druk</a:t>
-            </a:r>
-            <a:r>
-              <a:rPr lang="en-US" sz="3200" b="1" dirty="0" smtClean="0">
-                <a:solidFill>
-                  <a:srgbClr val="FFC000"/>
-                </a:solidFill>
-              </a:rPr>
-              <a:t> het </a:t>
-            </a:r>
-            <a:r>
-              <a:rPr lang="en-US" sz="3200" b="1" dirty="0" err="1" smtClean="0">
-                <a:solidFill>
-                  <a:srgbClr val="FFC000"/>
-                </a:solidFill>
-              </a:rPr>
-              <a:t>totaal</a:t>
-            </a:r>
-            <a:r>
-              <a:rPr lang="en-US" sz="3200" b="1" dirty="0" smtClean="0">
-                <a:solidFill>
-                  <a:srgbClr val="FFC000"/>
-                </a:solidFill>
-              </a:rPr>
-              <a:t> </a:t>
-            </a:r>
-            <a:r>
-              <a:rPr lang="en-US" sz="3200" b="1" dirty="0" err="1" smtClean="0">
-                <a:solidFill>
-                  <a:srgbClr val="FFC000"/>
-                </a:solidFill>
-              </a:rPr>
-              <a:t>af</a:t>
-            </a:r>
-            <a:r>
-              <a:rPr lang="en-US" sz="3200" b="1" dirty="0" smtClean="0">
-                <a:solidFill>
-                  <a:srgbClr val="FFC000"/>
-                </a:solidFill>
-              </a:rPr>
-              <a:t>. </a:t>
-            </a:r>
-            <a:r>
-              <a:rPr lang="en-US" sz="3200" b="1" dirty="0" err="1" smtClean="0">
-                <a:solidFill>
-                  <a:srgbClr val="FFC000"/>
-                </a:solidFill>
-              </a:rPr>
-              <a:t>Gebruik</a:t>
-            </a:r>
-            <a:r>
-              <a:rPr lang="en-US" sz="3200" b="1" dirty="0">
-                <a:solidFill>
-                  <a:srgbClr val="FFC000"/>
-                </a:solidFill>
-              </a:rPr>
-              <a:t> </a:t>
-            </a:r>
-            <a:r>
-              <a:rPr lang="en-US" sz="3200" b="1" dirty="0" err="1" smtClean="0">
-                <a:solidFill>
-                  <a:srgbClr val="FFC000"/>
-                </a:solidFill>
-              </a:rPr>
-              <a:t>uitsluitend</a:t>
-            </a:r>
-            <a:r>
-              <a:rPr lang="en-US" sz="3200" b="1" dirty="0" smtClean="0">
-                <a:solidFill>
-                  <a:srgbClr val="FFC000"/>
-                </a:solidFill>
-              </a:rPr>
-              <a:t>: </a:t>
-            </a:r>
-            <a:r>
-              <a:rPr lang="en-US" sz="3200" b="1" dirty="0" err="1">
-                <a:solidFill>
-                  <a:srgbClr val="FFC000"/>
-                </a:solidFill>
-              </a:rPr>
-              <a:t>Array.reduce</a:t>
-            </a:r>
-            <a:r>
-              <a:rPr lang="en-US" sz="3200" b="1" dirty="0">
-                <a:solidFill>
-                  <a:srgbClr val="FFC000"/>
-                </a:solidFill>
-              </a:rPr>
-              <a:t>()</a:t>
-            </a:r>
-            <a:endParaRPr lang="en-US" sz="3200" b="1" dirty="0" smtClean="0">
+              <a:t> ()</a:t>
+            </a:r>
+            <a:endParaRPr lang="en-US" sz="3200" b="1" dirty="0">
               <a:solidFill>
                 <a:srgbClr val="FFC000"/>
               </a:solidFill>
             </a:endParaRPr>
-          </a:p>
-          <a:p>
-            <a:pPr marL="180975" indent="0">
-              <a:spcBef>
-                <a:spcPts val="0"/>
-              </a:spcBef>
-              <a:buNone/>
-            </a:pPr>
-            <a:endParaRPr lang="en-US" sz="3200" b="1" dirty="0"/>
           </a:p>
           <a:p>
             <a:pPr marL="180975" indent="0">

--- a/frontend-cursus/ 5 - Functional programmming.pptx
+++ b/frontend-cursus/ 5 - Functional programmming.pptx
@@ -4529,7 +4529,7 @@
               <a:buNone/>
             </a:pPr>
             <a:r>
-              <a:rPr lang="en-US" sz="2200" b="0" i="0" u="none" strike="noStrike" kern="1200" cap="none" dirty="0" smtClean="0">
+              <a:rPr lang="en-US" sz="3200" b="0" i="0" u="none" strike="noStrike" kern="1200" cap="none" dirty="0" smtClean="0">
                 <a:solidFill>
                   <a:schemeClr val="tx1"/>
                 </a:solidFill>
@@ -4542,11 +4542,11 @@
               <a:t>The sort method mutates the array, so our </a:t>
             </a:r>
             <a:r>
-              <a:rPr lang="en-US" dirty="0" smtClean="0"/>
+              <a:rPr lang="en-US" sz="3200" dirty="0" smtClean="0"/>
               <a:t>[1,6,4,2]</a:t>
             </a:r>
             <a:r>
-              <a:rPr lang="en-US" sz="2200" b="0" i="0" u="none" strike="noStrike" kern="1200" cap="none" dirty="0" smtClean="0">
+              <a:rPr lang="en-US" sz="3200" b="0" i="0" u="none" strike="noStrike" kern="1200" cap="none" dirty="0" smtClean="0">
                 <a:solidFill>
                   <a:schemeClr val="tx1"/>
                 </a:solidFill>
@@ -4567,7 +4567,7 @@
               <a:buNone/>
             </a:pPr>
             <a:r>
-              <a:rPr lang="en-US" sz="2200" b="0" i="0" u="none" strike="noStrike" kern="1200" cap="none" dirty="0" smtClean="0">
+              <a:rPr lang="en-US" sz="3200" b="0" i="0" u="none" strike="noStrike" kern="1200" cap="none" dirty="0" smtClean="0">
                 <a:solidFill>
                   <a:schemeClr val="tx1"/>
                 </a:solidFill>
@@ -12583,8 +12583,8 @@
         </p:nvSpPr>
         <p:spPr>
           <a:xfrm>
-            <a:off x="3111499" y="4814454"/>
-            <a:ext cx="7320320" cy="2563103"/>
+            <a:off x="2473378" y="4814454"/>
+            <a:ext cx="8874176" cy="2563103"/>
           </a:xfrm>
           <a:prstGeom prst="rect">
             <a:avLst/>
@@ -12651,7 +12651,7 @@
             <a:r>
               <a:rPr lang="en-US" sz="2800" dirty="0" smtClean="0">
                 <a:solidFill>
-                  <a:schemeClr val="bg1"/>
+                  <a:srgbClr val="FF0000"/>
                 </a:solidFill>
               </a:rPr>
               <a:t>push()</a:t>
@@ -12669,7 +12669,7 @@
             <a:r>
               <a:rPr lang="en-US" sz="2800" dirty="0" smtClean="0">
                 <a:solidFill>
-                  <a:schemeClr val="bg1"/>
+                  <a:srgbClr val="FF0000"/>
                 </a:solidFill>
               </a:rPr>
               <a:t>sort</a:t>
@@ -12677,7 +12677,7 @@
             <a:r>
               <a:rPr lang="en-US" sz="4000" dirty="0" smtClean="0">
                 <a:solidFill>
-                  <a:schemeClr val="bg1"/>
+                  <a:srgbClr val="FF0000"/>
                 </a:solidFill>
               </a:rPr>
               <a:t>()</a:t>
@@ -12741,8 +12741,21 @@
                   <a:schemeClr val="bg1"/>
                 </a:solidFill>
               </a:rPr>
-              <a:t>methods</a:t>
-            </a:r>
+              <a:t>methods </a:t>
+            </a:r>
+            <a:r>
+              <a:rPr lang="en-US" sz="2800" dirty="0" smtClean="0">
+                <a:solidFill>
+                  <a:schemeClr val="bg1"/>
+                </a:solidFill>
+              </a:rPr>
+              <a:t>(immutable)</a:t>
+            </a:r>
+            <a:endParaRPr lang="en-US" sz="2800" dirty="0" smtClean="0">
+              <a:solidFill>
+                <a:schemeClr val="bg1"/>
+              </a:solidFill>
+            </a:endParaRPr>
           </a:p>
           <a:p>
             <a:pPr marL="571500" lvl="2" indent="-571500">
@@ -12756,7 +12769,7 @@
             <a:r>
               <a:rPr lang="en-US" sz="2800" dirty="0">
                 <a:solidFill>
-                  <a:schemeClr val="bg1"/>
+                  <a:srgbClr val="FFFF00"/>
                 </a:solidFill>
                 <a:latin typeface="+mn-lt"/>
                 <a:ea typeface="Consolas"/>
@@ -12768,7 +12781,7 @@
             <a:r>
               <a:rPr lang="en-US" sz="2800" dirty="0" smtClean="0">
                 <a:solidFill>
-                  <a:schemeClr val="bg1"/>
+                  <a:srgbClr val="FFFF00"/>
                 </a:solidFill>
                 <a:latin typeface="+mn-lt"/>
                 <a:ea typeface="Consolas"/>
@@ -12790,7 +12803,7 @@
             <a:r>
               <a:rPr lang="en-US" sz="2800" dirty="0">
                 <a:solidFill>
-                  <a:schemeClr val="bg1"/>
+                  <a:srgbClr val="FFFF00"/>
                 </a:solidFill>
                 <a:latin typeface="+mn-lt"/>
                 <a:ea typeface="Consolas"/>
@@ -12802,7 +12815,7 @@
             <a:r>
               <a:rPr lang="en-US" sz="2800" dirty="0" smtClean="0">
                 <a:solidFill>
-                  <a:schemeClr val="bg1"/>
+                  <a:srgbClr val="FFFF00"/>
                 </a:solidFill>
                 <a:latin typeface="+mn-lt"/>
                 <a:ea typeface="Consolas"/>
@@ -12824,7 +12837,7 @@
             <a:r>
               <a:rPr lang="en-US" sz="2800" dirty="0">
                 <a:solidFill>
-                  <a:schemeClr val="bg1"/>
+                  <a:srgbClr val="FFFF00"/>
                 </a:solidFill>
                 <a:latin typeface="+mn-lt"/>
                 <a:ea typeface="Consolas"/>
@@ -12836,7 +12849,7 @@
             <a:r>
               <a:rPr lang="en-US" sz="2800" dirty="0" smtClean="0">
                 <a:solidFill>
-                  <a:schemeClr val="bg1"/>
+                  <a:srgbClr val="FFFF00"/>
                 </a:solidFill>
                 <a:latin typeface="+mn-lt"/>
                 <a:ea typeface="Consolas"/>
@@ -12911,14 +12924,14 @@
               <a:buSzPct val="25000"/>
             </a:pPr>
             <a:r>
-              <a:rPr lang="en-US" sz="7395" dirty="0" smtClean="0">
+              <a:rPr lang="en-US" sz="7395" b="1" dirty="0" smtClean="0">
                 <a:solidFill>
                   <a:srgbClr val="FFFF00"/>
                 </a:solidFill>
               </a:rPr>
               <a:t>Array</a:t>
             </a:r>
-            <a:endParaRPr lang="en-US" sz="7395" dirty="0">
+            <a:endParaRPr lang="en-US" sz="7395" b="1" dirty="0">
               <a:solidFill>
                 <a:srgbClr val="FFFF00"/>
               </a:solidFill>
@@ -13066,14 +13079,14 @@
               <a:buNone/>
             </a:pPr>
             <a:r>
-              <a:rPr lang="en-US" dirty="0" smtClean="0">
+              <a:rPr lang="en-US" b="1" dirty="0" smtClean="0">
                 <a:solidFill>
                   <a:srgbClr val="FFFF00"/>
                 </a:solidFill>
               </a:rPr>
               <a:t>For-loop</a:t>
             </a:r>
-            <a:endParaRPr lang="en-US" dirty="0">
+            <a:endParaRPr lang="en-US" b="1" dirty="0">
               <a:solidFill>
                 <a:srgbClr val="FFFF00"/>
               </a:solidFill>
@@ -14055,7 +14068,15 @@
             </a:r>
             <a:r>
               <a:rPr lang="en-US" dirty="0"/>
-              <a:t>("The doubled numbers are", </a:t>
+              <a:t>("The </a:t>
+            </a:r>
+            <a:r>
+              <a:rPr lang="en-US" dirty="0" smtClean="0"/>
+              <a:t>numbers </a:t>
+            </a:r>
+            <a:r>
+              <a:rPr lang="en-US" dirty="0"/>
+              <a:t>are", </a:t>
             </a:r>
             <a:r>
               <a:rPr lang="en-US" dirty="0" err="1"/>
@@ -14067,7 +14088,11 @@
             </a:r>
             <a:r>
               <a:rPr lang="en-US" i="1" dirty="0"/>
-              <a:t>// [2, 4, 6, 8]</a:t>
+              <a:t>// </a:t>
+            </a:r>
+            <a:r>
+              <a:rPr lang="en-US" i="1" dirty="0" smtClean="0"/>
+              <a:t>[3,5,7,9]</a:t>
             </a:r>
             <a:endParaRPr lang="en-US" dirty="0"/>
           </a:p>
@@ -16878,10 +16903,9 @@
               <a:t>javascript</a:t>
             </a:r>
             <a:r>
-              <a:rPr lang="en-US" sz="3600"/>
+              <a:rPr lang="en-US" sz="3600" dirty="0"/>
               <a:t>/</a:t>
             </a:r>
-            <a:endParaRPr lang="en-US" sz="3600" dirty="0"/>
           </a:p>
         </p:txBody>
       </p:sp>
@@ -17750,10 +17774,7 @@
               <a:rPr lang="en-US" sz="2400" dirty="0"/>
               <a:t>( 3 ); </a:t>
             </a:r>
-            <a:r>
-              <a:rPr lang="en-US" sz="2400" dirty="0" smtClean="0"/>
-              <a:t>c</a:t>
-            </a:r>
+            <a:endParaRPr lang="en-US" sz="2400" dirty="0" smtClean="0"/>
           </a:p>
           <a:p>
             <a:pPr marL="180975" indent="0">
@@ -17764,7 +17785,7 @@
             </a:pPr>
             <a:r>
               <a:rPr lang="en-US" sz="2400" dirty="0" err="1" smtClean="0"/>
-              <a:t>onst</a:t>
+              <a:t>const</a:t>
             </a:r>
             <a:r>
               <a:rPr lang="en-US" sz="2400" dirty="0" smtClean="0"/>
@@ -18128,7 +18149,7 @@
         </p:nvSpPr>
         <p:spPr>
           <a:xfrm>
-            <a:off x="952500" y="254000"/>
+            <a:off x="982480" y="0"/>
             <a:ext cx="11099700" cy="2159100"/>
           </a:xfrm>
           <a:prstGeom prst="rect">
@@ -18308,14 +18329,26 @@
               <a:buNone/>
             </a:pPr>
             <a:r>
-              <a:rPr lang="en-US" sz="3200" u="sng" dirty="0"/>
+              <a:rPr lang="en-US" sz="3200" u="sng" dirty="0">
+                <a:solidFill>
+                  <a:srgbClr val="FFFF00"/>
+                </a:solidFill>
+              </a:rPr>
               <a:t>Questions</a:t>
             </a:r>
             <a:r>
-              <a:rPr lang="en-US" sz="3200" u="sng" dirty="0" smtClean="0"/>
+              <a:rPr lang="en-US" sz="3200" u="sng" dirty="0" smtClean="0">
+                <a:solidFill>
+                  <a:srgbClr val="FFFF00"/>
+                </a:solidFill>
+              </a:rPr>
               <a:t>:</a:t>
             </a:r>
-            <a:endParaRPr lang="en-US" sz="3200" dirty="0"/>
+            <a:endParaRPr lang="en-US" sz="3200" dirty="0">
+              <a:solidFill>
+                <a:srgbClr val="FFFF00"/>
+              </a:solidFill>
+            </a:endParaRPr>
           </a:p>
           <a:p>
             <a:pPr marL="695325" indent="-514350">
@@ -18447,8 +18480,75 @@
                   <a:srgbClr val="FFC000"/>
                 </a:solidFill>
               </a:rPr>
-              <a:t> ()</a:t>
-            </a:r>
+              <a:t> </a:t>
+            </a:r>
+            <a:r>
+              <a:rPr lang="en-US" sz="3200" dirty="0" smtClean="0">
+                <a:solidFill>
+                  <a:srgbClr val="FFC000"/>
+                </a:solidFill>
+              </a:rPr>
+              <a:t>()</a:t>
+            </a:r>
+          </a:p>
+          <a:p>
+            <a:pPr marL="180975" indent="0">
+              <a:spcBef>
+                <a:spcPts val="0"/>
+              </a:spcBef>
+              <a:buNone/>
+            </a:pPr>
+            <a:endParaRPr lang="en-US" sz="3200" b="1" dirty="0">
+              <a:solidFill>
+                <a:srgbClr val="FFC000"/>
+              </a:solidFill>
+            </a:endParaRPr>
+          </a:p>
+          <a:p>
+            <a:pPr marL="180975" indent="0">
+              <a:spcBef>
+                <a:spcPts val="0"/>
+              </a:spcBef>
+              <a:buNone/>
+            </a:pPr>
+            <a:r>
+              <a:rPr lang="en-US" sz="3200" u="sng" dirty="0" smtClean="0">
+                <a:solidFill>
+                  <a:srgbClr val="FFFF00"/>
+                </a:solidFill>
+              </a:rPr>
+              <a:t>Hint:</a:t>
+            </a:r>
+            <a:endParaRPr lang="en-US" sz="3200" u="sng" dirty="0">
+              <a:solidFill>
+                <a:srgbClr val="FFFF00"/>
+              </a:solidFill>
+            </a:endParaRPr>
+          </a:p>
+          <a:p>
+            <a:pPr marL="180975" indent="0">
+              <a:spcBef>
+                <a:spcPts val="0"/>
+              </a:spcBef>
+              <a:buNone/>
+            </a:pPr>
+            <a:r>
+              <a:rPr lang="en-US" sz="3200" dirty="0" smtClean="0">
+                <a:solidFill>
+                  <a:srgbClr val="FFC000"/>
+                </a:solidFill>
+              </a:rPr>
+              <a:t>Use editor in MDN !</a:t>
+            </a:r>
+            <a:endParaRPr lang="en-US" sz="3200" dirty="0"/>
+          </a:p>
+          <a:p>
+            <a:pPr marL="180975" indent="0">
+              <a:spcBef>
+                <a:spcPts val="0"/>
+              </a:spcBef>
+              <a:buNone/>
+            </a:pPr>
             <a:endParaRPr lang="en-US" sz="3200" b="1" dirty="0">
               <a:solidFill>
                 <a:srgbClr val="FFC000"/>
@@ -18515,8 +18615,8 @@
         </p:nvSpPr>
         <p:spPr>
           <a:xfrm>
-            <a:off x="952500" y="254000"/>
-            <a:ext cx="11099700" cy="2159100"/>
+            <a:off x="907530" y="164892"/>
+            <a:ext cx="11099700" cy="1483710"/>
           </a:xfrm>
           <a:prstGeom prst="rect">
             <a:avLst/>
@@ -18587,7 +18687,7 @@
         </p:nvSpPr>
         <p:spPr>
           <a:xfrm>
-            <a:off x="580768" y="2413100"/>
+            <a:off x="640729" y="2772864"/>
             <a:ext cx="12121978" cy="6286500"/>
           </a:xfrm>
           <a:prstGeom prst="rect">
@@ -18657,10 +18757,18 @@
               <a:buNone/>
             </a:pPr>
             <a:r>
-              <a:rPr lang="en-US" sz="3200" u="sng" dirty="0" smtClean="0"/>
+              <a:rPr lang="en-US" sz="3200" u="sng" dirty="0" smtClean="0">
+                <a:solidFill>
+                  <a:srgbClr val="FFFF00"/>
+                </a:solidFill>
+              </a:rPr>
               <a:t>Question:</a:t>
             </a:r>
-            <a:endParaRPr lang="en-US" sz="3200" u="sng" dirty="0"/>
+            <a:endParaRPr lang="en-US" sz="3200" u="sng" dirty="0">
+              <a:solidFill>
+                <a:srgbClr val="FFFF00"/>
+              </a:solidFill>
+            </a:endParaRPr>
           </a:p>
           <a:p>
             <a:pPr marL="180975" indent="0">
@@ -18835,6 +18943,48 @@
             <a:r>
               <a:rPr lang="en-US" sz="3200" dirty="0" smtClean="0"/>
               <a:t>(map1); </a:t>
+            </a:r>
+            <a:endParaRPr lang="en-US" sz="3200" dirty="0" smtClean="0"/>
+          </a:p>
+          <a:p>
+            <a:pPr marL="180975" indent="0">
+              <a:spcBef>
+                <a:spcPts val="0"/>
+              </a:spcBef>
+              <a:buNone/>
+            </a:pPr>
+            <a:endParaRPr lang="en-US" sz="3200" dirty="0"/>
+          </a:p>
+          <a:p>
+            <a:pPr marL="180975" indent="0">
+              <a:spcBef>
+                <a:spcPts val="0"/>
+              </a:spcBef>
+              <a:buNone/>
+            </a:pPr>
+            <a:r>
+              <a:rPr lang="en-US" sz="3200" u="sng" dirty="0">
+                <a:solidFill>
+                  <a:srgbClr val="FFFF00"/>
+                </a:solidFill>
+              </a:rPr>
+              <a:t>Hint:</a:t>
+            </a:r>
+          </a:p>
+          <a:p>
+            <a:pPr marL="180975" indent="0">
+              <a:spcBef>
+                <a:spcPts val="0"/>
+              </a:spcBef>
+              <a:buNone/>
+            </a:pPr>
+            <a:r>
+              <a:rPr lang="en-US" sz="3200" dirty="0">
+                <a:solidFill>
+                  <a:srgbClr val="FFC000"/>
+                </a:solidFill>
+              </a:rPr>
+              <a:t>Use editor in MDN !</a:t>
             </a:r>
             <a:endParaRPr lang="en-US" sz="3200" dirty="0"/>
           </a:p>
@@ -18907,7 +19057,7 @@
         </p:nvSpPr>
         <p:spPr>
           <a:xfrm>
-            <a:off x="952500" y="254000"/>
+            <a:off x="967491" y="-285646"/>
             <a:ext cx="11099700" cy="2159100"/>
           </a:xfrm>
           <a:prstGeom prst="rect">
@@ -19107,10 +19257,18 @@
               <a:buNone/>
             </a:pPr>
             <a:r>
-              <a:rPr lang="en-US" sz="3200" u="sng" dirty="0" smtClean="0"/>
+              <a:rPr lang="en-US" sz="3200" u="sng" dirty="0" smtClean="0">
+                <a:solidFill>
+                  <a:srgbClr val="FFFF00"/>
+                </a:solidFill>
+              </a:rPr>
               <a:t>Question:</a:t>
             </a:r>
-            <a:endParaRPr lang="en-US" sz="3200" u="sng" dirty="0"/>
+            <a:endParaRPr lang="en-US" sz="3200" u="sng" dirty="0">
+              <a:solidFill>
+                <a:srgbClr val="FFFF00"/>
+              </a:solidFill>
+            </a:endParaRPr>
           </a:p>
           <a:p>
             <a:pPr marL="180975" indent="0">
@@ -19125,13 +19283,62 @@
                   <a:srgbClr val="FFC000"/>
                 </a:solidFill>
               </a:rPr>
-              <a:t>Filter all words which are longer than 6</a:t>
-            </a:r>
+              <a:t>Filter all words which are longer than </a:t>
+            </a:r>
+            <a:r>
+              <a:rPr lang="en-US" sz="3200" dirty="0" smtClean="0">
+                <a:solidFill>
+                  <a:srgbClr val="FFC000"/>
+                </a:solidFill>
+              </a:rPr>
+              <a:t>6</a:t>
+            </a:r>
+          </a:p>
+          <a:p>
+            <a:pPr marL="180975" indent="0">
+              <a:spcBef>
+                <a:spcPts val="0"/>
+              </a:spcBef>
+              <a:buNone/>
+            </a:pPr>
             <a:endParaRPr lang="en-US" sz="3200" dirty="0">
               <a:solidFill>
                 <a:srgbClr val="FFC000"/>
               </a:solidFill>
             </a:endParaRPr>
+          </a:p>
+          <a:p>
+            <a:pPr marL="180975" indent="0">
+              <a:spcBef>
+                <a:spcPts val="0"/>
+              </a:spcBef>
+              <a:buNone/>
+            </a:pPr>
+            <a:r>
+              <a:rPr lang="en-US" sz="3200" u="sng" dirty="0">
+                <a:solidFill>
+                  <a:srgbClr val="FFFF00"/>
+                </a:solidFill>
+              </a:rPr>
+              <a:t>Hint:</a:t>
+            </a:r>
+          </a:p>
+          <a:p>
+            <a:pPr marL="180975" indent="0">
+              <a:spcBef>
+                <a:spcPts val="0"/>
+              </a:spcBef>
+              <a:buNone/>
+            </a:pPr>
+            <a:r>
+              <a:rPr lang="en-US" sz="3200" dirty="0">
+                <a:solidFill>
+                  <a:srgbClr val="FFC000"/>
+                </a:solidFill>
+              </a:rPr>
+              <a:t>Use editor in MDN !</a:t>
+            </a:r>
+            <a:endParaRPr lang="en-US" sz="3200" dirty="0"/>
           </a:p>
         </p:txBody>
       </p:sp>
@@ -19308,7 +19515,11 @@
               <a:buNone/>
             </a:pPr>
             <a:r>
-              <a:rPr lang="en-US" sz="2800" u="sng" dirty="0" smtClean="0"/>
+              <a:rPr lang="en-US" sz="2800" u="sng" dirty="0" smtClean="0">
+                <a:solidFill>
+                  <a:srgbClr val="FFFF00"/>
+                </a:solidFill>
+              </a:rPr>
               <a:t>Question:</a:t>
             </a:r>
           </a:p>
@@ -19823,7 +20034,11 @@
               <a:buNone/>
             </a:pPr>
             <a:r>
-              <a:rPr lang="en-US" sz="2800" dirty="0" smtClean="0"/>
+              <a:rPr lang="en-US" sz="2800" u="sng" dirty="0" smtClean="0">
+                <a:solidFill>
+                  <a:srgbClr val="FFFF00"/>
+                </a:solidFill>
+              </a:rPr>
               <a:t>Question:</a:t>
             </a:r>
           </a:p>
@@ -19923,8 +20138,74 @@
             </a:r>
             <a:r>
               <a:rPr lang="en-US" sz="2800" dirty="0"/>
-              <a:t>("Hello", "Heidi"); //"Hello, Heidi"</a:t>
-            </a:r>
+              <a:t>("Hello", "Heidi"); //"Hello, </a:t>
+            </a:r>
+            <a:r>
+              <a:rPr lang="en-US" sz="2800" dirty="0" smtClean="0"/>
+              <a:t>Heidi”</a:t>
+            </a:r>
+          </a:p>
+          <a:p>
+            <a:pPr marL="36000" indent="0" fontAlgn="base">
+              <a:spcBef>
+                <a:spcPts val="1200"/>
+              </a:spcBef>
+              <a:buNone/>
+            </a:pPr>
+            <a:endParaRPr lang="en-US" sz="2800" dirty="0"/>
+          </a:p>
+          <a:p>
+            <a:pPr marL="36000" indent="0" fontAlgn="base">
+              <a:spcBef>
+                <a:spcPts val="1200"/>
+              </a:spcBef>
+              <a:buNone/>
+            </a:pPr>
+            <a:r>
+              <a:rPr lang="en-US" sz="2800" u="sng" dirty="0" smtClean="0">
+                <a:solidFill>
+                  <a:srgbClr val="FFFF00"/>
+                </a:solidFill>
+              </a:rPr>
+              <a:t>Solution:</a:t>
+            </a:r>
+          </a:p>
+          <a:p>
+            <a:pPr marL="36000" indent="0" fontAlgn="base">
+              <a:spcBef>
+                <a:spcPts val="1200"/>
+              </a:spcBef>
+              <a:buNone/>
+            </a:pPr>
+            <a:r>
+              <a:rPr lang="en-US" sz="2800" dirty="0"/>
+              <a:t>https://</a:t>
+            </a:r>
+            <a:r>
+              <a:rPr lang="en-US" sz="2800" dirty="0" err="1"/>
+              <a:t>www.sitepoint.com</a:t>
+            </a:r>
+            <a:r>
+              <a:rPr lang="en-US" sz="2800" dirty="0"/>
+              <a:t>/currying-in-functional-</a:t>
+            </a:r>
+            <a:r>
+              <a:rPr lang="en-US" sz="2800" dirty="0" err="1"/>
+              <a:t>javascript</a:t>
+            </a:r>
+            <a:r>
+              <a:rPr lang="en-US" sz="2800" dirty="0"/>
+              <a:t>/</a:t>
+            </a:r>
+          </a:p>
+          <a:p>
+            <a:pPr marL="36000" indent="0" fontAlgn="base">
+              <a:spcBef>
+                <a:spcPts val="1200"/>
+              </a:spcBef>
+              <a:buNone/>
+            </a:pPr>
+            <a:endParaRPr lang="en-US" sz="2800" dirty="0"/>
           </a:p>
         </p:txBody>
       </p:sp>
@@ -21301,7 +21582,7 @@
             <a:r>
               <a:rPr lang="en-US" sz="4000" i="1" dirty="0" smtClean="0">
                 <a:solidFill>
-                  <a:schemeClr val="bg1"/>
+                  <a:srgbClr val="FFFF00"/>
                 </a:solidFill>
               </a:rPr>
               <a:t>// </a:t>
@@ -21309,7 +21590,7 @@
             <a:r>
               <a:rPr lang="en-US" sz="4000" i="1" dirty="0">
                 <a:solidFill>
-                  <a:schemeClr val="bg1"/>
+                  <a:srgbClr val="FFFF00"/>
                 </a:solidFill>
               </a:rPr>
               <a:t>3</a:t>
@@ -21317,14 +21598,14 @@
             <a:r>
               <a:rPr lang="en-US" sz="4000" dirty="0">
                 <a:solidFill>
-                  <a:schemeClr val="bg1"/>
+                  <a:srgbClr val="FFFF00"/>
                 </a:solidFill>
               </a:rPr>
               <a:t> </a:t>
             </a:r>
             <a:endParaRPr lang="en-US" sz="4000" dirty="0" smtClean="0">
               <a:solidFill>
-                <a:schemeClr val="bg1"/>
+                <a:srgbClr val="FFFF00"/>
               </a:solidFill>
             </a:endParaRPr>
           </a:p>
@@ -21357,7 +21638,7 @@
             <a:r>
               <a:rPr lang="en-US" sz="4000" i="1" dirty="0" smtClean="0">
                 <a:solidFill>
-                  <a:schemeClr val="bg1"/>
+                  <a:srgbClr val="FFFF00"/>
                 </a:solidFill>
               </a:rPr>
               <a:t>// </a:t>
@@ -21365,14 +21646,14 @@
             <a:r>
               <a:rPr lang="en-US" sz="4000" i="1" dirty="0" err="1" smtClean="0">
                 <a:solidFill>
-                  <a:schemeClr val="bg1"/>
+                  <a:srgbClr val="FFFF00"/>
                 </a:solidFill>
               </a:rPr>
               <a:t>TypeError</a:t>
             </a:r>
             <a:endParaRPr lang="en-US" sz="4000" dirty="0" smtClean="0">
               <a:solidFill>
-                <a:schemeClr val="bg1"/>
+                <a:srgbClr val="FFFF00"/>
               </a:solidFill>
             </a:endParaRPr>
           </a:p>
@@ -21392,10 +21673,26 @@
                   <a:schemeClr val="bg1"/>
                 </a:solidFill>
               </a:rPr>
-              <a:t>(array</a:t>
-            </a:r>
-            <a:r>
-              <a:rPr lang="en-US" sz="4000" dirty="0"/>
+              <a:t>(array) </a:t>
+            </a:r>
+            <a:r>
+              <a:rPr lang="en-US" sz="4000" i="1" dirty="0" smtClean="0">
+                <a:solidFill>
+                  <a:srgbClr val="FFFF00"/>
+                </a:solidFill>
+              </a:rPr>
+              <a:t>// 3</a:t>
+            </a:r>
+            <a:r>
+              <a:rPr lang="en-US" sz="4000" dirty="0" smtClean="0">
+                <a:solidFill>
+                  <a:srgbClr val="FFFF00"/>
+                </a:solidFill>
+              </a:rPr>
+              <a:t> </a:t>
+            </a:r>
+            <a:r>
+              <a:rPr lang="en-US" sz="4000" dirty="0" smtClean="0"/>
               <a:t>) </a:t>
             </a:r>
             <a:r>
@@ -21654,12 +21951,20 @@
                   <a:schemeClr val="bg1"/>
                 </a:solidFill>
               </a:rPr>
-              <a:t>[ ...</a:t>
+              <a:t>[ </a:t>
+            </a:r>
+            <a:r>
+              <a:rPr lang="en-US" sz="4000" dirty="0">
+                <a:solidFill>
+                  <a:srgbClr val="FFFF00"/>
+                </a:solidFill>
+              </a:rPr>
+              <a:t>...</a:t>
             </a:r>
             <a:r>
               <a:rPr lang="en-US" sz="4000" dirty="0" err="1">
                 <a:solidFill>
-                  <a:schemeClr val="bg1"/>
+                  <a:srgbClr val="FFFF00"/>
                 </a:solidFill>
               </a:rPr>
               <a:t>prevArr</a:t>
@@ -21667,7 +21972,7 @@
             <a:r>
               <a:rPr lang="en-US" sz="4000" dirty="0">
                 <a:solidFill>
-                  <a:schemeClr val="bg1"/>
+                  <a:srgbClr val="FFFF00"/>
                 </a:solidFill>
               </a:rPr>
               <a:t> </a:t>
@@ -21873,7 +22178,7 @@
             <a:r>
               <a:rPr lang="en-US" sz="4000" i="1" dirty="0" smtClean="0">
                 <a:solidFill>
-                  <a:schemeClr val="bg1"/>
+                  <a:srgbClr val="FFFF00"/>
                 </a:solidFill>
               </a:rPr>
               <a:t>// </a:t>
@@ -21881,7 +22186,7 @@
             <a:r>
               <a:rPr lang="en-US" sz="4000" i="1" dirty="0">
                 <a:solidFill>
-                  <a:schemeClr val="bg1"/>
+                  <a:srgbClr val="FFFF00"/>
                 </a:solidFill>
               </a:rPr>
               <a:t>3</a:t>
@@ -21889,14 +22194,14 @@
             <a:r>
               <a:rPr lang="en-US" sz="4000" dirty="0">
                 <a:solidFill>
-                  <a:schemeClr val="bg1"/>
+                  <a:srgbClr val="FFFF00"/>
                 </a:solidFill>
               </a:rPr>
               <a:t> </a:t>
             </a:r>
             <a:endParaRPr lang="en-US" sz="4000" dirty="0" smtClean="0">
               <a:solidFill>
-                <a:schemeClr val="bg1"/>
+                <a:srgbClr val="FFFF00"/>
               </a:solidFill>
             </a:endParaRPr>
           </a:p>
@@ -21943,7 +22248,15 @@
                   <a:schemeClr val="bg1"/>
                 </a:solidFill>
               </a:rPr>
-              <a:t>(array);  // 1</a:t>
+              <a:t>(array);  </a:t>
+            </a:r>
+            <a:r>
+              <a:rPr lang="en-US" sz="4000" i="1" dirty="0" smtClean="0">
+                <a:solidFill>
+                  <a:srgbClr val="FFFF00"/>
+                </a:solidFill>
+              </a:rPr>
+              <a:t>// 1</a:t>
             </a:r>
             <a:r>
               <a:rPr lang="en-US" sz="4000" dirty="0" smtClean="0"/>

--- a/frontend-cursus/ 5 - Functional programmming.pptx
+++ b/frontend-cursus/ 5 - Functional programmming.pptx
@@ -2539,6 +2539,97 @@
               </a:spcBef>
               <a:buNone/>
             </a:pPr>
+            <a:r>
+              <a:rPr lang="en-US" sz="2200" b="0" i="0" u="none" strike="noStrike" kern="1200" cap="none" dirty="0" smtClean="0">
+                <a:solidFill>
+                  <a:schemeClr val="tx1"/>
+                </a:solidFill>
+                <a:effectLst/>
+                <a:latin typeface="Helvetica Neue"/>
+                <a:ea typeface="Helvetica Neue"/>
+                <a:cs typeface="Helvetica Neue"/>
+                <a:sym typeface="Helvetica Neue"/>
+              </a:rPr>
+              <a:t>Welk </a:t>
+            </a:r>
+            <a:r>
+              <a:rPr lang="en-US" sz="2200" b="0" i="0" u="none" strike="noStrike" kern="1200" cap="none" dirty="0" err="1" smtClean="0">
+                <a:solidFill>
+                  <a:schemeClr val="tx1"/>
+                </a:solidFill>
+                <a:effectLst/>
+                <a:latin typeface="Helvetica Neue"/>
+                <a:ea typeface="Helvetica Neue"/>
+                <a:cs typeface="Helvetica Neue"/>
+                <a:sym typeface="Helvetica Neue"/>
+              </a:rPr>
+              <a:t>getal</a:t>
+            </a:r>
+            <a:r>
+              <a:rPr lang="en-US" sz="2200" b="0" i="0" u="none" strike="noStrike" kern="1200" cap="none" dirty="0" smtClean="0">
+                <a:solidFill>
+                  <a:schemeClr val="tx1"/>
+                </a:solidFill>
+                <a:effectLst/>
+                <a:latin typeface="Helvetica Neue"/>
+                <a:ea typeface="Helvetica Neue"/>
+                <a:cs typeface="Helvetica Neue"/>
+                <a:sym typeface="Helvetica Neue"/>
+              </a:rPr>
+              <a:t> is NIET </a:t>
+            </a:r>
+            <a:r>
+              <a:rPr lang="en-US" sz="2200" b="0" i="0" u="none" strike="noStrike" kern="1200" cap="none" dirty="0" err="1" smtClean="0">
+                <a:solidFill>
+                  <a:schemeClr val="tx1"/>
+                </a:solidFill>
+                <a:effectLst/>
+                <a:latin typeface="Helvetica Neue"/>
+                <a:ea typeface="Helvetica Neue"/>
+                <a:cs typeface="Helvetica Neue"/>
+                <a:sym typeface="Helvetica Neue"/>
+              </a:rPr>
+              <a:t>deelbaar</a:t>
+            </a:r>
+            <a:r>
+              <a:rPr lang="en-US" sz="2200" b="0" i="0" u="none" strike="noStrike" kern="1200" cap="none" dirty="0" smtClean="0">
+                <a:solidFill>
+                  <a:schemeClr val="tx1"/>
+                </a:solidFill>
+                <a:effectLst/>
+                <a:latin typeface="Helvetica Neue"/>
+                <a:ea typeface="Helvetica Neue"/>
+                <a:cs typeface="Helvetica Neue"/>
+                <a:sym typeface="Helvetica Neue"/>
+              </a:rPr>
+              <a:t> door 2. (1 </a:t>
+            </a:r>
+            <a:r>
+              <a:rPr lang="en-US" sz="2200" b="0" i="0" u="none" strike="noStrike" kern="1200" cap="none" dirty="0" err="1" smtClean="0">
+                <a:solidFill>
+                  <a:schemeClr val="tx1"/>
+                </a:solidFill>
+                <a:effectLst/>
+                <a:latin typeface="Helvetica Neue"/>
+                <a:ea typeface="Helvetica Neue"/>
+                <a:cs typeface="Helvetica Neue"/>
+                <a:sym typeface="Helvetica Neue"/>
+              </a:rPr>
+              <a:t>en</a:t>
+            </a:r>
+            <a:r>
+              <a:rPr lang="en-US" sz="2200" b="0" i="0" u="none" strike="noStrike" kern="1200" cap="none" dirty="0" smtClean="0">
+                <a:solidFill>
+                  <a:schemeClr val="tx1"/>
+                </a:solidFill>
+                <a:effectLst/>
+                <a:latin typeface="Helvetica Neue"/>
+                <a:ea typeface="Helvetica Neue"/>
+                <a:cs typeface="Helvetica Neue"/>
+                <a:sym typeface="Helvetica Neue"/>
+              </a:rPr>
+              <a:t> 3)</a:t>
+            </a:r>
             <a:endParaRPr lang="en-US" sz="2200" b="0" i="0" u="none" strike="noStrike" kern="1200" cap="none" dirty="0" smtClean="0">
               <a:solidFill>
                 <a:schemeClr val="tx1"/>
@@ -3903,6 +3994,71 @@
               </a:spcBef>
               <a:buNone/>
             </a:pPr>
+            <a:r>
+              <a:rPr lang="en-US" sz="2200" b="0" i="0" u="none" strike="noStrike" kern="1200" cap="none" dirty="0" smtClean="0">
+                <a:solidFill>
+                  <a:schemeClr val="tx1"/>
+                </a:solidFill>
+                <a:effectLst/>
+                <a:latin typeface="Helvetica Neue"/>
+                <a:ea typeface="Helvetica Neue"/>
+                <a:cs typeface="Helvetica Neue"/>
+                <a:sym typeface="Helvetica Neue"/>
+              </a:rPr>
+              <a:t>https://</a:t>
+            </a:r>
+            <a:r>
+              <a:rPr lang="en-US" sz="2200" b="0" i="0" u="none" strike="noStrike" kern="1200" cap="none" dirty="0" err="1" smtClean="0">
+                <a:solidFill>
+                  <a:schemeClr val="tx1"/>
+                </a:solidFill>
+                <a:effectLst/>
+                <a:latin typeface="Helvetica Neue"/>
+                <a:ea typeface="Helvetica Neue"/>
+                <a:cs typeface="Helvetica Neue"/>
+                <a:sym typeface="Helvetica Neue"/>
+              </a:rPr>
+              <a:t>developer.mozilla.org</a:t>
+            </a:r>
+            <a:r>
+              <a:rPr lang="en-US" sz="2200" b="0" i="0" u="none" strike="noStrike" kern="1200" cap="none" dirty="0" smtClean="0">
+                <a:solidFill>
+                  <a:schemeClr val="tx1"/>
+                </a:solidFill>
+                <a:effectLst/>
+                <a:latin typeface="Helvetica Neue"/>
+                <a:ea typeface="Helvetica Neue"/>
+                <a:cs typeface="Helvetica Neue"/>
+                <a:sym typeface="Helvetica Neue"/>
+              </a:rPr>
+              <a:t>/</a:t>
+            </a:r>
+            <a:r>
+              <a:rPr lang="en-US" sz="2200" b="0" i="0" u="none" strike="noStrike" kern="1200" cap="none" dirty="0" err="1" smtClean="0">
+                <a:solidFill>
+                  <a:schemeClr val="tx1"/>
+                </a:solidFill>
+                <a:effectLst/>
+                <a:latin typeface="Helvetica Neue"/>
+                <a:ea typeface="Helvetica Neue"/>
+                <a:cs typeface="Helvetica Neue"/>
+                <a:sym typeface="Helvetica Neue"/>
+              </a:rPr>
+              <a:t>en</a:t>
+            </a:r>
+            <a:r>
+              <a:rPr lang="en-US" sz="2200" b="0" i="0" u="none" strike="noStrike" kern="1200" cap="none" dirty="0" smtClean="0">
+                <a:solidFill>
+                  <a:schemeClr val="tx1"/>
+                </a:solidFill>
+                <a:effectLst/>
+                <a:latin typeface="Helvetica Neue"/>
+                <a:ea typeface="Helvetica Neue"/>
+                <a:cs typeface="Helvetica Neue"/>
+                <a:sym typeface="Helvetica Neue"/>
+              </a:rPr>
+              <a:t>-US/docs/Web/JavaScript/Reference</a:t>
+            </a:r>
             <a:endParaRPr lang="en-US" sz="2200" b="0" i="0" u="none" strike="noStrike" kern="1200" cap="none" dirty="0" smtClean="0">
               <a:solidFill>
                 <a:schemeClr val="tx1"/>
@@ -4955,6 +5111,58 @@
                 <a:sym typeface="Helvetica Neue"/>
               </a:rPr>
               <a:t>Pure functions depend only on their arguments and return a value without causing side-effects. These functions will always return the same output given a specific input. </a:t>
+            </a:r>
+            <a:r>
+              <a:rPr lang="en-US" sz="2200" b="0" i="0" u="none" strike="noStrike" kern="1200" cap="none" dirty="0" smtClean="0">
+                <a:solidFill>
+                  <a:schemeClr val="tx1"/>
+                </a:solidFill>
+                <a:effectLst/>
+                <a:latin typeface="Helvetica Neue"/>
+                <a:ea typeface="Helvetica Neue"/>
+                <a:cs typeface="Helvetica Neue"/>
+                <a:sym typeface="Helvetica Neue"/>
+              </a:rPr>
+              <a:t>JE KAN NU</a:t>
+            </a:r>
+            <a:r>
+              <a:rPr lang="en-US" sz="2200" b="0" i="0" u="none" strike="noStrike" kern="1200" cap="none" baseline="0" dirty="0" smtClean="0">
+                <a:solidFill>
+                  <a:schemeClr val="tx1"/>
+                </a:solidFill>
+                <a:effectLst/>
+                <a:latin typeface="Helvetica Neue"/>
+                <a:ea typeface="Helvetica Neue"/>
+                <a:cs typeface="Helvetica Neue"/>
+                <a:sym typeface="Helvetica Neue"/>
+              </a:rPr>
+              <a:t> DE FUNCTIE AANROEPEN VOOR DE JUISTE WAARDE </a:t>
+            </a:r>
+            <a:r>
+              <a:rPr lang="en-US" sz="2200" b="0" i="0" u="none" strike="noStrike" kern="1200" cap="none" baseline="0" dirty="0" err="1" smtClean="0">
+                <a:solidFill>
+                  <a:schemeClr val="tx1"/>
+                </a:solidFill>
+                <a:effectLst/>
+                <a:latin typeface="Helvetica Neue"/>
+                <a:ea typeface="Helvetica Neue"/>
+                <a:cs typeface="Helvetica Neue"/>
+                <a:sym typeface="Helvetica Neue"/>
+              </a:rPr>
+              <a:t>ipv</a:t>
+            </a:r>
+            <a:r>
+              <a:rPr lang="en-US" sz="2200" b="0" i="0" u="none" strike="noStrike" kern="1200" cap="none" baseline="0" dirty="0" smtClean="0">
+                <a:solidFill>
+                  <a:schemeClr val="tx1"/>
+                </a:solidFill>
+                <a:effectLst/>
+                <a:latin typeface="Helvetica Neue"/>
+                <a:ea typeface="Helvetica Neue"/>
+                <a:cs typeface="Helvetica Neue"/>
+                <a:sym typeface="Helvetica Neue"/>
+              </a:rPr>
+              <a:t> DE GLOBALE ‘COUNT’ VAR.</a:t>
             </a:r>
             <a:endParaRPr dirty="0"/>
           </a:p>
@@ -12751,11 +12959,6 @@
               </a:rPr>
               <a:t>(immutable)</a:t>
             </a:r>
-            <a:endParaRPr lang="en-US" sz="2800" dirty="0" smtClean="0">
-              <a:solidFill>
-                <a:schemeClr val="bg1"/>
-              </a:solidFill>
-            </a:endParaRPr>
           </a:p>
           <a:p>
             <a:pPr marL="571500" lvl="2" indent="-571500">
@@ -17966,7 +18169,19 @@
             </a:r>
             <a:r>
               <a:rPr lang="en-US" sz="3200" dirty="0"/>
-              <a:t> factorial = function ( n ) { </a:t>
+              <a:t> </a:t>
+            </a:r>
+            <a:r>
+              <a:rPr lang="en-US" sz="3200" b="1" dirty="0">
+                <a:solidFill>
+                  <a:srgbClr val="92D050"/>
+                </a:solidFill>
+              </a:rPr>
+              <a:t>factorial</a:t>
+            </a:r>
+            <a:r>
+              <a:rPr lang="en-US" sz="3200" dirty="0"/>
+              <a:t> = function ( n ) { </a:t>
             </a:r>
             <a:endParaRPr lang="en-US" sz="3200" dirty="0" smtClean="0"/>
           </a:p>
@@ -18053,7 +18268,19 @@
             </a:r>
             <a:r>
               <a:rPr lang="en-US" sz="3200" dirty="0"/>
-              <a:t>n * factorial( n - 1 ); </a:t>
+              <a:t>n * </a:t>
+            </a:r>
+            <a:r>
+              <a:rPr lang="en-US" sz="3200" b="1" dirty="0">
+                <a:solidFill>
+                  <a:srgbClr val="92D050"/>
+                </a:solidFill>
+              </a:rPr>
+              <a:t>factorial</a:t>
+            </a:r>
+            <a:r>
+              <a:rPr lang="en-US" sz="3200" dirty="0"/>
+              <a:t>( n - 1 ); </a:t>
             </a:r>
             <a:endParaRPr lang="en-US" sz="3200" dirty="0" smtClean="0"/>
           </a:p>
@@ -18091,7 +18318,15 @@
             </a:r>
             <a:r>
               <a:rPr lang="en-US" sz="3200" dirty="0" smtClean="0"/>
-              <a:t>(factorial</a:t>
+              <a:t>(</a:t>
+            </a:r>
+            <a:r>
+              <a:rPr lang="en-US" sz="3200" b="1" dirty="0" smtClean="0">
+                <a:solidFill>
+                  <a:srgbClr val="92D050"/>
+                </a:solidFill>
+              </a:rPr>
+              <a:t>factorial</a:t>
             </a:r>
             <a:r>
               <a:rPr lang="en-US" sz="3200" dirty="0"/>
@@ -18538,9 +18773,82 @@
                   <a:srgbClr val="FFC000"/>
                 </a:solidFill>
               </a:rPr>
-              <a:t>Use editor in MDN !</a:t>
-            </a:r>
-            <a:endParaRPr lang="en-US" sz="3200" dirty="0"/>
+              <a:t>Use editor in </a:t>
+            </a:r>
+            <a:r>
+              <a:rPr lang="en-US" sz="3200" dirty="0" smtClean="0">
+                <a:solidFill>
+                  <a:srgbClr val="FFC000"/>
+                </a:solidFill>
+              </a:rPr>
+              <a:t>MDN:</a:t>
+            </a:r>
+          </a:p>
+          <a:p>
+            <a:pPr marL="180975" indent="0">
+              <a:spcBef>
+                <a:spcPts val="0"/>
+              </a:spcBef>
+              <a:buNone/>
+            </a:pPr>
+            <a:endParaRPr lang="en-US" sz="3200" dirty="0" smtClean="0">
+              <a:solidFill>
+                <a:srgbClr val="FFC000"/>
+              </a:solidFill>
+            </a:endParaRPr>
+          </a:p>
+          <a:p>
+            <a:pPr marL="180975" indent="0">
+              <a:spcBef>
+                <a:spcPts val="0"/>
+              </a:spcBef>
+              <a:buNone/>
+            </a:pPr>
+            <a:r>
+              <a:rPr lang="en-US" sz="3200" b="1" dirty="0">
+                <a:solidFill>
+                  <a:srgbClr val="FFFF00"/>
+                </a:solidFill>
+              </a:rPr>
+              <a:t>https://</a:t>
+            </a:r>
+            <a:r>
+              <a:rPr lang="en-US" sz="3200" b="1" dirty="0" err="1">
+                <a:solidFill>
+                  <a:srgbClr val="FFFF00"/>
+                </a:solidFill>
+              </a:rPr>
+              <a:t>developer.mozilla.org</a:t>
+            </a:r>
+            <a:r>
+              <a:rPr lang="en-US" sz="3200" b="1" dirty="0">
+                <a:solidFill>
+                  <a:srgbClr val="FFFF00"/>
+                </a:solidFill>
+              </a:rPr>
+              <a:t>/</a:t>
+            </a:r>
+            <a:r>
+              <a:rPr lang="en-US" sz="3200" b="1" dirty="0" err="1">
+                <a:solidFill>
+                  <a:srgbClr val="FFFF00"/>
+                </a:solidFill>
+              </a:rPr>
+              <a:t>en</a:t>
+            </a:r>
+            <a:r>
+              <a:rPr lang="en-US" sz="3200" b="1" dirty="0">
+                <a:solidFill>
+                  <a:srgbClr val="FFFF00"/>
+                </a:solidFill>
+              </a:rPr>
+              <a:t>-US/docs/Web/JavaScript/Reference </a:t>
+            </a:r>
+            <a:endParaRPr lang="en-US" sz="3200" b="1" dirty="0">
+              <a:solidFill>
+                <a:srgbClr val="FFFF00"/>
+              </a:solidFill>
+            </a:endParaRPr>
           </a:p>
           <a:p>
             <a:pPr marL="180975" indent="0">
@@ -18944,7 +19252,6 @@
               <a:rPr lang="en-US" sz="3200" dirty="0" smtClean="0"/>
               <a:t>(map1); </a:t>
             </a:r>
-            <a:endParaRPr lang="en-US" sz="3200" dirty="0" smtClean="0"/>
           </a:p>
           <a:p>
             <a:pPr marL="180975" indent="0">
@@ -19283,15 +19590,7 @@
                   <a:srgbClr val="FFC000"/>
                 </a:solidFill>
               </a:rPr>
-              <a:t>Filter all words which are longer than </a:t>
-            </a:r>
-            <a:r>
-              <a:rPr lang="en-US" sz="3200" dirty="0" smtClean="0">
-                <a:solidFill>
-                  <a:srgbClr val="FFC000"/>
-                </a:solidFill>
-              </a:rPr>
-              <a:t>6</a:t>
+              <a:t>Filter all words which are longer than 6</a:t>
             </a:r>
           </a:p>
           <a:p>
@@ -21379,7 +21678,23 @@
                   <a:schemeClr val="bg1"/>
                 </a:solidFill>
               </a:rPr>
-              <a:t> array </a:t>
+              <a:t> </a:t>
+            </a:r>
+            <a:r>
+              <a:rPr lang="en-US" sz="4000" dirty="0">
+                <a:solidFill>
+                  <a:srgbClr val="92D050"/>
+                </a:solidFill>
+              </a:rPr>
+              <a:t>array</a:t>
+            </a:r>
+            <a:r>
+              <a:rPr lang="en-US" sz="4000" dirty="0">
+                <a:solidFill>
+                  <a:schemeClr val="bg1"/>
+                </a:solidFill>
+              </a:rPr>
+              <a:t> </a:t>
             </a:r>
             <a:r>
               <a:rPr lang="en-US" sz="4000" b="1" dirty="0">
@@ -21467,7 +21782,23 @@
                   <a:schemeClr val="bg1"/>
                 </a:solidFill>
               </a:rPr>
-              <a:t> (array) </a:t>
+              <a:t> (</a:t>
+            </a:r>
+            <a:r>
+              <a:rPr lang="en-US" sz="4000" dirty="0">
+                <a:solidFill>
+                  <a:srgbClr val="92D050"/>
+                </a:solidFill>
+              </a:rPr>
+              <a:t>array</a:t>
+            </a:r>
+            <a:r>
+              <a:rPr lang="en-US" sz="4000" dirty="0">
+                <a:solidFill>
+                  <a:schemeClr val="bg1"/>
+                </a:solidFill>
+              </a:rPr>
+              <a:t>) </a:t>
             </a:r>
             <a:r>
               <a:rPr lang="en-US" sz="4000" b="1" dirty="0">
@@ -21523,10 +21854,18 @@
             <a:r>
               <a:rPr lang="en-US" sz="4000" dirty="0">
                 <a:solidFill>
+                  <a:srgbClr val="92D050"/>
+                </a:solidFill>
+              </a:rPr>
+              <a:t>array</a:t>
+            </a:r>
+            <a:r>
+              <a:rPr lang="en-US" sz="4000" dirty="0">
+                <a:solidFill>
                   <a:schemeClr val="bg1"/>
                 </a:solidFill>
               </a:rPr>
-              <a:t>array[0]; </a:t>
+              <a:t>[0]; </a:t>
             </a:r>
             <a:endParaRPr lang="en-US" sz="4000" dirty="0" smtClean="0">
               <a:solidFill>
@@ -21561,7 +21900,15 @@
                   <a:schemeClr val="bg1"/>
                 </a:solidFill>
               </a:rPr>
-              <a:t>(array</a:t>
+              <a:t>(</a:t>
+            </a:r>
+            <a:r>
+              <a:rPr lang="en-US" sz="4000" dirty="0" smtClean="0">
+                <a:solidFill>
+                  <a:srgbClr val="92D050"/>
+                </a:solidFill>
+              </a:rPr>
+              <a:t>array</a:t>
             </a:r>
             <a:r>
               <a:rPr lang="en-US" sz="4000" dirty="0">
@@ -21614,10 +21961,18 @@
             <a:r>
               <a:rPr lang="en-US" sz="4000" dirty="0" err="1" smtClean="0">
                 <a:solidFill>
+                  <a:srgbClr val="92D050"/>
+                </a:solidFill>
+              </a:rPr>
+              <a:t>array</a:t>
+            </a:r>
+            <a:r>
+              <a:rPr lang="en-US" sz="4000" dirty="0" err="1" smtClean="0">
+                <a:solidFill>
                   <a:schemeClr val="bg1"/>
                 </a:solidFill>
               </a:rPr>
-              <a:t>array.sort</a:t>
+              <a:t>.sort</a:t>
             </a:r>
             <a:r>
               <a:rPr lang="en-US" sz="4000" dirty="0">
@@ -21673,7 +22028,23 @@
                   <a:schemeClr val="bg1"/>
                 </a:solidFill>
               </a:rPr>
-              <a:t>(array) </a:t>
+              <a:t>(</a:t>
+            </a:r>
+            <a:r>
+              <a:rPr lang="en-US" sz="4000" dirty="0" smtClean="0">
+                <a:solidFill>
+                  <a:srgbClr val="92D050"/>
+                </a:solidFill>
+              </a:rPr>
+              <a:t>array</a:t>
+            </a:r>
+            <a:r>
+              <a:rPr lang="en-US" sz="4000" dirty="0" smtClean="0">
+                <a:solidFill>
+                  <a:schemeClr val="bg1"/>
+                </a:solidFill>
+              </a:rPr>
+              <a:t>) </a:t>
             </a:r>
             <a:r>
               <a:rPr lang="en-US" sz="4000" i="1" dirty="0" smtClean="0">
@@ -21943,7 +22314,23 @@
                   <a:schemeClr val="bg1"/>
                 </a:solidFill>
               </a:rPr>
-              <a:t> array = </a:t>
+              <a:t> </a:t>
+            </a:r>
+            <a:r>
+              <a:rPr lang="en-US" sz="4000" dirty="0" smtClean="0">
+                <a:solidFill>
+                  <a:srgbClr val="92D050"/>
+                </a:solidFill>
+              </a:rPr>
+              <a:t>array </a:t>
+            </a:r>
+            <a:r>
+              <a:rPr lang="en-US" sz="4000" dirty="0" smtClean="0">
+                <a:solidFill>
+                  <a:schemeClr val="bg1"/>
+                </a:solidFill>
+              </a:rPr>
+              <a:t>= </a:t>
             </a:r>
             <a:r>
               <a:rPr lang="en-US" sz="4000" dirty="0">
@@ -21988,7 +22375,7 @@
             <a:r>
               <a:rPr lang="en-US" sz="2800" dirty="0" smtClean="0">
                 <a:solidFill>
-                  <a:srgbClr val="FFC000"/>
+                  <a:srgbClr val="FF0000"/>
                 </a:solidFill>
               </a:rPr>
               <a:t>// copy with </a:t>
@@ -21996,14 +22383,14 @@
             <a:r>
               <a:rPr lang="en-US" sz="2800" dirty="0">
                 <a:solidFill>
-                  <a:srgbClr val="FFC000"/>
+                  <a:srgbClr val="FF0000"/>
                 </a:solidFill>
               </a:rPr>
               <a:t>spread operator</a:t>
             </a:r>
             <a:endParaRPr lang="en-US" sz="2800" dirty="0" smtClean="0">
               <a:solidFill>
-                <a:srgbClr val="FFC000"/>
+                <a:srgbClr val="FF0000"/>
               </a:solidFill>
             </a:endParaRPr>
           </a:p>
@@ -22058,12 +22445,28 @@
               <a:t> </a:t>
             </a:r>
             <a:r>
+              <a:rPr lang="en-US" sz="4000" dirty="0">
+                <a:solidFill>
+                  <a:schemeClr val="bg1"/>
+                </a:solidFill>
+              </a:rPr>
+              <a:t>(</a:t>
+            </a:r>
+            <a:r>
               <a:rPr lang="en-US" sz="4000" dirty="0" smtClean="0">
                 <a:solidFill>
+                  <a:srgbClr val="92D050"/>
+                </a:solidFill>
+              </a:rPr>
+              <a:t>array</a:t>
+            </a:r>
+            <a:r>
+              <a:rPr lang="en-US" sz="4000" dirty="0" smtClean="0">
+                <a:solidFill>
                   <a:schemeClr val="bg1"/>
                 </a:solidFill>
               </a:rPr>
-              <a:t>(input) </a:t>
+              <a:t>) </a:t>
             </a:r>
             <a:r>
               <a:rPr lang="en-US" sz="4000" b="1" dirty="0">
@@ -22119,10 +22522,18 @@
             <a:r>
               <a:rPr lang="en-US" sz="4000" dirty="0">
                 <a:solidFill>
+                  <a:srgbClr val="92D050"/>
+                </a:solidFill>
+              </a:rPr>
+              <a:t>array</a:t>
+            </a:r>
+            <a:r>
+              <a:rPr lang="en-US" sz="4000" dirty="0">
+                <a:solidFill>
                   <a:schemeClr val="bg1"/>
                 </a:solidFill>
               </a:rPr>
-              <a:t>array[0]; </a:t>
+              <a:t>[0]; </a:t>
             </a:r>
             <a:endParaRPr lang="en-US" sz="4000" dirty="0" smtClean="0">
               <a:solidFill>
@@ -22157,7 +22568,15 @@
                   <a:schemeClr val="bg1"/>
                 </a:solidFill>
               </a:rPr>
-              <a:t>(array</a:t>
+              <a:t>(</a:t>
+            </a:r>
+            <a:r>
+              <a:rPr lang="en-US" sz="4000" dirty="0" smtClean="0">
+                <a:solidFill>
+                  <a:srgbClr val="92D050"/>
+                </a:solidFill>
+              </a:rPr>
+              <a:t>array</a:t>
             </a:r>
             <a:r>
               <a:rPr lang="en-US" sz="4000" dirty="0">
@@ -22210,10 +22629,18 @@
             <a:r>
               <a:rPr lang="en-US" sz="4000" dirty="0" err="1" smtClean="0">
                 <a:solidFill>
+                  <a:srgbClr val="92D050"/>
+                </a:solidFill>
+              </a:rPr>
+              <a:t>array</a:t>
+            </a:r>
+            <a:r>
+              <a:rPr lang="en-US" sz="4000" dirty="0" err="1" smtClean="0">
+                <a:solidFill>
                   <a:schemeClr val="bg1"/>
                 </a:solidFill>
               </a:rPr>
-              <a:t>array.sort</a:t>
+              <a:t>.sort</a:t>
             </a:r>
             <a:r>
               <a:rPr lang="en-US" sz="4000" dirty="0">
@@ -22248,7 +22675,23 @@
                   <a:schemeClr val="bg1"/>
                 </a:solidFill>
               </a:rPr>
-              <a:t>(array);  </a:t>
+              <a:t>(</a:t>
+            </a:r>
+            <a:r>
+              <a:rPr lang="en-US" sz="4000" dirty="0" smtClean="0">
+                <a:solidFill>
+                  <a:srgbClr val="92D050"/>
+                </a:solidFill>
+              </a:rPr>
+              <a:t>array</a:t>
+            </a:r>
+            <a:r>
+              <a:rPr lang="en-US" sz="4000" dirty="0" smtClean="0">
+                <a:solidFill>
+                  <a:schemeClr val="bg1"/>
+                </a:solidFill>
+              </a:rPr>
+              <a:t>);  </a:t>
             </a:r>
             <a:r>
               <a:rPr lang="en-US" sz="4000" i="1" dirty="0" smtClean="0">

--- a/frontend-cursus/ 5 - Functional programmming.pptx
+++ b/frontend-cursus/ 5 - Functional programmming.pptx
@@ -2630,16 +2630,6 @@
               </a:rPr>
               <a:t> 3)</a:t>
             </a:r>
-            <a:endParaRPr lang="en-US" sz="2200" b="0" i="0" u="none" strike="noStrike" kern="1200" cap="none" dirty="0" smtClean="0">
-              <a:solidFill>
-                <a:schemeClr val="tx1"/>
-              </a:solidFill>
-              <a:effectLst/>
-              <a:latin typeface="Helvetica Neue"/>
-              <a:ea typeface="Helvetica Neue"/>
-              <a:cs typeface="Helvetica Neue"/>
-              <a:sym typeface="Helvetica Neue"/>
-            </a:endParaRPr>
           </a:p>
         </p:txBody>
       </p:sp>
@@ -4059,16 +4049,6 @@
               </a:rPr>
               <a:t>-US/docs/Web/JavaScript/Reference</a:t>
             </a:r>
-            <a:endParaRPr lang="en-US" sz="2200" b="0" i="0" u="none" strike="noStrike" kern="1200" cap="none" dirty="0" smtClean="0">
-              <a:solidFill>
-                <a:schemeClr val="tx1"/>
-              </a:solidFill>
-              <a:effectLst/>
-              <a:latin typeface="Helvetica Neue"/>
-              <a:ea typeface="Helvetica Neue"/>
-              <a:cs typeface="Helvetica Neue"/>
-              <a:sym typeface="Helvetica Neue"/>
-            </a:endParaRPr>
           </a:p>
         </p:txBody>
       </p:sp>
@@ -5110,20 +5090,7 @@
                 <a:cs typeface="Helvetica Neue"/>
                 <a:sym typeface="Helvetica Neue"/>
               </a:rPr>
-              <a:t>Pure functions depend only on their arguments and return a value without causing side-effects. These functions will always return the same output given a specific input. </a:t>
-            </a:r>
-            <a:r>
-              <a:rPr lang="en-US" sz="2200" b="0" i="0" u="none" strike="noStrike" kern="1200" cap="none" dirty="0" smtClean="0">
-                <a:solidFill>
-                  <a:schemeClr val="tx1"/>
-                </a:solidFill>
-                <a:effectLst/>
-                <a:latin typeface="Helvetica Neue"/>
-                <a:ea typeface="Helvetica Neue"/>
-                <a:cs typeface="Helvetica Neue"/>
-                <a:sym typeface="Helvetica Neue"/>
-              </a:rPr>
-              <a:t>JE KAN NU</a:t>
+              <a:t>Pure functions depend only on their arguments and return a value without causing side-effects. These functions will always return the same output given a specific input. JE KAN NU</a:t>
             </a:r>
             <a:r>
               <a:rPr lang="en-US" sz="2200" b="0" i="0" u="none" strike="noStrike" kern="1200" cap="none" baseline="0" dirty="0" smtClean="0">
@@ -18783,34 +18750,37 @@
               </a:rPr>
               <a:t>MDN:</a:t>
             </a:r>
-          </a:p>
-          <a:p>
-            <a:pPr marL="180975" indent="0">
-              <a:spcBef>
-                <a:spcPts val="0"/>
-              </a:spcBef>
-              <a:buNone/>
-            </a:pPr>
-            <a:endParaRPr lang="en-US" sz="3200" dirty="0" smtClean="0">
-              <a:solidFill>
-                <a:srgbClr val="FFC000"/>
-              </a:solidFill>
-            </a:endParaRPr>
-          </a:p>
-          <a:p>
-            <a:pPr marL="180975" indent="0">
-              <a:spcBef>
-                <a:spcPts val="0"/>
-              </a:spcBef>
-              <a:buNone/>
-            </a:pPr>
+            <a:r>
+              <a:rPr lang="en-US" sz="3200" dirty="0">
+                <a:solidFill>
+                  <a:srgbClr val="FFC000"/>
+                </a:solidFill>
+              </a:rPr>
+              <a:t> </a:t>
+            </a:r>
+            <a:r>
+              <a:rPr lang="en-US" sz="3200" dirty="0" smtClean="0">
+                <a:solidFill>
+                  <a:srgbClr val="FFC000"/>
+                </a:solidFill>
+              </a:rPr>
+              <a:t> </a:t>
+            </a:r>
+            <a:r>
+              <a:rPr lang="en-US" sz="3200" b="1" dirty="0" smtClean="0">
+                <a:solidFill>
+                  <a:srgbClr val="FFFF00"/>
+                </a:solidFill>
+              </a:rPr>
+              <a:t>https</a:t>
+            </a:r>
             <a:r>
               <a:rPr lang="en-US" sz="3200" b="1" dirty="0">
                 <a:solidFill>
                   <a:srgbClr val="FFFF00"/>
                 </a:solidFill>
               </a:rPr>
-              <a:t>https://</a:t>
+              <a:t>://</a:t>
             </a:r>
             <a:r>
               <a:rPr lang="en-US" sz="3200" b="1" dirty="0" err="1">
@@ -18844,11 +18814,6 @@
               </a:rPr>
               <a:t>-US/docs/Web/JavaScript/Reference </a:t>
             </a:r>
-            <a:endParaRPr lang="en-US" sz="3200" b="1" dirty="0">
-              <a:solidFill>
-                <a:srgbClr val="FFFF00"/>
-              </a:solidFill>
-            </a:endParaRPr>
           </a:p>
           <a:p>
             <a:pPr marL="180975" indent="0">
@@ -22442,15 +22407,7 @@
                   <a:schemeClr val="bg1"/>
                 </a:solidFill>
               </a:rPr>
-              <a:t> </a:t>
-            </a:r>
-            <a:r>
-              <a:rPr lang="en-US" sz="4000" dirty="0">
-                <a:solidFill>
-                  <a:schemeClr val="bg1"/>
-                </a:solidFill>
-              </a:rPr>
-              <a:t>(</a:t>
+              <a:t> (</a:t>
             </a:r>
             <a:r>
               <a:rPr lang="en-US" sz="4000" dirty="0" smtClean="0">

--- a/frontend-cursus/ 5 - Functional programmming.pptx
+++ b/frontend-cursus/ 5 - Functional programmming.pptx
@@ -997,7 +997,7 @@
               <a:defRPr/>
             </a:pPr>
             <a:r>
-              <a:rPr lang="en-US" sz="2200" b="0" i="0" u="none" strike="noStrike" kern="1200" cap="none" dirty="0" smtClean="0">
+              <a:rPr lang="en-US" sz="2200" b="0" i="0" u="none" strike="noStrike" kern="1200" cap="none" dirty="0">
                 <a:solidFill>
                   <a:schemeClr val="tx1"/>
                 </a:solidFill>
@@ -1010,11 +1010,11 @@
               <a:t>Think of </a:t>
             </a:r>
             <a:r>
-              <a:rPr lang="en-US" dirty="0" smtClean="0"/>
+              <a:rPr lang="en-US" dirty="0"/>
               <a:t>map</a:t>
             </a:r>
             <a:r>
-              <a:rPr lang="en-US" sz="2200" b="0" i="0" u="none" strike="noStrike" kern="1200" cap="none" dirty="0" smtClean="0">
+              <a:rPr lang="en-US" sz="2200" b="0" i="0" u="none" strike="noStrike" kern="1200" cap="none" dirty="0">
                 <a:solidFill>
                   <a:schemeClr val="tx1"/>
                 </a:solidFill>
@@ -1027,7 +1027,7 @@
               <a:t> as a "for each" loop, that is specifically for </a:t>
             </a:r>
             <a:r>
-              <a:rPr lang="en-US" sz="2200" b="0" i="1" u="none" strike="noStrike" kern="1200" cap="none" dirty="0" smtClean="0">
+              <a:rPr lang="en-US" sz="2200" b="0" i="1" u="none" strike="noStrike" kern="1200" cap="none" dirty="0">
                 <a:solidFill>
                   <a:schemeClr val="tx1"/>
                 </a:solidFill>
@@ -1040,7 +1040,7 @@
               <a:t>transforming</a:t>
             </a:r>
             <a:r>
-              <a:rPr lang="en-US" sz="2200" b="0" i="0" u="none" strike="noStrike" kern="1200" cap="none" dirty="0" smtClean="0">
+              <a:rPr lang="en-US" sz="2200" b="0" i="0" u="none" strike="noStrike" kern="1200" cap="none" dirty="0">
                 <a:solidFill>
                   <a:schemeClr val="tx1"/>
                 </a:solidFill>
@@ -1052,7 +1052,7 @@
               </a:rPr>
               <a:t> values - one input value corresponds to one 'transformed' output value.</a:t>
             </a:r>
-            <a:endParaRPr lang="en-US" dirty="0" smtClean="0"/>
+            <a:endParaRPr lang="en-US" dirty="0"/>
           </a:p>
           <a:p>
             <a:pPr lvl="0">
@@ -1167,7 +1167,7 @@
               </a:spcBef>
               <a:buNone/>
             </a:pPr>
-            <a:endParaRPr lang="en-US" sz="2200" b="0" i="0" u="none" strike="noStrike" kern="1200" cap="none" dirty="0" smtClean="0">
+            <a:endParaRPr lang="en-US" sz="2200" b="0" i="0" u="none" strike="noStrike" kern="1200" cap="none" dirty="0">
               <a:solidFill>
                 <a:schemeClr val="tx1"/>
               </a:solidFill>
@@ -1283,7 +1283,7 @@
               <a:buAutoNum type="arabicPeriod"/>
             </a:pPr>
             <a:r>
-              <a:rPr lang="nl-NL" sz="2200" b="0" i="0" u="none" strike="noStrike" kern="1200" cap="none" dirty="0" err="1" smtClean="0">
+              <a:rPr lang="nl-NL" sz="2200" b="0" i="0" u="none" strike="noStrike" kern="1200" cap="none" dirty="0" err="1">
                 <a:solidFill>
                   <a:schemeClr val="tx1"/>
                 </a:solidFill>
@@ -1296,7 +1296,7 @@
               <a:t>If</a:t>
             </a:r>
             <a:r>
-              <a:rPr lang="nl-NL" sz="2200" b="0" i="0" u="none" strike="noStrike" kern="1200" cap="none" dirty="0" smtClean="0">
+              <a:rPr lang="nl-NL" sz="2200" b="0" i="0" u="none" strike="noStrike" kern="1200" cap="none" dirty="0">
                 <a:solidFill>
                   <a:schemeClr val="tx1"/>
                 </a:solidFill>
@@ -1309,7 +1309,7 @@
               <a:t> </a:t>
             </a:r>
             <a:r>
-              <a:rPr lang="nl-NL" sz="2200" b="0" i="0" u="none" strike="noStrike" kern="1200" cap="none" dirty="0" err="1" smtClean="0">
+              <a:rPr lang="nl-NL" sz="2200" b="0" i="0" u="none" strike="noStrike" kern="1200" cap="none" dirty="0" err="1">
                 <a:solidFill>
                   <a:schemeClr val="tx1"/>
                 </a:solidFill>
@@ -1322,7 +1322,7 @@
               <a:t>the</a:t>
             </a:r>
             <a:r>
-              <a:rPr lang="nl-NL" sz="2200" b="0" i="0" u="none" strike="noStrike" kern="1200" cap="none" dirty="0" smtClean="0">
+              <a:rPr lang="nl-NL" sz="2200" b="0" i="0" u="none" strike="noStrike" kern="1200" cap="none" dirty="0">
                 <a:solidFill>
                   <a:schemeClr val="tx1"/>
                 </a:solidFill>
@@ -1335,7 +1335,7 @@
               <a:t> 'source array' has </a:t>
             </a:r>
             <a:r>
-              <a:rPr lang="nl-NL" sz="2200" b="0" i="0" u="none" strike="noStrike" kern="1200" cap="none" dirty="0" err="1" smtClean="0">
+              <a:rPr lang="nl-NL" sz="2200" b="0" i="0" u="none" strike="noStrike" kern="1200" cap="none" dirty="0" err="1">
                 <a:solidFill>
                   <a:schemeClr val="tx1"/>
                 </a:solidFill>
@@ -1348,7 +1348,7 @@
               <a:t>an</a:t>
             </a:r>
             <a:r>
-              <a:rPr lang="nl-NL" sz="2200" b="0" i="0" u="none" strike="noStrike" kern="1200" cap="none" dirty="0" smtClean="0">
+              <a:rPr lang="nl-NL" sz="2200" b="0" i="0" u="none" strike="noStrike" kern="1200" cap="none" dirty="0">
                 <a:solidFill>
                   <a:schemeClr val="tx1"/>
                 </a:solidFill>
@@ -1361,7 +1361,7 @@
               <a:t> X </a:t>
             </a:r>
             <a:r>
-              <a:rPr lang="nl-NL" sz="2200" b="0" i="0" u="none" strike="noStrike" kern="1200" cap="none" dirty="0" err="1" smtClean="0">
+              <a:rPr lang="nl-NL" sz="2200" b="0" i="0" u="none" strike="noStrike" kern="1200" cap="none" dirty="0" err="1">
                 <a:solidFill>
                   <a:schemeClr val="tx1"/>
                 </a:solidFill>
@@ -1374,7 +1374,7 @@
               <a:t>amount</a:t>
             </a:r>
             <a:r>
-              <a:rPr lang="nl-NL" sz="2200" b="0" i="0" u="none" strike="noStrike" kern="1200" cap="none" dirty="0" smtClean="0">
+              <a:rPr lang="nl-NL" sz="2200" b="0" i="0" u="none" strike="noStrike" kern="1200" cap="none" dirty="0">
                 <a:solidFill>
                   <a:schemeClr val="tx1"/>
                 </a:solidFill>
@@ -1387,7 +1387,7 @@
               <a:t> of </a:t>
             </a:r>
             <a:r>
-              <a:rPr lang="nl-NL" sz="2200" b="0" i="0" u="none" strike="noStrike" kern="1200" cap="none" dirty="0" err="1" smtClean="0">
+              <a:rPr lang="nl-NL" sz="2200" b="0" i="0" u="none" strike="noStrike" kern="1200" cap="none" dirty="0" err="1">
                 <a:solidFill>
                   <a:schemeClr val="tx1"/>
                 </a:solidFill>
@@ -1400,7 +1400,7 @@
               <a:t>elements</a:t>
             </a:r>
             <a:r>
-              <a:rPr lang="nl-NL" sz="2200" b="0" i="0" u="none" strike="noStrike" kern="1200" cap="none" dirty="0" smtClean="0">
+              <a:rPr lang="nl-NL" sz="2200" b="0" i="0" u="none" strike="noStrike" kern="1200" cap="none" dirty="0">
                 <a:solidFill>
                   <a:schemeClr val="tx1"/>
                 </a:solidFill>
@@ -1413,7 +1413,7 @@
               <a:t>, </a:t>
             </a:r>
             <a:r>
-              <a:rPr lang="nl-NL" sz="2200" b="0" i="0" u="none" strike="noStrike" kern="1200" cap="none" dirty="0" err="1" smtClean="0">
+              <a:rPr lang="nl-NL" sz="2200" b="0" i="0" u="none" strike="noStrike" kern="1200" cap="none" dirty="0" err="1">
                 <a:solidFill>
                   <a:schemeClr val="tx1"/>
                 </a:solidFill>
@@ -1426,7 +1426,7 @@
               <a:t>then</a:t>
             </a:r>
             <a:r>
-              <a:rPr lang="nl-NL" sz="2200" b="0" i="0" u="none" strike="noStrike" kern="1200" cap="none" dirty="0" smtClean="0">
+              <a:rPr lang="nl-NL" sz="2200" b="0" i="0" u="none" strike="noStrike" kern="1200" cap="none" dirty="0">
                 <a:solidFill>
                   <a:schemeClr val="tx1"/>
                 </a:solidFill>
@@ -1439,7 +1439,7 @@
               <a:t> </a:t>
             </a:r>
             <a:r>
-              <a:rPr lang="nl-NL" sz="2200" b="0" i="0" u="none" strike="noStrike" kern="1200" cap="none" dirty="0" err="1" smtClean="0">
+              <a:rPr lang="nl-NL" sz="2200" b="0" i="0" u="none" strike="noStrike" kern="1200" cap="none" dirty="0" err="1">
                 <a:solidFill>
                   <a:schemeClr val="tx1"/>
                 </a:solidFill>
@@ -1452,7 +1452,7 @@
               <a:t>the</a:t>
             </a:r>
             <a:r>
-              <a:rPr lang="nl-NL" sz="2200" b="0" i="0" u="none" strike="noStrike" kern="1200" cap="none" dirty="0" smtClean="0">
+              <a:rPr lang="nl-NL" sz="2200" b="0" i="0" u="none" strike="noStrike" kern="1200" cap="none" dirty="0">
                 <a:solidFill>
                   <a:schemeClr val="tx1"/>
                 </a:solidFill>
@@ -1465,7 +1465,7 @@
               <a:t> </a:t>
             </a:r>
             <a:r>
-              <a:rPr lang="nl-NL" sz="2200" b="0" i="0" u="none" strike="noStrike" kern="1200" cap="none" dirty="0" err="1" smtClean="0">
+              <a:rPr lang="nl-NL" sz="2200" b="0" i="0" u="none" strike="noStrike" kern="1200" cap="none" dirty="0" err="1">
                 <a:solidFill>
                   <a:schemeClr val="tx1"/>
                 </a:solidFill>
@@ -1478,7 +1478,7 @@
               <a:t>resulting</a:t>
             </a:r>
             <a:r>
-              <a:rPr lang="nl-NL" sz="2200" b="0" i="0" u="none" strike="noStrike" kern="1200" cap="none" dirty="0" smtClean="0">
+              <a:rPr lang="nl-NL" sz="2200" b="0" i="0" u="none" strike="noStrike" kern="1200" cap="none" dirty="0">
                 <a:solidFill>
                   <a:schemeClr val="tx1"/>
                 </a:solidFill>
@@ -1491,7 +1491,7 @@
               <a:t> </a:t>
             </a:r>
             <a:r>
-              <a:rPr lang="nl-NL" sz="2200" b="0" i="0" u="none" strike="noStrike" kern="1200" cap="none" dirty="0" err="1" smtClean="0">
+              <a:rPr lang="nl-NL" sz="2200" b="0" i="0" u="none" strike="noStrike" kern="1200" cap="none" dirty="0" err="1">
                 <a:solidFill>
                   <a:schemeClr val="tx1"/>
                 </a:solidFill>
@@ -1504,7 +1504,7 @@
               <a:t>aray</a:t>
             </a:r>
             <a:r>
-              <a:rPr lang="nl-NL" sz="2200" b="0" i="0" u="none" strike="noStrike" kern="1200" cap="none" dirty="0" smtClean="0">
+              <a:rPr lang="nl-NL" sz="2200" b="0" i="0" u="none" strike="noStrike" kern="1200" cap="none" dirty="0">
                 <a:solidFill>
                   <a:schemeClr val="tx1"/>
                 </a:solidFill>
@@ -1517,7 +1517,7 @@
               <a:t> </a:t>
             </a:r>
             <a:r>
-              <a:rPr lang="nl-NL" sz="2200" b="0" i="0" u="none" strike="noStrike" kern="1200" cap="none" dirty="0" err="1" smtClean="0">
+              <a:rPr lang="nl-NL" sz="2200" b="0" i="0" u="none" strike="noStrike" kern="1200" cap="none" dirty="0" err="1">
                 <a:solidFill>
                   <a:schemeClr val="tx1"/>
                 </a:solidFill>
@@ -1530,7 +1530,7 @@
               <a:t>will</a:t>
             </a:r>
             <a:r>
-              <a:rPr lang="nl-NL" sz="2200" b="0" i="0" u="none" strike="noStrike" kern="1200" cap="none" dirty="0" smtClean="0">
+              <a:rPr lang="nl-NL" sz="2200" b="0" i="0" u="none" strike="noStrike" kern="1200" cap="none" dirty="0">
                 <a:solidFill>
                   <a:schemeClr val="tx1"/>
                 </a:solidFill>
@@ -1543,7 +1543,7 @@
               <a:t> </a:t>
             </a:r>
             <a:r>
-              <a:rPr lang="nl-NL" sz="2200" b="0" i="0" u="none" strike="noStrike" kern="1200" cap="none" dirty="0" err="1" smtClean="0">
+              <a:rPr lang="nl-NL" sz="2200" b="0" i="0" u="none" strike="noStrike" kern="1200" cap="none" dirty="0" err="1">
                 <a:solidFill>
                   <a:schemeClr val="tx1"/>
                 </a:solidFill>
@@ -1556,7 +1556,7 @@
               <a:t>also</a:t>
             </a:r>
             <a:r>
-              <a:rPr lang="nl-NL" sz="2200" b="0" i="0" u="none" strike="noStrike" kern="1200" cap="none" dirty="0" smtClean="0">
+              <a:rPr lang="nl-NL" sz="2200" b="0" i="0" u="none" strike="noStrike" kern="1200" cap="none" dirty="0">
                 <a:solidFill>
                   <a:schemeClr val="tx1"/>
                 </a:solidFill>
@@ -1569,7 +1569,7 @@
               <a:t> have X </a:t>
             </a:r>
             <a:r>
-              <a:rPr lang="nl-NL" sz="2200" b="0" i="0" u="none" strike="noStrike" kern="1200" cap="none" dirty="0" err="1" smtClean="0">
+              <a:rPr lang="nl-NL" sz="2200" b="0" i="0" u="none" strike="noStrike" kern="1200" cap="none" dirty="0" err="1">
                 <a:solidFill>
                   <a:schemeClr val="tx1"/>
                 </a:solidFill>
@@ -1582,7 +1582,7 @@
               <a:t>elements</a:t>
             </a:r>
             <a:r>
-              <a:rPr lang="nl-NL" sz="2200" b="0" i="0" u="none" strike="noStrike" kern="1200" cap="none" dirty="0" smtClean="0">
+              <a:rPr lang="nl-NL" sz="2200" b="0" i="0" u="none" strike="noStrike" kern="1200" cap="none" dirty="0">
                 <a:solidFill>
                   <a:schemeClr val="tx1"/>
                 </a:solidFill>
@@ -1603,7 +1603,7 @@
               <a:buAutoNum type="arabicPeriod"/>
             </a:pPr>
             <a:r>
-              <a:rPr lang="nl-NL" sz="2200" b="0" i="0" u="none" strike="noStrike" kern="1200" cap="none" dirty="0" err="1" smtClean="0">
+              <a:rPr lang="nl-NL" sz="2200" b="0" i="0" u="none" strike="noStrike" kern="1200" cap="none" dirty="0" err="1">
                 <a:solidFill>
                   <a:schemeClr val="tx1"/>
                 </a:solidFill>
@@ -1616,7 +1616,7 @@
               <a:t>What</a:t>
             </a:r>
             <a:r>
-              <a:rPr lang="nl-NL" sz="2200" b="0" i="0" u="none" strike="noStrike" kern="1200" cap="none" dirty="0" smtClean="0">
+              <a:rPr lang="nl-NL" sz="2200" b="0" i="0" u="none" strike="noStrike" kern="1200" cap="none" dirty="0">
                 <a:solidFill>
                   <a:schemeClr val="tx1"/>
                 </a:solidFill>
@@ -1629,7 +1629,7 @@
               <a:t> </a:t>
             </a:r>
             <a:r>
-              <a:rPr lang="nl-NL" sz="2200" b="0" i="0" u="none" strike="noStrike" kern="1200" cap="none" dirty="0" err="1" smtClean="0">
+              <a:rPr lang="nl-NL" sz="2200" b="0" i="0" u="none" strike="noStrike" kern="1200" cap="none" dirty="0" err="1">
                 <a:solidFill>
                   <a:schemeClr val="tx1"/>
                 </a:solidFill>
@@ -1642,7 +1642,7 @@
               <a:t>this</a:t>
             </a:r>
             <a:r>
-              <a:rPr lang="nl-NL" sz="2200" b="0" i="0" u="none" strike="noStrike" kern="1200" cap="none" dirty="0" smtClean="0">
+              <a:rPr lang="nl-NL" sz="2200" b="0" i="0" u="none" strike="noStrike" kern="1200" cap="none" dirty="0">
                 <a:solidFill>
                   <a:schemeClr val="tx1"/>
                 </a:solidFill>
@@ -1655,7 +1655,7 @@
               <a:t> means, is </a:t>
             </a:r>
             <a:r>
-              <a:rPr lang="nl-NL" sz="2200" b="0" i="0" u="none" strike="noStrike" kern="1200" cap="none" dirty="0" err="1" smtClean="0">
+              <a:rPr lang="nl-NL" sz="2200" b="0" i="0" u="none" strike="noStrike" kern="1200" cap="none" dirty="0" err="1">
                 <a:solidFill>
                   <a:schemeClr val="tx1"/>
                 </a:solidFill>
@@ -1668,7 +1668,7 @@
               <a:t>really</a:t>
             </a:r>
             <a:r>
-              <a:rPr lang="nl-NL" sz="2200" b="0" i="0" u="none" strike="noStrike" kern="1200" cap="none" dirty="0" smtClean="0">
+              <a:rPr lang="nl-NL" sz="2200" b="0" i="0" u="none" strike="noStrike" kern="1200" cap="none" dirty="0">
                 <a:solidFill>
                   <a:schemeClr val="tx1"/>
                 </a:solidFill>
@@ -1681,7 +1681,7 @@
               <a:t> </a:t>
             </a:r>
             <a:r>
-              <a:rPr lang="nl-NL" sz="2200" b="0" i="0" u="none" strike="noStrike" kern="1200" cap="none" dirty="0" err="1" smtClean="0">
+              <a:rPr lang="nl-NL" sz="2200" b="0" i="0" u="none" strike="noStrike" kern="1200" cap="none" dirty="0" err="1">
                 <a:solidFill>
                   <a:schemeClr val="tx1"/>
                 </a:solidFill>
@@ -1694,7 +1694,7 @@
               <a:t>just</a:t>
             </a:r>
             <a:r>
-              <a:rPr lang="nl-NL" sz="2200" b="0" i="0" u="none" strike="noStrike" kern="1200" cap="none" dirty="0" smtClean="0">
+              <a:rPr lang="nl-NL" sz="2200" b="0" i="0" u="none" strike="noStrike" kern="1200" cap="none" dirty="0">
                 <a:solidFill>
                   <a:schemeClr val="tx1"/>
                 </a:solidFill>
@@ -1707,7 +1707,7 @@
               <a:t> </a:t>
             </a:r>
             <a:r>
-              <a:rPr lang="nl-NL" sz="2200" b="0" i="0" u="none" strike="noStrike" kern="1200" cap="none" dirty="0" err="1" smtClean="0">
+              <a:rPr lang="nl-NL" sz="2200" b="0" i="0" u="none" strike="noStrike" kern="1200" cap="none" dirty="0" err="1">
                 <a:solidFill>
                   <a:schemeClr val="tx1"/>
                 </a:solidFill>
@@ -1720,7 +1720,7 @@
               <a:t>that</a:t>
             </a:r>
             <a:r>
-              <a:rPr lang="nl-NL" sz="2200" b="0" i="0" u="none" strike="noStrike" kern="1200" cap="none" dirty="0" smtClean="0">
+              <a:rPr lang="nl-NL" sz="2200" b="0" i="0" u="none" strike="noStrike" kern="1200" cap="none" dirty="0">
                 <a:solidFill>
                   <a:schemeClr val="tx1"/>
                 </a:solidFill>
@@ -1733,7 +1733,7 @@
               <a:t> </a:t>
             </a:r>
             <a:r>
-              <a:rPr lang="nl-NL" sz="2200" b="0" i="0" u="none" strike="noStrike" kern="1200" cap="none" dirty="0" err="1" smtClean="0">
+              <a:rPr lang="nl-NL" sz="2200" b="0" i="0" u="none" strike="noStrike" kern="1200" cap="none" dirty="0" err="1">
                 <a:solidFill>
                   <a:schemeClr val="tx1"/>
                 </a:solidFill>
@@ -1746,7 +1746,7 @@
               <a:t>you</a:t>
             </a:r>
             <a:r>
-              <a:rPr lang="nl-NL" sz="2200" b="0" i="0" u="none" strike="noStrike" kern="1200" cap="none" dirty="0" smtClean="0">
+              <a:rPr lang="nl-NL" sz="2200" b="0" i="0" u="none" strike="noStrike" kern="1200" cap="none" dirty="0">
                 <a:solidFill>
                   <a:schemeClr val="tx1"/>
                 </a:solidFill>
@@ -1759,7 +1759,7 @@
               <a:t> </a:t>
             </a:r>
             <a:r>
-              <a:rPr lang="nl-NL" sz="2200" b="0" i="0" u="none" strike="noStrike" kern="1200" cap="none" dirty="0" err="1" smtClean="0">
+              <a:rPr lang="nl-NL" sz="2200" b="0" i="0" u="none" strike="noStrike" kern="1200" cap="none" dirty="0" err="1">
                 <a:solidFill>
                   <a:schemeClr val="tx1"/>
                 </a:solidFill>
@@ -1772,7 +1772,7 @@
               <a:t>shouldn't</a:t>
             </a:r>
             <a:r>
-              <a:rPr lang="nl-NL" sz="2200" b="0" i="0" u="none" strike="noStrike" kern="1200" cap="none" dirty="0" smtClean="0">
+              <a:rPr lang="nl-NL" sz="2200" b="0" i="0" u="none" strike="noStrike" kern="1200" cap="none" dirty="0">
                 <a:solidFill>
                   <a:schemeClr val="tx1"/>
                 </a:solidFill>
@@ -1785,7 +1785,7 @@
               <a:t> </a:t>
             </a:r>
             <a:r>
-              <a:rPr lang="nl-NL" sz="2200" b="0" i="0" u="none" strike="noStrike" kern="1200" cap="none" dirty="0" err="1" smtClean="0">
+              <a:rPr lang="nl-NL" sz="2200" b="0" i="0" u="none" strike="noStrike" kern="1200" cap="none" dirty="0" err="1">
                 <a:solidFill>
                   <a:schemeClr val="tx1"/>
                 </a:solidFill>
@@ -1798,7 +1798,7 @@
               <a:t>modify</a:t>
             </a:r>
             <a:r>
-              <a:rPr lang="nl-NL" sz="2200" b="0" i="0" u="none" strike="noStrike" kern="1200" cap="none" dirty="0" smtClean="0">
+              <a:rPr lang="nl-NL" sz="2200" b="0" i="0" u="none" strike="noStrike" kern="1200" cap="none" dirty="0">
                 <a:solidFill>
                   <a:schemeClr val="tx1"/>
                 </a:solidFill>
@@ -1811,7 +1811,7 @@
               <a:t> </a:t>
             </a:r>
             <a:r>
-              <a:rPr lang="nl-NL" sz="2200" b="0" i="0" u="none" strike="noStrike" kern="1200" cap="none" dirty="0" err="1" smtClean="0">
+              <a:rPr lang="nl-NL" sz="2200" b="0" i="0" u="none" strike="noStrike" kern="1200" cap="none" dirty="0" err="1">
                 <a:solidFill>
                   <a:schemeClr val="tx1"/>
                 </a:solidFill>
@@ -1824,7 +1824,7 @@
               <a:t>objects</a:t>
             </a:r>
             <a:r>
-              <a:rPr lang="nl-NL" sz="2200" b="0" i="0" u="none" strike="noStrike" kern="1200" cap="none" dirty="0" smtClean="0">
+              <a:rPr lang="nl-NL" sz="2200" b="0" i="0" u="none" strike="noStrike" kern="1200" cap="none" dirty="0">
                 <a:solidFill>
                   <a:schemeClr val="tx1"/>
                 </a:solidFill>
@@ -1837,7 +1837,7 @@
               <a:t> or arrays </a:t>
             </a:r>
             <a:r>
-              <a:rPr lang="nl-NL" sz="2200" b="0" i="0" u="none" strike="noStrike" kern="1200" cap="none" dirty="0" err="1" smtClean="0">
+              <a:rPr lang="nl-NL" sz="2200" b="0" i="0" u="none" strike="noStrike" kern="1200" cap="none" dirty="0" err="1">
                 <a:solidFill>
                   <a:schemeClr val="tx1"/>
                 </a:solidFill>
@@ -1850,7 +1850,7 @@
               <a:t>directly</a:t>
             </a:r>
             <a:r>
-              <a:rPr lang="nl-NL" sz="2200" b="0" i="0" u="none" strike="noStrike" kern="1200" cap="none" dirty="0" smtClean="0">
+              <a:rPr lang="nl-NL" sz="2200" b="0" i="0" u="none" strike="noStrike" kern="1200" cap="none" dirty="0">
                 <a:solidFill>
                   <a:schemeClr val="tx1"/>
                 </a:solidFill>
@@ -1863,7 +1863,7 @@
               <a:t> </a:t>
             </a:r>
             <a:r>
-              <a:rPr lang="nl-NL" sz="2200" b="0" i="0" u="none" strike="noStrike" kern="1200" cap="none" dirty="0" err="1" smtClean="0">
+              <a:rPr lang="nl-NL" sz="2200" b="0" i="0" u="none" strike="noStrike" kern="1200" cap="none" dirty="0" err="1">
                 <a:solidFill>
                   <a:schemeClr val="tx1"/>
                 </a:solidFill>
@@ -1876,7 +1876,7 @@
               <a:t>from</a:t>
             </a:r>
             <a:r>
-              <a:rPr lang="nl-NL" sz="2200" b="0" i="0" u="none" strike="noStrike" kern="1200" cap="none" dirty="0" smtClean="0">
+              <a:rPr lang="nl-NL" sz="2200" b="0" i="0" u="none" strike="noStrike" kern="1200" cap="none" dirty="0">
                 <a:solidFill>
                   <a:schemeClr val="tx1"/>
                 </a:solidFill>
@@ -1889,7 +1889,7 @@
               <a:t> </a:t>
             </a:r>
             <a:r>
-              <a:rPr lang="nl-NL" sz="2200" b="0" i="0" u="none" strike="noStrike" kern="1200" cap="none" dirty="0" err="1" smtClean="0">
+              <a:rPr lang="nl-NL" sz="2200" b="0" i="0" u="none" strike="noStrike" kern="1200" cap="none" dirty="0" err="1">
                 <a:solidFill>
                   <a:schemeClr val="tx1"/>
                 </a:solidFill>
@@ -1902,7 +1902,7 @@
               <a:t>within</a:t>
             </a:r>
             <a:r>
-              <a:rPr lang="nl-NL" sz="2200" b="0" i="0" u="none" strike="noStrike" kern="1200" cap="none" dirty="0" smtClean="0">
+              <a:rPr lang="nl-NL" sz="2200" b="0" i="0" u="none" strike="noStrike" kern="1200" cap="none" dirty="0">
                 <a:solidFill>
                   <a:schemeClr val="tx1"/>
                 </a:solidFill>
@@ -1915,7 +1915,7 @@
               <a:t> </a:t>
             </a:r>
             <a:r>
-              <a:rPr lang="nl-NL" sz="2200" b="0" i="0" u="none" strike="noStrike" kern="1200" cap="none" dirty="0" err="1" smtClean="0">
+              <a:rPr lang="nl-NL" sz="2200" b="0" i="0" u="none" strike="noStrike" kern="1200" cap="none" dirty="0" err="1">
                 <a:solidFill>
                   <a:schemeClr val="tx1"/>
                 </a:solidFill>
@@ -1928,7 +1928,7 @@
               <a:t>your</a:t>
             </a:r>
             <a:r>
-              <a:rPr lang="nl-NL" sz="2200" b="0" i="0" u="none" strike="noStrike" kern="1200" cap="none" dirty="0" smtClean="0">
+              <a:rPr lang="nl-NL" sz="2200" b="0" i="0" u="none" strike="noStrike" kern="1200" cap="none" dirty="0">
                 <a:solidFill>
                   <a:schemeClr val="tx1"/>
                 </a:solidFill>
@@ -1941,7 +1941,7 @@
               <a:t> </a:t>
             </a:r>
             <a:r>
-              <a:rPr lang="nl-NL" sz="2200" b="0" i="0" u="none" strike="noStrike" kern="1200" cap="none" dirty="0" err="1" smtClean="0">
+              <a:rPr lang="nl-NL" sz="2200" b="0" i="0" u="none" strike="noStrike" kern="1200" cap="none" dirty="0" err="1">
                 <a:solidFill>
                   <a:schemeClr val="tx1"/>
                 </a:solidFill>
@@ -1954,7 +1954,7 @@
               <a:t>callbacks</a:t>
             </a:r>
             <a:r>
-              <a:rPr lang="nl-NL" sz="2200" b="0" i="0" u="none" strike="noStrike" kern="1200" cap="none" dirty="0" smtClean="0">
+              <a:rPr lang="nl-NL" sz="2200" b="0" i="0" u="none" strike="noStrike" kern="1200" cap="none" dirty="0">
                 <a:solidFill>
                   <a:schemeClr val="tx1"/>
                 </a:solidFill>
@@ -1967,7 +1967,7 @@
               <a:t> - </a:t>
             </a:r>
             <a:r>
-              <a:rPr lang="nl-NL" sz="2200" b="0" i="0" u="none" strike="noStrike" kern="1200" cap="none" dirty="0" err="1" smtClean="0">
+              <a:rPr lang="nl-NL" sz="2200" b="0" i="0" u="none" strike="noStrike" kern="1200" cap="none" dirty="0" err="1">
                 <a:solidFill>
                   <a:schemeClr val="tx1"/>
                 </a:solidFill>
@@ -1980,7 +1980,7 @@
               <a:t>if</a:t>
             </a:r>
             <a:r>
-              <a:rPr lang="nl-NL" sz="2200" b="0" i="0" u="none" strike="noStrike" kern="1200" cap="none" dirty="0" smtClean="0">
+              <a:rPr lang="nl-NL" sz="2200" b="0" i="0" u="none" strike="noStrike" kern="1200" cap="none" dirty="0">
                 <a:solidFill>
                   <a:schemeClr val="tx1"/>
                 </a:solidFill>
@@ -1993,7 +1993,7 @@
               <a:t> </a:t>
             </a:r>
             <a:r>
-              <a:rPr lang="nl-NL" sz="2200" b="0" i="0" u="none" strike="noStrike" kern="1200" cap="none" dirty="0" err="1" smtClean="0">
+              <a:rPr lang="nl-NL" sz="2200" b="0" i="0" u="none" strike="noStrike" kern="1200" cap="none" dirty="0" err="1">
                 <a:solidFill>
                   <a:schemeClr val="tx1"/>
                 </a:solidFill>
@@ -2006,7 +2006,7 @@
               <a:t>the</a:t>
             </a:r>
             <a:r>
-              <a:rPr lang="nl-NL" sz="2200" b="0" i="0" u="none" strike="noStrike" kern="1200" cap="none" dirty="0" smtClean="0">
+              <a:rPr lang="nl-NL" sz="2200" b="0" i="0" u="none" strike="noStrike" kern="1200" cap="none" dirty="0">
                 <a:solidFill>
                   <a:schemeClr val="tx1"/>
                 </a:solidFill>
@@ -2019,7 +2019,7 @@
               <a:t> input </a:t>
             </a:r>
             <a:r>
-              <a:rPr lang="nl-NL" sz="2200" b="0" i="0" u="none" strike="noStrike" kern="1200" cap="none" dirty="0" err="1" smtClean="0">
+              <a:rPr lang="nl-NL" sz="2200" b="0" i="0" u="none" strike="noStrike" kern="1200" cap="none" dirty="0" err="1">
                 <a:solidFill>
                   <a:schemeClr val="tx1"/>
                 </a:solidFill>
@@ -2032,7 +2032,7 @@
               <a:t>value</a:t>
             </a:r>
             <a:r>
-              <a:rPr lang="nl-NL" sz="2200" b="0" i="0" u="none" strike="noStrike" kern="1200" cap="none" dirty="0" smtClean="0">
+              <a:rPr lang="nl-NL" sz="2200" b="0" i="0" u="none" strike="noStrike" kern="1200" cap="none" dirty="0">
                 <a:solidFill>
                   <a:schemeClr val="tx1"/>
                 </a:solidFill>
@@ -2045,7 +2045,7 @@
               <a:t> is </a:t>
             </a:r>
             <a:r>
-              <a:rPr lang="nl-NL" sz="2200" b="0" i="0" u="none" strike="noStrike" kern="1200" cap="none" dirty="0" err="1" smtClean="0">
+              <a:rPr lang="nl-NL" sz="2200" b="0" i="0" u="none" strike="noStrike" kern="1200" cap="none" dirty="0" err="1">
                 <a:solidFill>
                   <a:schemeClr val="tx1"/>
                 </a:solidFill>
@@ -2058,7 +2058,7 @@
               <a:t>an</a:t>
             </a:r>
             <a:r>
-              <a:rPr lang="nl-NL" sz="2200" b="0" i="0" u="none" strike="noStrike" kern="1200" cap="none" dirty="0" smtClean="0">
+              <a:rPr lang="nl-NL" sz="2200" b="0" i="0" u="none" strike="noStrike" kern="1200" cap="none" dirty="0">
                 <a:solidFill>
                   <a:schemeClr val="tx1"/>
                 </a:solidFill>
@@ -2071,7 +2071,7 @@
               <a:t> object or </a:t>
             </a:r>
             <a:r>
-              <a:rPr lang="nl-NL" sz="2200" b="0" i="0" u="none" strike="noStrike" kern="1200" cap="none" dirty="0" err="1" smtClean="0">
+              <a:rPr lang="nl-NL" sz="2200" b="0" i="0" u="none" strike="noStrike" kern="1200" cap="none" dirty="0" err="1">
                 <a:solidFill>
                   <a:schemeClr val="tx1"/>
                 </a:solidFill>
@@ -2084,7 +2084,7 @@
               <a:t>an</a:t>
             </a:r>
             <a:r>
-              <a:rPr lang="nl-NL" sz="2200" b="0" i="0" u="none" strike="noStrike" kern="1200" cap="none" dirty="0" smtClean="0">
+              <a:rPr lang="nl-NL" sz="2200" b="0" i="0" u="none" strike="noStrike" kern="1200" cap="none" dirty="0">
                 <a:solidFill>
                   <a:schemeClr val="tx1"/>
                 </a:solidFill>
@@ -2097,7 +2097,7 @@
               <a:t> array, </a:t>
             </a:r>
             <a:r>
-              <a:rPr lang="nl-NL" sz="2200" b="0" i="1" u="none" strike="noStrike" kern="1200" cap="none" dirty="0" err="1" smtClean="0">
+              <a:rPr lang="nl-NL" sz="2200" b="0" i="1" u="none" strike="noStrike" kern="1200" cap="none" dirty="0" err="1">
                 <a:solidFill>
                   <a:schemeClr val="tx1"/>
                 </a:solidFill>
@@ -2110,7 +2110,7 @@
               <a:t>clone</a:t>
             </a:r>
             <a:r>
-              <a:rPr lang="nl-NL" sz="2200" b="0" i="0" u="none" strike="noStrike" kern="1200" cap="none" dirty="0" smtClean="0">
+              <a:rPr lang="nl-NL" sz="2200" b="0" i="0" u="none" strike="noStrike" kern="1200" cap="none" dirty="0">
                 <a:solidFill>
                   <a:schemeClr val="tx1"/>
                 </a:solidFill>
@@ -2123,7 +2123,7 @@
               <a:t> </a:t>
             </a:r>
             <a:r>
-              <a:rPr lang="nl-NL" sz="2200" b="0" i="0" u="none" strike="noStrike" kern="1200" cap="none" dirty="0" err="1" smtClean="0">
+              <a:rPr lang="nl-NL" sz="2200" b="0" i="0" u="none" strike="noStrike" kern="1200" cap="none" dirty="0" err="1">
                 <a:solidFill>
                   <a:schemeClr val="tx1"/>
                 </a:solidFill>
@@ -2136,7 +2136,7 @@
               <a:t>it</a:t>
             </a:r>
             <a:r>
-              <a:rPr lang="nl-NL" sz="2200" b="0" i="0" u="none" strike="noStrike" kern="1200" cap="none" dirty="0" smtClean="0">
+              <a:rPr lang="nl-NL" sz="2200" b="0" i="0" u="none" strike="noStrike" kern="1200" cap="none" dirty="0">
                 <a:solidFill>
                   <a:schemeClr val="tx1"/>
                 </a:solidFill>
@@ -2149,7 +2149,7 @@
               <a:t> </a:t>
             </a:r>
             <a:r>
-              <a:rPr lang="nl-NL" sz="2200" b="0" i="0" u="none" strike="noStrike" kern="1200" cap="none" dirty="0" err="1" smtClean="0">
+              <a:rPr lang="nl-NL" sz="2200" b="0" i="0" u="none" strike="noStrike" kern="1200" cap="none" dirty="0" err="1">
                 <a:solidFill>
                   <a:schemeClr val="tx1"/>
                 </a:solidFill>
@@ -2162,7 +2162,7 @@
               <a:t>instead</a:t>
             </a:r>
             <a:r>
-              <a:rPr lang="nl-NL" sz="2200" b="0" i="0" u="none" strike="noStrike" kern="1200" cap="none" dirty="0" smtClean="0">
+              <a:rPr lang="nl-NL" sz="2200" b="0" i="0" u="none" strike="noStrike" kern="1200" cap="none" dirty="0">
                 <a:solidFill>
                   <a:schemeClr val="tx1"/>
                 </a:solidFill>
@@ -2175,7 +2175,7 @@
               <a:t>, </a:t>
             </a:r>
             <a:r>
-              <a:rPr lang="nl-NL" sz="2200" b="0" i="0" u="none" strike="noStrike" kern="1200" cap="none" dirty="0" err="1" smtClean="0">
+              <a:rPr lang="nl-NL" sz="2200" b="0" i="0" u="none" strike="noStrike" kern="1200" cap="none" dirty="0" err="1">
                 <a:solidFill>
                   <a:schemeClr val="tx1"/>
                 </a:solidFill>
@@ -2188,7 +2188,7 @@
               <a:t>and</a:t>
             </a:r>
             <a:r>
-              <a:rPr lang="nl-NL" sz="2200" b="0" i="0" u="none" strike="noStrike" kern="1200" cap="none" dirty="0" smtClean="0">
+              <a:rPr lang="nl-NL" sz="2200" b="0" i="0" u="none" strike="noStrike" kern="1200" cap="none" dirty="0">
                 <a:solidFill>
                   <a:schemeClr val="tx1"/>
                 </a:solidFill>
@@ -2201,7 +2201,7 @@
               <a:t> </a:t>
             </a:r>
             <a:r>
-              <a:rPr lang="nl-NL" sz="2200" b="0" i="0" u="none" strike="noStrike" kern="1200" cap="none" dirty="0" err="1" smtClean="0">
+              <a:rPr lang="nl-NL" sz="2200" b="0" i="0" u="none" strike="noStrike" kern="1200" cap="none" dirty="0" err="1">
                 <a:solidFill>
                   <a:schemeClr val="tx1"/>
                 </a:solidFill>
@@ -2214,7 +2214,7 @@
               <a:t>modify</a:t>
             </a:r>
             <a:r>
-              <a:rPr lang="nl-NL" sz="2200" b="0" i="0" u="none" strike="noStrike" kern="1200" cap="none" dirty="0" smtClean="0">
+              <a:rPr lang="nl-NL" sz="2200" b="0" i="0" u="none" strike="noStrike" kern="1200" cap="none" dirty="0">
                 <a:solidFill>
                   <a:schemeClr val="tx1"/>
                 </a:solidFill>
@@ -2227,7 +2227,7 @@
               <a:t> </a:t>
             </a:r>
             <a:r>
-              <a:rPr lang="nl-NL" sz="2200" b="0" i="0" u="none" strike="noStrike" kern="1200" cap="none" dirty="0" err="1" smtClean="0">
+              <a:rPr lang="nl-NL" sz="2200" b="0" i="0" u="none" strike="noStrike" kern="1200" cap="none" dirty="0" err="1">
                 <a:solidFill>
                   <a:schemeClr val="tx1"/>
                 </a:solidFill>
@@ -2240,7 +2240,7 @@
               <a:t>the</a:t>
             </a:r>
             <a:r>
-              <a:rPr lang="nl-NL" sz="2200" b="0" i="0" u="none" strike="noStrike" kern="1200" cap="none" dirty="0" smtClean="0">
+              <a:rPr lang="nl-NL" sz="2200" b="0" i="0" u="none" strike="noStrike" kern="1200" cap="none" dirty="0">
                 <a:solidFill>
                   <a:schemeClr val="tx1"/>
                 </a:solidFill>
@@ -2261,7 +2261,7 @@
               <a:buAutoNum type="arabicPeriod"/>
             </a:pPr>
             <a:r>
-              <a:rPr lang="nl-NL" sz="2200" b="0" i="0" u="none" strike="noStrike" kern="1200" cap="none" dirty="0" err="1" smtClean="0">
+              <a:rPr lang="nl-NL" sz="2200" b="0" i="0" u="none" strike="noStrike" kern="1200" cap="none" dirty="0" err="1">
                 <a:solidFill>
                   <a:schemeClr val="tx1"/>
                 </a:solidFill>
@@ -2274,7 +2274,7 @@
               <a:t>You</a:t>
             </a:r>
             <a:r>
-              <a:rPr lang="nl-NL" sz="2200" b="0" i="0" u="none" strike="noStrike" kern="1200" cap="none" dirty="0" smtClean="0">
+              <a:rPr lang="nl-NL" sz="2200" b="0" i="0" u="none" strike="noStrike" kern="1200" cap="none" dirty="0">
                 <a:solidFill>
                   <a:schemeClr val="tx1"/>
                 </a:solidFill>
@@ -2287,7 +2287,7 @@
               <a:t> </a:t>
             </a:r>
             <a:r>
-              <a:rPr lang="nl-NL" sz="2200" b="0" i="0" u="none" strike="noStrike" kern="1200" cap="none" dirty="0" err="1" smtClean="0">
+              <a:rPr lang="nl-NL" sz="2200" b="0" i="0" u="none" strike="noStrike" kern="1200" cap="none" dirty="0" err="1">
                 <a:solidFill>
                   <a:schemeClr val="tx1"/>
                 </a:solidFill>
@@ -2300,7 +2300,7 @@
               <a:t>should</a:t>
             </a:r>
             <a:r>
-              <a:rPr lang="nl-NL" sz="2200" b="0" i="0" u="none" strike="noStrike" kern="1200" cap="none" dirty="0" smtClean="0">
+              <a:rPr lang="nl-NL" sz="2200" b="0" i="0" u="none" strike="noStrike" kern="1200" cap="none" dirty="0">
                 <a:solidFill>
                   <a:schemeClr val="tx1"/>
                 </a:solidFill>
@@ -2313,7 +2313,7 @@
               <a:t> never do </a:t>
             </a:r>
             <a:r>
-              <a:rPr lang="nl-NL" sz="2200" b="0" i="0" u="none" strike="noStrike" kern="1200" cap="none" dirty="0" err="1" smtClean="0">
+              <a:rPr lang="nl-NL" sz="2200" b="0" i="0" u="none" strike="noStrike" kern="1200" cap="none" dirty="0" err="1">
                 <a:solidFill>
                   <a:schemeClr val="tx1"/>
                 </a:solidFill>
@@ -2326,7 +2326,7 @@
               <a:t>anything</a:t>
             </a:r>
             <a:r>
-              <a:rPr lang="nl-NL" sz="2200" b="0" i="0" u="none" strike="noStrike" kern="1200" cap="none" dirty="0" smtClean="0">
+              <a:rPr lang="nl-NL" sz="2200" b="0" i="0" u="none" strike="noStrike" kern="1200" cap="none" dirty="0">
                 <a:solidFill>
                   <a:schemeClr val="tx1"/>
                 </a:solidFill>
@@ -2339,11 +2339,11 @@
               <a:t> in a </a:t>
             </a:r>
             <a:r>
-              <a:rPr lang="nl-NL" dirty="0" smtClean="0"/>
+              <a:rPr lang="nl-NL" dirty="0"/>
               <a:t>map</a:t>
             </a:r>
             <a:r>
-              <a:rPr lang="nl-NL" sz="2200" b="0" i="0" u="none" strike="noStrike" kern="1200" cap="none" dirty="0" smtClean="0">
+              <a:rPr lang="nl-NL" sz="2200" b="0" i="0" u="none" strike="noStrike" kern="1200" cap="none" dirty="0">
                 <a:solidFill>
                   <a:schemeClr val="tx1"/>
                 </a:solidFill>
@@ -2356,7 +2356,7 @@
               <a:t> call </a:t>
             </a:r>
             <a:r>
-              <a:rPr lang="nl-NL" sz="2200" b="0" i="0" u="none" strike="noStrike" kern="1200" cap="none" dirty="0" err="1" smtClean="0">
+              <a:rPr lang="nl-NL" sz="2200" b="0" i="0" u="none" strike="noStrike" kern="1200" cap="none" dirty="0" err="1">
                 <a:solidFill>
                   <a:schemeClr val="tx1"/>
                 </a:solidFill>
@@ -2369,7 +2369,7 @@
               <a:t>that</a:t>
             </a:r>
             <a:r>
-              <a:rPr lang="nl-NL" sz="2200" b="0" i="0" u="none" strike="noStrike" kern="1200" cap="none" dirty="0" smtClean="0">
+              <a:rPr lang="nl-NL" sz="2200" b="0" i="0" u="none" strike="noStrike" kern="1200" cap="none" dirty="0">
                 <a:solidFill>
                   <a:schemeClr val="tx1"/>
                 </a:solidFill>
@@ -2382,7 +2382,7 @@
               <a:t> </a:t>
             </a:r>
             <a:r>
-              <a:rPr lang="nl-NL" sz="2200" b="0" i="0" u="none" strike="noStrike" kern="1200" cap="none" dirty="0" err="1" smtClean="0">
+              <a:rPr lang="nl-NL" sz="2200" b="0" i="0" u="none" strike="noStrike" kern="1200" cap="none" dirty="0" err="1">
                 <a:solidFill>
                   <a:schemeClr val="tx1"/>
                 </a:solidFill>
@@ -2395,7 +2395,7 @@
               <a:t>modifies</a:t>
             </a:r>
             <a:r>
-              <a:rPr lang="nl-NL" sz="2200" b="0" i="0" u="none" strike="noStrike" kern="1200" cap="none" dirty="0" smtClean="0">
+              <a:rPr lang="nl-NL" sz="2200" b="0" i="0" u="none" strike="noStrike" kern="1200" cap="none" dirty="0">
                 <a:solidFill>
                   <a:schemeClr val="tx1"/>
                 </a:solidFill>
@@ -2408,7 +2408,7 @@
               <a:t> 'state' </a:t>
             </a:r>
             <a:r>
-              <a:rPr lang="nl-NL" sz="2200" b="0" i="0" u="none" strike="noStrike" kern="1200" cap="none" dirty="0" err="1" smtClean="0">
+              <a:rPr lang="nl-NL" sz="2200" b="0" i="0" u="none" strike="noStrike" kern="1200" cap="none" dirty="0" err="1">
                 <a:solidFill>
                   <a:schemeClr val="tx1"/>
                 </a:solidFill>
@@ -2421,7 +2421,7 @@
               <a:t>elsewhere</a:t>
             </a:r>
             <a:r>
-              <a:rPr lang="nl-NL" sz="2200" b="0" i="0" u="none" strike="noStrike" kern="1200" cap="none" dirty="0" smtClean="0">
+              <a:rPr lang="nl-NL" sz="2200" b="0" i="0" u="none" strike="noStrike" kern="1200" cap="none" dirty="0">
                 <a:solidFill>
                   <a:schemeClr val="tx1"/>
                 </a:solidFill>
@@ -2540,7 +2540,7 @@
               <a:buNone/>
             </a:pPr>
             <a:r>
-              <a:rPr lang="en-US" sz="2200" b="0" i="0" u="none" strike="noStrike" kern="1200" cap="none" dirty="0" smtClean="0">
+              <a:rPr lang="en-US" sz="2200" b="0" i="0" u="none" strike="noStrike" kern="1200" cap="none" dirty="0">
                 <a:solidFill>
                   <a:schemeClr val="tx1"/>
                 </a:solidFill>
@@ -2553,7 +2553,7 @@
               <a:t>Welk </a:t>
             </a:r>
             <a:r>
-              <a:rPr lang="en-US" sz="2200" b="0" i="0" u="none" strike="noStrike" kern="1200" cap="none" dirty="0" err="1" smtClean="0">
+              <a:rPr lang="en-US" sz="2200" b="0" i="0" u="none" strike="noStrike" kern="1200" cap="none" dirty="0" err="1">
                 <a:solidFill>
                   <a:schemeClr val="tx1"/>
                 </a:solidFill>
@@ -2566,7 +2566,7 @@
               <a:t>getal</a:t>
             </a:r>
             <a:r>
-              <a:rPr lang="en-US" sz="2200" b="0" i="0" u="none" strike="noStrike" kern="1200" cap="none" dirty="0" smtClean="0">
+              <a:rPr lang="en-US" sz="2200" b="0" i="0" u="none" strike="noStrike" kern="1200" cap="none" dirty="0">
                 <a:solidFill>
                   <a:schemeClr val="tx1"/>
                 </a:solidFill>
@@ -2579,7 +2579,7 @@
               <a:t> is NIET </a:t>
             </a:r>
             <a:r>
-              <a:rPr lang="en-US" sz="2200" b="0" i="0" u="none" strike="noStrike" kern="1200" cap="none" dirty="0" err="1" smtClean="0">
+              <a:rPr lang="en-US" sz="2200" b="0" i="0" u="none" strike="noStrike" kern="1200" cap="none" dirty="0" err="1">
                 <a:solidFill>
                   <a:schemeClr val="tx1"/>
                 </a:solidFill>
@@ -2592,7 +2592,7 @@
               <a:t>deelbaar</a:t>
             </a:r>
             <a:r>
-              <a:rPr lang="en-US" sz="2200" b="0" i="0" u="none" strike="noStrike" kern="1200" cap="none" dirty="0" smtClean="0">
+              <a:rPr lang="en-US" sz="2200" b="0" i="0" u="none" strike="noStrike" kern="1200" cap="none" dirty="0">
                 <a:solidFill>
                   <a:schemeClr val="tx1"/>
                 </a:solidFill>
@@ -2605,7 +2605,7 @@
               <a:t> door 2. (1 </a:t>
             </a:r>
             <a:r>
-              <a:rPr lang="en-US" sz="2200" b="0" i="0" u="none" strike="noStrike" kern="1200" cap="none" dirty="0" err="1" smtClean="0">
+              <a:rPr lang="en-US" sz="2200" b="0" i="0" u="none" strike="noStrike" kern="1200" cap="none" dirty="0" err="1">
                 <a:solidFill>
                   <a:schemeClr val="tx1"/>
                 </a:solidFill>
@@ -2618,7 +2618,7 @@
               <a:t>en</a:t>
             </a:r>
             <a:r>
-              <a:rPr lang="en-US" sz="2200" b="0" i="0" u="none" strike="noStrike" kern="1200" cap="none" dirty="0" smtClean="0">
+              <a:rPr lang="en-US" sz="2200" b="0" i="0" u="none" strike="noStrike" kern="1200" cap="none" dirty="0">
                 <a:solidFill>
                   <a:schemeClr val="tx1"/>
                 </a:solidFill>
@@ -2735,7 +2735,7 @@
               </a:spcBef>
               <a:buNone/>
             </a:pPr>
-            <a:endParaRPr lang="en-US" sz="2200" b="0" i="0" u="none" strike="noStrike" kern="1200" cap="none" dirty="0" smtClean="0">
+            <a:endParaRPr lang="en-US" sz="2200" b="0" i="0" u="none" strike="noStrike" kern="1200" cap="none" dirty="0">
               <a:solidFill>
                 <a:schemeClr val="tx1"/>
               </a:solidFill>
@@ -2850,7 +2850,7 @@
               </a:spcBef>
               <a:buNone/>
             </a:pPr>
-            <a:endParaRPr lang="en-US" sz="2200" b="0" i="0" u="none" strike="noStrike" kern="1200" cap="none" dirty="0" smtClean="0">
+            <a:endParaRPr lang="en-US" sz="2200" b="0" i="0" u="none" strike="noStrike" kern="1200" cap="none" dirty="0">
               <a:solidFill>
                 <a:schemeClr val="tx1"/>
               </a:solidFill>
@@ -2965,7 +2965,7 @@
               </a:spcBef>
               <a:buNone/>
             </a:pPr>
-            <a:endParaRPr lang="en-US" sz="2200" b="0" i="0" u="none" strike="noStrike" kern="1200" cap="none" dirty="0" smtClean="0">
+            <a:endParaRPr lang="en-US" sz="2200" b="0" i="0" u="none" strike="noStrike" kern="1200" cap="none" dirty="0">
               <a:solidFill>
                 <a:schemeClr val="tx1"/>
               </a:solidFill>
@@ -3080,7 +3080,7 @@
               </a:spcBef>
               <a:buNone/>
             </a:pPr>
-            <a:endParaRPr lang="en-US" sz="2200" b="0" i="0" u="none" strike="noStrike" kern="1200" cap="none" dirty="0" smtClean="0">
+            <a:endParaRPr lang="en-US" sz="2200" b="0" i="0" u="none" strike="noStrike" kern="1200" cap="none" dirty="0">
               <a:solidFill>
                 <a:schemeClr val="tx1"/>
               </a:solidFill>
@@ -3155,7 +3155,7 @@
               <a:buNone/>
             </a:pPr>
             <a:r>
-              <a:rPr lang="en-US" sz="2200" b="0" i="0" u="none" strike="noStrike" kern="1200" cap="none" dirty="0" smtClean="0">
+              <a:rPr lang="en-US" sz="2200" b="0" i="0" u="none" strike="noStrike" kern="1200" cap="none" dirty="0">
                 <a:solidFill>
                   <a:schemeClr val="tx1"/>
                 </a:solidFill>
@@ -3168,11 +3168,11 @@
               <a:t>Above is a function that causes a “side-effect” by changing the </a:t>
             </a:r>
             <a:r>
-              <a:rPr lang="en-US" dirty="0" smtClean="0"/>
+              <a:rPr lang="en-US" dirty="0"/>
               <a:t>count</a:t>
             </a:r>
             <a:r>
-              <a:rPr lang="en-US" sz="2200" b="0" i="0" u="none" strike="noStrike" kern="1200" cap="none" dirty="0" smtClean="0">
+              <a:rPr lang="en-US" sz="2200" b="0" i="0" u="none" strike="noStrike" kern="1200" cap="none" dirty="0">
                 <a:solidFill>
                   <a:schemeClr val="tx1"/>
                 </a:solidFill>
@@ -3331,7 +3331,7 @@
               </a:spcBef>
               <a:buNone/>
             </a:pPr>
-            <a:endParaRPr lang="en-US" sz="2200" b="0" i="0" u="none" strike="noStrike" kern="1200" cap="none" dirty="0" smtClean="0">
+            <a:endParaRPr lang="en-US" sz="2200" b="0" i="0" u="none" strike="noStrike" kern="1200" cap="none" dirty="0">
               <a:solidFill>
                 <a:schemeClr val="tx1"/>
               </a:solidFill>
@@ -3442,7 +3442,7 @@
           <a:p>
             <a:pPr fontAlgn="base"/>
             <a:r>
-              <a:rPr lang="en-US" sz="2200" b="0" i="0" u="none" strike="noStrike" kern="1200" cap="none" dirty="0" smtClean="0">
+              <a:rPr lang="en-US" sz="2200" b="0" i="0" u="none" strike="noStrike" kern="1200" cap="none" dirty="0">
                 <a:solidFill>
                   <a:schemeClr val="tx1"/>
                 </a:solidFill>
@@ -3462,7 +3462,7 @@
               </a:spcBef>
               <a:buNone/>
             </a:pPr>
-            <a:endParaRPr lang="en-US" sz="2200" b="0" i="0" u="none" strike="noStrike" kern="1200" cap="none" dirty="0" smtClean="0">
+            <a:endParaRPr lang="en-US" sz="2200" b="0" i="0" u="none" strike="noStrike" kern="1200" cap="none" dirty="0">
               <a:solidFill>
                 <a:schemeClr val="tx1"/>
               </a:solidFill>
@@ -3578,7 +3578,7 @@
               <a:buNone/>
             </a:pPr>
             <a:r>
-              <a:rPr lang="en-US" sz="2200" b="0" i="0" u="none" strike="noStrike" kern="1200" cap="none" dirty="0" smtClean="0">
+              <a:rPr lang="en-US" sz="2200" b="0" i="0" u="none" strike="noStrike" kern="1200" cap="none" dirty="0">
                 <a:solidFill>
                   <a:schemeClr val="tx1"/>
                 </a:solidFill>
@@ -3591,11 +3591,11 @@
               <a:t>The curried version of </a:t>
             </a:r>
             <a:r>
-              <a:rPr lang="en-US" dirty="0" smtClean="0"/>
+              <a:rPr lang="en-US" dirty="0"/>
               <a:t>sum3</a:t>
             </a:r>
             <a:r>
-              <a:rPr lang="en-US" sz="2200" b="0" i="0" u="none" strike="noStrike" kern="1200" cap="none" dirty="0" smtClean="0">
+              <a:rPr lang="en-US" sz="2200" b="0" i="0" u="none" strike="noStrike" kern="1200" cap="none" dirty="0">
                 <a:solidFill>
                   <a:schemeClr val="tx1"/>
                 </a:solidFill>
@@ -3608,7 +3608,7 @@
               <a:t> behaves a little differently. For starters, it accepts </a:t>
             </a:r>
             <a:r>
-              <a:rPr lang="en-US" sz="2200" b="1" i="0" u="none" strike="noStrike" kern="1200" cap="none" dirty="0" smtClean="0">
+              <a:rPr lang="en-US" sz="2200" b="1" i="0" u="none" strike="noStrike" kern="1200" cap="none" dirty="0">
                 <a:solidFill>
                   <a:schemeClr val="tx1"/>
                 </a:solidFill>
@@ -3621,7 +3621,7 @@
               <a:t>only one argument</a:t>
             </a:r>
             <a:r>
-              <a:rPr lang="en-US" sz="2200" b="0" i="0" u="none" strike="noStrike" kern="1200" cap="none" dirty="0" smtClean="0">
+              <a:rPr lang="en-US" sz="2200" b="0" i="0" u="none" strike="noStrike" kern="1200" cap="none" dirty="0">
                 <a:solidFill>
                   <a:schemeClr val="tx1"/>
                 </a:solidFill>
@@ -3734,7 +3734,7 @@
           <a:p>
             <a:pPr fontAlgn="base"/>
             <a:r>
-              <a:rPr lang="en-US" sz="2200" b="0" i="0" u="none" strike="noStrike" kern="1200" cap="none" dirty="0" smtClean="0">
+              <a:rPr lang="en-US" sz="2200" b="0" i="0" u="none" strike="noStrike" kern="1200" cap="none" dirty="0">
                 <a:solidFill>
                   <a:schemeClr val="tx1"/>
                 </a:solidFill>
@@ -3754,7 +3754,7 @@
               </a:spcBef>
               <a:buNone/>
             </a:pPr>
-            <a:endParaRPr lang="en-US" sz="2200" b="0" i="0" u="none" strike="noStrike" kern="1200" cap="none" dirty="0" smtClean="0">
+            <a:endParaRPr lang="en-US" sz="2200" b="0" i="0" u="none" strike="noStrike" kern="1200" cap="none" dirty="0">
               <a:solidFill>
                 <a:schemeClr val="tx1"/>
               </a:solidFill>
@@ -3869,7 +3869,7 @@
               </a:spcBef>
               <a:buNone/>
             </a:pPr>
-            <a:endParaRPr lang="en-US" sz="2200" b="0" i="0" u="none" strike="noStrike" kern="1200" cap="none" dirty="0" smtClean="0">
+            <a:endParaRPr lang="en-US" sz="2200" b="0" i="0" u="none" strike="noStrike" kern="1200" cap="none" dirty="0">
               <a:solidFill>
                 <a:schemeClr val="tx1"/>
               </a:solidFill>
@@ -3985,7 +3985,7 @@
               <a:buNone/>
             </a:pPr>
             <a:r>
-              <a:rPr lang="en-US" sz="2200" b="0" i="0" u="none" strike="noStrike" kern="1200" cap="none" dirty="0" smtClean="0">
+              <a:rPr lang="en-US" sz="2200" b="0" i="0" u="none" strike="noStrike" kern="1200" cap="none" dirty="0">
                 <a:solidFill>
                   <a:schemeClr val="tx1"/>
                 </a:solidFill>
@@ -3998,7 +3998,7 @@
               <a:t>https://</a:t>
             </a:r>
             <a:r>
-              <a:rPr lang="en-US" sz="2200" b="0" i="0" u="none" strike="noStrike" kern="1200" cap="none" dirty="0" err="1" smtClean="0">
+              <a:rPr lang="en-US" sz="2200" b="0" i="0" u="none" strike="noStrike" kern="1200" cap="none" dirty="0" err="1">
                 <a:solidFill>
                   <a:schemeClr val="tx1"/>
                 </a:solidFill>
@@ -4011,7 +4011,7 @@
               <a:t>developer.mozilla.org</a:t>
             </a:r>
             <a:r>
-              <a:rPr lang="en-US" sz="2200" b="0" i="0" u="none" strike="noStrike" kern="1200" cap="none" dirty="0" smtClean="0">
+              <a:rPr lang="en-US" sz="2200" b="0" i="0" u="none" strike="noStrike" kern="1200" cap="none" dirty="0">
                 <a:solidFill>
                   <a:schemeClr val="tx1"/>
                 </a:solidFill>
@@ -4024,7 +4024,7 @@
               <a:t>/</a:t>
             </a:r>
             <a:r>
-              <a:rPr lang="en-US" sz="2200" b="0" i="0" u="none" strike="noStrike" kern="1200" cap="none" dirty="0" err="1" smtClean="0">
+              <a:rPr lang="en-US" sz="2200" b="0" i="0" u="none" strike="noStrike" kern="1200" cap="none" dirty="0" err="1">
                 <a:solidFill>
                   <a:schemeClr val="tx1"/>
                 </a:solidFill>
@@ -4037,7 +4037,7 @@
               <a:t>en</a:t>
             </a:r>
             <a:r>
-              <a:rPr lang="en-US" sz="2200" b="0" i="0" u="none" strike="noStrike" kern="1200" cap="none" dirty="0" smtClean="0">
+              <a:rPr lang="en-US" sz="2200" b="0" i="0" u="none" strike="noStrike" kern="1200" cap="none" dirty="0">
                 <a:solidFill>
                   <a:schemeClr val="tx1"/>
                 </a:solidFill>
@@ -4154,7 +4154,7 @@
               </a:spcBef>
               <a:buNone/>
             </a:pPr>
-            <a:endParaRPr lang="en-US" sz="2200" b="0" i="0" u="none" strike="noStrike" kern="1200" cap="none" dirty="0" smtClean="0">
+            <a:endParaRPr lang="en-US" sz="2200" b="0" i="0" u="none" strike="noStrike" kern="1200" cap="none" dirty="0">
               <a:solidFill>
                 <a:schemeClr val="tx1"/>
               </a:solidFill>
@@ -4269,7 +4269,7 @@
               </a:spcBef>
               <a:buNone/>
             </a:pPr>
-            <a:endParaRPr lang="en-US" sz="2200" b="0" i="0" u="none" strike="noStrike" kern="1200" cap="none" dirty="0" smtClean="0">
+            <a:endParaRPr lang="en-US" sz="2200" b="0" i="0" u="none" strike="noStrike" kern="1200" cap="none" dirty="0">
               <a:solidFill>
                 <a:schemeClr val="tx1"/>
               </a:solidFill>
@@ -4384,7 +4384,7 @@
               </a:spcBef>
               <a:buNone/>
             </a:pPr>
-            <a:endParaRPr lang="en-US" sz="2200" b="0" i="0" u="none" strike="noStrike" kern="1200" cap="none" dirty="0" smtClean="0">
+            <a:endParaRPr lang="en-US" sz="2200" b="0" i="0" u="none" strike="noStrike" kern="1200" cap="none" dirty="0">
               <a:solidFill>
                 <a:schemeClr val="tx1"/>
               </a:solidFill>
@@ -4500,7 +4500,7 @@
               <a:buNone/>
             </a:pPr>
             <a:r>
-              <a:rPr lang="en-US" sz="2200" b="0" i="0" u="none" strike="noStrike" kern="1200" cap="none" dirty="0" smtClean="0">
+              <a:rPr lang="en-US" sz="2200" b="0" i="0" u="none" strike="noStrike" kern="1200" cap="none" dirty="0">
                 <a:solidFill>
                   <a:schemeClr val="tx1"/>
                 </a:solidFill>
@@ -4513,7 +4513,7 @@
               <a:t>See: https://</a:t>
             </a:r>
             <a:r>
-              <a:rPr lang="en-US" sz="2200" b="0" i="0" u="none" strike="noStrike" kern="1200" cap="none" dirty="0" err="1" smtClean="0">
+              <a:rPr lang="en-US" sz="2200" b="0" i="0" u="none" strike="noStrike" kern="1200" cap="none" dirty="0" err="1">
                 <a:solidFill>
                   <a:schemeClr val="tx1"/>
                 </a:solidFill>
@@ -4526,7 +4526,7 @@
               <a:t>www.sitepoint.com</a:t>
             </a:r>
             <a:r>
-              <a:rPr lang="en-US" sz="2200" b="0" i="0" u="none" strike="noStrike" kern="1200" cap="none" dirty="0" smtClean="0">
+              <a:rPr lang="en-US" sz="2200" b="0" i="0" u="none" strike="noStrike" kern="1200" cap="none" dirty="0">
                 <a:solidFill>
                   <a:schemeClr val="tx1"/>
                 </a:solidFill>
@@ -4539,7 +4539,7 @@
               <a:t>/currying-in-functional-</a:t>
             </a:r>
             <a:r>
-              <a:rPr lang="en-US" sz="2200" b="0" i="0" u="none" strike="noStrike" kern="1200" cap="none" dirty="0" err="1" smtClean="0">
+              <a:rPr lang="en-US" sz="2200" b="0" i="0" u="none" strike="noStrike" kern="1200" cap="none" dirty="0" err="1">
                 <a:solidFill>
                   <a:schemeClr val="tx1"/>
                 </a:solidFill>
@@ -4552,7 +4552,7 @@
               <a:t>javascript</a:t>
             </a:r>
             <a:r>
-              <a:rPr lang="en-US" sz="2200" b="0" i="0" u="none" strike="noStrike" kern="1200" cap="none" dirty="0" smtClean="0">
+              <a:rPr lang="en-US" sz="2200" b="0" i="0" u="none" strike="noStrike" kern="1200" cap="none" dirty="0">
                 <a:solidFill>
                   <a:schemeClr val="tx1"/>
                 </a:solidFill>
@@ -4572,7 +4572,7 @@
               </a:spcBef>
               <a:buNone/>
             </a:pPr>
-            <a:endParaRPr lang="en-US" sz="2200" b="0" i="0" u="none" strike="noStrike" kern="1200" cap="none" dirty="0" smtClean="0">
+            <a:endParaRPr lang="en-US" sz="2200" b="0" i="0" u="none" strike="noStrike" kern="1200" cap="none" dirty="0">
               <a:solidFill>
                 <a:schemeClr val="tx1"/>
               </a:solidFill>
@@ -4590,7 +4590,7 @@
               </a:spcBef>
               <a:buNone/>
             </a:pPr>
-            <a:endParaRPr lang="en-US" sz="2200" b="0" i="0" u="none" strike="noStrike" kern="1200" cap="none" dirty="0" smtClean="0">
+            <a:endParaRPr lang="en-US" sz="2200" b="0" i="0" u="none" strike="noStrike" kern="1200" cap="none" dirty="0">
               <a:solidFill>
                 <a:schemeClr val="tx1"/>
               </a:solidFill>
@@ -4665,7 +4665,7 @@
               <a:buNone/>
             </a:pPr>
             <a:r>
-              <a:rPr lang="en-US" sz="3200" b="0" i="0" u="none" strike="noStrike" kern="1200" cap="none" dirty="0" smtClean="0">
+              <a:rPr lang="en-US" sz="3200" b="0" i="0" u="none" strike="noStrike" kern="1200" cap="none" dirty="0">
                 <a:solidFill>
                   <a:schemeClr val="tx1"/>
                 </a:solidFill>
@@ -4678,11 +4678,11 @@
               <a:t>The sort method mutates the array, so our </a:t>
             </a:r>
             <a:r>
-              <a:rPr lang="en-US" sz="3200" dirty="0" smtClean="0"/>
+              <a:rPr lang="en-US" sz="3200" dirty="0"/>
               <a:t>[1,6,4,2]</a:t>
             </a:r>
             <a:r>
-              <a:rPr lang="en-US" sz="3200" b="0" i="0" u="none" strike="noStrike" kern="1200" cap="none" dirty="0" smtClean="0">
+              <a:rPr lang="en-US" sz="3200" b="0" i="0" u="none" strike="noStrike" kern="1200" cap="none" dirty="0">
                 <a:solidFill>
                   <a:schemeClr val="tx1"/>
                 </a:solidFill>
@@ -4703,7 +4703,7 @@
               <a:buNone/>
             </a:pPr>
             <a:r>
-              <a:rPr lang="en-US" sz="3200" b="0" i="0" u="none" strike="noStrike" kern="1200" cap="none" dirty="0" smtClean="0">
+              <a:rPr lang="en-US" sz="3200" b="0" i="0" u="none" strike="noStrike" kern="1200" cap="none" dirty="0">
                 <a:solidFill>
                   <a:schemeClr val="tx1"/>
                 </a:solidFill>
@@ -4821,7 +4821,7 @@
               <a:buNone/>
             </a:pPr>
             <a:r>
-              <a:rPr lang="en-US" sz="2200" b="0" i="0" u="none" strike="noStrike" kern="1200" cap="none" dirty="0" smtClean="0">
+              <a:rPr lang="en-US" sz="2200" b="0" i="0" u="none" strike="noStrike" kern="1200" cap="none" dirty="0">
                 <a:solidFill>
                   <a:schemeClr val="tx1"/>
                 </a:solidFill>
@@ -4940,7 +4940,7 @@
               <a:buNone/>
             </a:pPr>
             <a:r>
-              <a:rPr lang="en-US" sz="2200" b="0" i="0" u="none" strike="noStrike" kern="1200" cap="none" dirty="0" smtClean="0">
+              <a:rPr lang="en-US" sz="2200" b="0" i="0" u="none" strike="noStrike" kern="1200" cap="none" dirty="0">
                 <a:solidFill>
                   <a:schemeClr val="tx1"/>
                 </a:solidFill>
@@ -4961,7 +4961,7 @@
               <a:buNone/>
             </a:pPr>
             <a:r>
-              <a:rPr lang="en-US" sz="2200" b="0" i="0" u="none" strike="noStrike" kern="1200" cap="none" dirty="0" smtClean="0">
+              <a:rPr lang="en-US" sz="2200" b="0" i="0" u="none" strike="noStrike" kern="1200" cap="none" dirty="0">
                 <a:solidFill>
                   <a:schemeClr val="tx1"/>
                 </a:solidFill>
@@ -5080,7 +5080,7 @@
               <a:buNone/>
             </a:pPr>
             <a:r>
-              <a:rPr lang="en-US" sz="2200" b="0" i="0" u="none" strike="noStrike" kern="1200" cap="none" dirty="0" smtClean="0">
+              <a:rPr lang="en-US" sz="2200" b="0" i="0" u="none" strike="noStrike" kern="1200" cap="none" dirty="0">
                 <a:solidFill>
                   <a:schemeClr val="tx1"/>
                 </a:solidFill>
@@ -5093,7 +5093,7 @@
               <a:t>Pure functions depend only on their arguments and return a value without causing side-effects. These functions will always return the same output given a specific input. JE KAN NU</a:t>
             </a:r>
             <a:r>
-              <a:rPr lang="en-US" sz="2200" b="0" i="0" u="none" strike="noStrike" kern="1200" cap="none" baseline="0" dirty="0" smtClean="0">
+              <a:rPr lang="en-US" sz="2200" b="0" i="0" u="none" strike="noStrike" kern="1200" cap="none" baseline="0" dirty="0">
                 <a:solidFill>
                   <a:schemeClr val="tx1"/>
                 </a:solidFill>
@@ -5106,7 +5106,7 @@
               <a:t> DE FUNCTIE AANROEPEN VOOR DE JUISTE WAARDE </a:t>
             </a:r>
             <a:r>
-              <a:rPr lang="en-US" sz="2200" b="0" i="0" u="none" strike="noStrike" kern="1200" cap="none" baseline="0" dirty="0" err="1" smtClean="0">
+              <a:rPr lang="en-US" sz="2200" b="0" i="0" u="none" strike="noStrike" kern="1200" cap="none" baseline="0" dirty="0" err="1">
                 <a:solidFill>
                   <a:schemeClr val="tx1"/>
                 </a:solidFill>
@@ -5119,7 +5119,7 @@
               <a:t>ipv</a:t>
             </a:r>
             <a:r>
-              <a:rPr lang="en-US" sz="2200" b="0" i="0" u="none" strike="noStrike" kern="1200" cap="none" baseline="0" dirty="0" smtClean="0">
+              <a:rPr lang="en-US" sz="2200" b="0" i="0" u="none" strike="noStrike" kern="1200" cap="none" baseline="0" dirty="0">
                 <a:solidFill>
                   <a:schemeClr val="tx1"/>
                 </a:solidFill>
@@ -5238,7 +5238,7 @@
               <a:buNone/>
             </a:pPr>
             <a:r>
-              <a:rPr lang="en-US" sz="2200" b="0" i="0" u="none" strike="noStrike" kern="1200" cap="none" dirty="0" smtClean="0">
+              <a:rPr lang="en-US" sz="2200" b="0" i="0" u="none" strike="noStrike" kern="1200" cap="none" dirty="0">
                 <a:solidFill>
                   <a:schemeClr val="tx1"/>
                 </a:solidFill>
@@ -5357,7 +5357,7 @@
               <a:buNone/>
             </a:pPr>
             <a:r>
-              <a:rPr lang="en-US" sz="2200" b="0" i="0" u="none" strike="noStrike" kern="1200" cap="none" dirty="0" smtClean="0">
+              <a:rPr lang="en-US" sz="2200" b="0" i="0" u="none" strike="noStrike" kern="1200" cap="none" dirty="0">
                 <a:solidFill>
                   <a:schemeClr val="tx1"/>
                 </a:solidFill>
@@ -12586,10 +12586,9 @@
           <a:lstStyle/>
           <a:p>
             <a:r>
-              <a:rPr lang="en-US" dirty="0" smtClean="0"/>
+              <a:rPr lang="en-US" dirty="0"/>
               <a:t>Functional programming</a:t>
             </a:r>
-            <a:endParaRPr lang="en-US" dirty="0"/>
           </a:p>
         </p:txBody>
       </p:sp>
@@ -12663,14 +12662,6 @@
               </a:rPr>
               <a:t>Array</a:t>
             </a:r>
-            <a:r>
-              <a:rPr lang="en-US" sz="2000" dirty="0">
-                <a:solidFill>
-                  <a:srgbClr val="FFFF00"/>
-                </a:solidFill>
-              </a:rPr>
-              <a:t/>
-            </a:r>
             <a:br>
               <a:rPr lang="en-US" sz="2000" dirty="0">
                 <a:solidFill>
@@ -12782,7 +12773,7 @@
               <a:buSzPct val="25000"/>
             </a:pPr>
             <a:r>
-              <a:rPr lang="en-US" sz="4000" dirty="0" err="1" smtClean="0">
+              <a:rPr lang="en-US" sz="4000" dirty="0" err="1">
                 <a:solidFill>
                   <a:schemeClr val="bg1"/>
                 </a:solidFill>
@@ -12790,28 +12781,12 @@
               <a:t>mutator</a:t>
             </a:r>
             <a:r>
-              <a:rPr lang="en-US" sz="4000" dirty="0" smtClean="0">
+              <a:rPr lang="en-US" sz="4000" dirty="0">
                 <a:solidFill>
                   <a:schemeClr val="bg1"/>
                 </a:solidFill>
               </a:rPr>
-              <a:t> </a:t>
-            </a:r>
-            <a:r>
-              <a:rPr lang="en-US" sz="4000" dirty="0">
-                <a:solidFill>
-                  <a:schemeClr val="bg1"/>
-                </a:solidFill>
-              </a:rPr>
-              <a:t>array </a:t>
-            </a:r>
-            <a:r>
-              <a:rPr lang="en-US" sz="4000" dirty="0" smtClean="0">
-                <a:solidFill>
-                  <a:schemeClr val="bg1"/>
-                </a:solidFill>
-              </a:rPr>
-              <a:t>methods</a:t>
+              <a:t> array methods</a:t>
             </a:r>
           </a:p>
           <a:p>
@@ -12824,7 +12799,7 @@
               <a:buChar char="•"/>
             </a:pPr>
             <a:r>
-              <a:rPr lang="en-US" sz="2800" dirty="0" smtClean="0">
+              <a:rPr lang="en-US" sz="2800" dirty="0">
                 <a:solidFill>
                   <a:srgbClr val="FF0000"/>
                 </a:solidFill>
@@ -12842,7 +12817,7 @@
               <a:buChar char="•"/>
             </a:pPr>
             <a:r>
-              <a:rPr lang="en-US" sz="2800" dirty="0" smtClean="0">
+              <a:rPr lang="en-US" sz="2800" dirty="0">
                 <a:solidFill>
                   <a:srgbClr val="FF0000"/>
                 </a:solidFill>
@@ -12850,7 +12825,7 @@
               <a:t>sort</a:t>
             </a:r>
             <a:r>
-              <a:rPr lang="en-US" sz="4000" dirty="0" smtClean="0">
+              <a:rPr lang="en-US" sz="4000" dirty="0">
                 <a:solidFill>
                   <a:srgbClr val="FF0000"/>
                 </a:solidFill>
@@ -12865,7 +12840,7 @@
               </a:buClr>
               <a:buSzPct val="25000"/>
             </a:pPr>
-            <a:endParaRPr lang="en-US" sz="4000" dirty="0" smtClean="0">
+            <a:endParaRPr lang="en-US" sz="4000" dirty="0">
               <a:solidFill>
                 <a:schemeClr val="bg1"/>
               </a:solidFill>
@@ -12879,7 +12854,7 @@
               <a:buSzPct val="25000"/>
             </a:pPr>
             <a:r>
-              <a:rPr lang="en-US" sz="4000" dirty="0" smtClean="0">
+              <a:rPr lang="en-US" sz="4000" dirty="0">
                 <a:solidFill>
                   <a:schemeClr val="bg1"/>
                 </a:solidFill>
@@ -12887,7 +12862,7 @@
               <a:t>non-</a:t>
             </a:r>
             <a:r>
-              <a:rPr lang="en-US" sz="4000" dirty="0" err="1" smtClean="0">
+              <a:rPr lang="en-US" sz="4000" dirty="0" err="1">
                 <a:solidFill>
                   <a:schemeClr val="bg1"/>
                 </a:solidFill>
@@ -12895,31 +12870,15 @@
               <a:t>mutator</a:t>
             </a:r>
             <a:r>
-              <a:rPr lang="en-US" sz="4000" dirty="0" smtClean="0">
+              <a:rPr lang="en-US" sz="4000" dirty="0">
                 <a:solidFill>
                   <a:schemeClr val="bg1"/>
                 </a:solidFill>
               </a:rPr>
-              <a:t> </a:t>
-            </a:r>
-            <a:r>
-              <a:rPr lang="en-US" sz="4000" dirty="0">
-                <a:solidFill>
-                  <a:schemeClr val="bg1"/>
-                </a:solidFill>
-              </a:rPr>
-              <a:t>array </a:t>
-            </a:r>
-            <a:r>
-              <a:rPr lang="en-US" sz="4000" dirty="0" smtClean="0">
-                <a:solidFill>
-                  <a:schemeClr val="bg1"/>
-                </a:solidFill>
-              </a:rPr>
-              <a:t>methods </a:t>
-            </a:r>
-            <a:r>
-              <a:rPr lang="en-US" sz="2800" dirty="0" smtClean="0">
+              <a:t> array methods </a:t>
+            </a:r>
+            <a:r>
+              <a:rPr lang="en-US" sz="2800" dirty="0">
                 <a:solidFill>
                   <a:schemeClr val="bg1"/>
                 </a:solidFill>
@@ -12946,19 +12905,7 @@
                 <a:cs typeface="Consolas"/>
                 <a:sym typeface="Consolas"/>
               </a:rPr>
-              <a:t>m</a:t>
-            </a:r>
-            <a:r>
-              <a:rPr lang="en-US" sz="2800" dirty="0" smtClean="0">
-                <a:solidFill>
-                  <a:srgbClr val="FFFF00"/>
-                </a:solidFill>
-                <a:latin typeface="+mn-lt"/>
-                <a:ea typeface="Consolas"/>
-                <a:cs typeface="Consolas"/>
-                <a:sym typeface="Consolas"/>
-              </a:rPr>
-              <a:t>ap()</a:t>
+              <a:t>map()</a:t>
             </a:r>
           </a:p>
           <a:p>
@@ -12980,19 +12927,7 @@
                 <a:cs typeface="Consolas"/>
                 <a:sym typeface="Consolas"/>
               </a:rPr>
-              <a:t>f</a:t>
-            </a:r>
-            <a:r>
-              <a:rPr lang="en-US" sz="2800" dirty="0" smtClean="0">
-                <a:solidFill>
-                  <a:srgbClr val="FFFF00"/>
-                </a:solidFill>
-                <a:latin typeface="+mn-lt"/>
-                <a:ea typeface="Consolas"/>
-                <a:cs typeface="Consolas"/>
-                <a:sym typeface="Consolas"/>
-              </a:rPr>
-              <a:t>ilter()</a:t>
+              <a:t>filter()</a:t>
             </a:r>
           </a:p>
           <a:p>
@@ -13014,19 +12949,7 @@
                 <a:cs typeface="Consolas"/>
                 <a:sym typeface="Consolas"/>
               </a:rPr>
-              <a:t>r</a:t>
-            </a:r>
-            <a:r>
-              <a:rPr lang="en-US" sz="2800" dirty="0" smtClean="0">
-                <a:solidFill>
-                  <a:srgbClr val="FFFF00"/>
-                </a:solidFill>
-                <a:latin typeface="+mn-lt"/>
-                <a:ea typeface="Consolas"/>
-                <a:cs typeface="Consolas"/>
-                <a:sym typeface="Consolas"/>
-              </a:rPr>
-              <a:t>educe()</a:t>
+              <a:t>reduce()</a:t>
             </a:r>
           </a:p>
         </p:txBody>
@@ -13094,18 +13017,13 @@
               <a:buSzPct val="25000"/>
             </a:pPr>
             <a:r>
-              <a:rPr lang="en-US" sz="7395" b="1" dirty="0" smtClean="0">
+              <a:rPr lang="en-US" sz="7395" b="1" dirty="0">
                 <a:solidFill>
                   <a:srgbClr val="FFFF00"/>
                 </a:solidFill>
               </a:rPr>
               <a:t>Array</a:t>
             </a:r>
-            <a:endParaRPr lang="en-US" sz="7395" b="1" dirty="0">
-              <a:solidFill>
-                <a:srgbClr val="FFFF00"/>
-              </a:solidFill>
-            </a:endParaRPr>
           </a:p>
         </p:txBody>
       </p:sp>
@@ -13136,12 +13054,12 @@
           <a:p>
             <a:pPr marL="180975"/>
             <a:r>
-              <a:rPr lang="en-US" sz="4000" b="1" dirty="0" err="1">
+              <a:rPr lang="en-US" sz="4000" b="1" dirty="0">
                 <a:solidFill>
                   <a:schemeClr val="bg1"/>
                 </a:solidFill>
               </a:rPr>
-              <a:t>var</a:t>
+              <a:t>const</a:t>
             </a:r>
             <a:r>
               <a:rPr lang="en-US" sz="4000" dirty="0">
@@ -13175,7 +13093,7 @@
               </a:buClr>
               <a:buSzPct val="25000"/>
             </a:pPr>
-            <a:endParaRPr lang="en-US" sz="3698" dirty="0" smtClean="0">
+            <a:endParaRPr lang="en-US" sz="3698" dirty="0">
               <a:solidFill>
                 <a:schemeClr val="bg1"/>
               </a:solidFill>
@@ -13249,18 +13167,13 @@
               <a:buNone/>
             </a:pPr>
             <a:r>
-              <a:rPr lang="en-US" b="1" dirty="0" smtClean="0">
+              <a:rPr lang="en-US" b="1" dirty="0">
                 <a:solidFill>
                   <a:srgbClr val="FFFF00"/>
                 </a:solidFill>
               </a:rPr>
               <a:t>For-loop</a:t>
             </a:r>
-            <a:endParaRPr lang="en-US" b="1" dirty="0">
-              <a:solidFill>
-                <a:srgbClr val="FFFF00"/>
-              </a:solidFill>
-            </a:endParaRPr>
           </a:p>
         </p:txBody>
       </p:sp>
@@ -13296,8 +13209,8 @@
               <a:buNone/>
             </a:pPr>
             <a:r>
-              <a:rPr lang="en-US" b="1" dirty="0" err="1"/>
-              <a:t>var</a:t>
+              <a:rPr lang="en-US" b="1" dirty="0"/>
+              <a:t>let</a:t>
             </a:r>
             <a:r>
               <a:rPr lang="en-US" dirty="0"/>
@@ -13311,7 +13224,6 @@
               <a:rPr lang="en-US" dirty="0"/>
               <a:t> [1, 2, 3, 4]; </a:t>
             </a:r>
-            <a:endParaRPr lang="en-US" dirty="0" smtClean="0"/>
           </a:p>
           <a:p>
             <a:pPr marL="180975" indent="0">
@@ -13321,11 +13233,11 @@
               <a:buNone/>
             </a:pPr>
             <a:r>
-              <a:rPr lang="en-US" b="1" dirty="0" err="1" smtClean="0"/>
-              <a:t>var</a:t>
-            </a:r>
-            <a:r>
-              <a:rPr lang="en-US" dirty="0" smtClean="0"/>
+              <a:rPr lang="en-US" b="1" dirty="0"/>
+              <a:t>let</a:t>
+            </a:r>
+            <a:r>
+              <a:rPr lang="en-US" dirty="0"/>
               <a:t> </a:t>
             </a:r>
             <a:r>
@@ -13342,11 +13254,7 @@
             </a:r>
             <a:r>
               <a:rPr lang="en-US" dirty="0"/>
-              <a:t> </a:t>
-            </a:r>
-            <a:r>
-              <a:rPr lang="en-US" dirty="0" smtClean="0"/>
-              <a:t>[ ]; </a:t>
+              <a:t> [ ]; </a:t>
             </a:r>
           </a:p>
           <a:p>
@@ -13356,7 +13264,7 @@
               </a:spcBef>
               <a:buNone/>
             </a:pPr>
-            <a:endParaRPr lang="en-US" dirty="0" smtClean="0"/>
+            <a:endParaRPr lang="en-US" dirty="0"/>
           </a:p>
           <a:p>
             <a:pPr marL="180975" indent="0">
@@ -13366,19 +13274,19 @@
               <a:buNone/>
             </a:pPr>
             <a:r>
-              <a:rPr lang="en-US" b="1" dirty="0" smtClean="0"/>
+              <a:rPr lang="en-US" b="1" dirty="0"/>
               <a:t>for</a:t>
             </a:r>
             <a:r>
-              <a:rPr lang="en-US" dirty="0" smtClean="0"/>
+              <a:rPr lang="en-US" dirty="0"/>
               <a:t>(</a:t>
             </a:r>
             <a:r>
-              <a:rPr lang="en-US" b="1" dirty="0" err="1" smtClean="0"/>
-              <a:t>var</a:t>
-            </a:r>
-            <a:r>
-              <a:rPr lang="en-US" dirty="0" smtClean="0"/>
+              <a:rPr lang="en-US" b="1" dirty="0"/>
+              <a:t>let</a:t>
+            </a:r>
+            <a:r>
+              <a:rPr lang="en-US" dirty="0"/>
               <a:t> </a:t>
             </a:r>
             <a:r>
@@ -13433,7 +13341,6 @@
               <a:rPr lang="en-US" dirty="0"/>
               <a:t>) { </a:t>
             </a:r>
-            <a:endParaRPr lang="en-US" dirty="0" smtClean="0"/>
           </a:p>
           <a:p>
             <a:pPr marL="180975" indent="0">
@@ -13447,15 +13354,15 @@
               <a:t>	</a:t>
             </a:r>
             <a:r>
-              <a:rPr lang="en-US" dirty="0" err="1" smtClean="0"/>
+              <a:rPr lang="en-US" dirty="0" err="1"/>
               <a:t>newNumbers</a:t>
             </a:r>
             <a:r>
-              <a:rPr lang="en-US" dirty="0" smtClean="0"/>
+              <a:rPr lang="en-US" dirty="0"/>
               <a:t>[</a:t>
             </a:r>
             <a:r>
-              <a:rPr lang="en-US" dirty="0" err="1" smtClean="0"/>
+              <a:rPr lang="en-US" dirty="0" err="1"/>
               <a:t>i</a:t>
             </a:r>
             <a:r>
@@ -13486,7 +13393,6 @@
               <a:rPr lang="en-US" dirty="0"/>
               <a:t> 2; </a:t>
             </a:r>
-            <a:endParaRPr lang="en-US" dirty="0" smtClean="0"/>
           </a:p>
           <a:p>
             <a:pPr marL="180975" indent="0">
@@ -13496,7 +13402,7 @@
               <a:buNone/>
             </a:pPr>
             <a:r>
-              <a:rPr lang="en-US" dirty="0" smtClean="0"/>
+              <a:rPr lang="en-US" dirty="0"/>
               <a:t>} </a:t>
             </a:r>
           </a:p>
@@ -13517,7 +13423,7 @@
               <a:buNone/>
             </a:pPr>
             <a:r>
-              <a:rPr lang="en-US" dirty="0" err="1" smtClean="0"/>
+              <a:rPr lang="en-US" dirty="0" err="1"/>
               <a:t>console.log</a:t>
             </a:r>
             <a:r>
@@ -13590,48 +13496,36 @@
           </a:bodyPr>
           <a:lstStyle/>
           <a:p>
-            <a:r>
-              <a:rPr lang="en-US" b="1" dirty="0" smtClean="0">
+            <a:br>
+              <a:rPr lang="en-US" b="1" dirty="0">
                 <a:solidFill>
                   <a:srgbClr val="FFFF00"/>
                 </a:solidFill>
               </a:rPr>
-              <a:t/>
-            </a:r>
-            <a:br>
-              <a:rPr lang="en-US" b="1" dirty="0" smtClean="0">
+            </a:br>
+            <a:r>
+              <a:rPr lang="en-US" b="1" dirty="0">
                 <a:solidFill>
                   <a:srgbClr val="FFFF00"/>
                 </a:solidFill>
               </a:rPr>
-            </a:br>
-            <a:r>
-              <a:rPr lang="en-US" b="1" dirty="0" smtClean="0">
+              <a:t>For-loop use </a:t>
+            </a:r>
+            <a:r>
+              <a:rPr lang="en-US" b="1" dirty="0" err="1">
                 <a:solidFill>
                   <a:srgbClr val="FFFF00"/>
                 </a:solidFill>
               </a:rPr>
-              <a:t>For-loop use </a:t>
-            </a:r>
-            <a:r>
-              <a:rPr lang="en-US" b="1" dirty="0" err="1" smtClean="0">
+              <a:t>Array.map</a:t>
+            </a:r>
+            <a:r>
+              <a:rPr lang="en-US" b="1" dirty="0">
                 <a:solidFill>
                   <a:srgbClr val="FFFF00"/>
                 </a:solidFill>
               </a:rPr>
-              <a:t>Array.map</a:t>
-            </a:r>
-            <a:r>
-              <a:rPr lang="en-US" b="1" dirty="0">
-                <a:solidFill>
-                  <a:srgbClr val="FFFF00"/>
-                </a:solidFill>
-              </a:rPr>
               <a:t>()</a:t>
-            </a:r>
-            <a:r>
-              <a:rPr lang="en-US" b="1" dirty="0"/>
-              <a:t/>
             </a:r>
             <a:br>
               <a:rPr lang="en-US" b="1" dirty="0"/>
@@ -13676,8 +13570,8 @@
               <a:buNone/>
             </a:pPr>
             <a:r>
-              <a:rPr lang="en-US" b="1" dirty="0" err="1"/>
-              <a:t>var</a:t>
+              <a:rPr lang="en-US" b="1" dirty="0"/>
+              <a:t>let</a:t>
             </a:r>
             <a:r>
               <a:rPr lang="en-US" dirty="0"/>
@@ -13691,7 +13585,6 @@
               <a:rPr lang="en-US" dirty="0"/>
               <a:t> [1, 2, 3, 4]; </a:t>
             </a:r>
-            <a:endParaRPr lang="en-US" dirty="0" smtClean="0"/>
           </a:p>
           <a:p>
             <a:pPr marL="180975" indent="0">
@@ -13700,7 +13593,7 @@
               </a:spcBef>
               <a:buNone/>
             </a:pPr>
-            <a:endParaRPr lang="en-US" dirty="0" smtClean="0"/>
+            <a:endParaRPr lang="en-US" dirty="0"/>
           </a:p>
           <a:p>
             <a:pPr marL="180975" indent="0">
@@ -13710,11 +13603,11 @@
               <a:buNone/>
             </a:pPr>
             <a:r>
-              <a:rPr lang="en-US" b="1" dirty="0" err="1" smtClean="0"/>
-              <a:t>var</a:t>
-            </a:r>
-            <a:r>
-              <a:rPr lang="en-US" dirty="0" smtClean="0"/>
+              <a:rPr lang="en-US" b="1" dirty="0"/>
+              <a:t>let</a:t>
+            </a:r>
+            <a:r>
+              <a:rPr lang="en-US" dirty="0"/>
               <a:t> </a:t>
             </a:r>
             <a:r>
@@ -13734,11 +13627,11 @@
               <a:t> </a:t>
             </a:r>
             <a:r>
-              <a:rPr lang="en-US" dirty="0" err="1" smtClean="0"/>
+              <a:rPr lang="en-US" dirty="0" err="1"/>
               <a:t>numbers</a:t>
             </a:r>
             <a:r>
-              <a:rPr lang="en-US" dirty="0" err="1" smtClean="0">
+              <a:rPr lang="en-US" dirty="0" err="1">
                 <a:solidFill>
                   <a:srgbClr val="FFFF00"/>
                 </a:solidFill>
@@ -13746,7 +13639,7 @@
               <a:t>.</a:t>
             </a:r>
             <a:r>
-              <a:rPr lang="en-US" dirty="0" err="1" smtClean="0">
+              <a:rPr lang="en-US" b="1" dirty="0" err="1">
                 <a:solidFill>
                   <a:srgbClr val="FFC000"/>
                 </a:solidFill>
@@ -13754,27 +13647,19 @@
               <a:t>map</a:t>
             </a:r>
             <a:r>
-              <a:rPr lang="en-US" dirty="0" smtClean="0"/>
+              <a:rPr lang="en-US" dirty="0"/>
               <a:t>(</a:t>
             </a:r>
             <a:r>
-              <a:rPr lang="en-US" b="1" dirty="0" smtClean="0"/>
+              <a:rPr lang="en-US" b="1" dirty="0"/>
               <a:t> </a:t>
             </a:r>
             <a:r>
-              <a:rPr lang="en-US" dirty="0" smtClean="0"/>
-              <a:t>(</a:t>
-            </a:r>
-            <a:r>
               <a:rPr lang="en-US" dirty="0"/>
-              <a:t>number</a:t>
-            </a:r>
-            <a:r>
-              <a:rPr lang="en-US" dirty="0" smtClean="0"/>
-              <a:t>) </a:t>
-            </a:r>
-            <a:r>
-              <a:rPr lang="en-US" dirty="0" smtClean="0">
+              <a:t>(number) </a:t>
+            </a:r>
+            <a:r>
+              <a:rPr lang="en-US" dirty="0">
                 <a:solidFill>
                   <a:srgbClr val="FFC000"/>
                 </a:solidFill>
@@ -13782,20 +13667,16 @@
               <a:t>=&gt; </a:t>
             </a:r>
             <a:r>
-              <a:rPr lang="en-US" dirty="0" smtClean="0"/>
+              <a:rPr lang="en-US" dirty="0"/>
               <a:t>{ 	</a:t>
             </a:r>
             <a:r>
-              <a:rPr lang="en-US" b="1" dirty="0" smtClean="0"/>
+              <a:rPr lang="en-US" b="1" dirty="0"/>
               <a:t>return</a:t>
             </a:r>
             <a:r>
-              <a:rPr lang="en-US" dirty="0" smtClean="0"/>
-              <a:t> </a:t>
-            </a:r>
-            <a:r>
               <a:rPr lang="en-US" dirty="0"/>
-              <a:t>number </a:t>
+              <a:t> number </a:t>
             </a:r>
             <a:r>
               <a:rPr lang="en-US" b="1" dirty="0"/>
@@ -13805,7 +13686,6 @@
               <a:rPr lang="en-US" dirty="0"/>
               <a:t> 2; </a:t>
             </a:r>
-            <a:endParaRPr lang="en-US" dirty="0" smtClean="0"/>
           </a:p>
           <a:p>
             <a:pPr marL="180975" indent="0">
@@ -13815,7 +13695,7 @@
               <a:buNone/>
             </a:pPr>
             <a:r>
-              <a:rPr lang="en-US" dirty="0" smtClean="0"/>
+              <a:rPr lang="en-US" dirty="0"/>
               <a:t>}); </a:t>
             </a:r>
           </a:p>
@@ -13836,7 +13716,7 @@
               <a:buNone/>
             </a:pPr>
             <a:r>
-              <a:rPr lang="en-US" dirty="0" err="1" smtClean="0"/>
+              <a:rPr lang="en-US" dirty="0" err="1"/>
               <a:t>console.log</a:t>
             </a:r>
             <a:r>
@@ -13914,32 +13794,20 @@
           </a:bodyPr>
           <a:lstStyle/>
           <a:p>
-            <a:r>
-              <a:rPr lang="en-US" b="1" dirty="0" smtClean="0">
+            <a:br>
+              <a:rPr lang="en-US" b="1" dirty="0">
                 <a:solidFill>
                   <a:srgbClr val="FFFF00"/>
                 </a:solidFill>
               </a:rPr>
-              <a:t/>
-            </a:r>
-            <a:br>
-              <a:rPr lang="en-US" b="1" dirty="0" smtClean="0">
+            </a:br>
+            <a:r>
+              <a:rPr lang="en-US" b="1" dirty="0">
                 <a:solidFill>
                   <a:srgbClr val="FFFF00"/>
                 </a:solidFill>
               </a:rPr>
-            </a:br>
-            <a:r>
-              <a:rPr lang="en-US" b="1" dirty="0" smtClean="0">
-                <a:solidFill>
-                  <a:srgbClr val="FFFF00"/>
-                </a:solidFill>
-              </a:rPr>
               <a:t>Chaining functions</a:t>
-            </a:r>
-            <a:r>
-              <a:rPr lang="en-US" b="1" dirty="0"/>
-              <a:t/>
             </a:r>
             <a:br>
               <a:rPr lang="en-US" b="1" dirty="0"/>
@@ -13984,8 +13852,8 @@
               <a:buNone/>
             </a:pPr>
             <a:r>
-              <a:rPr lang="en-US" b="1" dirty="0" err="1"/>
-              <a:t>var</a:t>
+              <a:rPr lang="en-US" b="1" dirty="0"/>
+              <a:t>let</a:t>
             </a:r>
             <a:r>
               <a:rPr lang="en-US" dirty="0"/>
@@ -13999,7 +13867,6 @@
               <a:rPr lang="en-US" dirty="0"/>
               <a:t> [1, 2, 3, 4]; </a:t>
             </a:r>
-            <a:endParaRPr lang="en-US" dirty="0" smtClean="0"/>
           </a:p>
           <a:p>
             <a:pPr marL="180975" indent="0">
@@ -14008,7 +13875,7 @@
               </a:spcBef>
               <a:buNone/>
             </a:pPr>
-            <a:endParaRPr lang="en-US" dirty="0" smtClean="0"/>
+            <a:endParaRPr lang="en-US" dirty="0"/>
           </a:p>
           <a:p>
             <a:pPr marL="180975" indent="0">
@@ -14018,11 +13885,11 @@
               <a:buNone/>
             </a:pPr>
             <a:r>
-              <a:rPr lang="en-US" b="1" dirty="0" err="1" smtClean="0"/>
-              <a:t>var</a:t>
-            </a:r>
-            <a:r>
-              <a:rPr lang="en-US" dirty="0" smtClean="0"/>
+              <a:rPr lang="en-US" b="1" dirty="0"/>
+              <a:t>let</a:t>
+            </a:r>
+            <a:r>
+              <a:rPr lang="en-US" dirty="0"/>
               <a:t> </a:t>
             </a:r>
             <a:r>
@@ -14062,27 +13929,19 @@
               <a:t>map</a:t>
             </a:r>
             <a:r>
-              <a:rPr lang="en-US" dirty="0" smtClean="0"/>
+              <a:rPr lang="en-US" dirty="0"/>
               <a:t>(</a:t>
             </a:r>
             <a:r>
-              <a:rPr lang="en-US" b="1" dirty="0" smtClean="0"/>
+              <a:rPr lang="en-US" b="1" dirty="0"/>
               <a:t> </a:t>
             </a:r>
             <a:r>
-              <a:rPr lang="en-US" dirty="0" smtClean="0"/>
-              <a:t>(</a:t>
-            </a:r>
-            <a:r>
               <a:rPr lang="en-US" dirty="0"/>
-              <a:t>number</a:t>
-            </a:r>
-            <a:r>
-              <a:rPr lang="en-US" dirty="0" smtClean="0"/>
-              <a:t>) </a:t>
-            </a:r>
-            <a:r>
-              <a:rPr lang="en-US" dirty="0" smtClean="0">
+              <a:t>(number) </a:t>
+            </a:r>
+            <a:r>
+              <a:rPr lang="en-US" dirty="0">
                 <a:solidFill>
                   <a:srgbClr val="FFC000"/>
                 </a:solidFill>
@@ -14090,20 +13949,16 @@
               <a:t>=&gt; </a:t>
             </a:r>
             <a:r>
-              <a:rPr lang="en-US" dirty="0" smtClean="0"/>
+              <a:rPr lang="en-US" dirty="0"/>
               <a:t>{ 	</a:t>
             </a:r>
             <a:r>
-              <a:rPr lang="en-US" b="1" dirty="0" smtClean="0"/>
+              <a:rPr lang="en-US" b="1" dirty="0"/>
               <a:t>return</a:t>
             </a:r>
             <a:r>
-              <a:rPr lang="en-US" dirty="0" smtClean="0"/>
-              <a:t> </a:t>
-            </a:r>
-            <a:r>
               <a:rPr lang="en-US" dirty="0"/>
-              <a:t>number </a:t>
+              <a:t> number </a:t>
             </a:r>
             <a:r>
               <a:rPr lang="en-US" b="1" dirty="0"/>
@@ -14113,7 +13968,6 @@
               <a:rPr lang="en-US" dirty="0"/>
               <a:t> 2; </a:t>
             </a:r>
-            <a:endParaRPr lang="en-US" dirty="0" smtClean="0"/>
           </a:p>
           <a:p>
             <a:pPr marL="180975" indent="0">
@@ -14123,11 +13977,11 @@
               <a:buNone/>
             </a:pPr>
             <a:r>
-              <a:rPr lang="en-US" dirty="0" smtClean="0"/>
+              <a:rPr lang="en-US" dirty="0"/>
               <a:t>})</a:t>
             </a:r>
             <a:r>
-              <a:rPr lang="en-US" dirty="0" smtClean="0">
+              <a:rPr lang="en-US" dirty="0">
                 <a:solidFill>
                   <a:srgbClr val="FFFF00"/>
                 </a:solidFill>
@@ -14143,27 +13997,19 @@
               <a:t>map</a:t>
             </a:r>
             <a:r>
-              <a:rPr lang="en-US" dirty="0" smtClean="0"/>
+              <a:rPr lang="en-US" dirty="0"/>
               <a:t>(</a:t>
             </a:r>
             <a:r>
-              <a:rPr lang="en-US" b="1" dirty="0" smtClean="0"/>
+              <a:rPr lang="en-US" b="1" dirty="0"/>
               <a:t> </a:t>
             </a:r>
             <a:r>
-              <a:rPr lang="en-US" dirty="0" smtClean="0"/>
-              <a:t>(</a:t>
-            </a:r>
-            <a:r>
               <a:rPr lang="en-US" dirty="0"/>
-              <a:t>number</a:t>
-            </a:r>
-            <a:r>
-              <a:rPr lang="en-US" dirty="0" smtClean="0"/>
-              <a:t>) </a:t>
-            </a:r>
-            <a:r>
-              <a:rPr lang="en-US" dirty="0" smtClean="0">
+              <a:t>(number) </a:t>
+            </a:r>
+            <a:r>
+              <a:rPr lang="en-US" dirty="0">
                 <a:solidFill>
                   <a:srgbClr val="FFC000"/>
                 </a:solidFill>
@@ -14171,7 +14017,7 @@
               <a:t>=&gt; </a:t>
             </a:r>
             <a:r>
-              <a:rPr lang="en-US" dirty="0" smtClean="0"/>
+              <a:rPr lang="en-US" dirty="0"/>
               <a:t>{ </a:t>
             </a:r>
           </a:p>
@@ -14183,16 +14029,12 @@
               <a:buNone/>
             </a:pPr>
             <a:r>
-              <a:rPr lang="en-US" b="1" dirty="0" smtClean="0"/>
+              <a:rPr lang="en-US" b="1" dirty="0"/>
               <a:t>	return</a:t>
             </a:r>
             <a:r>
-              <a:rPr lang="en-US" dirty="0" smtClean="0"/>
-              <a:t> </a:t>
-            </a:r>
-            <a:r>
               <a:rPr lang="en-US" dirty="0"/>
-              <a:t>number </a:t>
+              <a:t> number </a:t>
             </a:r>
             <a:r>
               <a:rPr lang="en-US" b="1" dirty="0"/>
@@ -14202,7 +14044,6 @@
               <a:rPr lang="en-US" dirty="0"/>
               <a:t> 1; </a:t>
             </a:r>
-            <a:endParaRPr lang="en-US" dirty="0" smtClean="0"/>
           </a:p>
           <a:p>
             <a:pPr marL="180975" indent="0">
@@ -14212,7 +14053,7 @@
               <a:buNone/>
             </a:pPr>
             <a:r>
-              <a:rPr lang="en-US" dirty="0" smtClean="0"/>
+              <a:rPr lang="en-US" dirty="0"/>
               <a:t>}); </a:t>
             </a:r>
           </a:p>
@@ -14233,20 +14074,12 @@
               <a:buNone/>
             </a:pPr>
             <a:r>
-              <a:rPr lang="en-US" dirty="0" err="1" smtClean="0"/>
+              <a:rPr lang="en-US" dirty="0" err="1"/>
               <a:t>console.log</a:t>
             </a:r>
             <a:r>
               <a:rPr lang="en-US" dirty="0"/>
-              <a:t>("The </a:t>
-            </a:r>
-            <a:r>
-              <a:rPr lang="en-US" dirty="0" smtClean="0"/>
-              <a:t>numbers </a:t>
-            </a:r>
-            <a:r>
-              <a:rPr lang="en-US" dirty="0"/>
-              <a:t>are", </a:t>
+              <a:t>("The numbers are", </a:t>
             </a:r>
             <a:r>
               <a:rPr lang="en-US" dirty="0" err="1"/>
@@ -14258,11 +14091,7 @@
             </a:r>
             <a:r>
               <a:rPr lang="en-US" i="1" dirty="0"/>
-              <a:t>// </a:t>
-            </a:r>
-            <a:r>
-              <a:rPr lang="en-US" i="1" dirty="0" smtClean="0"/>
-              <a:t>[3,5,7,9]</a:t>
+              <a:t>// [3,5,7,9]</a:t>
             </a:r>
             <a:endParaRPr lang="en-US" dirty="0"/>
           </a:p>
@@ -14323,23 +14152,15 @@
           </a:bodyPr>
           <a:lstStyle/>
           <a:p>
-            <a:r>
-              <a:rPr lang="en-US" b="1" dirty="0" smtClean="0">
+            <a:br>
+              <a:rPr lang="en-US" b="1" dirty="0">
                 <a:solidFill>
                   <a:srgbClr val="FFFF00"/>
                 </a:solidFill>
               </a:rPr>
-              <a:t/>
-            </a:r>
-            <a:br>
-              <a:rPr lang="en-US" b="1" dirty="0" smtClean="0">
-                <a:solidFill>
-                  <a:srgbClr val="FFFF00"/>
-                </a:solidFill>
-              </a:rPr>
             </a:br>
             <a:r>
-              <a:rPr lang="en-US" b="1" dirty="0" smtClean="0">
+              <a:rPr lang="en-US" b="1" dirty="0">
                 <a:solidFill>
                   <a:srgbClr val="FFFF00"/>
                 </a:solidFill>
@@ -14397,7 +14218,7 @@
               </a:spcBef>
               <a:buNone/>
             </a:pPr>
-            <a:endParaRPr lang="en-US" dirty="0" smtClean="0"/>
+            <a:endParaRPr lang="en-US" dirty="0"/>
           </a:p>
           <a:p>
             <a:pPr marL="180975" indent="0">
@@ -14418,7 +14239,7 @@
               </a:spcBef>
               <a:buNone/>
             </a:pPr>
-            <a:endParaRPr lang="en-US" dirty="0" smtClean="0"/>
+            <a:endParaRPr lang="en-US" dirty="0"/>
           </a:p>
           <a:p>
             <a:pPr marL="180975" indent="0">
@@ -14498,32 +14319,20 @@
           </a:bodyPr>
           <a:lstStyle/>
           <a:p>
-            <a:r>
-              <a:rPr lang="en-US" b="1" dirty="0" smtClean="0">
+            <a:br>
+              <a:rPr lang="en-US" b="1" dirty="0">
                 <a:solidFill>
                   <a:srgbClr val="FFFF00"/>
                 </a:solidFill>
               </a:rPr>
-              <a:t/>
-            </a:r>
-            <a:br>
-              <a:rPr lang="en-US" b="1" dirty="0" smtClean="0">
+            </a:br>
+            <a:r>
+              <a:rPr lang="en-US" b="1" dirty="0">
                 <a:solidFill>
                   <a:srgbClr val="FFFF00"/>
                 </a:solidFill>
               </a:rPr>
-            </a:br>
-            <a:r>
-              <a:rPr lang="en-US" b="1" dirty="0" smtClean="0">
-                <a:solidFill>
-                  <a:srgbClr val="FFFF00"/>
-                </a:solidFill>
-              </a:rPr>
               <a:t>Transform values</a:t>
-            </a:r>
-            <a:r>
-              <a:rPr lang="en-US" b="1" dirty="0"/>
-              <a:t/>
             </a:r>
             <a:br>
               <a:rPr lang="en-US" b="1" dirty="0"/>
@@ -14568,8 +14377,8 @@
               <a:buNone/>
             </a:pPr>
             <a:r>
-              <a:rPr lang="en-US" b="1" dirty="0" err="1"/>
-              <a:t>var</a:t>
+              <a:rPr lang="en-US" b="1" dirty="0"/>
+              <a:t>let</a:t>
             </a:r>
             <a:r>
               <a:rPr lang="en-US" dirty="0"/>
@@ -14583,7 +14392,6 @@
               <a:rPr lang="en-US" dirty="0"/>
               <a:t> [1, 2, 3, 4]; </a:t>
             </a:r>
-            <a:endParaRPr lang="en-US" dirty="0" smtClean="0"/>
           </a:p>
           <a:p>
             <a:pPr marL="180975" indent="0">
@@ -14593,11 +14401,11 @@
               <a:buNone/>
             </a:pPr>
             <a:r>
-              <a:rPr lang="en-US" b="1" dirty="0" err="1" smtClean="0"/>
-              <a:t>var</a:t>
-            </a:r>
-            <a:r>
-              <a:rPr lang="en-US" dirty="0" smtClean="0"/>
+              <a:rPr lang="en-US" b="1" dirty="0"/>
+              <a:t>let</a:t>
+            </a:r>
+            <a:r>
+              <a:rPr lang="en-US" dirty="0"/>
               <a:t> </a:t>
             </a:r>
             <a:r>
@@ -14614,11 +14422,7 @@
             </a:r>
             <a:r>
               <a:rPr lang="en-US" dirty="0"/>
-              <a:t> </a:t>
-            </a:r>
-            <a:r>
-              <a:rPr lang="en-US" dirty="0" smtClean="0"/>
-              <a:t>[ ]; </a:t>
+              <a:t> [ ]; </a:t>
             </a:r>
           </a:p>
           <a:p>
@@ -14628,7 +14432,7 @@
               </a:spcBef>
               <a:buNone/>
             </a:pPr>
-            <a:endParaRPr lang="en-US" dirty="0" smtClean="0"/>
+            <a:endParaRPr lang="en-US" dirty="0"/>
           </a:p>
           <a:p>
             <a:pPr marL="180975" indent="0">
@@ -14638,19 +14442,19 @@
               <a:buNone/>
             </a:pPr>
             <a:r>
-              <a:rPr lang="en-US" b="1" dirty="0" smtClean="0"/>
+              <a:rPr lang="en-US" b="1" dirty="0"/>
               <a:t>for</a:t>
             </a:r>
             <a:r>
-              <a:rPr lang="en-US" dirty="0" smtClean="0"/>
+              <a:rPr lang="en-US" dirty="0"/>
               <a:t>(</a:t>
             </a:r>
             <a:r>
-              <a:rPr lang="en-US" b="1" dirty="0" err="1" smtClean="0"/>
-              <a:t>var</a:t>
-            </a:r>
-            <a:r>
-              <a:rPr lang="en-US" dirty="0" smtClean="0"/>
+              <a:rPr lang="en-US" b="1" dirty="0"/>
+              <a:t>let</a:t>
+            </a:r>
+            <a:r>
+              <a:rPr lang="en-US" dirty="0"/>
               <a:t> </a:t>
             </a:r>
             <a:r>
@@ -14703,11 +14507,7 @@
             </a:r>
             <a:r>
               <a:rPr lang="en-US" dirty="0"/>
-              <a:t>) </a:t>
-            </a:r>
-            <a:r>
-              <a:rPr lang="en-US" dirty="0" smtClean="0"/>
-              <a:t>{</a:t>
+              <a:t>) {</a:t>
             </a:r>
           </a:p>
           <a:p>
@@ -14722,15 +14522,15 @@
               <a:t>	</a:t>
             </a:r>
             <a:r>
-              <a:rPr lang="en-US" b="1" dirty="0" smtClean="0"/>
+              <a:rPr lang="en-US" b="1" dirty="0"/>
               <a:t>if</a:t>
             </a:r>
             <a:r>
-              <a:rPr lang="en-US" dirty="0" smtClean="0"/>
+              <a:rPr lang="en-US" dirty="0"/>
               <a:t>(numbers[</a:t>
             </a:r>
             <a:r>
-              <a:rPr lang="en-US" dirty="0" err="1" smtClean="0"/>
+              <a:rPr lang="en-US" dirty="0" err="1"/>
               <a:t>i</a:t>
             </a:r>
             <a:r>
@@ -14753,7 +14553,6 @@
               <a:rPr lang="en-US" dirty="0"/>
               <a:t> 0) { </a:t>
             </a:r>
-            <a:endParaRPr lang="en-US" dirty="0" smtClean="0"/>
           </a:p>
           <a:p>
             <a:pPr marL="180975" indent="0">
@@ -14763,19 +14562,19 @@
               <a:buNone/>
             </a:pPr>
             <a:r>
-              <a:rPr lang="en-US" dirty="0" smtClean="0"/>
+              <a:rPr lang="en-US" dirty="0"/>
               <a:t>		</a:t>
             </a:r>
             <a:r>
-              <a:rPr lang="en-US" dirty="0" err="1" smtClean="0"/>
+              <a:rPr lang="en-US" dirty="0" err="1"/>
               <a:t>newNumbers</a:t>
             </a:r>
             <a:r>
-              <a:rPr lang="en-US" dirty="0" smtClean="0"/>
+              <a:rPr lang="en-US" dirty="0"/>
               <a:t>[</a:t>
             </a:r>
             <a:r>
-              <a:rPr lang="en-US" dirty="0" err="1" smtClean="0"/>
+              <a:rPr lang="en-US" dirty="0" err="1"/>
               <a:t>i</a:t>
             </a:r>
             <a:r>
@@ -14806,7 +14605,6 @@
               <a:rPr lang="en-US" dirty="0"/>
               <a:t> 2; </a:t>
             </a:r>
-            <a:endParaRPr lang="en-US" dirty="0" smtClean="0"/>
           </a:p>
           <a:p>
             <a:pPr marL="180975" indent="0">
@@ -14816,7 +14614,7 @@
               <a:buNone/>
             </a:pPr>
             <a:r>
-              <a:rPr lang="en-US" dirty="0" smtClean="0"/>
+              <a:rPr lang="en-US" dirty="0"/>
               <a:t>	} </a:t>
             </a:r>
           </a:p>
@@ -14828,7 +14626,7 @@
               <a:buNone/>
             </a:pPr>
             <a:r>
-              <a:rPr lang="en-US" dirty="0" smtClean="0"/>
+              <a:rPr lang="en-US" dirty="0"/>
               <a:t>} </a:t>
             </a:r>
           </a:p>
@@ -14849,7 +14647,7 @@
               <a:buNone/>
             </a:pPr>
             <a:r>
-              <a:rPr lang="en-US" dirty="0" err="1" smtClean="0"/>
+              <a:rPr lang="en-US" dirty="0" err="1"/>
               <a:t>console.log</a:t>
             </a:r>
             <a:r>
@@ -14927,48 +14725,36 @@
           </a:bodyPr>
           <a:lstStyle/>
           <a:p>
-            <a:r>
-              <a:rPr lang="en-US" b="1" dirty="0" smtClean="0">
+            <a:br>
+              <a:rPr lang="en-US" b="1" dirty="0">
                 <a:solidFill>
                   <a:srgbClr val="FFFF00"/>
                 </a:solidFill>
               </a:rPr>
-              <a:t/>
-            </a:r>
-            <a:br>
-              <a:rPr lang="en-US" b="1" dirty="0" smtClean="0">
+            </a:br>
+            <a:r>
+              <a:rPr lang="en-US" b="1" dirty="0">
                 <a:solidFill>
                   <a:srgbClr val="FFFF00"/>
                 </a:solidFill>
               </a:rPr>
-            </a:br>
-            <a:r>
-              <a:rPr lang="en-US" b="1" dirty="0" smtClean="0">
+              <a:t>Transform values use </a:t>
+            </a:r>
+            <a:r>
+              <a:rPr lang="en-US" sz="7200" b="1" dirty="0" err="1">
                 <a:solidFill>
                   <a:srgbClr val="FFFF00"/>
                 </a:solidFill>
               </a:rPr>
-              <a:t>Transform values use </a:t>
-            </a:r>
-            <a:r>
-              <a:rPr lang="en-US" sz="7200" b="1" dirty="0" err="1" smtClean="0">
+              <a:t>Array.Filter</a:t>
+            </a:r>
+            <a:r>
+              <a:rPr lang="en-US" sz="7200" b="1" dirty="0">
                 <a:solidFill>
                   <a:srgbClr val="FFFF00"/>
                 </a:solidFill>
               </a:rPr>
-              <a:t>Array.Filter</a:t>
-            </a:r>
-            <a:r>
-              <a:rPr lang="en-US" sz="7200" b="1" dirty="0" smtClean="0">
-                <a:solidFill>
-                  <a:srgbClr val="FFFF00"/>
-                </a:solidFill>
-              </a:rPr>
               <a:t>()</a:t>
-            </a:r>
-            <a:r>
-              <a:rPr lang="en-US" b="1" dirty="0"/>
-              <a:t/>
             </a:r>
             <a:br>
               <a:rPr lang="en-US" b="1" dirty="0"/>
@@ -15013,8 +14799,8 @@
               <a:buNone/>
             </a:pPr>
             <a:r>
-              <a:rPr lang="en-US" b="1" dirty="0" err="1"/>
-              <a:t>var</a:t>
+              <a:rPr lang="en-US" b="1" dirty="0"/>
+              <a:t>let</a:t>
             </a:r>
             <a:r>
               <a:rPr lang="en-US" dirty="0"/>
@@ -15026,11 +14812,7 @@
             </a:r>
             <a:r>
               <a:rPr lang="en-US" dirty="0"/>
-              <a:t> [1, 2, 3, 4</a:t>
-            </a:r>
-            <a:r>
-              <a:rPr lang="en-US" dirty="0" smtClean="0"/>
-              <a:t>];</a:t>
+              <a:t> [1, 2, 3, 4];</a:t>
             </a:r>
           </a:p>
           <a:p>
@@ -15040,7 +14822,7 @@
               </a:spcBef>
               <a:buNone/>
             </a:pPr>
-            <a:endParaRPr lang="en-US" dirty="0" smtClean="0"/>
+            <a:endParaRPr lang="en-US" dirty="0"/>
           </a:p>
           <a:p>
             <a:pPr marL="180975" indent="0">
@@ -15050,11 +14832,11 @@
               <a:buNone/>
             </a:pPr>
             <a:r>
-              <a:rPr lang="en-US" b="1" dirty="0" err="1" smtClean="0"/>
-              <a:t>var</a:t>
-            </a:r>
-            <a:r>
-              <a:rPr lang="en-US" dirty="0" smtClean="0"/>
+              <a:rPr lang="en-US" b="1" dirty="0"/>
+              <a:t>let</a:t>
+            </a:r>
+            <a:r>
+              <a:rPr lang="en-US" dirty="0"/>
               <a:t> </a:t>
             </a:r>
             <a:r>
@@ -15094,19 +14876,11 @@
               <a:t>filter</a:t>
             </a:r>
             <a:r>
-              <a:rPr lang="en-US" dirty="0" smtClean="0"/>
-              <a:t>((</a:t>
-            </a:r>
-            <a:r>
               <a:rPr lang="en-US" dirty="0"/>
-              <a:t>number</a:t>
-            </a:r>
-            <a:r>
-              <a:rPr lang="en-US" dirty="0" smtClean="0"/>
-              <a:t>) </a:t>
-            </a:r>
-            <a:r>
-              <a:rPr lang="en-US" dirty="0" smtClean="0">
+              <a:t>((number) </a:t>
+            </a:r>
+            <a:r>
+              <a:rPr lang="en-US" dirty="0">
                 <a:solidFill>
                   <a:srgbClr val="FFC000"/>
                 </a:solidFill>
@@ -15114,20 +14888,16 @@
               <a:t>=&gt; </a:t>
             </a:r>
             <a:r>
-              <a:rPr lang="en-US" dirty="0" smtClean="0"/>
+              <a:rPr lang="en-US" dirty="0"/>
               <a:t>{ 	</a:t>
             </a:r>
             <a:r>
-              <a:rPr lang="en-US" b="1" dirty="0" smtClean="0"/>
+              <a:rPr lang="en-US" b="1" dirty="0"/>
               <a:t>return</a:t>
             </a:r>
             <a:r>
-              <a:rPr lang="en-US" dirty="0" smtClean="0"/>
-              <a:t> </a:t>
-            </a:r>
-            <a:r>
               <a:rPr lang="en-US" dirty="0"/>
-              <a:t>(number </a:t>
+              <a:t> (number </a:t>
             </a:r>
             <a:r>
               <a:rPr lang="en-US" b="1" dirty="0"/>
@@ -15145,7 +14915,6 @@
               <a:rPr lang="en-US" dirty="0"/>
               <a:t> 0); </a:t>
             </a:r>
-            <a:endParaRPr lang="en-US" dirty="0" smtClean="0"/>
           </a:p>
           <a:p>
             <a:pPr marL="180975" indent="0">
@@ -15155,7 +14924,7 @@
               <a:buNone/>
             </a:pPr>
             <a:r>
-              <a:rPr lang="en-US" dirty="0" smtClean="0">
+              <a:rPr lang="en-US" dirty="0">
                 <a:solidFill>
                   <a:schemeClr val="bg1"/>
                 </a:solidFill>
@@ -15163,7 +14932,7 @@
               <a:t>})</a:t>
             </a:r>
             <a:r>
-              <a:rPr lang="en-US" dirty="0" smtClean="0">
+              <a:rPr lang="en-US" dirty="0">
                 <a:solidFill>
                   <a:srgbClr val="FFFF00"/>
                 </a:solidFill>
@@ -15179,27 +14948,19 @@
               <a:t>map</a:t>
             </a:r>
             <a:r>
-              <a:rPr lang="en-US" dirty="0" smtClean="0"/>
+              <a:rPr lang="en-US" dirty="0"/>
               <a:t>(</a:t>
             </a:r>
             <a:r>
-              <a:rPr lang="en-US" b="1" dirty="0" smtClean="0"/>
+              <a:rPr lang="en-US" b="1" dirty="0"/>
               <a:t> </a:t>
             </a:r>
             <a:r>
-              <a:rPr lang="en-US" dirty="0" smtClean="0"/>
-              <a:t>(</a:t>
-            </a:r>
-            <a:r>
               <a:rPr lang="en-US" dirty="0"/>
-              <a:t>number</a:t>
-            </a:r>
-            <a:r>
-              <a:rPr lang="en-US" dirty="0" smtClean="0"/>
-              <a:t>) </a:t>
-            </a:r>
-            <a:r>
-              <a:rPr lang="en-US" dirty="0" smtClean="0">
+              <a:t>(number) </a:t>
+            </a:r>
+            <a:r>
+              <a:rPr lang="en-US" dirty="0">
                 <a:solidFill>
                   <a:srgbClr val="FFC000"/>
                 </a:solidFill>
@@ -15207,7 +14968,7 @@
               <a:t>=&gt; </a:t>
             </a:r>
             <a:r>
-              <a:rPr lang="en-US" dirty="0" smtClean="0"/>
+              <a:rPr lang="en-US" dirty="0"/>
               <a:t>{ </a:t>
             </a:r>
           </a:p>
@@ -15219,16 +14980,12 @@
               <a:buNone/>
             </a:pPr>
             <a:r>
-              <a:rPr lang="en-US" b="1" dirty="0" smtClean="0"/>
+              <a:rPr lang="en-US" b="1" dirty="0"/>
               <a:t>	return</a:t>
             </a:r>
             <a:r>
-              <a:rPr lang="en-US" dirty="0" smtClean="0"/>
-              <a:t> </a:t>
-            </a:r>
-            <a:r>
               <a:rPr lang="en-US" dirty="0"/>
-              <a:t>number </a:t>
+              <a:t> number </a:t>
             </a:r>
             <a:r>
               <a:rPr lang="en-US" b="1" dirty="0"/>
@@ -15236,11 +14993,7 @@
             </a:r>
             <a:r>
               <a:rPr lang="en-US" dirty="0"/>
-              <a:t> 2</a:t>
-            </a:r>
-            <a:r>
-              <a:rPr lang="en-US" dirty="0" smtClean="0"/>
-              <a:t>;</a:t>
+              <a:t> 2;</a:t>
             </a:r>
           </a:p>
           <a:p>
@@ -15251,9 +15004,17 @@
               <a:buNone/>
             </a:pPr>
             <a:r>
-              <a:rPr lang="en-US" dirty="0" smtClean="0"/>
+              <a:rPr lang="en-US" dirty="0"/>
               <a:t>});</a:t>
             </a:r>
+          </a:p>
+          <a:p>
+            <a:pPr marL="180975" indent="0">
+              <a:spcBef>
+                <a:spcPts val="0"/>
+              </a:spcBef>
+              <a:buNone/>
+            </a:pPr>
             <a:endParaRPr lang="en-US" dirty="0"/>
           </a:p>
           <a:p>
@@ -15263,17 +15024,8 @@
               </a:spcBef>
               <a:buNone/>
             </a:pPr>
-            <a:endParaRPr lang="en-US" dirty="0" smtClean="0"/>
-          </a:p>
-          <a:p>
-            <a:pPr marL="180975" indent="0">
-              <a:spcBef>
-                <a:spcPts val="0"/>
-              </a:spcBef>
-              <a:buNone/>
-            </a:pPr>
-            <a:r>
-              <a:rPr lang="en-US" dirty="0" err="1" smtClean="0"/>
+            <a:r>
+              <a:rPr lang="en-US" dirty="0" err="1"/>
               <a:t>console.log</a:t>
             </a:r>
             <a:r>
@@ -15351,32 +15103,20 @@
           </a:bodyPr>
           <a:lstStyle/>
           <a:p>
-            <a:r>
-              <a:rPr lang="en-US" b="1" dirty="0" smtClean="0">
+            <a:br>
+              <a:rPr lang="en-US" b="1" dirty="0">
                 <a:solidFill>
                   <a:srgbClr val="FFFF00"/>
                 </a:solidFill>
               </a:rPr>
-              <a:t/>
-            </a:r>
-            <a:br>
-              <a:rPr lang="en-US" b="1" dirty="0" smtClean="0">
+            </a:br>
+            <a:r>
+              <a:rPr lang="en-US" b="1" dirty="0">
                 <a:solidFill>
                   <a:srgbClr val="FFFF00"/>
                 </a:solidFill>
               </a:rPr>
-            </a:br>
-            <a:r>
-              <a:rPr lang="en-US" b="1" dirty="0" smtClean="0">
-                <a:solidFill>
-                  <a:srgbClr val="FFFF00"/>
-                </a:solidFill>
-              </a:rPr>
               <a:t>Combine values</a:t>
-            </a:r>
-            <a:r>
-              <a:rPr lang="en-US" b="1" dirty="0"/>
-              <a:t/>
             </a:r>
             <a:br>
               <a:rPr lang="en-US" b="1" dirty="0"/>
@@ -15421,8 +15161,8 @@
               <a:buNone/>
             </a:pPr>
             <a:r>
-              <a:rPr lang="en-US" b="1" dirty="0" err="1"/>
-              <a:t>var</a:t>
+              <a:rPr lang="en-US" b="1" dirty="0"/>
+              <a:t>let</a:t>
             </a:r>
             <a:r>
               <a:rPr lang="en-US" dirty="0"/>
@@ -15434,11 +15174,7 @@
             </a:r>
             <a:r>
               <a:rPr lang="en-US" dirty="0"/>
-              <a:t> [1, 2, 3, 4</a:t>
-            </a:r>
-            <a:r>
-              <a:rPr lang="en-US" dirty="0" smtClean="0"/>
-              <a:t>];</a:t>
+              <a:t> [1, 2, 3, 4];</a:t>
             </a:r>
           </a:p>
           <a:p>
@@ -15449,11 +15185,11 @@
               <a:buNone/>
             </a:pPr>
             <a:r>
-              <a:rPr lang="en-US" b="1" dirty="0" err="1" smtClean="0"/>
-              <a:t>var</a:t>
-            </a:r>
-            <a:r>
-              <a:rPr lang="en-US" dirty="0" smtClean="0"/>
+              <a:rPr lang="en-US" b="1" dirty="0"/>
+              <a:t>let</a:t>
+            </a:r>
+            <a:r>
+              <a:rPr lang="en-US" dirty="0"/>
               <a:t> </a:t>
             </a:r>
             <a:r>
@@ -15472,7 +15208,6 @@
               <a:rPr lang="en-US" dirty="0"/>
               <a:t> 0; </a:t>
             </a:r>
-            <a:endParaRPr lang="en-US" dirty="0" smtClean="0"/>
           </a:p>
           <a:p>
             <a:pPr marL="180975" indent="0">
@@ -15491,19 +15226,19 @@
               <a:buNone/>
             </a:pPr>
             <a:r>
-              <a:rPr lang="en-US" b="1" dirty="0" smtClean="0"/>
+              <a:rPr lang="en-US" b="1" dirty="0"/>
               <a:t>for</a:t>
             </a:r>
             <a:r>
-              <a:rPr lang="en-US" dirty="0" smtClean="0"/>
+              <a:rPr lang="en-US" dirty="0"/>
               <a:t>(</a:t>
             </a:r>
             <a:r>
-              <a:rPr lang="en-US" b="1" dirty="0" err="1" smtClean="0"/>
-              <a:t>var</a:t>
-            </a:r>
-            <a:r>
-              <a:rPr lang="en-US" dirty="0" smtClean="0"/>
+              <a:rPr lang="en-US" b="1" dirty="0"/>
+              <a:t>let</a:t>
+            </a:r>
+            <a:r>
+              <a:rPr lang="en-US" dirty="0"/>
               <a:t> </a:t>
             </a:r>
             <a:r>
@@ -15558,7 +15293,6 @@
               <a:rPr lang="en-US" dirty="0"/>
               <a:t>) { </a:t>
             </a:r>
-            <a:endParaRPr lang="en-US" dirty="0" smtClean="0"/>
           </a:p>
           <a:p>
             <a:pPr marL="180975" indent="0">
@@ -15572,11 +15306,11 @@
               <a:t>	</a:t>
             </a:r>
             <a:r>
-              <a:rPr lang="en-US" dirty="0" err="1" smtClean="0"/>
+              <a:rPr lang="en-US" dirty="0" err="1"/>
               <a:t>totalNumber</a:t>
             </a:r>
             <a:r>
-              <a:rPr lang="en-US" dirty="0" smtClean="0"/>
+              <a:rPr lang="en-US" dirty="0"/>
               <a:t> </a:t>
             </a:r>
             <a:r>
@@ -15603,7 +15337,6 @@
               <a:rPr lang="en-US" dirty="0"/>
               <a:t> 2; </a:t>
             </a:r>
-            <a:endParaRPr lang="en-US" dirty="0" smtClean="0"/>
           </a:p>
           <a:p>
             <a:pPr marL="180975" indent="0">
@@ -15613,7 +15346,7 @@
               <a:buNone/>
             </a:pPr>
             <a:r>
-              <a:rPr lang="en-US" dirty="0" smtClean="0"/>
+              <a:rPr lang="en-US" dirty="0"/>
               <a:t>} </a:t>
             </a:r>
           </a:p>
@@ -15634,7 +15367,7 @@
               <a:buNone/>
             </a:pPr>
             <a:r>
-              <a:rPr lang="en-US" dirty="0" err="1" smtClean="0"/>
+              <a:rPr lang="en-US" dirty="0" err="1"/>
               <a:t>console.log</a:t>
             </a:r>
             <a:r>
@@ -15712,32 +15445,20 @@
           </a:bodyPr>
           <a:lstStyle/>
           <a:p>
-            <a:r>
-              <a:rPr lang="en-US" b="1" dirty="0" smtClean="0">
+            <a:br>
+              <a:rPr lang="en-US" b="1" dirty="0">
                 <a:solidFill>
                   <a:srgbClr val="FFFF00"/>
                 </a:solidFill>
               </a:rPr>
-              <a:t/>
-            </a:r>
-            <a:br>
-              <a:rPr lang="en-US" b="1" dirty="0" smtClean="0">
+            </a:br>
+            <a:r>
+              <a:rPr lang="en-US" b="1" dirty="0">
                 <a:solidFill>
                   <a:srgbClr val="FFFF00"/>
                 </a:solidFill>
               </a:rPr>
-            </a:br>
-            <a:r>
-              <a:rPr lang="en-US" b="1" dirty="0" smtClean="0">
-                <a:solidFill>
-                  <a:srgbClr val="FFFF00"/>
-                </a:solidFill>
-              </a:rPr>
               <a:t>Combine values use reduce-method</a:t>
-            </a:r>
-            <a:r>
-              <a:rPr lang="en-US" b="1" dirty="0"/>
-              <a:t/>
             </a:r>
             <a:br>
               <a:rPr lang="en-US" b="1" dirty="0"/>
@@ -15782,8 +15503,8 @@
               <a:buNone/>
             </a:pPr>
             <a:r>
-              <a:rPr lang="en-US" b="1" dirty="0" err="1"/>
-              <a:t>var</a:t>
+              <a:rPr lang="en-US" b="1" dirty="0"/>
+              <a:t>let</a:t>
             </a:r>
             <a:r>
               <a:rPr lang="en-US" dirty="0"/>
@@ -15795,11 +15516,7 @@
             </a:r>
             <a:r>
               <a:rPr lang="en-US" dirty="0"/>
-              <a:t> [1, 2, 3, 4</a:t>
-            </a:r>
-            <a:r>
-              <a:rPr lang="en-US" dirty="0" smtClean="0"/>
-              <a:t>];</a:t>
+              <a:t> [1, 2, 3, 4];</a:t>
             </a:r>
           </a:p>
           <a:p>
@@ -15810,7 +15527,7 @@
               <a:buNone/>
             </a:pPr>
             <a:r>
-              <a:rPr lang="en-US" dirty="0" smtClean="0"/>
+              <a:rPr lang="en-US" dirty="0"/>
               <a:t> </a:t>
             </a:r>
           </a:p>
@@ -15822,11 +15539,11 @@
               <a:buNone/>
             </a:pPr>
             <a:r>
-              <a:rPr lang="en-US" b="1" dirty="0" err="1" smtClean="0"/>
-              <a:t>var</a:t>
-            </a:r>
-            <a:r>
-              <a:rPr lang="en-US" dirty="0" smtClean="0"/>
+              <a:rPr lang="en-US" b="1" dirty="0"/>
+              <a:t>let</a:t>
+            </a:r>
+            <a:r>
+              <a:rPr lang="en-US" dirty="0"/>
               <a:t> </a:t>
             </a:r>
             <a:r>
@@ -15866,27 +15583,19 @@
               <a:t>map</a:t>
             </a:r>
             <a:r>
-              <a:rPr lang="en-US" dirty="0" smtClean="0"/>
+              <a:rPr lang="en-US" dirty="0"/>
               <a:t>(</a:t>
             </a:r>
             <a:r>
-              <a:rPr lang="en-US" b="1" dirty="0" smtClean="0"/>
+              <a:rPr lang="en-US" b="1" dirty="0"/>
               <a:t> </a:t>
             </a:r>
             <a:r>
-              <a:rPr lang="en-US" dirty="0" smtClean="0"/>
-              <a:t>(</a:t>
-            </a:r>
-            <a:r>
               <a:rPr lang="en-US" dirty="0"/>
-              <a:t>number</a:t>
-            </a:r>
-            <a:r>
-              <a:rPr lang="en-US" dirty="0" smtClean="0"/>
-              <a:t>) </a:t>
-            </a:r>
-            <a:r>
-              <a:rPr lang="en-US" dirty="0" smtClean="0">
+              <a:t>(number) </a:t>
+            </a:r>
+            <a:r>
+              <a:rPr lang="en-US" dirty="0">
                 <a:solidFill>
                   <a:srgbClr val="FFC000"/>
                 </a:solidFill>
@@ -15894,20 +15603,16 @@
               <a:t>=&gt;</a:t>
             </a:r>
             <a:r>
-              <a:rPr lang="en-US" dirty="0" smtClean="0"/>
+              <a:rPr lang="en-US" dirty="0"/>
               <a:t> { 	</a:t>
             </a:r>
             <a:r>
-              <a:rPr lang="en-US" b="1" dirty="0" smtClean="0"/>
+              <a:rPr lang="en-US" b="1" dirty="0"/>
               <a:t>return</a:t>
             </a:r>
             <a:r>
-              <a:rPr lang="en-US" dirty="0" smtClean="0"/>
-              <a:t> </a:t>
-            </a:r>
-            <a:r>
               <a:rPr lang="en-US" dirty="0"/>
-              <a:t>number </a:t>
+              <a:t> number </a:t>
             </a:r>
             <a:r>
               <a:rPr lang="en-US" b="1" dirty="0"/>
@@ -15917,7 +15622,6 @@
               <a:rPr lang="en-US" dirty="0"/>
               <a:t> 2; </a:t>
             </a:r>
-            <a:endParaRPr lang="en-US" dirty="0" smtClean="0"/>
           </a:p>
           <a:p>
             <a:pPr marL="180975" indent="0">
@@ -15927,11 +15631,11 @@
               <a:buNone/>
             </a:pPr>
             <a:r>
-              <a:rPr lang="en-US" dirty="0" smtClean="0"/>
+              <a:rPr lang="en-US" dirty="0"/>
               <a:t>})</a:t>
             </a:r>
             <a:r>
-              <a:rPr lang="en-US" dirty="0" smtClean="0">
+              <a:rPr lang="en-US" dirty="0">
                 <a:solidFill>
                   <a:srgbClr val="FFFF00"/>
                 </a:solidFill>
@@ -15947,27 +15651,19 @@
               <a:t>reduce</a:t>
             </a:r>
             <a:r>
-              <a:rPr lang="en-US" dirty="0" smtClean="0"/>
+              <a:rPr lang="en-US" dirty="0"/>
               <a:t>(</a:t>
             </a:r>
             <a:r>
-              <a:rPr lang="en-US" b="1" dirty="0" smtClean="0"/>
+              <a:rPr lang="en-US" b="1" dirty="0"/>
               <a:t> </a:t>
             </a:r>
             <a:r>
-              <a:rPr lang="en-US" dirty="0" smtClean="0"/>
-              <a:t>(</a:t>
-            </a:r>
-            <a:r>
               <a:rPr lang="en-US" dirty="0"/>
-              <a:t>total, number</a:t>
-            </a:r>
-            <a:r>
-              <a:rPr lang="en-US" dirty="0" smtClean="0"/>
-              <a:t>) </a:t>
-            </a:r>
-            <a:r>
-              <a:rPr lang="en-US" dirty="0" smtClean="0">
+              <a:t>(total, number) </a:t>
+            </a:r>
+            <a:r>
+              <a:rPr lang="en-US" dirty="0">
                 <a:solidFill>
                   <a:srgbClr val="FFC000"/>
                 </a:solidFill>
@@ -15975,7 +15671,7 @@
               <a:t>=&gt;</a:t>
             </a:r>
             <a:r>
-              <a:rPr lang="en-US" dirty="0" smtClean="0"/>
+              <a:rPr lang="en-US" dirty="0"/>
               <a:t> { </a:t>
             </a:r>
           </a:p>
@@ -15988,19 +15684,11 @@
             </a:pPr>
             <a:r>
               <a:rPr lang="en-US" b="1" dirty="0"/>
-              <a:t>	</a:t>
-            </a:r>
-            <a:r>
-              <a:rPr lang="en-US" b="1" dirty="0" smtClean="0"/>
-              <a:t>return</a:t>
-            </a:r>
-            <a:r>
-              <a:rPr lang="en-US" dirty="0" smtClean="0"/>
-              <a:t> </a:t>
+              <a:t>	return</a:t>
             </a:r>
             <a:r>
               <a:rPr lang="en-US" dirty="0"/>
-              <a:t>total </a:t>
+              <a:t> total </a:t>
             </a:r>
             <a:r>
               <a:rPr lang="en-US" b="1" dirty="0"/>
@@ -16010,7 +15698,6 @@
               <a:rPr lang="en-US" dirty="0"/>
               <a:t> number; </a:t>
             </a:r>
-            <a:endParaRPr lang="en-US" dirty="0" smtClean="0"/>
           </a:p>
           <a:p>
             <a:pPr marL="180975" indent="0">
@@ -16020,27 +15707,19 @@
               <a:buNone/>
             </a:pPr>
             <a:r>
-              <a:rPr lang="en-US" dirty="0" smtClean="0"/>
+              <a:rPr lang="en-US" dirty="0"/>
               <a:t>},</a:t>
             </a:r>
             <a:r>
-              <a:rPr lang="en-US" dirty="0" smtClean="0">
+              <a:rPr lang="en-US" dirty="0">
                 <a:solidFill>
                   <a:srgbClr val="FFFF00"/>
                 </a:solidFill>
               </a:rPr>
-              <a:t> </a:t>
-            </a:r>
-            <a:r>
-              <a:rPr lang="en-US" dirty="0">
-                <a:solidFill>
-                  <a:srgbClr val="FFFF00"/>
-                </a:solidFill>
-              </a:rPr>
-              <a:t>0</a:t>
-            </a:r>
-            <a:r>
-              <a:rPr lang="en-US" dirty="0" smtClean="0"/>
+              <a:t> 0</a:t>
+            </a:r>
+            <a:r>
+              <a:rPr lang="en-US" dirty="0"/>
               <a:t>);</a:t>
             </a:r>
           </a:p>
@@ -16051,7 +15730,7 @@
               </a:spcBef>
               <a:buNone/>
             </a:pPr>
-            <a:endParaRPr lang="en-US" dirty="0" smtClean="0"/>
+            <a:endParaRPr lang="en-US" dirty="0"/>
           </a:p>
           <a:p>
             <a:pPr marL="180975" indent="0">
@@ -16061,7 +15740,7 @@
               <a:buNone/>
             </a:pPr>
             <a:r>
-              <a:rPr lang="en-US" dirty="0" err="1" smtClean="0"/>
+              <a:rPr lang="en-US" dirty="0" err="1"/>
               <a:t>console.log</a:t>
             </a:r>
             <a:r>
@@ -16152,23 +15831,7 @@
                   <a:srgbClr val="FFFF00"/>
                 </a:solidFill>
               </a:rPr>
-              <a:t>F</a:t>
-            </a:r>
-            <a:r>
-              <a:rPr lang="en-US" sz="7200" dirty="0" smtClean="0">
-                <a:solidFill>
-                  <a:srgbClr val="FFFF00"/>
-                </a:solidFill>
-              </a:rPr>
-              <a:t>unctional </a:t>
-            </a:r>
-            <a:r>
-              <a:rPr lang="en-US" sz="7200" dirty="0">
-                <a:solidFill>
-                  <a:srgbClr val="FFFF00"/>
-                </a:solidFill>
-              </a:rPr>
-              <a:t>paradigm</a:t>
+              <a:t>Functional paradigm</a:t>
             </a:r>
             <a:endParaRPr lang="en-US" sz="7395" dirty="0">
               <a:solidFill>
@@ -16212,16 +15875,11 @@
               </a:rPr>
               <a:t>Pure Functional Programming is simply about </a:t>
             </a:r>
-            <a:endParaRPr lang="en-US" sz="4000" i="1" dirty="0" smtClean="0">
-              <a:solidFill>
-                <a:schemeClr val="bg1"/>
-              </a:solidFill>
-            </a:endParaRPr>
           </a:p>
           <a:p>
             <a:pPr marL="180975" algn="ctr"/>
             <a:r>
-              <a:rPr lang="en-US" sz="4000" i="1" dirty="0" smtClean="0">
+              <a:rPr lang="en-US" sz="4000" i="1" dirty="0">
                 <a:solidFill>
                   <a:srgbClr val="92D050"/>
                 </a:solidFill>
@@ -16229,41 +15887,13 @@
               <a:t>avoiding</a:t>
             </a:r>
             <a:r>
-              <a:rPr lang="en-US" sz="4000" i="1" dirty="0" smtClean="0">
+              <a:rPr lang="en-US" sz="4000" i="1" dirty="0">
                 <a:solidFill>
                   <a:schemeClr val="bg1"/>
                 </a:solidFill>
               </a:rPr>
-              <a:t> </a:t>
-            </a:r>
-            <a:r>
-              <a:rPr lang="en-US" sz="4000" i="1" dirty="0">
-                <a:solidFill>
-                  <a:schemeClr val="bg1"/>
-                </a:solidFill>
-              </a:rPr>
-              <a:t>side-effects</a:t>
-            </a:r>
-            <a:r>
-              <a:rPr lang="en-US" sz="4000" i="1" dirty="0" smtClean="0">
-                <a:solidFill>
-                  <a:schemeClr val="bg1"/>
-                </a:solidFill>
-              </a:rPr>
-              <a:t>.</a:t>
-            </a:r>
-          </a:p>
-          <a:p>
-            <a:pPr marL="180975" algn="ctr"/>
-            <a:endParaRPr lang="en-US" sz="4000" i="1" dirty="0" smtClean="0">
-              <a:solidFill>
-                <a:schemeClr val="bg1"/>
-              </a:solidFill>
-              <a:latin typeface="Consolas"/>
-              <a:ea typeface="Consolas"/>
-              <a:cs typeface="Consolas"/>
-              <a:sym typeface="Consolas"/>
-            </a:endParaRPr>
+              <a:t> side-effects.</a:t>
+            </a:r>
           </a:p>
           <a:p>
             <a:pPr marL="180975" algn="ctr"/>
@@ -16291,43 +15921,7 @@
           </a:p>
           <a:p>
             <a:pPr marL="180975" algn="ctr"/>
-            <a:r>
-              <a:rPr lang="en-US" sz="1800" dirty="0">
-                <a:solidFill>
-                  <a:schemeClr val="bg1"/>
-                </a:solidFill>
-                <a:latin typeface="Consolas"/>
-                <a:ea typeface="Consolas"/>
-                <a:cs typeface="Consolas"/>
-                <a:sym typeface="Consolas"/>
-              </a:rPr>
-              <a:t>https://</a:t>
-            </a:r>
-            <a:r>
-              <a:rPr lang="en-US" sz="1800" dirty="0" err="1">
-                <a:solidFill>
-                  <a:schemeClr val="bg1"/>
-                </a:solidFill>
-                <a:latin typeface="Consolas"/>
-                <a:ea typeface="Consolas"/>
-                <a:cs typeface="Consolas"/>
-                <a:sym typeface="Consolas"/>
-              </a:rPr>
-              <a:t>www.aomran.com</a:t>
-            </a:r>
-            <a:r>
-              <a:rPr lang="en-US" sz="1800" dirty="0">
-                <a:solidFill>
-                  <a:schemeClr val="bg1"/>
-                </a:solidFill>
-                <a:latin typeface="Consolas"/>
-                <a:ea typeface="Consolas"/>
-                <a:cs typeface="Consolas"/>
-                <a:sym typeface="Consolas"/>
-              </a:rPr>
-              <a:t>/pure-functional-programming/</a:t>
-            </a:r>
-            <a:endParaRPr lang="en-US" sz="1800" dirty="0" smtClean="0">
+            <a:endParaRPr lang="en-US" sz="4000" i="1" dirty="0">
               <a:solidFill>
                 <a:schemeClr val="bg1"/>
               </a:solidFill>
@@ -16336,6 +15930,45 @@
               <a:cs typeface="Consolas"/>
               <a:sym typeface="Consolas"/>
             </a:endParaRPr>
+          </a:p>
+          <a:p>
+            <a:pPr marL="180975" algn="ctr"/>
+            <a:r>
+              <a:rPr lang="en-US" sz="1800" dirty="0">
+                <a:solidFill>
+                  <a:schemeClr val="bg1"/>
+                </a:solidFill>
+                <a:latin typeface="Consolas"/>
+                <a:ea typeface="Consolas"/>
+                <a:cs typeface="Consolas"/>
+                <a:sym typeface="Consolas"/>
+              </a:rPr>
+              <a:t>https://</a:t>
+            </a:r>
+            <a:r>
+              <a:rPr lang="en-US" sz="1800" dirty="0" err="1">
+                <a:solidFill>
+                  <a:schemeClr val="bg1"/>
+                </a:solidFill>
+                <a:latin typeface="Consolas"/>
+                <a:ea typeface="Consolas"/>
+                <a:cs typeface="Consolas"/>
+                <a:sym typeface="Consolas"/>
+              </a:rPr>
+              <a:t>www.aomran.com</a:t>
+            </a:r>
+            <a:r>
+              <a:rPr lang="en-US" sz="1800" dirty="0">
+                <a:solidFill>
+                  <a:schemeClr val="bg1"/>
+                </a:solidFill>
+                <a:latin typeface="Consolas"/>
+                <a:ea typeface="Consolas"/>
+                <a:cs typeface="Consolas"/>
+                <a:sym typeface="Consolas"/>
+              </a:rPr>
+              <a:t>/pure-functional-programming/</a:t>
+            </a:r>
           </a:p>
         </p:txBody>
       </p:sp>
@@ -16394,32 +16027,20 @@
           </a:bodyPr>
           <a:lstStyle/>
           <a:p>
-            <a:r>
-              <a:rPr lang="en-US" b="1" dirty="0" smtClean="0">
+            <a:br>
+              <a:rPr lang="en-US" b="1" dirty="0">
                 <a:solidFill>
                   <a:srgbClr val="FFFF00"/>
                 </a:solidFill>
               </a:rPr>
-              <a:t/>
-            </a:r>
-            <a:br>
-              <a:rPr lang="en-US" b="1" dirty="0" smtClean="0">
+            </a:br>
+            <a:r>
+              <a:rPr lang="en-US" b="1" dirty="0">
                 <a:solidFill>
                   <a:srgbClr val="FFFF00"/>
                 </a:solidFill>
               </a:rPr>
-            </a:br>
-            <a:r>
-              <a:rPr lang="en-US" b="1" dirty="0" smtClean="0">
-                <a:solidFill>
-                  <a:srgbClr val="FFFF00"/>
-                </a:solidFill>
-              </a:rPr>
               <a:t>Higher order functions</a:t>
-            </a:r>
-            <a:r>
-              <a:rPr lang="en-US" b="1" dirty="0"/>
-              <a:t/>
             </a:r>
             <a:br>
               <a:rPr lang="en-US" b="1" dirty="0"/>
@@ -16459,58 +16080,42 @@
           <a:p>
             <a:r>
               <a:rPr lang="en-US" dirty="0"/>
-              <a:t>T</a:t>
-            </a:r>
-            <a:r>
-              <a:rPr lang="en-US" dirty="0" smtClean="0"/>
-              <a:t>akes </a:t>
-            </a:r>
+              <a:t>Takes one or more functions as </a:t>
+            </a:r>
+            <a:r>
+              <a:rPr lang="en-US" dirty="0">
+                <a:solidFill>
+                  <a:srgbClr val="FFC000"/>
+                </a:solidFill>
+              </a:rPr>
+              <a:t>input-arguments </a:t>
+            </a:r>
+          </a:p>
+          <a:p>
+            <a:pPr marL="1069975" lvl="2" indent="0">
+              <a:buNone/>
+            </a:pPr>
             <a:r>
               <a:rPr lang="en-US" dirty="0"/>
-              <a:t>one or more functions as </a:t>
-            </a:r>
-            <a:r>
-              <a:rPr lang="en-US" dirty="0" smtClean="0">
+              <a:t>		</a:t>
+            </a:r>
+            <a:r>
+              <a:rPr lang="en-US" i="1" dirty="0">
+                <a:solidFill>
+                  <a:srgbClr val="92D050"/>
+                </a:solidFill>
+              </a:rPr>
+              <a:t>and / or</a:t>
+            </a:r>
+          </a:p>
+          <a:p>
+            <a:r>
+              <a:rPr lang="en-US" dirty="0">
                 <a:solidFill>
                   <a:srgbClr val="FFC000"/>
                 </a:solidFill>
               </a:rPr>
-              <a:t>input-arguments </a:t>
-            </a:r>
-          </a:p>
-          <a:p>
-            <a:pPr marL="1069975" lvl="2" indent="0">
-              <a:buNone/>
-            </a:pPr>
-            <a:r>
-              <a:rPr lang="en-US" dirty="0" smtClean="0"/>
-              <a:t>		</a:t>
-            </a:r>
-            <a:r>
-              <a:rPr lang="en-US" i="1" dirty="0" smtClean="0">
-                <a:solidFill>
-                  <a:srgbClr val="92D050"/>
-                </a:solidFill>
-              </a:rPr>
-              <a:t>and / or</a:t>
-            </a:r>
-          </a:p>
-          <a:p>
-            <a:r>
-              <a:rPr lang="en-US" dirty="0" smtClean="0">
-                <a:solidFill>
-                  <a:srgbClr val="FFC000"/>
-                </a:solidFill>
-              </a:rPr>
-              <a:t>Returns </a:t>
-            </a:r>
-            <a:r>
-              <a:rPr lang="en-US" dirty="0">
-                <a:solidFill>
-                  <a:srgbClr val="FFC000"/>
-                </a:solidFill>
-              </a:rPr>
-              <a:t>a function </a:t>
+              <a:t>Returns a function </a:t>
             </a:r>
             <a:r>
               <a:rPr lang="en-US" dirty="0"/>
@@ -16538,13 +16143,6 @@
   <p:clrMapOvr>
     <a:masterClrMapping/>
   </p:clrMapOvr>
-  <p:timing>
-    <p:tnLst>
-      <p:par>
-        <p:cTn id="1" dur="indefinite" restart="never" nodeType="tmRoot"/>
-      </p:par>
-    </p:tnLst>
-  </p:timing>
 </p:sld>
 </file>
 
@@ -16590,32 +16188,20 @@
           </a:bodyPr>
           <a:lstStyle/>
           <a:p>
-            <a:r>
-              <a:rPr lang="en-US" b="1" dirty="0" smtClean="0">
+            <a:br>
+              <a:rPr lang="en-US" b="1" dirty="0">
                 <a:solidFill>
                   <a:srgbClr val="FFFF00"/>
                 </a:solidFill>
               </a:rPr>
-              <a:t/>
-            </a:r>
-            <a:br>
-              <a:rPr lang="en-US" b="1" dirty="0" smtClean="0">
+            </a:br>
+            <a:r>
+              <a:rPr lang="en-US" b="1" dirty="0">
                 <a:solidFill>
                   <a:srgbClr val="FFFF00"/>
                 </a:solidFill>
               </a:rPr>
-            </a:br>
-            <a:r>
-              <a:rPr lang="en-US" b="1" dirty="0" smtClean="0">
-                <a:solidFill>
-                  <a:srgbClr val="FFFF00"/>
-                </a:solidFill>
-              </a:rPr>
               <a:t>Higher order functions</a:t>
-            </a:r>
-            <a:r>
-              <a:rPr lang="en-US" b="1" dirty="0"/>
-              <a:t/>
             </a:r>
             <a:br>
               <a:rPr lang="en-US" b="1" dirty="0"/>
@@ -16680,11 +16266,6 @@
               </a:rPr>
               <a:t> is made by combining the functions add and square. </a:t>
             </a:r>
-            <a:endParaRPr lang="en-US" sz="2000" dirty="0" smtClean="0">
-              <a:solidFill>
-                <a:srgbClr val="FFC000"/>
-              </a:solidFill>
-            </a:endParaRPr>
           </a:p>
           <a:p>
             <a:pPr marL="36000" indent="0" fontAlgn="base">
@@ -16694,143 +16275,25 @@
               <a:buNone/>
             </a:pPr>
             <a:r>
-              <a:rPr lang="en-US" sz="2800" dirty="0" err="1" smtClean="0"/>
+              <a:rPr lang="en-US" sz="2800" dirty="0" err="1"/>
               <a:t>const</a:t>
             </a:r>
             <a:r>
-              <a:rPr lang="en-US" sz="2800" dirty="0" smtClean="0"/>
+              <a:rPr lang="en-US" sz="2800" dirty="0"/>
               <a:t> </a:t>
             </a:r>
             <a:r>
-              <a:rPr lang="en-US" sz="2800" dirty="0"/>
-              <a:t>add = function ( x, y ) { </a:t>
-            </a:r>
-            <a:endParaRPr lang="en-US" sz="2800" dirty="0" smtClean="0"/>
-          </a:p>
-          <a:p>
-            <a:pPr marL="36000" indent="0" fontAlgn="base">
-              <a:spcBef>
-                <a:spcPts val="1200"/>
-              </a:spcBef>
-              <a:buNone/>
-            </a:pPr>
-            <a:r>
-              <a:rPr lang="en-US" sz="2800" dirty="0" smtClean="0"/>
-              <a:t>	return </a:t>
-            </a:r>
-            <a:r>
-              <a:rPr lang="en-US" sz="2800" dirty="0"/>
-              <a:t>x + y</a:t>
-            </a:r>
-            <a:r>
-              <a:rPr lang="en-US" sz="2800" dirty="0" smtClean="0"/>
-              <a:t>;</a:t>
-            </a:r>
-          </a:p>
-          <a:p>
-            <a:pPr marL="36000" indent="0" fontAlgn="base">
-              <a:spcBef>
-                <a:spcPts val="1200"/>
-              </a:spcBef>
-              <a:buNone/>
-            </a:pPr>
-            <a:r>
-              <a:rPr lang="en-US" sz="2800" dirty="0" smtClean="0"/>
-              <a:t>}; </a:t>
-            </a:r>
-          </a:p>
-          <a:p>
-            <a:pPr marL="36000" indent="0" fontAlgn="base">
-              <a:spcBef>
-                <a:spcPts val="1200"/>
-              </a:spcBef>
-              <a:buNone/>
-            </a:pPr>
-            <a:endParaRPr lang="en-US" sz="2800" dirty="0" smtClean="0"/>
-          </a:p>
-          <a:p>
-            <a:pPr marL="36000" indent="0" fontAlgn="base">
-              <a:spcBef>
-                <a:spcPts val="1200"/>
-              </a:spcBef>
-              <a:buNone/>
-            </a:pPr>
-            <a:r>
-              <a:rPr lang="en-US" sz="2800" dirty="0" err="1" smtClean="0"/>
-              <a:t>const</a:t>
-            </a:r>
-            <a:r>
-              <a:rPr lang="en-US" sz="2800" dirty="0" smtClean="0"/>
-              <a:t> </a:t>
-            </a:r>
-            <a:r>
-              <a:rPr lang="en-US" sz="2800" dirty="0"/>
-              <a:t>square = function ( x ) { </a:t>
-            </a:r>
-            <a:endParaRPr lang="en-US" sz="2800" dirty="0" smtClean="0"/>
-          </a:p>
-          <a:p>
-            <a:pPr marL="36000" indent="0" fontAlgn="base">
-              <a:spcBef>
-                <a:spcPts val="1200"/>
-              </a:spcBef>
-              <a:buNone/>
-            </a:pPr>
-            <a:r>
-              <a:rPr lang="en-US" sz="2800" dirty="0" smtClean="0"/>
-              <a:t>	return </a:t>
-            </a:r>
-            <a:r>
-              <a:rPr lang="en-US" sz="2800" dirty="0"/>
-              <a:t>x * x; </a:t>
-            </a:r>
-            <a:endParaRPr lang="en-US" sz="2800" dirty="0" smtClean="0"/>
-          </a:p>
-          <a:p>
-            <a:pPr marL="36000" indent="0" fontAlgn="base">
-              <a:spcBef>
-                <a:spcPts val="1200"/>
-              </a:spcBef>
-              <a:buNone/>
-            </a:pPr>
-            <a:r>
-              <a:rPr lang="en-US" sz="2800" dirty="0" smtClean="0"/>
-              <a:t>}; </a:t>
-            </a:r>
-          </a:p>
-          <a:p>
-            <a:pPr marL="36000" indent="0" fontAlgn="base">
-              <a:spcBef>
-                <a:spcPts val="1200"/>
-              </a:spcBef>
-              <a:buNone/>
-            </a:pPr>
-            <a:endParaRPr lang="en-US" sz="2800" dirty="0" smtClean="0"/>
-          </a:p>
-          <a:p>
-            <a:pPr marL="36000" indent="0" fontAlgn="base">
-              <a:spcBef>
-                <a:spcPts val="1200"/>
-              </a:spcBef>
-              <a:buNone/>
-            </a:pPr>
-            <a:r>
-              <a:rPr lang="en-US" sz="2800" dirty="0" err="1" smtClean="0"/>
-              <a:t>const</a:t>
-            </a:r>
-            <a:r>
-              <a:rPr lang="en-US" sz="2800" dirty="0" smtClean="0"/>
-              <a:t> </a:t>
-            </a:r>
-            <a:r>
-              <a:rPr lang="en-US" sz="2800" dirty="0" err="1"/>
-              <a:t>addThenSquare</a:t>
+              <a:rPr lang="en-US" sz="2800" dirty="0">
+                <a:solidFill>
+                  <a:schemeClr val="accent4"/>
+                </a:solidFill>
+              </a:rPr>
+              <a:t>add</a:t>
             </a:r>
             <a:r>
               <a:rPr lang="en-US" sz="2800" dirty="0"/>
               <a:t> = function ( x, y ) { </a:t>
             </a:r>
-            <a:endParaRPr lang="en-US" sz="2800" dirty="0" smtClean="0"/>
           </a:p>
           <a:p>
             <a:pPr marL="36000" indent="0" fontAlgn="base">
@@ -16840,14 +16303,9 @@
               <a:buNone/>
             </a:pPr>
             <a:r>
-              <a:rPr lang="en-US" sz="2800" dirty="0" smtClean="0"/>
-              <a:t>	return </a:t>
-            </a:r>
-            <a:r>
               <a:rPr lang="en-US" sz="2800" dirty="0"/>
-              <a:t>square(add( x, y )); </a:t>
-            </a:r>
-            <a:endParaRPr lang="en-US" sz="2800" dirty="0" smtClean="0"/>
+              <a:t>	return x + y;</a:t>
+            </a:r>
           </a:p>
           <a:p>
             <a:pPr marL="36000" indent="0" fontAlgn="base">
@@ -16857,9 +16315,18 @@
               <a:buNone/>
             </a:pPr>
             <a:r>
-              <a:rPr lang="en-US" sz="2800" dirty="0" smtClean="0"/>
-              <a:t>};</a:t>
-            </a:r>
+              <a:rPr lang="en-US" sz="2800" dirty="0"/>
+              <a:t>}; </a:t>
+            </a:r>
+          </a:p>
+          <a:p>
+            <a:pPr marL="36000" indent="0" fontAlgn="base">
+              <a:spcBef>
+                <a:spcPts val="1200"/>
+              </a:spcBef>
+              <a:buNone/>
+            </a:pPr>
+            <a:endParaRPr lang="en-US" sz="2800" dirty="0"/>
           </a:p>
           <a:p>
             <a:pPr marL="36000" indent="0" fontAlgn="base">
@@ -16877,22 +16344,157 @@
               <a:t> </a:t>
             </a:r>
             <a:r>
-              <a:rPr lang="en-US" sz="2800" dirty="0" smtClean="0"/>
-              <a:t>result = </a:t>
-            </a:r>
+              <a:rPr lang="en-US" sz="2800" dirty="0">
+                <a:solidFill>
+                  <a:srgbClr val="FFFF00"/>
+                </a:solidFill>
+              </a:rPr>
+              <a:t>square</a:t>
+            </a:r>
+            <a:r>
+              <a:rPr lang="en-US" sz="2800" dirty="0"/>
+              <a:t> = function ( x ) { </a:t>
+            </a:r>
+          </a:p>
+          <a:p>
+            <a:pPr marL="36000" indent="0" fontAlgn="base">
+              <a:spcBef>
+                <a:spcPts val="1200"/>
+              </a:spcBef>
+              <a:buNone/>
+            </a:pPr>
+            <a:r>
+              <a:rPr lang="en-US" sz="2800" dirty="0"/>
+              <a:t>	return x * x; </a:t>
+            </a:r>
+          </a:p>
+          <a:p>
+            <a:pPr marL="36000" indent="0" fontAlgn="base">
+              <a:spcBef>
+                <a:spcPts val="1200"/>
+              </a:spcBef>
+              <a:buNone/>
+            </a:pPr>
+            <a:r>
+              <a:rPr lang="en-US" sz="2800" dirty="0"/>
+              <a:t>}; </a:t>
+            </a:r>
+          </a:p>
+          <a:p>
+            <a:pPr marL="36000" indent="0" fontAlgn="base">
+              <a:spcBef>
+                <a:spcPts val="1200"/>
+              </a:spcBef>
+              <a:buNone/>
+            </a:pPr>
+            <a:endParaRPr lang="en-US" sz="2800" dirty="0"/>
+          </a:p>
+          <a:p>
+            <a:pPr marL="36000" indent="0" fontAlgn="base">
+              <a:spcBef>
+                <a:spcPts val="1200"/>
+              </a:spcBef>
+              <a:buNone/>
+            </a:pPr>
             <a:r>
               <a:rPr lang="en-US" sz="2800" dirty="0" err="1"/>
-              <a:t>addThenSquare</a:t>
+              <a:t>const</a:t>
             </a:r>
             <a:r>
               <a:rPr lang="en-US" sz="2800" dirty="0"/>
               <a:t> </a:t>
             </a:r>
             <a:r>
-              <a:rPr lang="en-US" sz="2800" dirty="0" smtClean="0"/>
-              <a:t>( 1, 2);</a:t>
-            </a:r>
-            <a:endParaRPr lang="en-US" sz="2800" dirty="0"/>
+              <a:rPr lang="en-US" sz="2800" dirty="0" err="1">
+                <a:solidFill>
+                  <a:srgbClr val="92D050"/>
+                </a:solidFill>
+              </a:rPr>
+              <a:t>addThenSquare</a:t>
+            </a:r>
+            <a:r>
+              <a:rPr lang="en-US" sz="2800" dirty="0"/>
+              <a:t> = function ( x, y ) { </a:t>
+            </a:r>
+          </a:p>
+          <a:p>
+            <a:pPr marL="36000" indent="0" fontAlgn="base">
+              <a:spcBef>
+                <a:spcPts val="1200"/>
+              </a:spcBef>
+              <a:buNone/>
+            </a:pPr>
+            <a:r>
+              <a:rPr lang="en-US" sz="2800" dirty="0"/>
+              <a:t>	return </a:t>
+            </a:r>
+            <a:r>
+              <a:rPr lang="en-US" sz="2800" dirty="0">
+                <a:solidFill>
+                  <a:srgbClr val="FFFF00"/>
+                </a:solidFill>
+              </a:rPr>
+              <a:t>square</a:t>
+            </a:r>
+            <a:r>
+              <a:rPr lang="en-US" sz="2800" dirty="0"/>
+              <a:t>(</a:t>
+            </a:r>
+            <a:r>
+              <a:rPr lang="en-US" sz="2800" dirty="0">
+                <a:solidFill>
+                  <a:schemeClr val="accent5">
+                    <a:lumMod val="40000"/>
+                    <a:lumOff val="60000"/>
+                  </a:schemeClr>
+                </a:solidFill>
+              </a:rPr>
+              <a:t>add</a:t>
+            </a:r>
+            <a:r>
+              <a:rPr lang="en-US" sz="2800" dirty="0"/>
+              <a:t>( x, y )); </a:t>
+            </a:r>
+          </a:p>
+          <a:p>
+            <a:pPr marL="36000" indent="0" fontAlgn="base">
+              <a:spcBef>
+                <a:spcPts val="1200"/>
+              </a:spcBef>
+              <a:buNone/>
+            </a:pPr>
+            <a:r>
+              <a:rPr lang="en-US" sz="2800" dirty="0"/>
+              <a:t>};</a:t>
+            </a:r>
+          </a:p>
+          <a:p>
+            <a:pPr marL="36000" indent="0" fontAlgn="base">
+              <a:spcBef>
+                <a:spcPts val="1200"/>
+              </a:spcBef>
+              <a:buNone/>
+            </a:pPr>
+            <a:r>
+              <a:rPr lang="en-US" sz="2800" dirty="0" err="1"/>
+              <a:t>const</a:t>
+            </a:r>
+            <a:r>
+              <a:rPr lang="en-US" sz="2800" dirty="0"/>
+              <a:t> result = </a:t>
+            </a:r>
+            <a:r>
+              <a:rPr lang="en-US" sz="2800" dirty="0" err="1">
+                <a:solidFill>
+                  <a:srgbClr val="92D050"/>
+                </a:solidFill>
+              </a:rPr>
+              <a:t>addThenSquare</a:t>
+            </a:r>
+            <a:r>
+              <a:rPr lang="en-US" sz="2800" dirty="0"/>
+              <a:t> ( 1, 2);</a:t>
+            </a:r>
           </a:p>
         </p:txBody>
       </p:sp>
@@ -16906,13 +16508,6 @@
   <p:clrMapOvr>
     <a:masterClrMapping/>
   </p:clrMapOvr>
-  <p:timing>
-    <p:tnLst>
-      <p:par>
-        <p:cTn id="1" dur="indefinite" restart="never" nodeType="tmRoot"/>
-      </p:par>
-    </p:tnLst>
-  </p:timing>
 </p:sld>
 </file>
 
@@ -16958,32 +16553,20 @@
           </a:bodyPr>
           <a:lstStyle/>
           <a:p>
-            <a:r>
-              <a:rPr lang="en-US" b="1" dirty="0" smtClean="0">
+            <a:br>
+              <a:rPr lang="en-US" b="1" dirty="0">
                 <a:solidFill>
                   <a:srgbClr val="FFFF00"/>
                 </a:solidFill>
               </a:rPr>
-              <a:t/>
-            </a:r>
-            <a:br>
-              <a:rPr lang="en-US" b="1" dirty="0" smtClean="0">
+            </a:br>
+            <a:r>
+              <a:rPr lang="en-US" b="1" dirty="0">
                 <a:solidFill>
                   <a:srgbClr val="FFFF00"/>
                 </a:solidFill>
               </a:rPr>
-            </a:br>
-            <a:r>
-              <a:rPr lang="en-US" b="1" dirty="0" smtClean="0">
-                <a:solidFill>
-                  <a:srgbClr val="FFFF00"/>
-                </a:solidFill>
-              </a:rPr>
               <a:t>Currying</a:t>
-            </a:r>
-            <a:r>
-              <a:rPr lang="en-US" b="1" dirty="0"/>
-              <a:t/>
             </a:r>
             <a:br>
               <a:rPr lang="en-US" b="1" dirty="0"/>
@@ -17033,11 +16616,7 @@
             </a:r>
             <a:r>
               <a:rPr lang="en-US" sz="3600" dirty="0"/>
-              <a:t> is the process of translating a function that takes multiple arguments into a series of functions that each take one argument</a:t>
-            </a:r>
-            <a:r>
-              <a:rPr lang="en-US" sz="3600" dirty="0" smtClean="0"/>
-              <a:t>.</a:t>
+              <a:t> is the process of translating a function that takes multiple arguments into a series of functions that each take one argument.</a:t>
             </a:r>
           </a:p>
           <a:p>
@@ -17089,13 +16668,6 @@
   <p:clrMapOvr>
     <a:masterClrMapping/>
   </p:clrMapOvr>
-  <p:timing>
-    <p:tnLst>
-      <p:par>
-        <p:cTn id="1" dur="indefinite" restart="never" nodeType="tmRoot"/>
-      </p:par>
-    </p:tnLst>
-  </p:timing>
 </p:sld>
 </file>
 
@@ -17141,32 +16713,20 @@
           </a:bodyPr>
           <a:lstStyle/>
           <a:p>
-            <a:r>
-              <a:rPr lang="en-US" b="1" dirty="0" smtClean="0">
+            <a:br>
+              <a:rPr lang="en-US" b="1" dirty="0">
                 <a:solidFill>
                   <a:srgbClr val="FFFF00"/>
                 </a:solidFill>
               </a:rPr>
-              <a:t/>
-            </a:r>
-            <a:br>
-              <a:rPr lang="en-US" b="1" dirty="0" smtClean="0">
+            </a:br>
+            <a:r>
+              <a:rPr lang="en-US" b="1" dirty="0">
                 <a:solidFill>
                   <a:srgbClr val="FFFF00"/>
                 </a:solidFill>
               </a:rPr>
-            </a:br>
-            <a:r>
-              <a:rPr lang="en-US" b="1" dirty="0" smtClean="0">
-                <a:solidFill>
-                  <a:srgbClr val="FFFF00"/>
-                </a:solidFill>
-              </a:rPr>
               <a:t>Currying</a:t>
-            </a:r>
-            <a:r>
-              <a:rPr lang="en-US" b="1" dirty="0"/>
-              <a:t/>
             </a:r>
             <a:br>
               <a:rPr lang="en-US" b="1" dirty="0"/>
@@ -17226,18 +16786,14 @@
               <a:rPr lang="en-US" sz="2400" dirty="0"/>
             </a:br>
             <a:r>
-              <a:rPr lang="en-US" sz="2400" dirty="0" smtClean="0"/>
-              <a:t>	return </a:t>
-            </a:r>
-            <a:r>
               <a:rPr lang="en-US" sz="2400" dirty="0"/>
-              <a:t>x + y + z;</a:t>
+              <a:t>	return x + y + z;</a:t>
             </a:r>
             <a:br>
               <a:rPr lang="en-US" sz="2400" dirty="0"/>
             </a:br>
             <a:r>
-              <a:rPr lang="en-US" sz="2400" dirty="0" smtClean="0"/>
+              <a:rPr lang="en-US" sz="2400" dirty="0"/>
               <a:t>}</a:t>
             </a:r>
           </a:p>
@@ -17249,20 +16805,12 @@
               <a:buNone/>
             </a:pPr>
             <a:r>
-              <a:rPr lang="en-US" sz="2400" dirty="0" err="1" smtClean="0"/>
+              <a:rPr lang="en-US" sz="2400" dirty="0" err="1"/>
               <a:t>console.log</a:t>
             </a:r>
             <a:r>
-              <a:rPr lang="en-US" sz="2400" dirty="0" smtClean="0"/>
-              <a:t>(sum3(1</a:t>
-            </a:r>
-            <a:r>
               <a:rPr lang="en-US" sz="2400" dirty="0"/>
-              <a:t>, 2, 3) // </a:t>
-            </a:r>
-            <a:r>
-              <a:rPr lang="en-US" sz="2400" dirty="0" smtClean="0"/>
-              <a:t>6</a:t>
+              <a:t>(sum3(1, 2, 3) // 6</a:t>
             </a:r>
           </a:p>
           <a:p>
@@ -17281,7 +16829,7 @@
               </a:spcBef>
               <a:buNone/>
             </a:pPr>
-            <a:endParaRPr lang="en-US" sz="2400" dirty="0" smtClean="0"/>
+            <a:endParaRPr lang="en-US" sz="2400" dirty="0"/>
           </a:p>
           <a:p>
             <a:pPr marL="180975" indent="0">
@@ -17291,7 +16839,7 @@
               <a:buNone/>
             </a:pPr>
             <a:r>
-              <a:rPr lang="en-US" sz="2400" b="1" i="1" u="sng" dirty="0" smtClean="0">
+              <a:rPr lang="en-US" sz="2400" b="1" i="1" u="sng" dirty="0">
                 <a:solidFill>
                   <a:srgbClr val="FFC000"/>
                 </a:solidFill>
@@ -17326,20 +16874,16 @@
               <a:rPr lang="mr-IN" sz="2400" dirty="0"/>
             </a:br>
             <a:r>
-              <a:rPr lang="nl-NL" sz="2400" dirty="0" smtClean="0"/>
+              <a:rPr lang="nl-NL" sz="2400" dirty="0"/>
               <a:t>	</a:t>
             </a:r>
             <a:r>
-              <a:rPr lang="mr-IN" sz="2400" dirty="0" err="1" smtClean="0"/>
+              <a:rPr lang="mr-IN" sz="2400" dirty="0" err="1"/>
               <a:t>return</a:t>
             </a:r>
             <a:r>
-              <a:rPr lang="mr-IN" sz="2400" dirty="0" smtClean="0"/>
-              <a:t> </a:t>
-            </a:r>
-            <a:r>
               <a:rPr lang="mr-IN" sz="2400" dirty="0"/>
-              <a:t>(</a:t>
+              <a:t> (</a:t>
             </a:r>
             <a:r>
               <a:rPr lang="mr-IN" sz="2400" b="1" dirty="0" err="1"/>
@@ -17353,20 +16897,16 @@
               <a:rPr lang="mr-IN" sz="2400" dirty="0"/>
             </a:br>
             <a:r>
-              <a:rPr lang="nl-NL" sz="2400" dirty="0" smtClean="0"/>
+              <a:rPr lang="nl-NL" sz="2400" dirty="0"/>
               <a:t>		</a:t>
             </a:r>
             <a:r>
-              <a:rPr lang="mr-IN" sz="2400" dirty="0" err="1" smtClean="0"/>
+              <a:rPr lang="mr-IN" sz="2400" dirty="0" err="1"/>
               <a:t>return</a:t>
             </a:r>
             <a:r>
-              <a:rPr lang="mr-IN" sz="2400" dirty="0" smtClean="0"/>
-              <a:t> </a:t>
-            </a:r>
-            <a:r>
               <a:rPr lang="mr-IN" sz="2400" dirty="0"/>
-              <a:t>(</a:t>
+              <a:t> (</a:t>
             </a:r>
             <a:r>
               <a:rPr lang="mr-IN" sz="2400" b="1" dirty="0" err="1"/>
@@ -17380,15 +16920,15 @@
               <a:rPr lang="mr-IN" sz="2400" dirty="0"/>
             </a:br>
             <a:r>
-              <a:rPr lang="nl-NL" sz="2400" dirty="0" smtClean="0"/>
+              <a:rPr lang="nl-NL" sz="2400" dirty="0"/>
               <a:t>			</a:t>
             </a:r>
             <a:r>
-              <a:rPr lang="mr-IN" sz="2400" dirty="0" err="1" smtClean="0"/>
+              <a:rPr lang="mr-IN" sz="2400" dirty="0" err="1"/>
               <a:t>return</a:t>
             </a:r>
             <a:r>
-              <a:rPr lang="mr-IN" sz="2400" dirty="0" smtClean="0"/>
+              <a:rPr lang="mr-IN" sz="2400" dirty="0"/>
               <a:t> </a:t>
             </a:r>
             <a:r>
@@ -17419,40 +16959,32 @@
               <a:rPr lang="mr-IN" sz="2400" dirty="0"/>
             </a:br>
             <a:r>
-              <a:rPr lang="nl-NL" sz="2400" dirty="0" smtClean="0"/>
+              <a:rPr lang="nl-NL" sz="2400" dirty="0"/>
               <a:t>		</a:t>
             </a:r>
             <a:r>
-              <a:rPr lang="mr-IN" sz="2400" dirty="0" smtClean="0"/>
+              <a:rPr lang="mr-IN" sz="2400" dirty="0"/>
               <a:t>};</a:t>
-            </a:r>
-            <a:r>
-              <a:rPr lang="mr-IN" sz="2400" dirty="0"/>
-              <a:t/>
             </a:r>
             <a:br>
               <a:rPr lang="mr-IN" sz="2400" dirty="0"/>
             </a:br>
             <a:r>
-              <a:rPr lang="nl-NL" sz="2400" dirty="0" smtClean="0"/>
+              <a:rPr lang="nl-NL" sz="2400" dirty="0"/>
               <a:t>	</a:t>
             </a:r>
             <a:r>
-              <a:rPr lang="mr-IN" sz="2400" dirty="0" smtClean="0"/>
+              <a:rPr lang="mr-IN" sz="2400" dirty="0"/>
               <a:t>};</a:t>
-            </a:r>
-            <a:r>
-              <a:rPr lang="mr-IN" sz="2400" dirty="0"/>
-              <a:t/>
             </a:r>
             <a:br>
               <a:rPr lang="mr-IN" sz="2400" dirty="0"/>
             </a:br>
             <a:r>
-              <a:rPr lang="mr-IN" sz="2400" dirty="0" smtClean="0"/>
+              <a:rPr lang="mr-IN" sz="2400" dirty="0"/>
               <a:t>}</a:t>
             </a:r>
-            <a:endParaRPr lang="nl-NL" sz="2400" dirty="0" smtClean="0"/>
+            <a:endParaRPr lang="nl-NL" sz="2400" dirty="0"/>
           </a:p>
           <a:p>
             <a:pPr marL="180975" indent="0">
@@ -17461,10 +16993,6 @@
               </a:spcBef>
               <a:buNone/>
             </a:pPr>
-            <a:r>
-              <a:rPr lang="mr-IN" sz="2400" dirty="0"/>
-              <a:t/>
-            </a:r>
             <a:br>
               <a:rPr lang="mr-IN" sz="2400" dirty="0"/>
             </a:br>
@@ -17484,7 +17012,7 @@
               <a:rPr lang="mr-IN" sz="2400" dirty="0"/>
               <a:t>) // 6</a:t>
             </a:r>
-            <a:endParaRPr lang="en-US" sz="2400" dirty="0" smtClean="0"/>
+            <a:endParaRPr lang="en-US" sz="2400" dirty="0"/>
           </a:p>
           <a:p>
             <a:pPr marL="180975" indent="0">
@@ -17516,13 +17044,6 @@
   <p:clrMapOvr>
     <a:masterClrMapping/>
   </p:clrMapOvr>
-  <p:timing>
-    <p:tnLst>
-      <p:par>
-        <p:cTn id="1" dur="indefinite" restart="never" nodeType="tmRoot"/>
-      </p:par>
-    </p:tnLst>
-  </p:timing>
 </p:sld>
 </file>
 
@@ -17568,32 +17089,20 @@
           </a:bodyPr>
           <a:lstStyle/>
           <a:p>
-            <a:r>
-              <a:rPr lang="en-US" b="1" dirty="0" smtClean="0">
+            <a:br>
+              <a:rPr lang="en-US" b="1" dirty="0">
                 <a:solidFill>
                   <a:srgbClr val="FFFF00"/>
                 </a:solidFill>
               </a:rPr>
-              <a:t/>
-            </a:r>
-            <a:br>
-              <a:rPr lang="en-US" b="1" dirty="0" smtClean="0">
+            </a:br>
+            <a:r>
+              <a:rPr lang="en-US" b="1" dirty="0">
                 <a:solidFill>
                   <a:srgbClr val="FFFF00"/>
                 </a:solidFill>
               </a:rPr>
-            </a:br>
-            <a:r>
-              <a:rPr lang="en-US" b="1" dirty="0" smtClean="0">
-                <a:solidFill>
-                  <a:srgbClr val="FFFF00"/>
-                </a:solidFill>
-              </a:rPr>
               <a:t>Currying</a:t>
-            </a:r>
-            <a:r>
-              <a:rPr lang="en-US" b="1" dirty="0"/>
-              <a:t/>
             </a:r>
             <a:br>
               <a:rPr lang="en-US" b="1" dirty="0"/>
@@ -17657,7 +17166,6 @@
               <a:rPr lang="en-US" sz="2400" dirty="0"/>
               <a:t>= function ( x, y ) { </a:t>
             </a:r>
-            <a:endParaRPr lang="en-US" sz="2400" dirty="0" smtClean="0"/>
           </a:p>
           <a:p>
             <a:pPr marL="180975" indent="0">
@@ -17667,14 +17175,9 @@
               <a:buNone/>
             </a:pPr>
             <a:r>
-              <a:rPr lang="en-US" sz="2400" dirty="0" smtClean="0"/>
-              <a:t>	return </a:t>
-            </a:r>
-            <a:r>
               <a:rPr lang="en-US" sz="2400" dirty="0"/>
-              <a:t>x * y; </a:t>
-            </a:r>
-            <a:endParaRPr lang="en-US" sz="2400" dirty="0" smtClean="0"/>
+              <a:t>	return x * y; </a:t>
+            </a:r>
           </a:p>
           <a:p>
             <a:pPr marL="180975" indent="0">
@@ -17684,7 +17187,7 @@
               <a:buNone/>
             </a:pPr>
             <a:r>
-              <a:rPr lang="en-US" sz="2400" dirty="0" smtClean="0"/>
+              <a:rPr lang="en-US" sz="2400" dirty="0"/>
               <a:t>}; </a:t>
             </a:r>
           </a:p>
@@ -17695,7 +17198,7 @@
               </a:spcBef>
               <a:buNone/>
             </a:pPr>
-            <a:endParaRPr lang="en-US" sz="2400" dirty="0" smtClean="0"/>
+            <a:endParaRPr lang="en-US" sz="2400" dirty="0"/>
           </a:p>
           <a:p>
             <a:pPr marL="180975" indent="0">
@@ -17705,11 +17208,11 @@
               <a:buNone/>
             </a:pPr>
             <a:r>
-              <a:rPr lang="en-US" sz="2400" dirty="0" err="1" smtClean="0"/>
+              <a:rPr lang="en-US" sz="2400" dirty="0" err="1"/>
               <a:t>const</a:t>
             </a:r>
             <a:r>
-              <a:rPr lang="en-US" sz="2400" dirty="0" smtClean="0"/>
+              <a:rPr lang="en-US" sz="2400" dirty="0"/>
               <a:t> </a:t>
             </a:r>
             <a:r>
@@ -17732,7 +17235,6 @@
               <a:rPr lang="en-US" sz="2400" dirty="0"/>
               <a:t> ) { </a:t>
             </a:r>
-            <a:endParaRPr lang="en-US" sz="2400" dirty="0" smtClean="0"/>
           </a:p>
           <a:p>
             <a:pPr marL="180975" indent="0">
@@ -17743,17 +17245,20 @@
             </a:pPr>
             <a:r>
               <a:rPr lang="en-US" sz="2400" dirty="0"/>
-              <a:t>	</a:t>
-            </a:r>
-            <a:r>
-              <a:rPr lang="en-US" sz="2400" dirty="0" smtClean="0"/>
-              <a:t>return </a:t>
-            </a:r>
+              <a:t>	return function ( x ) { </a:t>
+            </a:r>
+          </a:p>
+          <a:p>
+            <a:pPr marL="180975" indent="0">
+              <a:spcBef>
+                <a:spcPts val="0"/>
+              </a:spcBef>
+              <a:buNone/>
+            </a:pPr>
             <a:r>
               <a:rPr lang="en-US" sz="2400" dirty="0"/>
-              <a:t>function ( x ) { </a:t>
-            </a:r>
-            <a:endParaRPr lang="en-US" sz="2400" dirty="0" smtClean="0"/>
+              <a:t>		return function ( y ) { </a:t>
+            </a:r>
           </a:p>
           <a:p>
             <a:pPr marL="180975" indent="0">
@@ -17764,32 +17269,7 @@
             </a:pPr>
             <a:r>
               <a:rPr lang="en-US" sz="2400" dirty="0"/>
-              <a:t>	</a:t>
-            </a:r>
-            <a:r>
-              <a:rPr lang="en-US" sz="2400" dirty="0" smtClean="0"/>
-              <a:t>	return </a:t>
-            </a:r>
-            <a:r>
-              <a:rPr lang="en-US" sz="2400" dirty="0"/>
-              <a:t>function ( y ) { </a:t>
-            </a:r>
-            <a:endParaRPr lang="en-US" sz="2400" dirty="0" smtClean="0"/>
-          </a:p>
-          <a:p>
-            <a:pPr marL="180975" indent="0">
-              <a:spcBef>
-                <a:spcPts val="0"/>
-              </a:spcBef>
-              <a:buNone/>
-            </a:pPr>
-            <a:r>
-              <a:rPr lang="en-US" sz="2400" dirty="0"/>
-              <a:t>	</a:t>
-            </a:r>
-            <a:r>
-              <a:rPr lang="en-US" sz="2400" dirty="0" smtClean="0"/>
-              <a:t>		return </a:t>
+              <a:t>			return </a:t>
             </a:r>
             <a:r>
               <a:rPr lang="en-US" sz="2400" dirty="0" err="1"/>
@@ -17799,7 +17279,6 @@
               <a:rPr lang="en-US" sz="2400" dirty="0"/>
               <a:t>( x, y ); </a:t>
             </a:r>
-            <a:endParaRPr lang="en-US" sz="2400" dirty="0" smtClean="0"/>
           </a:p>
           <a:p>
             <a:pPr marL="180975" indent="0">
@@ -17809,7 +17288,7 @@
               <a:buNone/>
             </a:pPr>
             <a:r>
-              <a:rPr lang="en-US" sz="2400" dirty="0" smtClean="0"/>
+              <a:rPr lang="en-US" sz="2400" dirty="0"/>
               <a:t>		};</a:t>
             </a:r>
           </a:p>
@@ -17821,14 +17300,21 @@
               <a:buNone/>
             </a:pPr>
             <a:r>
-              <a:rPr lang="en-US" sz="2400" dirty="0" smtClean="0"/>
-              <a:t>	 </a:t>
-            </a:r>
+              <a:rPr lang="en-US" sz="2400" dirty="0"/>
+              <a:t>	 }; </a:t>
+            </a:r>
+          </a:p>
+          <a:p>
+            <a:pPr marL="180975" indent="0">
+              <a:spcBef>
+                <a:spcPts val="0"/>
+              </a:spcBef>
+              <a:buNone/>
+            </a:pPr>
             <a:r>
               <a:rPr lang="en-US" sz="2400" dirty="0"/>
               <a:t>}; </a:t>
             </a:r>
-            <a:endParaRPr lang="en-US" sz="2400" dirty="0" smtClean="0"/>
           </a:p>
           <a:p>
             <a:pPr marL="180975" indent="0">
@@ -17837,10 +17323,7 @@
               </a:spcBef>
               <a:buNone/>
             </a:pPr>
-            <a:r>
-              <a:rPr lang="en-US" sz="2400" dirty="0" smtClean="0"/>
-              <a:t>}; </a:t>
-            </a:r>
+            <a:endParaRPr lang="en-US" sz="2400" dirty="0"/>
           </a:p>
           <a:p>
             <a:pPr marL="180975" indent="0">
@@ -17849,21 +17332,12 @@
               </a:spcBef>
               <a:buNone/>
             </a:pPr>
-            <a:endParaRPr lang="en-US" sz="2400" dirty="0" smtClean="0"/>
-          </a:p>
-          <a:p>
-            <a:pPr marL="180975" indent="0">
-              <a:spcBef>
-                <a:spcPts val="0"/>
-              </a:spcBef>
-              <a:buNone/>
-            </a:pPr>
-            <a:r>
-              <a:rPr lang="en-US" sz="2400" dirty="0" err="1" smtClean="0"/>
+            <a:r>
+              <a:rPr lang="en-US" sz="2400" dirty="0" err="1"/>
               <a:t>const</a:t>
             </a:r>
             <a:r>
-              <a:rPr lang="en-US" sz="2400" dirty="0" smtClean="0"/>
+              <a:rPr lang="en-US" sz="2400" dirty="0"/>
               <a:t> </a:t>
             </a:r>
             <a:r>
@@ -17886,7 +17360,6 @@
               <a:rPr lang="en-US" sz="2400" dirty="0"/>
               <a:t>( multiply ); </a:t>
             </a:r>
-            <a:endParaRPr lang="en-US" sz="2400" dirty="0" smtClean="0"/>
           </a:p>
           <a:p>
             <a:pPr marL="180975" indent="0">
@@ -17896,16 +17369,12 @@
               <a:buNone/>
             </a:pPr>
             <a:r>
-              <a:rPr lang="en-US" sz="2400" dirty="0" err="1" smtClean="0"/>
+              <a:rPr lang="en-US" sz="2400" dirty="0" err="1"/>
               <a:t>const</a:t>
             </a:r>
             <a:r>
-              <a:rPr lang="en-US" sz="2400" dirty="0" smtClean="0"/>
-              <a:t> </a:t>
-            </a:r>
-            <a:r>
               <a:rPr lang="en-US" sz="2400" dirty="0"/>
-              <a:t>double = </a:t>
+              <a:t> double = </a:t>
             </a:r>
             <a:r>
               <a:rPr lang="en-US" sz="2400" dirty="0" err="1"/>
@@ -17915,7 +17384,6 @@
               <a:rPr lang="en-US" sz="2400" dirty="0"/>
               <a:t>( 2 ); </a:t>
             </a:r>
-            <a:endParaRPr lang="en-US" sz="2400" dirty="0" smtClean="0"/>
           </a:p>
           <a:p>
             <a:pPr marL="180975" indent="0">
@@ -17925,16 +17393,12 @@
               <a:buNone/>
             </a:pPr>
             <a:r>
-              <a:rPr lang="en-US" sz="2400" dirty="0" err="1" smtClean="0"/>
+              <a:rPr lang="en-US" sz="2400" dirty="0" err="1"/>
               <a:t>const</a:t>
             </a:r>
             <a:r>
-              <a:rPr lang="en-US" sz="2400" dirty="0" smtClean="0"/>
-              <a:t> </a:t>
-            </a:r>
-            <a:r>
               <a:rPr lang="en-US" sz="2400" dirty="0"/>
-              <a:t>triple = </a:t>
+              <a:t> triple = </a:t>
             </a:r>
             <a:r>
               <a:rPr lang="en-US" sz="2400" dirty="0" err="1"/>
@@ -17944,7 +17408,6 @@
               <a:rPr lang="en-US" sz="2400" dirty="0"/>
               <a:t>( 3 ); </a:t>
             </a:r>
-            <a:endParaRPr lang="en-US" sz="2400" dirty="0" smtClean="0"/>
           </a:p>
           <a:p>
             <a:pPr marL="180975" indent="0">
@@ -17954,16 +17417,12 @@
               <a:buNone/>
             </a:pPr>
             <a:r>
-              <a:rPr lang="en-US" sz="2400" dirty="0" err="1" smtClean="0"/>
+              <a:rPr lang="en-US" sz="2400" dirty="0" err="1"/>
               <a:t>const</a:t>
             </a:r>
             <a:r>
-              <a:rPr lang="en-US" sz="2400" dirty="0" smtClean="0"/>
-              <a:t> </a:t>
-            </a:r>
-            <a:r>
               <a:rPr lang="en-US" sz="2400" dirty="0"/>
-              <a:t>quadruple = </a:t>
+              <a:t> quadruple = </a:t>
             </a:r>
             <a:r>
               <a:rPr lang="en-US" sz="2400" dirty="0" err="1"/>
@@ -17973,7 +17432,6 @@
               <a:rPr lang="en-US" sz="2400" dirty="0"/>
               <a:t>( 4 ); </a:t>
             </a:r>
-            <a:endParaRPr lang="en-US" sz="2400" dirty="0" smtClean="0"/>
           </a:p>
           <a:p>
             <a:pPr marL="180975" indent="0">
@@ -17992,16 +17450,12 @@
               <a:buNone/>
             </a:pPr>
             <a:r>
-              <a:rPr lang="en-US" sz="2400" dirty="0" err="1" smtClean="0"/>
+              <a:rPr lang="en-US" sz="2400" dirty="0" err="1"/>
               <a:t>console.log</a:t>
             </a:r>
             <a:r>
-              <a:rPr lang="en-US" sz="2400" dirty="0" smtClean="0"/>
-              <a:t>(triple</a:t>
-            </a:r>
-            <a:r>
               <a:rPr lang="en-US" sz="2400" dirty="0"/>
-              <a:t>( 6 )); // 18</a:t>
+              <a:t>(triple( 6 )); // 18</a:t>
             </a:r>
           </a:p>
         </p:txBody>
@@ -18016,13 +17470,6 @@
   <p:clrMapOvr>
     <a:masterClrMapping/>
   </p:clrMapOvr>
-  <p:timing>
-    <p:tnLst>
-      <p:par>
-        <p:cTn id="1" dur="indefinite" restart="never" nodeType="tmRoot"/>
-      </p:par>
-    </p:tnLst>
-  </p:timing>
 </p:sld>
 </file>
 
@@ -18068,23 +17515,15 @@
           </a:bodyPr>
           <a:lstStyle/>
           <a:p>
-            <a:r>
-              <a:rPr lang="en-US" b="1" dirty="0" smtClean="0">
+            <a:br>
+              <a:rPr lang="en-US" b="1" dirty="0">
                 <a:solidFill>
                   <a:srgbClr val="FFFF00"/>
                 </a:solidFill>
               </a:rPr>
-              <a:t/>
-            </a:r>
-            <a:br>
-              <a:rPr lang="en-US" b="1" dirty="0" smtClean="0">
-                <a:solidFill>
-                  <a:srgbClr val="FFFF00"/>
-                </a:solidFill>
-              </a:rPr>
             </a:br>
             <a:r>
-              <a:rPr lang="en-US" b="1" dirty="0" smtClean="0">
+              <a:rPr lang="en-US" b="1" dirty="0">
                 <a:solidFill>
                   <a:srgbClr val="FFFF00"/>
                 </a:solidFill>
@@ -18150,7 +17589,6 @@
               <a:rPr lang="en-US" sz="3200" dirty="0"/>
               <a:t> = function ( n ) { </a:t>
             </a:r>
-            <a:endParaRPr lang="en-US" sz="3200" dirty="0" smtClean="0"/>
           </a:p>
           <a:p>
             <a:pPr marL="180975" indent="0">
@@ -18161,17 +17599,20 @@
             </a:pPr>
             <a:r>
               <a:rPr lang="en-US" sz="3200" dirty="0"/>
-              <a:t>	</a:t>
-            </a:r>
-            <a:r>
-              <a:rPr lang="en-US" sz="3200" dirty="0" smtClean="0"/>
-              <a:t>if </a:t>
-            </a:r>
+              <a:t>	if ( n === 0 ) { </a:t>
+            </a:r>
+          </a:p>
+          <a:p>
+            <a:pPr marL="180975" indent="0">
+              <a:spcBef>
+                <a:spcPts val="0"/>
+              </a:spcBef>
+              <a:buNone/>
+            </a:pPr>
             <a:r>
               <a:rPr lang="en-US" sz="3200" dirty="0"/>
-              <a:t>( n === 0 ) { </a:t>
-            </a:r>
-            <a:endParaRPr lang="en-US" sz="3200" dirty="0" smtClean="0"/>
+              <a:t>		return 1;</a:t>
+            </a:r>
           </a:p>
           <a:p>
             <a:pPr marL="180975" indent="0">
@@ -18182,60 +17623,19 @@
             </a:pPr>
             <a:r>
               <a:rPr lang="en-US" sz="3200" dirty="0"/>
-              <a:t>	</a:t>
-            </a:r>
-            <a:r>
-              <a:rPr lang="en-US" sz="3200" dirty="0" smtClean="0"/>
-              <a:t>	return </a:t>
-            </a:r>
+              <a:t>	 } </a:t>
+            </a:r>
+          </a:p>
+          <a:p>
+            <a:pPr marL="180975" indent="0">
+              <a:spcBef>
+                <a:spcPts val="0"/>
+              </a:spcBef>
+              <a:buNone/>
+            </a:pPr>
             <a:r>
               <a:rPr lang="en-US" sz="3200" dirty="0"/>
-              <a:t>1</a:t>
-            </a:r>
-            <a:r>
-              <a:rPr lang="en-US" sz="3200" dirty="0" smtClean="0"/>
-              <a:t>;</a:t>
-            </a:r>
-          </a:p>
-          <a:p>
-            <a:pPr marL="180975" indent="0">
-              <a:spcBef>
-                <a:spcPts val="0"/>
-              </a:spcBef>
-              <a:buNone/>
-            </a:pPr>
-            <a:r>
-              <a:rPr lang="en-US" sz="3200" dirty="0"/>
-              <a:t>	</a:t>
-            </a:r>
-            <a:r>
-              <a:rPr lang="en-US" sz="3200" dirty="0" smtClean="0"/>
-              <a:t> </a:t>
-            </a:r>
-            <a:r>
-              <a:rPr lang="en-US" sz="3200" dirty="0"/>
-              <a:t>} </a:t>
-            </a:r>
-            <a:endParaRPr lang="en-US" sz="3200" dirty="0" smtClean="0"/>
-          </a:p>
-          <a:p>
-            <a:pPr marL="180975" indent="0">
-              <a:spcBef>
-                <a:spcPts val="0"/>
-              </a:spcBef>
-              <a:buNone/>
-            </a:pPr>
-            <a:r>
-              <a:rPr lang="en-US" sz="3200" dirty="0"/>
-              <a:t>	</a:t>
-            </a:r>
-            <a:r>
-              <a:rPr lang="en-US" sz="3200" dirty="0" smtClean="0"/>
-              <a:t>return </a:t>
-            </a:r>
-            <a:r>
-              <a:rPr lang="en-US" sz="3200" dirty="0"/>
-              <a:t>n * </a:t>
+              <a:t>	return n * </a:t>
             </a:r>
             <a:r>
               <a:rPr lang="en-US" sz="3200" b="1" dirty="0">
@@ -18249,7 +17649,6 @@
               <a:rPr lang="en-US" sz="3200" dirty="0"/>
               <a:t>( n - 1 ); </a:t>
             </a:r>
-            <a:endParaRPr lang="en-US" sz="3200" dirty="0" smtClean="0"/>
           </a:p>
           <a:p>
             <a:pPr marL="180975" indent="0">
@@ -18259,7 +17658,7 @@
               <a:buNone/>
             </a:pPr>
             <a:r>
-              <a:rPr lang="en-US" sz="3200" dirty="0" smtClean="0"/>
+              <a:rPr lang="en-US" sz="3200" dirty="0"/>
               <a:t>}; </a:t>
             </a:r>
           </a:p>
@@ -18270,7 +17669,7 @@
               </a:spcBef>
               <a:buNone/>
             </a:pPr>
-            <a:endParaRPr lang="en-US" sz="3200" dirty="0" smtClean="0"/>
+            <a:endParaRPr lang="en-US" sz="3200" dirty="0"/>
           </a:p>
           <a:p>
             <a:pPr marL="180975" indent="0">
@@ -18280,15 +17679,15 @@
               <a:buNone/>
             </a:pPr>
             <a:r>
-              <a:rPr lang="en-US" sz="3200" dirty="0" err="1" smtClean="0"/>
+              <a:rPr lang="en-US" sz="3200" dirty="0" err="1"/>
               <a:t>console.log</a:t>
             </a:r>
             <a:r>
-              <a:rPr lang="en-US" sz="3200" dirty="0" smtClean="0"/>
+              <a:rPr lang="en-US" sz="3200" dirty="0"/>
               <a:t>(</a:t>
             </a:r>
             <a:r>
-              <a:rPr lang="en-US" sz="3200" b="1" dirty="0" smtClean="0">
+              <a:rPr lang="en-US" sz="3200" b="1" dirty="0">
                 <a:solidFill>
                   <a:srgbClr val="92D050"/>
                 </a:solidFill>
@@ -18312,13 +17711,6 @@
   <p:clrMapOvr>
     <a:masterClrMapping/>
   </p:clrMapOvr>
-  <p:timing>
-    <p:tnLst>
-      <p:par>
-        <p:cTn id="1" dur="indefinite" restart="never" nodeType="tmRoot"/>
-      </p:par>
-    </p:tnLst>
-  </p:timing>
 </p:sld>
 </file>
 
@@ -18365,7 +17757,7 @@
           <a:lstStyle/>
           <a:p>
             <a:r>
-              <a:rPr lang="en-US" sz="6000" b="1" dirty="0" smtClean="0">
+              <a:rPr lang="en-US" sz="6000" b="1" dirty="0">
                 <a:solidFill>
                   <a:srgbClr val="C00000"/>
                 </a:solidFill>
@@ -18373,7 +17765,7 @@
               <a:t>Exercise </a:t>
             </a:r>
             <a:r>
-              <a:rPr lang="en-US" sz="6000" b="1" dirty="0" err="1" smtClean="0">
+              <a:rPr lang="en-US" sz="6000" b="1" dirty="0" err="1">
                 <a:solidFill>
                   <a:srgbClr val="C00000"/>
                 </a:solidFill>
@@ -18381,7 +17773,7 @@
               <a:t>Array.Reduce</a:t>
             </a:r>
             <a:r>
-              <a:rPr lang="en-US" sz="6000" b="1" dirty="0" smtClean="0">
+              <a:rPr lang="en-US" sz="6000" b="1" dirty="0">
                 <a:solidFill>
                   <a:srgbClr val="C00000"/>
                 </a:solidFill>
@@ -18427,7 +17819,7 @@
               </a:spcBef>
               <a:buNone/>
             </a:pPr>
-            <a:endParaRPr lang="en-US" sz="3200" dirty="0" smtClean="0"/>
+            <a:endParaRPr lang="en-US" sz="3200" dirty="0"/>
           </a:p>
           <a:p>
             <a:pPr marL="180975" indent="0">
@@ -18437,11 +17829,11 @@
               <a:buNone/>
             </a:pPr>
             <a:r>
-              <a:rPr lang="en-US" sz="3200" dirty="0" err="1" smtClean="0"/>
+              <a:rPr lang="en-US" sz="3200" dirty="0" err="1"/>
               <a:t>const</a:t>
             </a:r>
             <a:r>
-              <a:rPr lang="en-US" sz="3200" dirty="0" smtClean="0"/>
+              <a:rPr lang="en-US" sz="3200" dirty="0"/>
               <a:t> </a:t>
             </a:r>
             <a:r>
@@ -18454,11 +17846,7 @@
             </a:r>
             <a:r>
               <a:rPr lang="en-US" sz="3200" dirty="0"/>
-              <a:t> = [1, 2, 3, 4</a:t>
-            </a:r>
-            <a:r>
-              <a:rPr lang="en-US" sz="3200" dirty="0" smtClean="0"/>
-              <a:t>];</a:t>
+              <a:t> = [1, 2, 3, 4];</a:t>
             </a:r>
           </a:p>
           <a:p>
@@ -18478,11 +17866,11 @@
               <a:buNone/>
             </a:pPr>
             <a:r>
-              <a:rPr lang="en-US" sz="3200" dirty="0" err="1" smtClean="0"/>
+              <a:rPr lang="en-US" sz="3200" dirty="0" err="1"/>
               <a:t>const</a:t>
             </a:r>
             <a:r>
-              <a:rPr lang="en-US" sz="3200" dirty="0" smtClean="0"/>
+              <a:rPr lang="en-US" sz="3200" dirty="0"/>
               <a:t> </a:t>
             </a:r>
             <a:r>
@@ -18510,7 +17898,7 @@
               <a:t>currentValue</a:t>
             </a:r>
             <a:r>
-              <a:rPr lang="en-US" sz="3200" dirty="0" smtClean="0"/>
+              <a:rPr lang="en-US" sz="3200" dirty="0"/>
               <a:t>;</a:t>
             </a:r>
           </a:p>
@@ -18521,7 +17909,7 @@
               </a:spcBef>
               <a:buNone/>
             </a:pPr>
-            <a:endParaRPr lang="en-US" sz="3200" dirty="0" smtClean="0"/>
+            <a:endParaRPr lang="en-US" sz="3200" dirty="0"/>
           </a:p>
           <a:p>
             <a:pPr marL="180975" indent="0">
@@ -18536,15 +17924,7 @@
                   <a:srgbClr val="FFFF00"/>
                 </a:solidFill>
               </a:rPr>
-              <a:t>Questions</a:t>
-            </a:r>
-            <a:r>
-              <a:rPr lang="en-US" sz="3200" u="sng" dirty="0" smtClean="0">
-                <a:solidFill>
-                  <a:srgbClr val="FFFF00"/>
-                </a:solidFill>
-              </a:rPr>
-              <a:t>:</a:t>
+              <a:t>Questions:</a:t>
             </a:r>
             <a:endParaRPr lang="en-US" sz="3200" dirty="0">
               <a:solidFill>
@@ -18560,12 +17940,20 @@
               <a:buAutoNum type="arabicPeriod"/>
             </a:pPr>
             <a:r>
-              <a:rPr lang="en-US" sz="3200" dirty="0" smtClean="0">
+              <a:rPr lang="en-US" sz="3200" dirty="0">
                 <a:solidFill>
                   <a:srgbClr val="FFC000"/>
                 </a:solidFill>
               </a:rPr>
-              <a:t>add </a:t>
+              <a:t>add all values in the array and print the total. Only use: </a:t>
+            </a:r>
+            <a:r>
+              <a:rPr lang="en-US" sz="3200" dirty="0" err="1">
+                <a:solidFill>
+                  <a:srgbClr val="FFC000"/>
+                </a:solidFill>
+              </a:rPr>
+              <a:t>Array.reduce</a:t>
             </a:r>
             <a:r>
               <a:rPr lang="en-US" sz="3200" dirty="0">
@@ -18573,47 +17961,7 @@
                   <a:srgbClr val="FFC000"/>
                 </a:solidFill>
               </a:rPr>
-              <a:t>all values </a:t>
-            </a:r>
-            <a:r>
-              <a:rPr lang="en-US" sz="3200" dirty="0" smtClean="0">
-                <a:solidFill>
-                  <a:srgbClr val="FFC000"/>
-                </a:solidFill>
-              </a:rPr>
-              <a:t>in the </a:t>
-            </a:r>
-            <a:r>
-              <a:rPr lang="en-US" sz="3200" dirty="0">
-                <a:solidFill>
-                  <a:srgbClr val="FFC000"/>
-                </a:solidFill>
-              </a:rPr>
-              <a:t>array and print the total. Only use: </a:t>
-            </a:r>
-            <a:r>
-              <a:rPr lang="en-US" sz="3200" dirty="0" err="1">
-                <a:solidFill>
-                  <a:srgbClr val="FFC000"/>
-                </a:solidFill>
-              </a:rPr>
-              <a:t>Array.reduce</a:t>
-            </a:r>
-            <a:r>
-              <a:rPr lang="en-US" sz="3200" dirty="0">
-                <a:solidFill>
-                  <a:srgbClr val="FFC000"/>
-                </a:solidFill>
-              </a:rPr>
-              <a:t> </a:t>
-            </a:r>
-            <a:r>
-              <a:rPr lang="en-US" sz="3200" dirty="0" smtClean="0">
-                <a:solidFill>
-                  <a:srgbClr val="FFC000"/>
-                </a:solidFill>
-              </a:rPr>
-              <a:t>()</a:t>
+              <a:t> ()</a:t>
             </a:r>
           </a:p>
           <a:p>
@@ -18637,7 +17985,7 @@
               <a:buNone/>
             </a:pPr>
             <a:r>
-              <a:rPr lang="en-US" sz="3200" b="1" dirty="0" smtClean="0">
+              <a:rPr lang="en-US" sz="3200" b="1" dirty="0">
                 <a:solidFill>
                   <a:srgbClr val="FFC000"/>
                 </a:solidFill>
@@ -18650,15 +17998,15 @@
                   <a:srgbClr val="FFC000"/>
                 </a:solidFill>
               </a:rPr>
-              <a:t>add all values </a:t>
-            </a:r>
-            <a:r>
-              <a:rPr lang="en-US" sz="3200" dirty="0" smtClean="0">
+              <a:t>add all values in the array + add an initial value and print the total. Only use: </a:t>
+            </a:r>
+            <a:r>
+              <a:rPr lang="en-US" sz="3200" dirty="0" err="1">
                 <a:solidFill>
                   <a:srgbClr val="FFC000"/>
                 </a:solidFill>
               </a:rPr>
-              <a:t>in </a:t>
+              <a:t>Array.reduce</a:t>
             </a:r>
             <a:r>
               <a:rPr lang="en-US" sz="3200" dirty="0">
@@ -18666,31 +18014,7 @@
                   <a:srgbClr val="FFC000"/>
                 </a:solidFill>
               </a:rPr>
-              <a:t>the array + add an initial value and print the total. Only use: </a:t>
-            </a:r>
-            <a:r>
-              <a:rPr lang="en-US" sz="3200" dirty="0" err="1">
-                <a:solidFill>
-                  <a:srgbClr val="FFC000"/>
-                </a:solidFill>
-              </a:rPr>
-              <a:t>Array.reduce</a:t>
-            </a:r>
-            <a:r>
-              <a:rPr lang="en-US" sz="3200" dirty="0">
-                <a:solidFill>
-                  <a:srgbClr val="FFC000"/>
-                </a:solidFill>
-              </a:rPr>
-              <a:t> </a:t>
-            </a:r>
-            <a:r>
-              <a:rPr lang="en-US" sz="3200" dirty="0" smtClean="0">
-                <a:solidFill>
-                  <a:srgbClr val="FFC000"/>
-                </a:solidFill>
-              </a:rPr>
-              <a:t>()</a:t>
+              <a:t> ()</a:t>
             </a:r>
           </a:p>
           <a:p>
@@ -18714,18 +18038,13 @@
               <a:buNone/>
             </a:pPr>
             <a:r>
-              <a:rPr lang="en-US" sz="3200" u="sng" dirty="0" smtClean="0">
+              <a:rPr lang="en-US" sz="3200" u="sng" dirty="0">
                 <a:solidFill>
                   <a:srgbClr val="FFFF00"/>
                 </a:solidFill>
               </a:rPr>
               <a:t>Hint:</a:t>
             </a:r>
-            <a:endParaRPr lang="en-US" sz="3200" u="sng" dirty="0">
-              <a:solidFill>
-                <a:srgbClr val="FFFF00"/>
-              </a:solidFill>
-            </a:endParaRPr>
           </a:p>
           <a:p>
             <a:pPr marL="180975" indent="0">
@@ -18735,52 +18054,20 @@
               <a:buNone/>
             </a:pPr>
             <a:r>
-              <a:rPr lang="en-US" sz="3200" dirty="0" smtClean="0">
+              <a:rPr lang="en-US" sz="3200" dirty="0">
                 <a:solidFill>
                   <a:srgbClr val="FFC000"/>
                 </a:solidFill>
               </a:rPr>
-              <a:t>Use editor in </a:t>
-            </a:r>
-            <a:r>
-              <a:rPr lang="en-US" sz="3200" dirty="0" smtClean="0">
-                <a:solidFill>
-                  <a:srgbClr val="FFC000"/>
-                </a:solidFill>
-              </a:rPr>
-              <a:t>MDN:</a:t>
-            </a:r>
-            <a:r>
-              <a:rPr lang="en-US" sz="3200" dirty="0">
-                <a:solidFill>
-                  <a:srgbClr val="FFC000"/>
-                </a:solidFill>
-              </a:rPr>
-              <a:t> </a:t>
-            </a:r>
-            <a:r>
-              <a:rPr lang="en-US" sz="3200" dirty="0" smtClean="0">
-                <a:solidFill>
-                  <a:srgbClr val="FFC000"/>
-                </a:solidFill>
-              </a:rPr>
-              <a:t> </a:t>
-            </a:r>
-            <a:r>
-              <a:rPr lang="en-US" sz="3200" b="1" dirty="0" smtClean="0">
+              <a:t>Use editor in MDN:  </a:t>
+            </a:r>
+            <a:r>
+              <a:rPr lang="en-US" sz="3200" b="1" dirty="0">
                 <a:solidFill>
                   <a:srgbClr val="FFFF00"/>
                 </a:solidFill>
               </a:rPr>
-              <a:t>https</a:t>
-            </a:r>
-            <a:r>
-              <a:rPr lang="en-US" sz="3200" b="1" dirty="0">
-                <a:solidFill>
-                  <a:srgbClr val="FFFF00"/>
-                </a:solidFill>
-              </a:rPr>
-              <a:t>://</a:t>
+              <a:t>https://</a:t>
             </a:r>
             <a:r>
               <a:rPr lang="en-US" sz="3200" b="1" dirty="0" err="1">
@@ -18849,13 +18136,6 @@
   <p:clrMapOvr>
     <a:masterClrMapping/>
   </p:clrMapOvr>
-  <p:timing>
-    <p:tnLst>
-      <p:par>
-        <p:cTn id="1" dur="indefinite" restart="never" nodeType="tmRoot"/>
-      </p:par>
-    </p:tnLst>
-  </p:timing>
 </p:sld>
 </file>
 
@@ -18901,23 +18181,15 @@
           </a:bodyPr>
           <a:lstStyle/>
           <a:p>
-            <a:r>
-              <a:rPr lang="en-US" b="1" dirty="0" smtClean="0">
+            <a:br>
+              <a:rPr lang="en-US" b="1" dirty="0">
                 <a:solidFill>
                   <a:srgbClr val="FFFF00"/>
                 </a:solidFill>
               </a:rPr>
-              <a:t/>
-            </a:r>
-            <a:br>
-              <a:rPr lang="en-US" b="1" dirty="0" smtClean="0">
-                <a:solidFill>
-                  <a:srgbClr val="FFFF00"/>
-                </a:solidFill>
-              </a:rPr>
             </a:br>
             <a:r>
-              <a:rPr lang="en-US" b="1" dirty="0" smtClean="0">
+              <a:rPr lang="en-US" b="1" dirty="0">
                 <a:solidFill>
                   <a:srgbClr val="C00000"/>
                 </a:solidFill>
@@ -18925,7 +18197,7 @@
               <a:t>Exercise </a:t>
             </a:r>
             <a:r>
-              <a:rPr lang="en-US" b="1" dirty="0" err="1" smtClean="0">
+              <a:rPr lang="en-US" b="1" dirty="0" err="1">
                 <a:solidFill>
                   <a:srgbClr val="C00000"/>
                 </a:solidFill>
@@ -18933,7 +18205,7 @@
               <a:t>Array.map</a:t>
             </a:r>
             <a:r>
-              <a:rPr lang="en-US" b="1" dirty="0" smtClean="0">
+              <a:rPr lang="en-US" b="1" dirty="0">
                 <a:solidFill>
                   <a:srgbClr val="C00000"/>
                 </a:solidFill>
@@ -18979,7 +18251,7 @@
               </a:spcBef>
               <a:buNone/>
             </a:pPr>
-            <a:endParaRPr lang="en-US" sz="3200" dirty="0" smtClean="0"/>
+            <a:endParaRPr lang="en-US" sz="3200" dirty="0"/>
           </a:p>
           <a:p>
             <a:pPr marL="180975" indent="0">
@@ -19006,11 +18278,7 @@
             </a:r>
             <a:r>
               <a:rPr lang="en-US" sz="3200" dirty="0"/>
-              <a:t> = [1, 4, 9, 16</a:t>
-            </a:r>
-            <a:r>
-              <a:rPr lang="en-US" sz="3200" dirty="0" smtClean="0"/>
-              <a:t>];</a:t>
+              <a:t> = [1, 4, 9, 16];</a:t>
             </a:r>
           </a:p>
           <a:p>
@@ -19020,7 +18288,7 @@
               </a:spcBef>
               <a:buNone/>
             </a:pPr>
-            <a:endParaRPr lang="en-US" sz="3200" dirty="0" smtClean="0"/>
+            <a:endParaRPr lang="en-US" sz="3200" dirty="0"/>
           </a:p>
           <a:p>
             <a:pPr marL="180975" indent="0">
@@ -19030,18 +18298,13 @@
               <a:buNone/>
             </a:pPr>
             <a:r>
-              <a:rPr lang="en-US" sz="3200" u="sng" dirty="0" smtClean="0">
+              <a:rPr lang="en-US" sz="3200" u="sng" dirty="0">
                 <a:solidFill>
                   <a:srgbClr val="FFFF00"/>
                 </a:solidFill>
               </a:rPr>
               <a:t>Question:</a:t>
             </a:r>
-            <a:endParaRPr lang="en-US" sz="3200" u="sng" dirty="0">
-              <a:solidFill>
-                <a:srgbClr val="FFFF00"/>
-              </a:solidFill>
-            </a:endParaRPr>
           </a:p>
           <a:p>
             <a:pPr marL="180975" indent="0">
@@ -19051,12 +18314,42 @@
               <a:buNone/>
             </a:pPr>
             <a:r>
-              <a:rPr lang="en-US" sz="3200" dirty="0" smtClean="0">
+              <a:rPr lang="en-US" sz="3200" dirty="0">
                 <a:solidFill>
                   <a:srgbClr val="FFC000"/>
                 </a:solidFill>
               </a:rPr>
-              <a:t>Pass </a:t>
+              <a:t>Pass a function to map, so that the expected output is: Array [2, 8, 18, 32]</a:t>
+            </a:r>
+          </a:p>
+          <a:p>
+            <a:pPr marL="180975" indent="0">
+              <a:spcBef>
+                <a:spcPts val="0"/>
+              </a:spcBef>
+              <a:buNone/>
+            </a:pPr>
+            <a:endParaRPr lang="en-US" sz="3200" dirty="0"/>
+          </a:p>
+          <a:p>
+            <a:pPr marL="180975" indent="0">
+              <a:spcBef>
+                <a:spcPts val="0"/>
+              </a:spcBef>
+              <a:buNone/>
+            </a:pPr>
+            <a:endParaRPr lang="en-US" sz="3200" dirty="0"/>
+          </a:p>
+          <a:p>
+            <a:pPr marL="180975" indent="0">
+              <a:spcBef>
+                <a:spcPts val="0"/>
+              </a:spcBef>
+              <a:buNone/>
+            </a:pPr>
+            <a:r>
+              <a:rPr lang="en-US" sz="3200" dirty="0"/>
+              <a:t>   const map1 = </a:t>
             </a:r>
             <a:r>
               <a:rPr lang="en-US" sz="3200" dirty="0">
@@ -19064,55 +18357,23 @@
                   <a:srgbClr val="FFC000"/>
                 </a:solidFill>
               </a:rPr>
-              <a:t>a function to </a:t>
-            </a:r>
-            <a:r>
-              <a:rPr lang="en-US" sz="3200" dirty="0" smtClean="0">
-                <a:solidFill>
-                  <a:srgbClr val="FFC000"/>
-                </a:solidFill>
-              </a:rPr>
-              <a:t>map, </a:t>
-            </a:r>
-            <a:r>
-              <a:rPr lang="en-US" sz="3200" dirty="0">
-                <a:solidFill>
-                  <a:srgbClr val="FFC000"/>
-                </a:solidFill>
-              </a:rPr>
-              <a:t>s</a:t>
-            </a:r>
-            <a:r>
-              <a:rPr lang="en-US" sz="3200" dirty="0" smtClean="0">
-                <a:solidFill>
-                  <a:srgbClr val="FFC000"/>
-                </a:solidFill>
-              </a:rPr>
-              <a:t>o that the </a:t>
-            </a:r>
-            <a:r>
-              <a:rPr lang="en-US" sz="3200" dirty="0">
-                <a:solidFill>
-                  <a:srgbClr val="FFC000"/>
-                </a:solidFill>
-              </a:rPr>
-              <a:t>expected </a:t>
-            </a:r>
-            <a:r>
-              <a:rPr lang="en-US" sz="3200" dirty="0" smtClean="0">
-                <a:solidFill>
-                  <a:srgbClr val="FFC000"/>
-                </a:solidFill>
-              </a:rPr>
-              <a:t>output is: </a:t>
-            </a:r>
-            <a:r>
-              <a:rPr lang="en-US" sz="3200" dirty="0">
-                <a:solidFill>
-                  <a:srgbClr val="FFC000"/>
-                </a:solidFill>
-              </a:rPr>
-              <a:t>Array [2, 8, 18, 32]</a:t>
+              <a:t>array1</a:t>
+            </a:r>
+            <a:r>
+              <a:rPr lang="en-US" sz="3200" dirty="0"/>
+              <a:t>.map( </a:t>
+            </a:r>
+            <a:r>
+              <a:rPr lang="en-US" sz="4000" dirty="0">
+                <a:solidFill>
+                  <a:srgbClr val="FF0000"/>
+                </a:solidFill>
+              </a:rPr>
+              <a:t>? </a:t>
+            </a:r>
+            <a:r>
+              <a:rPr lang="en-US" sz="3200" dirty="0"/>
+              <a:t>);</a:t>
             </a:r>
           </a:p>
           <a:p>
@@ -19122,7 +18383,7 @@
               </a:spcBef>
               <a:buNone/>
             </a:pPr>
-            <a:endParaRPr lang="en-US" sz="3200" dirty="0" smtClean="0"/>
+            <a:endParaRPr lang="en-US" sz="3200" dirty="0"/>
           </a:p>
           <a:p>
             <a:pPr marL="180975" indent="0">
@@ -19131,90 +18392,16 @@
               </a:spcBef>
               <a:buNone/>
             </a:pPr>
-            <a:endParaRPr lang="en-US" sz="3200" dirty="0" smtClean="0"/>
-          </a:p>
-          <a:p>
-            <a:pPr marL="180975" indent="0">
-              <a:spcBef>
-                <a:spcPts val="0"/>
-              </a:spcBef>
-              <a:buNone/>
-            </a:pPr>
             <a:r>
               <a:rPr lang="en-US" sz="3200" dirty="0"/>
-              <a:t> </a:t>
-            </a:r>
-            <a:r>
-              <a:rPr lang="en-US" sz="3200" dirty="0" smtClean="0"/>
-              <a:t>  </a:t>
-            </a:r>
-            <a:r>
-              <a:rPr lang="en-US" sz="3200" dirty="0" err="1" smtClean="0"/>
-              <a:t>const</a:t>
-            </a:r>
-            <a:r>
-              <a:rPr lang="en-US" sz="3200" dirty="0" smtClean="0"/>
-              <a:t> </a:t>
+              <a:t>   </a:t>
+            </a:r>
+            <a:r>
+              <a:rPr lang="en-US" sz="3200" dirty="0" err="1"/>
+              <a:t>console.log</a:t>
             </a:r>
             <a:r>
               <a:rPr lang="en-US" sz="3200" dirty="0"/>
-              <a:t>map1 = </a:t>
-            </a:r>
-            <a:r>
-              <a:rPr lang="en-US" sz="3200" dirty="0" smtClean="0">
-                <a:solidFill>
-                  <a:srgbClr val="FFC000"/>
-                </a:solidFill>
-              </a:rPr>
-              <a:t>array1</a:t>
-            </a:r>
-            <a:r>
-              <a:rPr lang="en-US" sz="3200" dirty="0" smtClean="0"/>
-              <a:t>.map(</a:t>
-            </a:r>
-            <a:r>
-              <a:rPr lang="en-US" sz="3200" dirty="0" smtClean="0">
-                <a:solidFill>
-                  <a:srgbClr val="FFC000"/>
-                </a:solidFill>
-              </a:rPr>
-              <a:t>?</a:t>
-            </a:r>
-            <a:r>
-              <a:rPr lang="en-US" sz="3200" dirty="0" smtClean="0"/>
-              <a:t>);</a:t>
-            </a:r>
-          </a:p>
-          <a:p>
-            <a:pPr marL="180975" indent="0">
-              <a:spcBef>
-                <a:spcPts val="0"/>
-              </a:spcBef>
-              <a:buNone/>
-            </a:pPr>
-            <a:endParaRPr lang="en-US" sz="3200" dirty="0"/>
-          </a:p>
-          <a:p>
-            <a:pPr marL="180975" indent="0">
-              <a:spcBef>
-                <a:spcPts val="0"/>
-              </a:spcBef>
-              <a:buNone/>
-            </a:pPr>
-            <a:r>
-              <a:rPr lang="en-US" sz="3200" dirty="0"/>
-              <a:t> </a:t>
-            </a:r>
-            <a:r>
-              <a:rPr lang="en-US" sz="3200" dirty="0" smtClean="0"/>
-              <a:t>  </a:t>
-            </a:r>
-            <a:r>
-              <a:rPr lang="en-US" sz="3200" dirty="0" err="1" smtClean="0"/>
-              <a:t>console.log</a:t>
-            </a:r>
-            <a:r>
-              <a:rPr lang="en-US" sz="3200" dirty="0" smtClean="0"/>
               <a:t>(map1); </a:t>
             </a:r>
           </a:p>
@@ -19290,13 +18477,6 @@
   <p:clrMapOvr>
     <a:masterClrMapping/>
   </p:clrMapOvr>
-  <p:timing>
-    <p:tnLst>
-      <p:par>
-        <p:cTn id="1" dur="indefinite" restart="never" nodeType="tmRoot"/>
-      </p:par>
-    </p:tnLst>
-  </p:timing>
 </p:sld>
 </file>
 
@@ -19342,23 +18522,15 @@
           </a:bodyPr>
           <a:lstStyle/>
           <a:p>
-            <a:r>
-              <a:rPr lang="en-US" b="1" dirty="0" smtClean="0">
+            <a:br>
+              <a:rPr lang="en-US" b="1" dirty="0">
                 <a:solidFill>
                   <a:srgbClr val="FFFF00"/>
                 </a:solidFill>
               </a:rPr>
-              <a:t/>
-            </a:r>
-            <a:br>
-              <a:rPr lang="en-US" b="1" dirty="0" smtClean="0">
-                <a:solidFill>
-                  <a:srgbClr val="FFFF00"/>
-                </a:solidFill>
-              </a:rPr>
             </a:br>
             <a:r>
-              <a:rPr lang="en-US" b="1" dirty="0" smtClean="0">
+              <a:rPr lang="en-US" b="1" dirty="0">
                 <a:solidFill>
                   <a:srgbClr val="C00000"/>
                 </a:solidFill>
@@ -19366,7 +18538,7 @@
               <a:t>Exercise </a:t>
             </a:r>
             <a:r>
-              <a:rPr lang="en-US" b="1" dirty="0" err="1" smtClean="0">
+              <a:rPr lang="en-US" b="1" dirty="0" err="1">
                 <a:solidFill>
                   <a:srgbClr val="C00000"/>
                 </a:solidFill>
@@ -19374,7 +18546,7 @@
               <a:t>Array.filter</a:t>
             </a:r>
             <a:r>
-              <a:rPr lang="en-US" b="1" dirty="0" smtClean="0">
+              <a:rPr lang="en-US" b="1" dirty="0">
                 <a:solidFill>
                   <a:srgbClr val="C00000"/>
                 </a:solidFill>
@@ -19420,7 +18592,7 @@
               </a:spcBef>
               <a:buNone/>
             </a:pPr>
-            <a:endParaRPr lang="en-US" sz="3200" dirty="0" smtClean="0"/>
+            <a:endParaRPr lang="en-US" sz="3200" dirty="0"/>
           </a:p>
           <a:p>
             <a:pPr marL="180975" indent="0">
@@ -19430,16 +18602,8 @@
               <a:buNone/>
             </a:pPr>
             <a:r>
-              <a:rPr lang="en-US" sz="3200" dirty="0" err="1"/>
-              <a:t>var</a:t>
-            </a:r>
-            <a:r>
               <a:rPr lang="en-US" sz="3200" dirty="0"/>
-              <a:t> words = ['spray', 'limit', 'elite', 'exuberant', 'destruction', 'present</a:t>
-            </a:r>
-            <a:r>
-              <a:rPr lang="en-US" sz="3200" dirty="0" smtClean="0"/>
-              <a:t>'];</a:t>
+              <a:t>let words = ['spray', 'limit', 'elite', 'exuberant', 'destruction', 'present'];</a:t>
             </a:r>
           </a:p>
           <a:p>
@@ -19481,11 +18645,7 @@
             </a:r>
             <a:r>
               <a:rPr lang="en-US" sz="3200" dirty="0"/>
-              <a:t>(word =&gt; </a:t>
-            </a:r>
-            <a:r>
-              <a:rPr lang="en-US" sz="3200" dirty="0" smtClean="0"/>
-              <a:t>{</a:t>
+              <a:t>(word =&gt; {</a:t>
             </a:r>
           </a:p>
           <a:p>
@@ -19496,7 +18656,7 @@
               <a:buNone/>
             </a:pPr>
             <a:r>
-              <a:rPr lang="en-US" sz="3200" dirty="0" smtClean="0"/>
+              <a:rPr lang="en-US" sz="3200" dirty="0"/>
               <a:t>	?</a:t>
             </a:r>
           </a:p>
@@ -19508,7 +18668,7 @@
               <a:buNone/>
             </a:pPr>
             <a:r>
-              <a:rPr lang="en-US" sz="3200" dirty="0" smtClean="0"/>
+              <a:rPr lang="en-US" sz="3200" dirty="0"/>
               <a:t>});</a:t>
             </a:r>
           </a:p>
@@ -19529,18 +18689,13 @@
               <a:buNone/>
             </a:pPr>
             <a:r>
-              <a:rPr lang="en-US" sz="3200" u="sng" dirty="0" smtClean="0">
+              <a:rPr lang="en-US" sz="3200" u="sng" dirty="0">
                 <a:solidFill>
                   <a:srgbClr val="FFFF00"/>
                 </a:solidFill>
               </a:rPr>
               <a:t>Question:</a:t>
             </a:r>
-            <a:endParaRPr lang="en-US" sz="3200" u="sng" dirty="0">
-              <a:solidFill>
-                <a:srgbClr val="FFFF00"/>
-              </a:solidFill>
-            </a:endParaRPr>
           </a:p>
           <a:p>
             <a:pPr marL="180975" indent="0">
@@ -19550,7 +18705,7 @@
               <a:buNone/>
             </a:pPr>
             <a:r>
-              <a:rPr lang="en-US" sz="3200" dirty="0" smtClean="0">
+              <a:rPr lang="en-US" sz="3200" dirty="0">
                 <a:solidFill>
                   <a:srgbClr val="FFC000"/>
                 </a:solidFill>
@@ -19616,13 +18771,6 @@
   <p:clrMapOvr>
     <a:masterClrMapping/>
   </p:clrMapOvr>
-  <p:timing>
-    <p:tnLst>
-      <p:par>
-        <p:cTn id="1" dur="indefinite" restart="never" nodeType="tmRoot"/>
-      </p:par>
-    </p:tnLst>
-  </p:timing>
 </p:sld>
 </file>
 
@@ -19668,36 +18816,20 @@
           </a:bodyPr>
           <a:lstStyle/>
           <a:p>
-            <a:r>
-              <a:rPr lang="en-US" b="1" dirty="0" smtClean="0">
+            <a:br>
+              <a:rPr lang="en-US" b="1" dirty="0">
                 <a:solidFill>
                   <a:srgbClr val="FFFF00"/>
                 </a:solidFill>
               </a:rPr>
-              <a:t/>
-            </a:r>
-            <a:br>
-              <a:rPr lang="en-US" b="1" dirty="0" smtClean="0">
-                <a:solidFill>
-                  <a:srgbClr val="FFFF00"/>
-                </a:solidFill>
-              </a:rPr>
             </a:br>
             <a:r>
-              <a:rPr lang="en-US" b="1" dirty="0" smtClean="0">
+              <a:rPr lang="en-US" b="1" dirty="0">
                 <a:solidFill>
                   <a:srgbClr val="FF0000"/>
                 </a:solidFill>
               </a:rPr>
               <a:t>Higher order functions</a:t>
-            </a:r>
-            <a:r>
-              <a:rPr lang="en-US" b="1" dirty="0">
-                <a:solidFill>
-                  <a:srgbClr val="FF0000"/>
-                </a:solidFill>
-              </a:rPr>
-              <a:t/>
             </a:r>
             <a:br>
               <a:rPr lang="en-US" b="1" dirty="0">
@@ -19746,19 +18878,19 @@
               <a:buNone/>
             </a:pPr>
             <a:r>
-              <a:rPr lang="en-US" sz="2800" dirty="0" err="1" smtClean="0"/>
+              <a:rPr lang="en-US" sz="2800" dirty="0" err="1"/>
               <a:t>const</a:t>
             </a:r>
             <a:r>
-              <a:rPr lang="en-US" sz="2800" dirty="0" smtClean="0"/>
+              <a:rPr lang="en-US" sz="2800" dirty="0"/>
               <a:t> result = </a:t>
             </a:r>
             <a:r>
-              <a:rPr lang="en-US" sz="2800" dirty="0" err="1" smtClean="0"/>
+              <a:rPr lang="en-US" sz="2800" dirty="0" err="1"/>
               <a:t>addDivideThenSquareMultiply</a:t>
             </a:r>
             <a:r>
-              <a:rPr lang="en-US" sz="2800" dirty="0" smtClean="0"/>
+              <a:rPr lang="en-US" sz="2800" dirty="0"/>
               <a:t> ( 2, 8);</a:t>
             </a:r>
           </a:p>
@@ -19779,7 +18911,7 @@
               <a:buNone/>
             </a:pPr>
             <a:r>
-              <a:rPr lang="en-US" sz="2800" u="sng" dirty="0" smtClean="0">
+              <a:rPr lang="en-US" sz="2800" u="sng" dirty="0">
                 <a:solidFill>
                   <a:srgbClr val="FFFF00"/>
                 </a:solidFill>
@@ -19795,12 +18927,20 @@
               <a:buNone/>
             </a:pPr>
             <a:r>
-              <a:rPr lang="en-US" sz="2800" dirty="0" smtClean="0">
+              <a:rPr lang="en-US" sz="2800" dirty="0">
                 <a:solidFill>
                   <a:srgbClr val="FFC000"/>
                 </a:solidFill>
               </a:rPr>
-              <a:t>Make a higher </a:t>
+              <a:t>Make a higher order function for </a:t>
+            </a:r>
+            <a:r>
+              <a:rPr lang="en-US" sz="2800" dirty="0" err="1">
+                <a:solidFill>
+                  <a:srgbClr val="FFC000"/>
+                </a:solidFill>
+              </a:rPr>
+              <a:t>addDivideThenSquareMultiply</a:t>
             </a:r>
             <a:r>
               <a:rPr lang="en-US" sz="2800" dirty="0">
@@ -19808,45 +18948,24 @@
                   <a:srgbClr val="FFC000"/>
                 </a:solidFill>
               </a:rPr>
-              <a:t>order function for </a:t>
-            </a:r>
-            <a:r>
-              <a:rPr lang="en-US" sz="2800" dirty="0" err="1" smtClean="0">
+              <a:t>. </a:t>
+            </a:r>
+          </a:p>
+          <a:p>
+            <a:pPr marL="36000" indent="0" fontAlgn="base">
+              <a:spcBef>
+                <a:spcPts val="1200"/>
+              </a:spcBef>
+              <a:buNone/>
+            </a:pPr>
+            <a:r>
+              <a:rPr lang="en-US" sz="2800" dirty="0">
                 <a:solidFill>
                   <a:srgbClr val="FFC000"/>
                 </a:solidFill>
               </a:rPr>
-              <a:t>addDivideThenSquareMultiply</a:t>
-            </a:r>
-            <a:r>
-              <a:rPr lang="en-US" sz="2800" dirty="0" smtClean="0">
-                <a:solidFill>
-                  <a:srgbClr val="FFC000"/>
-                </a:solidFill>
-              </a:rPr>
-              <a:t>. </a:t>
-            </a:r>
-          </a:p>
-          <a:p>
-            <a:pPr marL="36000" indent="0" fontAlgn="base">
-              <a:spcBef>
-                <a:spcPts val="1200"/>
-              </a:spcBef>
-              <a:buNone/>
-            </a:pPr>
-            <a:r>
-              <a:rPr lang="en-US" sz="2800" dirty="0" smtClean="0">
-                <a:solidFill>
-                  <a:srgbClr val="FFC000"/>
-                </a:solidFill>
-              </a:rPr>
               <a:t>What is the result?</a:t>
             </a:r>
-            <a:endParaRPr lang="en-US" sz="2800" dirty="0">
-              <a:solidFill>
-                <a:srgbClr val="FFC000"/>
-              </a:solidFill>
-            </a:endParaRPr>
           </a:p>
         </p:txBody>
       </p:sp>
@@ -19860,13 +18979,6 @@
   <p:clrMapOvr>
     <a:masterClrMapping/>
   </p:clrMapOvr>
-  <p:timing>
-    <p:tnLst>
-      <p:par>
-        <p:cTn id="1" dur="indefinite" restart="never" nodeType="tmRoot"/>
-      </p:par>
-    </p:tnLst>
-  </p:timing>
 </p:sld>
 </file>
 
@@ -19917,18 +19029,13 @@
           <a:lstStyle/>
           <a:p>
             <a:r>
-              <a:rPr lang="en-US" sz="7200" b="1" dirty="0" smtClean="0">
+              <a:rPr lang="en-US" sz="7200" b="1" dirty="0">
                 <a:solidFill>
                   <a:srgbClr val="FFFF00"/>
                 </a:solidFill>
               </a:rPr>
               <a:t>Side-effect 1</a:t>
             </a:r>
-            <a:endParaRPr lang="en-US" sz="7200" b="1" dirty="0">
-              <a:solidFill>
-                <a:srgbClr val="FFFF00"/>
-              </a:solidFill>
-            </a:endParaRPr>
           </a:p>
         </p:txBody>
       </p:sp>
@@ -19958,7 +19065,7 @@
           <a:lstStyle/>
           <a:p>
             <a:pPr marL="180975"/>
-            <a:endParaRPr lang="en-US" sz="4000" b="1" dirty="0" smtClean="0">
+            <a:endParaRPr lang="en-US" sz="4000" b="1" dirty="0">
               <a:solidFill>
                 <a:srgbClr val="FFC000"/>
               </a:solidFill>
@@ -19972,15 +19079,7 @@
                   <a:srgbClr val="FFC000"/>
                 </a:solidFill>
               </a:rPr>
-              <a:t>When a program modifies state</a:t>
-            </a:r>
-            <a:r>
-              <a:rPr lang="en-US" sz="3200" b="1" dirty="0" smtClean="0">
-                <a:solidFill>
-                  <a:srgbClr val="FFC000"/>
-                </a:solidFill>
-              </a:rPr>
-              <a:t>:</a:t>
+              <a:t>When a program modifies state:</a:t>
             </a:r>
           </a:p>
           <a:p>
@@ -19994,7 +19093,7 @@
           <a:p>
             <a:pPr marL="180975"/>
             <a:r>
-              <a:rPr lang="en-US" sz="4000" b="1" dirty="0" smtClean="0">
+              <a:rPr lang="en-US" sz="4000" b="1" dirty="0">
                 <a:solidFill>
                   <a:schemeClr val="bg1"/>
                 </a:solidFill>
@@ -20002,20 +19101,76 @@
               <a:t>let</a:t>
             </a:r>
             <a:r>
-              <a:rPr lang="en-US" sz="4000" dirty="0" smtClean="0">
+              <a:rPr lang="en-US" sz="4000" dirty="0">
                 <a:solidFill>
                   <a:schemeClr val="bg1"/>
                 </a:solidFill>
               </a:rPr>
+              <a:t> count </a:t>
+            </a:r>
+            <a:r>
+              <a:rPr lang="en-US" sz="4000" b="1" dirty="0">
+                <a:solidFill>
+                  <a:schemeClr val="bg1"/>
+                </a:solidFill>
+              </a:rPr>
+              <a:t>=</a:t>
+            </a:r>
+            <a:r>
+              <a:rPr lang="en-US" sz="4000" dirty="0">
+                <a:solidFill>
+                  <a:schemeClr val="bg1"/>
+                </a:solidFill>
+              </a:rPr>
+              <a:t> 0 </a:t>
+            </a:r>
+            <a:r>
+              <a:rPr lang="en-US" sz="4000" i="1" dirty="0">
+                <a:solidFill>
+                  <a:srgbClr val="FFFF00"/>
+                </a:solidFill>
+              </a:rPr>
+              <a:t>// starting state</a:t>
+            </a:r>
+            <a:r>
+              <a:rPr lang="en-US" sz="4000" dirty="0">
+                <a:solidFill>
+                  <a:srgbClr val="FFFF00"/>
+                </a:solidFill>
+              </a:rPr>
               <a:t> </a:t>
             </a:r>
             <a:r>
+              <a:rPr lang="en-US" sz="4000" b="1" dirty="0" err="1">
+                <a:solidFill>
+                  <a:schemeClr val="bg1"/>
+                </a:solidFill>
+              </a:rPr>
+              <a:t>const</a:t>
+            </a:r>
+            <a:r>
               <a:rPr lang="en-US" sz="4000" dirty="0">
                 <a:solidFill>
                   <a:schemeClr val="bg1"/>
                 </a:solidFill>
               </a:rPr>
-              <a:t>count </a:t>
+              <a:t> </a:t>
+            </a:r>
+            <a:r>
+              <a:rPr lang="en-US" sz="4000" dirty="0" err="1">
+                <a:solidFill>
+                  <a:schemeClr val="bg1"/>
+                </a:solidFill>
+              </a:rPr>
+              <a:t>incrementor</a:t>
+            </a:r>
+            <a:r>
+              <a:rPr lang="en-US" sz="4000" dirty="0">
+                <a:solidFill>
+                  <a:schemeClr val="bg1"/>
+                </a:solidFill>
+              </a:rPr>
+              <a:t> </a:t>
             </a:r>
             <a:r>
               <a:rPr lang="en-US" sz="4000" b="1" dirty="0">
@@ -20031,31 +19186,31 @@
                   <a:schemeClr val="bg1"/>
                 </a:solidFill>
               </a:rPr>
-              <a:t> 0 </a:t>
-            </a:r>
-            <a:r>
-              <a:rPr lang="en-US" sz="4000" i="1" dirty="0">
-                <a:solidFill>
-                  <a:srgbClr val="FFFF00"/>
-                </a:solidFill>
-              </a:rPr>
-              <a:t>// starting state</a:t>
+              <a:t> () </a:t>
+            </a:r>
+            <a:r>
+              <a:rPr lang="en-US" sz="4000" b="1" dirty="0">
+                <a:solidFill>
+                  <a:schemeClr val="bg1"/>
+                </a:solidFill>
+              </a:rPr>
+              <a:t>=&gt;</a:t>
             </a:r>
             <a:r>
               <a:rPr lang="en-US" sz="4000" dirty="0">
                 <a:solidFill>
-                  <a:srgbClr val="FFFF00"/>
-                </a:solidFill>
-              </a:rPr>
-              <a:t> </a:t>
-            </a:r>
-            <a:r>
-              <a:rPr lang="en-US" sz="4000" b="1" dirty="0" err="1">
-                <a:solidFill>
                   <a:schemeClr val="bg1"/>
                 </a:solidFill>
               </a:rPr>
-              <a:t>const</a:t>
+              <a:t> { 	count </a:t>
+            </a:r>
+            <a:r>
+              <a:rPr lang="en-US" sz="4000" b="1" dirty="0">
+                <a:solidFill>
+                  <a:schemeClr val="bg1"/>
+                </a:solidFill>
+              </a:rPr>
+              <a:t>+</a:t>
             </a:r>
             <a:r>
               <a:rPr lang="en-US" sz="4000" dirty="0">
@@ -20063,97 +19218,20 @@
                   <a:schemeClr val="bg1"/>
                 </a:solidFill>
               </a:rPr>
-              <a:t> </a:t>
-            </a:r>
-            <a:r>
-              <a:rPr lang="en-US" sz="4000" dirty="0" err="1">
+              <a:t> 1; </a:t>
+            </a:r>
+          </a:p>
+          <a:p>
+            <a:pPr marL="180975"/>
+            <a:r>
+              <a:rPr lang="en-US" sz="4000" dirty="0">
                 <a:solidFill>
                   <a:schemeClr val="bg1"/>
                 </a:solidFill>
               </a:rPr>
-              <a:t>incrementor</a:t>
-            </a:r>
-            <a:r>
-              <a:rPr lang="en-US" sz="4000" dirty="0">
-                <a:solidFill>
-                  <a:schemeClr val="bg1"/>
-                </a:solidFill>
-              </a:rPr>
-              <a:t> </a:t>
-            </a:r>
-            <a:r>
-              <a:rPr lang="en-US" sz="4000" b="1" dirty="0">
-                <a:solidFill>
-                  <a:schemeClr val="bg1"/>
-                </a:solidFill>
-              </a:rPr>
-              <a:t>=</a:t>
-            </a:r>
-            <a:r>
-              <a:rPr lang="en-US" sz="4000" dirty="0">
-                <a:solidFill>
-                  <a:schemeClr val="bg1"/>
-                </a:solidFill>
-              </a:rPr>
-              <a:t> () </a:t>
-            </a:r>
-            <a:r>
-              <a:rPr lang="en-US" sz="4000" b="1" dirty="0">
-                <a:solidFill>
-                  <a:schemeClr val="bg1"/>
-                </a:solidFill>
-              </a:rPr>
-              <a:t>=&gt;</a:t>
-            </a:r>
-            <a:r>
-              <a:rPr lang="en-US" sz="4000" dirty="0">
-                <a:solidFill>
-                  <a:schemeClr val="bg1"/>
-                </a:solidFill>
-              </a:rPr>
-              <a:t> { </a:t>
-            </a:r>
-            <a:r>
-              <a:rPr lang="en-US" sz="4000" dirty="0" smtClean="0">
-                <a:solidFill>
-                  <a:schemeClr val="bg1"/>
-                </a:solidFill>
-              </a:rPr>
-              <a:t>	count </a:t>
-            </a:r>
-            <a:r>
-              <a:rPr lang="en-US" sz="4000" b="1" dirty="0">
-                <a:solidFill>
-                  <a:schemeClr val="bg1"/>
-                </a:solidFill>
-              </a:rPr>
-              <a:t>+</a:t>
-            </a:r>
-            <a:r>
-              <a:rPr lang="en-US" sz="4000" dirty="0">
-                <a:solidFill>
-                  <a:schemeClr val="bg1"/>
-                </a:solidFill>
-              </a:rPr>
-              <a:t> 1; </a:t>
-            </a:r>
-            <a:endParaRPr lang="en-US" sz="4000" dirty="0" smtClean="0">
-              <a:solidFill>
-                <a:schemeClr val="bg1"/>
-              </a:solidFill>
-            </a:endParaRPr>
-          </a:p>
-          <a:p>
-            <a:pPr marL="180975"/>
-            <a:r>
-              <a:rPr lang="en-US" sz="4000" dirty="0" smtClean="0">
-                <a:solidFill>
-                  <a:schemeClr val="bg1"/>
-                </a:solidFill>
-              </a:rPr>
               <a:t>};</a:t>
             </a:r>
-            <a:endParaRPr lang="en-US" sz="3698" dirty="0" smtClean="0">
+            <a:endParaRPr lang="en-US" sz="3698" dirty="0">
               <a:solidFill>
                 <a:schemeClr val="bg1"/>
               </a:solidFill>
@@ -20220,36 +19298,20 @@
           </a:bodyPr>
           <a:lstStyle/>
           <a:p>
-            <a:r>
-              <a:rPr lang="en-US" b="1" dirty="0" smtClean="0">
+            <a:br>
+              <a:rPr lang="en-US" b="1" dirty="0">
                 <a:solidFill>
                   <a:srgbClr val="FFFF00"/>
                 </a:solidFill>
               </a:rPr>
-              <a:t/>
-            </a:r>
-            <a:br>
-              <a:rPr lang="en-US" b="1" dirty="0" smtClean="0">
-                <a:solidFill>
-                  <a:srgbClr val="FFFF00"/>
-                </a:solidFill>
-              </a:rPr>
             </a:br>
             <a:r>
-              <a:rPr lang="en-US" b="1" dirty="0" smtClean="0">
+              <a:rPr lang="en-US" b="1" dirty="0">
                 <a:solidFill>
                   <a:srgbClr val="FF0000"/>
                 </a:solidFill>
               </a:rPr>
               <a:t>Currying</a:t>
-            </a:r>
-            <a:r>
-              <a:rPr lang="en-US" b="1" dirty="0">
-                <a:solidFill>
-                  <a:srgbClr val="FF0000"/>
-                </a:solidFill>
-              </a:rPr>
-              <a:t/>
             </a:r>
             <a:br>
               <a:rPr lang="en-US" b="1" dirty="0">
@@ -20298,7 +19360,7 @@
               <a:buNone/>
             </a:pPr>
             <a:r>
-              <a:rPr lang="en-US" sz="2800" u="sng" dirty="0" smtClean="0">
+              <a:rPr lang="en-US" sz="2800" u="sng" dirty="0">
                 <a:solidFill>
                   <a:srgbClr val="FFFF00"/>
                 </a:solidFill>
@@ -20314,7 +19376,7 @@
               <a:buNone/>
             </a:pPr>
             <a:r>
-              <a:rPr lang="en-US" sz="2800" dirty="0" smtClean="0">
+              <a:rPr lang="en-US" sz="2800" dirty="0">
                 <a:solidFill>
                   <a:srgbClr val="FFC000"/>
                 </a:solidFill>
@@ -20339,18 +19401,13 @@
               <a:buNone/>
             </a:pPr>
             <a:r>
-              <a:rPr lang="en-US" sz="2800" dirty="0" err="1" smtClean="0"/>
+              <a:rPr lang="en-US" sz="2800" dirty="0" err="1"/>
               <a:t>var</a:t>
             </a:r>
             <a:r>
-              <a:rPr lang="en-US" sz="2800" dirty="0" smtClean="0"/>
-              <a:t> </a:t>
-            </a:r>
-            <a:r>
               <a:rPr lang="en-US" sz="2800" dirty="0"/>
-              <a:t>greet = function(greeting, name) { </a:t>
-            </a:r>
-            <a:endParaRPr lang="en-US" sz="2800" dirty="0" smtClean="0"/>
+              <a:t> greet = function(greeting, name) { </a:t>
+            </a:r>
           </a:p>
           <a:p>
             <a:pPr marL="36000" indent="0" fontAlgn="base">
@@ -20364,18 +19421,13 @@
               <a:t>	</a:t>
             </a:r>
             <a:r>
-              <a:rPr lang="en-US" sz="2800" dirty="0" err="1" smtClean="0"/>
+              <a:rPr lang="en-US" sz="2800" dirty="0" err="1"/>
               <a:t>console.log</a:t>
             </a:r>
             <a:r>
-              <a:rPr lang="en-US" sz="2800" dirty="0" smtClean="0"/>
-              <a:t>(greeting </a:t>
-            </a:r>
-            <a:r>
               <a:rPr lang="en-US" sz="2800" dirty="0"/>
-              <a:t>+ ", " + name); </a:t>
-            </a:r>
-            <a:endParaRPr lang="en-US" sz="2800" dirty="0" smtClean="0"/>
+              <a:t>(greeting + ", " + name); </a:t>
+            </a:r>
           </a:p>
           <a:p>
             <a:pPr marL="36000" indent="0" fontAlgn="base">
@@ -20385,7 +19437,7 @@
               <a:buNone/>
             </a:pPr>
             <a:r>
-              <a:rPr lang="en-US" sz="2800" dirty="0" smtClean="0"/>
+              <a:rPr lang="en-US" sz="2800" dirty="0"/>
               <a:t>}; </a:t>
             </a:r>
           </a:p>
@@ -20397,16 +19449,8 @@
               <a:buNone/>
             </a:pPr>
             <a:r>
-              <a:rPr lang="en-US" sz="2800" dirty="0" smtClean="0"/>
-              <a:t>greet</a:t>
-            </a:r>
-            <a:r>
               <a:rPr lang="en-US" sz="2800" dirty="0"/>
-              <a:t>("Hello", "Heidi"); //"Hello, </a:t>
-            </a:r>
-            <a:r>
-              <a:rPr lang="en-US" sz="2800" dirty="0" smtClean="0"/>
-              <a:t>Heidi”</a:t>
+              <a:t>greet("Hello", "Heidi"); //"Hello, Heidi”</a:t>
             </a:r>
           </a:p>
           <a:p>
@@ -20426,7 +19470,7 @@
               <a:buNone/>
             </a:pPr>
             <a:r>
-              <a:rPr lang="en-US" sz="2800" u="sng" dirty="0" smtClean="0">
+              <a:rPr lang="en-US" sz="2800" u="sng" dirty="0">
                 <a:solidFill>
                   <a:srgbClr val="FFFF00"/>
                 </a:solidFill>
@@ -20483,13 +19527,6 @@
   <p:clrMapOvr>
     <a:masterClrMapping/>
   </p:clrMapOvr>
-  <p:timing>
-    <p:tnLst>
-      <p:par>
-        <p:cTn id="1" dur="indefinite" restart="never" nodeType="tmRoot"/>
-      </p:par>
-    </p:tnLst>
-  </p:timing>
 </p:sld>
 </file>
 
@@ -20540,18 +19577,13 @@
           <a:lstStyle/>
           <a:p>
             <a:r>
-              <a:rPr lang="en-US" sz="7200" b="1" dirty="0" smtClean="0">
+              <a:rPr lang="en-US" sz="7200" b="1" dirty="0">
                 <a:solidFill>
                   <a:srgbClr val="FFFF00"/>
                 </a:solidFill>
               </a:rPr>
               <a:t>Side-effect 2</a:t>
             </a:r>
-            <a:endParaRPr lang="en-US" sz="7200" b="1" dirty="0">
-              <a:solidFill>
-                <a:srgbClr val="FFFF00"/>
-              </a:solidFill>
-            </a:endParaRPr>
           </a:p>
         </p:txBody>
       </p:sp>
@@ -20581,7 +19613,7 @@
           <a:lstStyle/>
           <a:p>
             <a:pPr marL="180975"/>
-            <a:endParaRPr lang="en-US" sz="4000" b="1" dirty="0" smtClean="0">
+            <a:endParaRPr lang="en-US" sz="4000" b="1" dirty="0">
               <a:solidFill>
                 <a:srgbClr val="FFC000"/>
               </a:solidFill>
@@ -20595,20 +19627,12 @@
                   <a:srgbClr val="FFC000"/>
                 </a:solidFill>
               </a:rPr>
-              <a:t>When a program </a:t>
-            </a:r>
-            <a:r>
-              <a:rPr lang="en-US" sz="3200" b="1" dirty="0" smtClean="0">
-                <a:solidFill>
-                  <a:srgbClr val="FFC000"/>
-                </a:solidFill>
-              </a:rPr>
-              <a:t>mutates data:</a:t>
+              <a:t>When a program mutates data:</a:t>
             </a:r>
           </a:p>
           <a:p>
             <a:pPr marL="180975"/>
-            <a:endParaRPr lang="en-US" sz="3200" b="1" dirty="0" smtClean="0">
+            <a:endParaRPr lang="en-US" sz="3200" b="1" dirty="0">
               <a:solidFill>
                 <a:schemeClr val="bg1"/>
               </a:solidFill>
@@ -20664,7 +19688,7 @@
               </a:rPr>
               <a:t> [1,6,4,2]; </a:t>
             </a:r>
-            <a:endParaRPr lang="nl-NL" sz="3200" dirty="0" smtClean="0">
+            <a:endParaRPr lang="nl-NL" sz="3200" dirty="0">
               <a:solidFill>
                 <a:schemeClr val="bg1"/>
               </a:solidFill>
@@ -20673,7 +19697,7 @@
           <a:p>
             <a:pPr marL="180975"/>
             <a:r>
-              <a:rPr lang="mr-IN" sz="3200" b="1" dirty="0" err="1" smtClean="0">
+              <a:rPr lang="mr-IN" sz="3200" b="1" dirty="0" err="1">
                 <a:solidFill>
                   <a:schemeClr val="bg1"/>
                 </a:solidFill>
@@ -20681,7 +19705,7 @@
               <a:t>const</a:t>
             </a:r>
             <a:r>
-              <a:rPr lang="mr-IN" sz="3200" dirty="0" smtClean="0">
+              <a:rPr lang="mr-IN" sz="3200" dirty="0">
                 <a:solidFill>
                   <a:schemeClr val="bg1"/>
                 </a:solidFill>
@@ -20736,7 +19760,7 @@
               </a:rPr>
               <a:t> { </a:t>
             </a:r>
-            <a:endParaRPr lang="nl-NL" sz="3200" dirty="0" smtClean="0">
+            <a:endParaRPr lang="nl-NL" sz="3200" dirty="0">
               <a:solidFill>
                 <a:schemeClr val="bg1"/>
               </a:solidFill>
@@ -20745,7 +19769,7 @@
           <a:p>
             <a:pPr marL="180975"/>
             <a:r>
-              <a:rPr lang="nl-NL" sz="3200" dirty="0" smtClean="0">
+              <a:rPr lang="nl-NL" sz="3200" dirty="0">
                 <a:solidFill>
                   <a:schemeClr val="bg1"/>
                 </a:solidFill>
@@ -20753,7 +19777,7 @@
               <a:t>	</a:t>
             </a:r>
             <a:r>
-              <a:rPr lang="mr-IN" sz="3200" dirty="0" err="1" smtClean="0">
+              <a:rPr lang="mr-IN" sz="3200" dirty="0" err="1">
                 <a:solidFill>
                   <a:schemeClr val="bg1"/>
                 </a:solidFill>
@@ -20768,7 +19792,7 @@
               </a:rPr>
               <a:t>(); </a:t>
             </a:r>
-            <a:endParaRPr lang="nl-NL" sz="3200" dirty="0" smtClean="0">
+            <a:endParaRPr lang="nl-NL" sz="3200" dirty="0">
               <a:solidFill>
                 <a:schemeClr val="bg1"/>
               </a:solidFill>
@@ -20777,7 +19801,7 @@
           <a:p>
             <a:pPr marL="180975"/>
             <a:r>
-              <a:rPr lang="mr-IN" sz="3200" dirty="0" smtClean="0">
+              <a:rPr lang="mr-IN" sz="3200" dirty="0">
                 <a:solidFill>
                   <a:schemeClr val="bg1"/>
                 </a:solidFill>
@@ -20852,18 +19876,13 @@
           <a:lstStyle/>
           <a:p>
             <a:r>
-              <a:rPr lang="en-US" sz="7200" b="1" dirty="0" smtClean="0">
+              <a:rPr lang="en-US" sz="7200" b="1" dirty="0">
                 <a:solidFill>
                   <a:srgbClr val="FFFF00"/>
                 </a:solidFill>
               </a:rPr>
               <a:t>Side-effect 3</a:t>
             </a:r>
-            <a:endParaRPr lang="en-US" sz="7200" b="1" dirty="0">
-              <a:solidFill>
-                <a:srgbClr val="FFFF00"/>
-              </a:solidFill>
-            </a:endParaRPr>
           </a:p>
         </p:txBody>
       </p:sp>
@@ -20893,7 +19912,7 @@
           <a:lstStyle/>
           <a:p>
             <a:pPr marL="180975"/>
-            <a:endParaRPr lang="en-US" sz="4000" b="1" dirty="0" smtClean="0">
+            <a:endParaRPr lang="en-US" sz="4000" b="1" dirty="0">
               <a:solidFill>
                 <a:srgbClr val="FFC000"/>
               </a:solidFill>
@@ -20907,20 +19926,12 @@
                   <a:srgbClr val="FFC000"/>
                 </a:solidFill>
               </a:rPr>
-              <a:t>When a program </a:t>
-            </a:r>
-            <a:r>
-              <a:rPr lang="en-US" sz="3200" b="1" dirty="0" smtClean="0">
-                <a:solidFill>
-                  <a:srgbClr val="FFC000"/>
-                </a:solidFill>
-              </a:rPr>
-              <a:t>interacts with I/O</a:t>
+              <a:t>When a program interacts with I/O</a:t>
             </a:r>
           </a:p>
           <a:p>
             <a:pPr marL="180975"/>
-            <a:endParaRPr lang="en-US" sz="3200" b="1" dirty="0" smtClean="0">
+            <a:endParaRPr lang="en-US" sz="3200" b="1" dirty="0">
               <a:solidFill>
                 <a:schemeClr val="bg1"/>
               </a:solidFill>
@@ -20990,42 +20001,29 @@
                   <a:schemeClr val="bg1"/>
                 </a:solidFill>
               </a:rPr>
-              <a:t> { </a:t>
-            </a:r>
-            <a:r>
-              <a:rPr lang="en-US" sz="3200" dirty="0" smtClean="0">
+              <a:t> { 	</a:t>
+            </a:r>
+            <a:r>
+              <a:rPr lang="en-US" sz="3200" dirty="0" err="1">
                 <a:solidFill>
                   <a:schemeClr val="bg1"/>
                 </a:solidFill>
               </a:rPr>
-              <a:t>	</a:t>
-            </a:r>
-            <a:r>
-              <a:rPr lang="en-US" sz="3200" dirty="0" err="1" smtClean="0">
+              <a:t>console.log</a:t>
+            </a:r>
+            <a:r>
+              <a:rPr lang="en-US" sz="3200" dirty="0">
                 <a:solidFill>
                   <a:schemeClr val="bg1"/>
                 </a:solidFill>
               </a:rPr>
-              <a:t>console.log</a:t>
-            </a:r>
+              <a:t>("Log:", output); </a:t>
+            </a:r>
+          </a:p>
+          <a:p>
+            <a:pPr marL="180975"/>
             <a:r>
               <a:rPr lang="en-US" sz="3200" dirty="0">
-                <a:solidFill>
-                  <a:schemeClr val="bg1"/>
-                </a:solidFill>
-              </a:rPr>
-              <a:t>("Log:", output); </a:t>
-            </a:r>
-            <a:endParaRPr lang="en-US" sz="3200" dirty="0" smtClean="0">
-              <a:solidFill>
-                <a:schemeClr val="bg1"/>
-              </a:solidFill>
-            </a:endParaRPr>
-          </a:p>
-          <a:p>
-            <a:pPr marL="180975"/>
-            <a:r>
-              <a:rPr lang="en-US" sz="3200" dirty="0" smtClean="0">
                 <a:solidFill>
                   <a:schemeClr val="bg1"/>
                 </a:solidFill>
@@ -21100,18 +20098,13 @@
           <a:lstStyle/>
           <a:p>
             <a:r>
-              <a:rPr lang="en-US" sz="7200" b="1" dirty="0" smtClean="0">
+              <a:rPr lang="en-US" sz="7200" b="1" dirty="0">
                 <a:solidFill>
                   <a:srgbClr val="FFFF00"/>
                 </a:solidFill>
               </a:rPr>
               <a:t>Problems with Side-effects</a:t>
             </a:r>
-            <a:endParaRPr lang="en-US" sz="7200" b="1" dirty="0">
-              <a:solidFill>
-                <a:srgbClr val="FFFF00"/>
-              </a:solidFill>
-            </a:endParaRPr>
           </a:p>
         </p:txBody>
       </p:sp>
@@ -21145,7 +20138,7 @@
               <a:buChar char="•"/>
             </a:pPr>
             <a:r>
-              <a:rPr lang="en-US" sz="4000" b="1" dirty="0" smtClean="0">
+              <a:rPr lang="en-US" sz="4000" b="1" dirty="0">
                 <a:solidFill>
                   <a:srgbClr val="FFC000"/>
                 </a:solidFill>
@@ -21159,7 +20152,7 @@
               <a:buChar char="•"/>
             </a:pPr>
             <a:r>
-              <a:rPr lang="en-US" sz="4000" b="1" dirty="0" smtClean="0">
+              <a:rPr lang="en-US" sz="4000" b="1" dirty="0">
                 <a:solidFill>
                   <a:srgbClr val="FFC000"/>
                 </a:solidFill>
@@ -21173,7 +20166,7 @@
               <a:buChar char="•"/>
             </a:pPr>
             <a:r>
-              <a:rPr lang="en-US" sz="4000" b="1" dirty="0" smtClean="0">
+              <a:rPr lang="en-US" sz="4000" b="1" dirty="0">
                 <a:solidFill>
                   <a:srgbClr val="FFC000"/>
                 </a:solidFill>
@@ -21186,7 +20179,7 @@
               <a:buFontTx/>
               <a:buChar char="-"/>
             </a:pPr>
-            <a:endParaRPr lang="en-US" sz="4000" b="1" dirty="0" smtClean="0">
+            <a:endParaRPr lang="en-US" sz="4000" b="1" dirty="0">
               <a:solidFill>
                 <a:srgbClr val="FFC000"/>
               </a:solidFill>
@@ -21254,18 +20247,13 @@
           <a:lstStyle/>
           <a:p>
             <a:r>
-              <a:rPr lang="en-US" sz="7200" b="1" dirty="0" smtClean="0">
+              <a:rPr lang="en-US" sz="7200" b="1" dirty="0">
                 <a:solidFill>
                   <a:srgbClr val="FFFF00"/>
                 </a:solidFill>
               </a:rPr>
               <a:t>Avoiding Side-effects 1</a:t>
             </a:r>
-            <a:endParaRPr lang="en-US" sz="7200" b="1" dirty="0">
-              <a:solidFill>
-                <a:srgbClr val="FFFF00"/>
-              </a:solidFill>
-            </a:endParaRPr>
           </a:p>
         </p:txBody>
       </p:sp>
@@ -21304,7 +20292,7 @@
               <a:t>Pure functions depend only on their </a:t>
             </a:r>
             <a:r>
-              <a:rPr lang="en-US" sz="4000" i="1" dirty="0" smtClean="0">
+              <a:rPr lang="en-US" sz="4000" i="1" dirty="0">
                 <a:solidFill>
                   <a:schemeClr val="bg1">
                     <a:lumMod val="95000"/>
@@ -21314,33 +20302,20 @@
               <a:t>input-arguments</a:t>
             </a:r>
             <a:r>
-              <a:rPr lang="en-US" sz="4000" dirty="0" smtClean="0">
+              <a:rPr lang="en-US" sz="4000" dirty="0">
                 <a:solidFill>
                   <a:srgbClr val="FFC000"/>
                 </a:solidFill>
               </a:rPr>
-              <a:t> </a:t>
-            </a:r>
-            <a:r>
-              <a:rPr lang="en-US" sz="4000" dirty="0">
-                <a:solidFill>
-                  <a:srgbClr val="FFC000"/>
-                </a:solidFill>
-              </a:rPr>
-              <a:t>and return a value without causing side-effects. </a:t>
-            </a:r>
-            <a:endParaRPr lang="en-US" sz="4000" dirty="0" smtClean="0">
-              <a:solidFill>
-                <a:srgbClr val="FFC000"/>
-              </a:solidFill>
-            </a:endParaRPr>
+              <a:t> and return a value without causing side-effects. </a:t>
+            </a:r>
           </a:p>
           <a:p>
             <a:pPr marL="752475" indent="-571500">
               <a:buFontTx/>
               <a:buChar char="-"/>
             </a:pPr>
-            <a:endParaRPr lang="en-US" sz="4000" b="1" dirty="0" smtClean="0">
+            <a:endParaRPr lang="en-US" sz="4000" b="1" dirty="0">
               <a:solidFill>
                 <a:schemeClr val="bg1"/>
               </a:solidFill>
@@ -21349,7 +20324,7 @@
           <a:p>
             <a:pPr marL="180975"/>
             <a:r>
-              <a:rPr lang="en-US" sz="4000" b="1" dirty="0" err="1" smtClean="0">
+              <a:rPr lang="en-US" sz="4000" b="1" dirty="0" err="1">
                 <a:solidFill>
                   <a:schemeClr val="bg1"/>
                 </a:solidFill>
@@ -21357,7 +20332,7 @@
               <a:t>const</a:t>
             </a:r>
             <a:r>
-              <a:rPr lang="en-US" sz="4000" dirty="0" smtClean="0">
+              <a:rPr lang="en-US" sz="4000" dirty="0">
                 <a:solidFill>
                   <a:schemeClr val="bg1"/>
                 </a:solidFill>
@@ -21426,15 +20401,34 @@
                   <a:schemeClr val="bg1"/>
                 </a:solidFill>
               </a:rPr>
-              <a:t> </a:t>
-            </a:r>
-            <a:r>
-              <a:rPr lang="en-US" sz="4000" dirty="0" smtClean="0">
+              <a:t> {</a:t>
+            </a:r>
+          </a:p>
+          <a:p>
+            <a:pPr marL="180975"/>
+            <a:r>
+              <a:rPr lang="en-US" sz="4000" dirty="0">
                 <a:solidFill>
                   <a:schemeClr val="bg1"/>
                 </a:solidFill>
               </a:rPr>
-              <a:t>{</a:t>
+              <a:t>	count </a:t>
+            </a:r>
+            <a:r>
+              <a:rPr lang="en-US" sz="4000" b="1" dirty="0">
+                <a:solidFill>
+                  <a:schemeClr val="bg1"/>
+                </a:solidFill>
+              </a:rPr>
+              <a:t>+</a:t>
+            </a:r>
+            <a:r>
+              <a:rPr lang="en-US" sz="4000" dirty="0">
+                <a:solidFill>
+                  <a:schemeClr val="bg1"/>
+                </a:solidFill>
+              </a:rPr>
+              <a:t> 1; </a:t>
             </a:r>
           </a:p>
           <a:p>
@@ -21445,52 +20439,9 @@
                   <a:schemeClr val="bg1"/>
                 </a:solidFill>
               </a:rPr>
-              <a:t>	</a:t>
-            </a:r>
-            <a:r>
-              <a:rPr lang="en-US" sz="4000" dirty="0" smtClean="0">
-                <a:solidFill>
-                  <a:schemeClr val="bg1"/>
-                </a:solidFill>
-              </a:rPr>
-              <a:t>count </a:t>
-            </a:r>
-            <a:r>
-              <a:rPr lang="en-US" sz="4000" b="1" dirty="0">
-                <a:solidFill>
-                  <a:schemeClr val="bg1"/>
-                </a:solidFill>
-              </a:rPr>
-              <a:t>+</a:t>
-            </a:r>
-            <a:r>
-              <a:rPr lang="en-US" sz="4000" dirty="0">
-                <a:solidFill>
-                  <a:schemeClr val="bg1"/>
-                </a:solidFill>
-              </a:rPr>
-              <a:t> 1</a:t>
-            </a:r>
-            <a:r>
-              <a:rPr lang="en-US" sz="4000" dirty="0" smtClean="0">
-                <a:solidFill>
-                  <a:schemeClr val="bg1"/>
-                </a:solidFill>
-              </a:rPr>
-              <a:t>; </a:t>
-            </a:r>
-          </a:p>
-          <a:p>
-            <a:pPr marL="180975"/>
-            <a:r>
-              <a:rPr lang="en-US" sz="4000" dirty="0" smtClean="0">
-                <a:solidFill>
-                  <a:schemeClr val="bg1"/>
-                </a:solidFill>
-              </a:rPr>
               <a:t>};</a:t>
             </a:r>
-            <a:endParaRPr lang="en-US" sz="4000" b="1" dirty="0" smtClean="0">
+            <a:endParaRPr lang="en-US" sz="4000" b="1" dirty="0">
               <a:solidFill>
                 <a:schemeClr val="bg1"/>
               </a:solidFill>
@@ -21558,18 +20509,13 @@
           <a:lstStyle/>
           <a:p>
             <a:r>
-              <a:rPr lang="en-US" sz="7200" b="1" dirty="0" smtClean="0">
+              <a:rPr lang="en-US" sz="7200" b="1" dirty="0">
                 <a:solidFill>
                   <a:srgbClr val="FFFF00"/>
                 </a:solidFill>
               </a:rPr>
               <a:t>Avoiding Side-effects 2</a:t>
             </a:r>
-            <a:endParaRPr lang="en-US" sz="7200" b="1" dirty="0">
-              <a:solidFill>
-                <a:srgbClr val="FFFF00"/>
-              </a:solidFill>
-            </a:endParaRPr>
           </a:p>
         </p:txBody>
       </p:sp>
@@ -21600,7 +20546,7 @@
           <a:p>
             <a:pPr marL="180975"/>
             <a:r>
-              <a:rPr lang="en-US" sz="4000" dirty="0" smtClean="0">
+              <a:rPr lang="en-US" sz="4000" dirty="0">
                 <a:solidFill>
                   <a:srgbClr val="FFC000"/>
                 </a:solidFill>
@@ -21608,7 +20554,7 @@
               <a:t>Inputs should be </a:t>
             </a:r>
             <a:r>
-              <a:rPr lang="en-US" sz="4000" i="1" dirty="0" smtClean="0">
+              <a:rPr lang="en-US" sz="4000" i="1" dirty="0">
                 <a:solidFill>
                   <a:schemeClr val="bg1"/>
                 </a:solidFill>
@@ -21621,7 +20567,7 @@
               <a:buFontTx/>
               <a:buChar char="-"/>
             </a:pPr>
-            <a:endParaRPr lang="en-US" sz="4000" b="1" dirty="0" smtClean="0">
+            <a:endParaRPr lang="en-US" sz="4000" b="1" dirty="0">
               <a:solidFill>
                 <a:schemeClr val="bg1"/>
               </a:solidFill>
@@ -21693,349 +20639,302 @@
               </a:rPr>
               <a:t>([3,1,2]); </a:t>
             </a:r>
-            <a:endParaRPr lang="en-US" sz="4000" dirty="0" smtClean="0">
+          </a:p>
+          <a:p>
+            <a:pPr marL="180975"/>
+            <a:r>
+              <a:rPr lang="en-US" sz="4000" b="1" dirty="0" err="1">
+                <a:solidFill>
+                  <a:schemeClr val="bg1"/>
+                </a:solidFill>
+              </a:rPr>
+              <a:t>const</a:t>
+            </a:r>
+            <a:r>
+              <a:rPr lang="en-US" sz="4000" dirty="0">
+                <a:solidFill>
+                  <a:schemeClr val="bg1"/>
+                </a:solidFill>
+              </a:rPr>
+              <a:t> </a:t>
+            </a:r>
+            <a:r>
+              <a:rPr lang="en-US" sz="4000" dirty="0" err="1">
+                <a:solidFill>
+                  <a:schemeClr val="bg1"/>
+                </a:solidFill>
+              </a:rPr>
+              <a:t>getFirst</a:t>
+            </a:r>
+            <a:r>
+              <a:rPr lang="en-US" sz="4000" dirty="0">
+                <a:solidFill>
+                  <a:schemeClr val="bg1"/>
+                </a:solidFill>
+              </a:rPr>
+              <a:t> </a:t>
+            </a:r>
+            <a:r>
+              <a:rPr lang="en-US" sz="4000" b="1" dirty="0">
+                <a:solidFill>
+                  <a:schemeClr val="bg1"/>
+                </a:solidFill>
+              </a:rPr>
+              <a:t>=</a:t>
+            </a:r>
+            <a:r>
+              <a:rPr lang="en-US" sz="4000" dirty="0">
+                <a:solidFill>
+                  <a:schemeClr val="bg1"/>
+                </a:solidFill>
+              </a:rPr>
+              <a:t> (</a:t>
+            </a:r>
+            <a:r>
+              <a:rPr lang="en-US" sz="4000" dirty="0">
+                <a:solidFill>
+                  <a:srgbClr val="92D050"/>
+                </a:solidFill>
+              </a:rPr>
+              <a:t>array</a:t>
+            </a:r>
+            <a:r>
+              <a:rPr lang="en-US" sz="4000" dirty="0">
+                <a:solidFill>
+                  <a:schemeClr val="bg1"/>
+                </a:solidFill>
+              </a:rPr>
+              <a:t>) </a:t>
+            </a:r>
+            <a:r>
+              <a:rPr lang="en-US" sz="4000" b="1" dirty="0">
+                <a:solidFill>
+                  <a:schemeClr val="bg1"/>
+                </a:solidFill>
+              </a:rPr>
+              <a:t>=&gt;</a:t>
+            </a:r>
+            <a:r>
+              <a:rPr lang="en-US" sz="4000" dirty="0">
+                <a:solidFill>
+                  <a:schemeClr val="bg1"/>
+                </a:solidFill>
+              </a:rPr>
+              <a:t> {</a:t>
+            </a:r>
+          </a:p>
+          <a:p>
+            <a:pPr marL="180975"/>
+            <a:r>
+              <a:rPr lang="en-US" sz="4000" dirty="0">
+                <a:solidFill>
+                  <a:schemeClr val="bg1"/>
+                </a:solidFill>
+              </a:rPr>
+              <a:t> 	</a:t>
+            </a:r>
+            <a:r>
+              <a:rPr lang="en-US" sz="4000" b="1" dirty="0">
+                <a:solidFill>
+                  <a:schemeClr val="bg1"/>
+                </a:solidFill>
+              </a:rPr>
+              <a:t>return</a:t>
+            </a:r>
+            <a:r>
+              <a:rPr lang="en-US" sz="4000" dirty="0">
+                <a:solidFill>
+                  <a:schemeClr val="bg1"/>
+                </a:solidFill>
+              </a:rPr>
+              <a:t> </a:t>
+            </a:r>
+            <a:r>
+              <a:rPr lang="en-US" sz="4000" dirty="0">
+                <a:solidFill>
+                  <a:srgbClr val="92D050"/>
+                </a:solidFill>
+              </a:rPr>
+              <a:t>array</a:t>
+            </a:r>
+            <a:r>
+              <a:rPr lang="en-US" sz="4000" dirty="0">
+                <a:solidFill>
+                  <a:schemeClr val="bg1"/>
+                </a:solidFill>
+              </a:rPr>
+              <a:t>[0]; </a:t>
+            </a:r>
+          </a:p>
+          <a:p>
+            <a:pPr marL="180975"/>
+            <a:r>
+              <a:rPr lang="en-US" sz="4000" dirty="0">
+                <a:solidFill>
+                  <a:schemeClr val="bg1"/>
+                </a:solidFill>
+              </a:rPr>
+              <a:t>}; </a:t>
+            </a:r>
+          </a:p>
+          <a:p>
+            <a:pPr marL="180975"/>
+            <a:r>
+              <a:rPr lang="en-US" sz="4000" dirty="0" err="1">
+                <a:solidFill>
+                  <a:schemeClr val="bg1"/>
+                </a:solidFill>
+              </a:rPr>
+              <a:t>getFirst</a:t>
+            </a:r>
+            <a:r>
+              <a:rPr lang="en-US" sz="4000" dirty="0">
+                <a:solidFill>
+                  <a:schemeClr val="bg1"/>
+                </a:solidFill>
+              </a:rPr>
+              <a:t>(</a:t>
+            </a:r>
+            <a:r>
+              <a:rPr lang="en-US" sz="4000" dirty="0">
+                <a:solidFill>
+                  <a:srgbClr val="92D050"/>
+                </a:solidFill>
+              </a:rPr>
+              <a:t>array</a:t>
+            </a:r>
+            <a:r>
+              <a:rPr lang="en-US" sz="4000" dirty="0">
+                <a:solidFill>
+                  <a:schemeClr val="bg1"/>
+                </a:solidFill>
+              </a:rPr>
+              <a:t>)  </a:t>
+            </a:r>
+            <a:r>
+              <a:rPr lang="en-US" sz="4000" i="1" dirty="0">
+                <a:solidFill>
+                  <a:srgbClr val="FFFF00"/>
+                </a:solidFill>
+              </a:rPr>
+              <a:t>// 3</a:t>
+            </a:r>
+            <a:r>
+              <a:rPr lang="en-US" sz="4000" dirty="0">
+                <a:solidFill>
+                  <a:srgbClr val="FFFF00"/>
+                </a:solidFill>
+              </a:rPr>
+              <a:t> </a:t>
+            </a:r>
+          </a:p>
+          <a:p>
+            <a:pPr marL="180975"/>
+            <a:r>
+              <a:rPr lang="en-US" sz="4000" dirty="0" err="1">
+                <a:solidFill>
+                  <a:srgbClr val="92D050"/>
+                </a:solidFill>
+              </a:rPr>
+              <a:t>array</a:t>
+            </a:r>
+            <a:r>
+              <a:rPr lang="en-US" sz="4000" dirty="0" err="1">
+                <a:solidFill>
+                  <a:schemeClr val="bg1"/>
+                </a:solidFill>
+              </a:rPr>
+              <a:t>.sort</a:t>
+            </a:r>
+            <a:r>
+              <a:rPr lang="en-US" sz="4000" dirty="0">
+                <a:solidFill>
+                  <a:schemeClr val="bg1"/>
+                </a:solidFill>
+              </a:rPr>
+              <a:t>();  </a:t>
+            </a:r>
+            <a:r>
+              <a:rPr lang="en-US" sz="4000" i="1" dirty="0">
+                <a:solidFill>
+                  <a:srgbClr val="FF0000"/>
+                </a:solidFill>
+              </a:rPr>
+              <a:t>// </a:t>
+            </a:r>
+            <a:r>
+              <a:rPr lang="en-US" sz="4000" i="1" dirty="0" err="1">
+                <a:solidFill>
+                  <a:srgbClr val="FF0000"/>
+                </a:solidFill>
+              </a:rPr>
+              <a:t>TypeError</a:t>
+            </a:r>
+            <a:endParaRPr lang="en-US" sz="4000" dirty="0">
               <a:solidFill>
-                <a:schemeClr val="bg1"/>
+                <a:srgbClr val="FF0000"/>
               </a:solidFill>
             </a:endParaRPr>
           </a:p>
           <a:p>
             <a:pPr marL="180975"/>
             <a:r>
-              <a:rPr lang="en-US" sz="4000" b="1" dirty="0" err="1" smtClean="0">
+              <a:rPr lang="en-US" sz="4000" dirty="0" err="1">
                 <a:solidFill>
                   <a:schemeClr val="bg1"/>
                 </a:solidFill>
               </a:rPr>
-              <a:t>const</a:t>
-            </a:r>
-            <a:r>
-              <a:rPr lang="en-US" sz="4000" dirty="0" smtClean="0">
+              <a:t>getFirst</a:t>
+            </a:r>
+            <a:r>
+              <a:rPr lang="en-US" sz="4000" dirty="0">
                 <a:solidFill>
                   <a:schemeClr val="bg1"/>
                 </a:solidFill>
               </a:rPr>
+              <a:t>(</a:t>
+            </a:r>
+            <a:r>
+              <a:rPr lang="en-US" sz="4000" dirty="0">
+                <a:solidFill>
+                  <a:srgbClr val="92D050"/>
+                </a:solidFill>
+              </a:rPr>
+              <a:t>array</a:t>
+            </a:r>
+            <a:r>
+              <a:rPr lang="en-US" sz="4000" dirty="0">
+                <a:solidFill>
+                  <a:schemeClr val="bg1"/>
+                </a:solidFill>
+              </a:rPr>
+              <a:t>) </a:t>
+            </a:r>
+            <a:r>
+              <a:rPr lang="en-US" sz="4000" i="1" dirty="0">
+                <a:solidFill>
+                  <a:srgbClr val="FFFF00"/>
+                </a:solidFill>
+              </a:rPr>
+              <a:t>// 3</a:t>
+            </a:r>
+            <a:r>
+              <a:rPr lang="en-US" sz="4000" dirty="0">
+                <a:solidFill>
+                  <a:srgbClr val="FFFF00"/>
+                </a:solidFill>
+              </a:rPr>
               <a:t> </a:t>
             </a:r>
             <a:r>
-              <a:rPr lang="en-US" sz="4000" dirty="0" err="1">
-                <a:solidFill>
-                  <a:schemeClr val="bg1"/>
-                </a:solidFill>
-              </a:rPr>
-              <a:t>getFirst</a:t>
-            </a:r>
-            <a:r>
-              <a:rPr lang="en-US" sz="4000" dirty="0">
-                <a:solidFill>
-                  <a:schemeClr val="bg1"/>
-                </a:solidFill>
-              </a:rPr>
-              <a:t> </a:t>
-            </a:r>
-            <a:r>
-              <a:rPr lang="en-US" sz="4000" b="1" dirty="0">
-                <a:solidFill>
-                  <a:schemeClr val="bg1"/>
-                </a:solidFill>
-              </a:rPr>
-              <a:t>=</a:t>
-            </a:r>
-            <a:r>
-              <a:rPr lang="en-US" sz="4000" dirty="0">
-                <a:solidFill>
-                  <a:schemeClr val="bg1"/>
-                </a:solidFill>
-              </a:rPr>
-              <a:t> (</a:t>
-            </a:r>
-            <a:r>
-              <a:rPr lang="en-US" sz="4000" dirty="0">
-                <a:solidFill>
-                  <a:srgbClr val="92D050"/>
-                </a:solidFill>
-              </a:rPr>
-              <a:t>array</a:t>
-            </a:r>
-            <a:r>
-              <a:rPr lang="en-US" sz="4000" dirty="0">
-                <a:solidFill>
-                  <a:schemeClr val="bg1"/>
-                </a:solidFill>
-              </a:rPr>
-              <a:t>) </a:t>
-            </a:r>
-            <a:r>
-              <a:rPr lang="en-US" sz="4000" b="1" dirty="0">
-                <a:solidFill>
-                  <a:schemeClr val="bg1"/>
-                </a:solidFill>
-              </a:rPr>
-              <a:t>=&gt;</a:t>
-            </a:r>
-            <a:r>
-              <a:rPr lang="en-US" sz="4000" dirty="0">
-                <a:solidFill>
-                  <a:schemeClr val="bg1"/>
-                </a:solidFill>
-              </a:rPr>
-              <a:t> </a:t>
-            </a:r>
-            <a:r>
-              <a:rPr lang="en-US" sz="4000" dirty="0" smtClean="0">
-                <a:solidFill>
-                  <a:schemeClr val="bg1"/>
-                </a:solidFill>
-              </a:rPr>
-              <a:t>{</a:t>
-            </a:r>
-          </a:p>
-          <a:p>
-            <a:pPr marL="180975"/>
-            <a:r>
-              <a:rPr lang="en-US" sz="4000" dirty="0" smtClean="0">
-                <a:solidFill>
-                  <a:schemeClr val="bg1"/>
-                </a:solidFill>
-              </a:rPr>
-              <a:t> 	</a:t>
-            </a:r>
-            <a:r>
-              <a:rPr lang="en-US" sz="4000" b="1" dirty="0" smtClean="0">
-                <a:solidFill>
-                  <a:schemeClr val="bg1"/>
-                </a:solidFill>
-              </a:rPr>
-              <a:t>return</a:t>
-            </a:r>
-            <a:r>
-              <a:rPr lang="en-US" sz="4000" dirty="0" smtClean="0">
-                <a:solidFill>
-                  <a:schemeClr val="bg1"/>
-                </a:solidFill>
-              </a:rPr>
-              <a:t> </a:t>
-            </a:r>
-            <a:r>
-              <a:rPr lang="en-US" sz="4000" dirty="0">
-                <a:solidFill>
-                  <a:srgbClr val="92D050"/>
-                </a:solidFill>
-              </a:rPr>
-              <a:t>array</a:t>
-            </a:r>
-            <a:r>
-              <a:rPr lang="en-US" sz="4000" dirty="0">
-                <a:solidFill>
-                  <a:schemeClr val="bg1"/>
-                </a:solidFill>
-              </a:rPr>
-              <a:t>[0]; </a:t>
-            </a:r>
-            <a:endParaRPr lang="en-US" sz="4000" dirty="0" smtClean="0">
-              <a:solidFill>
-                <a:schemeClr val="bg1"/>
-              </a:solidFill>
-            </a:endParaRPr>
-          </a:p>
-          <a:p>
-            <a:pPr marL="180975"/>
-            <a:r>
-              <a:rPr lang="en-US" sz="4000" dirty="0" smtClean="0">
-                <a:solidFill>
-                  <a:schemeClr val="bg1"/>
-                </a:solidFill>
-              </a:rPr>
-              <a:t>}; </a:t>
-            </a:r>
-          </a:p>
-          <a:p>
-            <a:pPr marL="180975"/>
-            <a:r>
-              <a:rPr lang="en-US" sz="4000" dirty="0" err="1" smtClean="0">
-                <a:solidFill>
-                  <a:schemeClr val="bg1"/>
-                </a:solidFill>
-              </a:rPr>
-              <a:t>getFirst</a:t>
-            </a:r>
-            <a:r>
-              <a:rPr lang="en-US" sz="4000" dirty="0" smtClean="0">
-                <a:solidFill>
-                  <a:schemeClr val="bg1"/>
-                </a:solidFill>
-              </a:rPr>
-              <a:t>(</a:t>
-            </a:r>
-            <a:r>
-              <a:rPr lang="en-US" sz="4000" dirty="0" smtClean="0">
-                <a:solidFill>
-                  <a:srgbClr val="92D050"/>
-                </a:solidFill>
-              </a:rPr>
-              <a:t>array</a:t>
-            </a:r>
-            <a:r>
-              <a:rPr lang="en-US" sz="4000" dirty="0">
-                <a:solidFill>
-                  <a:schemeClr val="bg1"/>
-                </a:solidFill>
-              </a:rPr>
-              <a:t>) </a:t>
-            </a:r>
-            <a:r>
-              <a:rPr lang="en-US" sz="4000" dirty="0" smtClean="0">
-                <a:solidFill>
-                  <a:schemeClr val="bg1"/>
-                </a:solidFill>
-              </a:rPr>
-              <a:t> </a:t>
-            </a:r>
-            <a:r>
-              <a:rPr lang="en-US" sz="4000" i="1" dirty="0" smtClean="0">
-                <a:solidFill>
-                  <a:srgbClr val="FFFF00"/>
-                </a:solidFill>
-              </a:rPr>
-              <a:t>// </a:t>
-            </a:r>
-            <a:r>
-              <a:rPr lang="en-US" sz="4000" i="1" dirty="0">
-                <a:solidFill>
-                  <a:srgbClr val="FFFF00"/>
-                </a:solidFill>
-              </a:rPr>
-              <a:t>3</a:t>
-            </a:r>
-            <a:r>
-              <a:rPr lang="en-US" sz="4000" dirty="0">
-                <a:solidFill>
-                  <a:srgbClr val="FFFF00"/>
-                </a:solidFill>
-              </a:rPr>
-              <a:t> </a:t>
-            </a:r>
-            <a:endParaRPr lang="en-US" sz="4000" dirty="0" smtClean="0">
-              <a:solidFill>
-                <a:srgbClr val="FFFF00"/>
-              </a:solidFill>
-            </a:endParaRPr>
-          </a:p>
-          <a:p>
-            <a:pPr marL="180975"/>
-            <a:r>
-              <a:rPr lang="en-US" sz="4000" dirty="0" err="1" smtClean="0">
-                <a:solidFill>
-                  <a:srgbClr val="92D050"/>
-                </a:solidFill>
-              </a:rPr>
-              <a:t>array</a:t>
-            </a:r>
-            <a:r>
-              <a:rPr lang="en-US" sz="4000" dirty="0" err="1" smtClean="0">
-                <a:solidFill>
-                  <a:schemeClr val="bg1"/>
-                </a:solidFill>
-              </a:rPr>
-              <a:t>.sort</a:t>
-            </a:r>
-            <a:r>
-              <a:rPr lang="en-US" sz="4000" dirty="0">
-                <a:solidFill>
-                  <a:schemeClr val="bg1"/>
-                </a:solidFill>
-              </a:rPr>
-              <a:t>(); </a:t>
-            </a:r>
-            <a:r>
-              <a:rPr lang="en-US" sz="4000" dirty="0" smtClean="0">
-                <a:solidFill>
-                  <a:schemeClr val="bg1"/>
-                </a:solidFill>
-              </a:rPr>
-              <a:t> </a:t>
-            </a:r>
-            <a:r>
-              <a:rPr lang="en-US" sz="4000" i="1" dirty="0" smtClean="0">
-                <a:solidFill>
-                  <a:srgbClr val="FFFF00"/>
-                </a:solidFill>
-              </a:rPr>
-              <a:t>// </a:t>
-            </a:r>
-            <a:r>
-              <a:rPr lang="en-US" sz="4000" i="1" dirty="0" err="1" smtClean="0">
-                <a:solidFill>
-                  <a:srgbClr val="FFFF00"/>
-                </a:solidFill>
-              </a:rPr>
-              <a:t>TypeError</a:t>
-            </a:r>
-            <a:endParaRPr lang="en-US" sz="4000" dirty="0" smtClean="0">
-              <a:solidFill>
-                <a:srgbClr val="FFFF00"/>
-              </a:solidFill>
-            </a:endParaRPr>
-          </a:p>
-          <a:p>
-            <a:pPr marL="180975"/>
-            <a:r>
-              <a:rPr lang="en-US" sz="4000" dirty="0" err="1" smtClean="0">
-                <a:solidFill>
-                  <a:schemeClr val="bg1"/>
-                </a:solidFill>
-              </a:rPr>
-              <a:t>getFirst</a:t>
-            </a:r>
-            <a:r>
-              <a:rPr lang="en-US" sz="4000" dirty="0" smtClean="0">
-                <a:solidFill>
-                  <a:schemeClr val="bg1"/>
-                </a:solidFill>
-              </a:rPr>
-              <a:t>(</a:t>
-            </a:r>
-            <a:r>
-              <a:rPr lang="en-US" sz="4000" dirty="0" smtClean="0">
-                <a:solidFill>
-                  <a:srgbClr val="92D050"/>
-                </a:solidFill>
-              </a:rPr>
-              <a:t>array</a:t>
-            </a:r>
-            <a:r>
-              <a:rPr lang="en-US" sz="4000" dirty="0" smtClean="0">
-                <a:solidFill>
-                  <a:schemeClr val="bg1"/>
-                </a:solidFill>
-              </a:rPr>
-              <a:t>) </a:t>
-            </a:r>
-            <a:r>
-              <a:rPr lang="en-US" sz="4000" i="1" dirty="0" smtClean="0">
-                <a:solidFill>
-                  <a:srgbClr val="FFFF00"/>
-                </a:solidFill>
-              </a:rPr>
-              <a:t>// 3</a:t>
-            </a:r>
-            <a:r>
-              <a:rPr lang="en-US" sz="4000" dirty="0" smtClean="0">
-                <a:solidFill>
-                  <a:srgbClr val="FFFF00"/>
-                </a:solidFill>
-              </a:rPr>
-              <a:t> </a:t>
-            </a:r>
-            <a:r>
-              <a:rPr lang="en-US" sz="4000" dirty="0" smtClean="0"/>
+              <a:rPr lang="en-US" sz="4000" dirty="0"/>
               <a:t>) </a:t>
             </a:r>
             <a:r>
               <a:rPr lang="en-US" sz="4000" i="1" dirty="0"/>
               <a:t>// 3</a:t>
             </a:r>
-            <a:endParaRPr lang="en-US" sz="4000" b="1" dirty="0" smtClean="0">
+            <a:endParaRPr lang="en-US" sz="4000" b="1" dirty="0">
               <a:solidFill>
                 <a:schemeClr val="bg1"/>
               </a:solidFill>
@@ -22103,18 +21002,13 @@
           <a:lstStyle/>
           <a:p>
             <a:r>
-              <a:rPr lang="en-US" sz="7200" b="1" dirty="0" smtClean="0">
+              <a:rPr lang="en-US" sz="7200" b="1" dirty="0">
                 <a:solidFill>
                   <a:srgbClr val="FFFF00"/>
                 </a:solidFill>
               </a:rPr>
               <a:t>Avoiding Side-effects 2</a:t>
             </a:r>
-            <a:endParaRPr lang="en-US" sz="7200" b="1" dirty="0">
-              <a:solidFill>
-                <a:srgbClr val="FFFF00"/>
-              </a:solidFill>
-            </a:endParaRPr>
           </a:p>
         </p:txBody>
       </p:sp>
@@ -22145,7 +21039,7 @@
           <a:p>
             <a:pPr marL="180975"/>
             <a:r>
-              <a:rPr lang="en-US" sz="4000" dirty="0" smtClean="0">
+              <a:rPr lang="en-US" sz="4000" dirty="0">
                 <a:solidFill>
                   <a:srgbClr val="FFC000"/>
                 </a:solidFill>
@@ -22153,7 +21047,7 @@
               <a:t>Inputs should be </a:t>
             </a:r>
             <a:r>
-              <a:rPr lang="en-US" sz="4000" i="1" dirty="0" smtClean="0">
+              <a:rPr lang="en-US" sz="4000" i="1" dirty="0">
                 <a:solidFill>
                   <a:schemeClr val="bg1"/>
                 </a:solidFill>
@@ -22166,7 +21060,7 @@
               <a:buFontTx/>
               <a:buChar char="-"/>
             </a:pPr>
-            <a:endParaRPr lang="en-US" sz="4000" b="1" dirty="0" smtClean="0">
+            <a:endParaRPr lang="en-US" sz="4000" b="1" dirty="0">
               <a:solidFill>
                 <a:schemeClr val="bg1"/>
               </a:solidFill>
@@ -22207,7 +21101,7 @@
               <a:t> </a:t>
             </a:r>
             <a:r>
-              <a:rPr lang="en-US" sz="4000" b="1" dirty="0" smtClean="0">
+              <a:rPr lang="en-US" sz="4000" b="1" dirty="0">
                 <a:solidFill>
                   <a:schemeClr val="bg1"/>
                 </a:solidFill>
@@ -22215,7 +21109,7 @@
               <a:t>=</a:t>
             </a:r>
             <a:r>
-              <a:rPr lang="en-US" sz="4000" dirty="0" smtClean="0">
+              <a:rPr lang="en-US" sz="4000" dirty="0">
                 <a:solidFill>
                   <a:schemeClr val="bg1"/>
                 </a:solidFill>
@@ -22236,437 +21130,358 @@
                   <a:schemeClr val="bg1"/>
                 </a:solidFill>
               </a:rPr>
-              <a:t>([3,1,2</a:t>
-            </a:r>
-            <a:r>
-              <a:rPr lang="en-US" sz="4000" dirty="0" smtClean="0">
+              <a:t>([3,1,2]); </a:t>
+            </a:r>
+            <a:r>
+              <a:rPr lang="en-US" sz="2400" dirty="0">
+                <a:solidFill>
+                  <a:srgbClr val="FFC000"/>
+                </a:solidFill>
+              </a:rPr>
+              <a:t>// immutable</a:t>
+            </a:r>
+          </a:p>
+          <a:p>
+            <a:pPr marL="180975"/>
+            <a:r>
+              <a:rPr lang="en-US" sz="4000" dirty="0" err="1">
                 <a:solidFill>
                   <a:schemeClr val="bg1"/>
                 </a:solidFill>
               </a:rPr>
-              <a:t>]); </a:t>
-            </a:r>
-            <a:r>
-              <a:rPr lang="en-US" sz="2400" dirty="0" smtClean="0">
-                <a:solidFill>
-                  <a:srgbClr val="FFC000"/>
-                </a:solidFill>
-              </a:rPr>
-              <a:t>// immutable</a:t>
+              <a:t>const</a:t>
+            </a:r>
+            <a:r>
+              <a:rPr lang="en-US" sz="4000" dirty="0">
+                <a:solidFill>
+                  <a:schemeClr val="bg1"/>
+                </a:solidFill>
+              </a:rPr>
+              <a:t> </a:t>
+            </a:r>
+            <a:r>
+              <a:rPr lang="en-US" sz="4000" dirty="0">
+                <a:solidFill>
+                  <a:srgbClr val="92D050"/>
+                </a:solidFill>
+              </a:rPr>
+              <a:t>array </a:t>
+            </a:r>
+            <a:r>
+              <a:rPr lang="en-US" sz="4000" dirty="0">
+                <a:solidFill>
+                  <a:schemeClr val="bg1"/>
+                </a:solidFill>
+              </a:rPr>
+              <a:t>= [ </a:t>
+            </a:r>
+            <a:r>
+              <a:rPr lang="en-US" sz="4000" dirty="0">
+                <a:solidFill>
+                  <a:srgbClr val="FFFF00"/>
+                </a:solidFill>
+              </a:rPr>
+              <a:t>...</a:t>
+            </a:r>
+            <a:r>
+              <a:rPr lang="en-US" sz="4000" dirty="0" err="1">
+                <a:solidFill>
+                  <a:srgbClr val="FFFF00"/>
+                </a:solidFill>
+              </a:rPr>
+              <a:t>prevArr</a:t>
+            </a:r>
+            <a:r>
+              <a:rPr lang="en-US" sz="4000" dirty="0">
+                <a:solidFill>
+                  <a:srgbClr val="FFFF00"/>
+                </a:solidFill>
+              </a:rPr>
+              <a:t> </a:t>
+            </a:r>
+            <a:r>
+              <a:rPr lang="en-US" sz="4000" dirty="0">
+                <a:solidFill>
+                  <a:schemeClr val="bg1"/>
+                </a:solidFill>
+              </a:rPr>
+              <a:t>]  </a:t>
+            </a:r>
+            <a:r>
+              <a:rPr lang="en-US" sz="2800" dirty="0">
+                <a:solidFill>
+                  <a:srgbClr val="FF0000"/>
+                </a:solidFill>
+              </a:rPr>
+              <a:t>// copy with spread operator</a:t>
             </a:r>
           </a:p>
           <a:p>
             <a:pPr marL="180975"/>
             <a:r>
+              <a:rPr lang="en-US" sz="4000" b="1" dirty="0" err="1">
+                <a:solidFill>
+                  <a:schemeClr val="bg1"/>
+                </a:solidFill>
+              </a:rPr>
+              <a:t>const</a:t>
+            </a:r>
+            <a:r>
+              <a:rPr lang="en-US" sz="4000" dirty="0">
+                <a:solidFill>
+                  <a:schemeClr val="bg1"/>
+                </a:solidFill>
+              </a:rPr>
+              <a:t> </a:t>
+            </a:r>
+            <a:r>
               <a:rPr lang="en-US" sz="4000" dirty="0" err="1">
                 <a:solidFill>
                   <a:schemeClr val="bg1"/>
                 </a:solidFill>
               </a:rPr>
-              <a:t>c</a:t>
-            </a:r>
-            <a:r>
-              <a:rPr lang="en-US" sz="4000" dirty="0" err="1" smtClean="0">
+              <a:t>getFirst</a:t>
+            </a:r>
+            <a:r>
+              <a:rPr lang="en-US" sz="4000" dirty="0">
                 <a:solidFill>
                   <a:schemeClr val="bg1"/>
                 </a:solidFill>
               </a:rPr>
-              <a:t>onst</a:t>
-            </a:r>
-            <a:r>
-              <a:rPr lang="en-US" sz="4000" dirty="0" smtClean="0">
+              <a:t> </a:t>
+            </a:r>
+            <a:r>
+              <a:rPr lang="en-US" sz="4000" b="1" dirty="0">
                 <a:solidFill>
                   <a:schemeClr val="bg1"/>
                 </a:solidFill>
               </a:rPr>
+              <a:t>=</a:t>
+            </a:r>
+            <a:r>
+              <a:rPr lang="en-US" sz="4000" dirty="0">
+                <a:solidFill>
+                  <a:schemeClr val="bg1"/>
+                </a:solidFill>
+              </a:rPr>
+              <a:t> (</a:t>
+            </a:r>
+            <a:r>
+              <a:rPr lang="en-US" sz="4000" dirty="0">
+                <a:solidFill>
+                  <a:srgbClr val="92D050"/>
+                </a:solidFill>
+              </a:rPr>
+              <a:t>array</a:t>
+            </a:r>
+            <a:r>
+              <a:rPr lang="en-US" sz="4000" dirty="0">
+                <a:solidFill>
+                  <a:schemeClr val="bg1"/>
+                </a:solidFill>
+              </a:rPr>
+              <a:t>) </a:t>
+            </a:r>
+            <a:r>
+              <a:rPr lang="en-US" sz="4000" b="1" dirty="0">
+                <a:solidFill>
+                  <a:schemeClr val="bg1"/>
+                </a:solidFill>
+              </a:rPr>
+              <a:t>=&gt;</a:t>
+            </a:r>
+            <a:r>
+              <a:rPr lang="en-US" sz="4000" dirty="0">
+                <a:solidFill>
+                  <a:schemeClr val="bg1"/>
+                </a:solidFill>
+              </a:rPr>
+              <a:t> {</a:t>
+            </a:r>
+          </a:p>
+          <a:p>
+            <a:pPr marL="180975"/>
+            <a:r>
+              <a:rPr lang="en-US" sz="4000" dirty="0">
+                <a:solidFill>
+                  <a:schemeClr val="bg1"/>
+                </a:solidFill>
+              </a:rPr>
+              <a:t> 	</a:t>
+            </a:r>
+            <a:r>
+              <a:rPr lang="en-US" sz="4000" b="1" dirty="0">
+                <a:solidFill>
+                  <a:schemeClr val="bg1"/>
+                </a:solidFill>
+              </a:rPr>
+              <a:t>return</a:t>
+            </a:r>
+            <a:r>
+              <a:rPr lang="en-US" sz="4000" dirty="0">
+                <a:solidFill>
+                  <a:schemeClr val="bg1"/>
+                </a:solidFill>
+              </a:rPr>
               <a:t> </a:t>
             </a:r>
             <a:r>
-              <a:rPr lang="en-US" sz="4000" dirty="0" smtClean="0">
+              <a:rPr lang="en-US" sz="4000" dirty="0">
                 <a:solidFill>
                   <a:srgbClr val="92D050"/>
                 </a:solidFill>
               </a:rPr>
-              <a:t>array </a:t>
-            </a:r>
-            <a:r>
-              <a:rPr lang="en-US" sz="4000" dirty="0" smtClean="0">
+              <a:t>array</a:t>
+            </a:r>
+            <a:r>
+              <a:rPr lang="en-US" sz="4000" dirty="0">
                 <a:solidFill>
                   <a:schemeClr val="bg1"/>
                 </a:solidFill>
               </a:rPr>
-              <a:t>= </a:t>
-            </a:r>
+              <a:t>[0]; </a:t>
+            </a:r>
+          </a:p>
+          <a:p>
+            <a:pPr marL="180975"/>
             <a:r>
               <a:rPr lang="en-US" sz="4000" dirty="0">
                 <a:solidFill>
                   <a:schemeClr val="bg1"/>
                 </a:solidFill>
               </a:rPr>
-              <a:t>[ </a:t>
+              <a:t>}; </a:t>
+            </a:r>
+          </a:p>
+          <a:p>
+            <a:pPr marL="180975"/>
+            <a:r>
+              <a:rPr lang="en-US" sz="4000" dirty="0" err="1">
+                <a:solidFill>
+                  <a:schemeClr val="bg1"/>
+                </a:solidFill>
+              </a:rPr>
+              <a:t>getFirst</a:t>
             </a:r>
             <a:r>
               <a:rPr lang="en-US" sz="4000" dirty="0">
                 <a:solidFill>
+                  <a:schemeClr val="bg1"/>
+                </a:solidFill>
+              </a:rPr>
+              <a:t>(</a:t>
+            </a:r>
+            <a:r>
+              <a:rPr lang="en-US" sz="4000" dirty="0">
+                <a:solidFill>
+                  <a:srgbClr val="92D050"/>
+                </a:solidFill>
+              </a:rPr>
+              <a:t>array</a:t>
+            </a:r>
+            <a:r>
+              <a:rPr lang="en-US" sz="4000" dirty="0">
+                <a:solidFill>
+                  <a:schemeClr val="bg1"/>
+                </a:solidFill>
+              </a:rPr>
+              <a:t>)  </a:t>
+            </a:r>
+            <a:r>
+              <a:rPr lang="en-US" sz="4000" i="1" dirty="0">
+                <a:solidFill>
                   <a:srgbClr val="FFFF00"/>
                 </a:solidFill>
               </a:rPr>
-              <a:t>...</a:t>
-            </a:r>
+              <a:t>// 3</a:t>
+            </a:r>
+            <a:r>
+              <a:rPr lang="en-US" sz="4000" dirty="0">
+                <a:solidFill>
+                  <a:srgbClr val="FFFF00"/>
+                </a:solidFill>
+              </a:rPr>
+              <a:t> </a:t>
+            </a:r>
+          </a:p>
+          <a:p>
+            <a:pPr marL="180975"/>
             <a:r>
               <a:rPr lang="en-US" sz="4000" dirty="0" err="1">
                 <a:solidFill>
+                  <a:srgbClr val="92D050"/>
+                </a:solidFill>
+              </a:rPr>
+              <a:t>array</a:t>
+            </a:r>
+            <a:r>
+              <a:rPr lang="en-US" sz="4000" dirty="0" err="1">
+                <a:solidFill>
+                  <a:schemeClr val="bg1"/>
+                </a:solidFill>
+              </a:rPr>
+              <a:t>.sort</a:t>
+            </a:r>
+            <a:r>
+              <a:rPr lang="en-US" sz="4000" dirty="0">
+                <a:solidFill>
+                  <a:schemeClr val="bg1"/>
+                </a:solidFill>
+              </a:rPr>
+              <a:t>();  </a:t>
+            </a:r>
+          </a:p>
+          <a:p>
+            <a:pPr marL="180975"/>
+            <a:r>
+              <a:rPr lang="en-US" sz="4000" dirty="0" err="1">
+                <a:solidFill>
+                  <a:schemeClr val="bg1"/>
+                </a:solidFill>
+              </a:rPr>
+              <a:t>getFirst</a:t>
+            </a:r>
+            <a:r>
+              <a:rPr lang="en-US" sz="4000" dirty="0">
+                <a:solidFill>
+                  <a:schemeClr val="bg1"/>
+                </a:solidFill>
+              </a:rPr>
+              <a:t>(</a:t>
+            </a:r>
+            <a:r>
+              <a:rPr lang="en-US" sz="4000" dirty="0">
+                <a:solidFill>
+                  <a:srgbClr val="92D050"/>
+                </a:solidFill>
+              </a:rPr>
+              <a:t>array</a:t>
+            </a:r>
+            <a:r>
+              <a:rPr lang="en-US" sz="4000" dirty="0">
+                <a:solidFill>
+                  <a:schemeClr val="bg1"/>
+                </a:solidFill>
+              </a:rPr>
+              <a:t>);  </a:t>
+            </a:r>
+            <a:r>
+              <a:rPr lang="en-US" sz="4000" i="1" dirty="0">
+                <a:solidFill>
                   <a:srgbClr val="FFFF00"/>
                 </a:solidFill>
               </a:rPr>
-              <a:t>prevArr</a:t>
-            </a:r>
-            <a:r>
-              <a:rPr lang="en-US" sz="4000" dirty="0">
-                <a:solidFill>
-                  <a:srgbClr val="FFFF00"/>
-                </a:solidFill>
-              </a:rPr>
-              <a:t> </a:t>
-            </a:r>
-            <a:r>
-              <a:rPr lang="en-US" sz="4000" dirty="0" smtClean="0">
-                <a:solidFill>
-                  <a:schemeClr val="bg1"/>
-                </a:solidFill>
-              </a:rPr>
-              <a:t>]  </a:t>
-            </a:r>
-            <a:r>
-              <a:rPr lang="en-US" sz="2800" dirty="0" smtClean="0">
-                <a:solidFill>
-                  <a:srgbClr val="FF0000"/>
-                </a:solidFill>
-              </a:rPr>
-              <a:t>// copy with </a:t>
-            </a:r>
-            <a:r>
-              <a:rPr lang="en-US" sz="2800" dirty="0">
-                <a:solidFill>
-                  <a:srgbClr val="FF0000"/>
-                </a:solidFill>
-              </a:rPr>
-              <a:t>spread operator</a:t>
-            </a:r>
-            <a:endParaRPr lang="en-US" sz="2800" dirty="0" smtClean="0">
-              <a:solidFill>
-                <a:srgbClr val="FF0000"/>
-              </a:solidFill>
-            </a:endParaRPr>
-          </a:p>
-          <a:p>
-            <a:pPr marL="180975"/>
-            <a:r>
-              <a:rPr lang="en-US" sz="4000" b="1" dirty="0" err="1" smtClean="0">
-                <a:solidFill>
-                  <a:schemeClr val="bg1"/>
-                </a:solidFill>
-              </a:rPr>
-              <a:t>const</a:t>
-            </a:r>
-            <a:r>
-              <a:rPr lang="en-US" sz="4000" dirty="0" smtClean="0">
-                <a:solidFill>
-                  <a:schemeClr val="bg1"/>
-                </a:solidFill>
-              </a:rPr>
-              <a:t> </a:t>
-            </a:r>
-            <a:r>
-              <a:rPr lang="en-US" sz="4000" dirty="0" err="1">
-                <a:solidFill>
-                  <a:schemeClr val="bg1"/>
-                </a:solidFill>
-              </a:rPr>
-              <a:t>getFirst</a:t>
-            </a:r>
-            <a:r>
-              <a:rPr lang="en-US" sz="4000" dirty="0">
-                <a:solidFill>
-                  <a:schemeClr val="bg1"/>
-                </a:solidFill>
-              </a:rPr>
-              <a:t> </a:t>
-            </a:r>
-            <a:r>
-              <a:rPr lang="en-US" sz="4000" b="1" dirty="0">
-                <a:solidFill>
-                  <a:schemeClr val="bg1"/>
-                </a:solidFill>
-              </a:rPr>
-              <a:t>=</a:t>
-            </a:r>
-            <a:r>
-              <a:rPr lang="en-US" sz="4000" dirty="0">
-                <a:solidFill>
-                  <a:schemeClr val="bg1"/>
-                </a:solidFill>
-              </a:rPr>
-              <a:t> (</a:t>
-            </a:r>
-            <a:r>
-              <a:rPr lang="en-US" sz="4000" dirty="0" smtClean="0">
-                <a:solidFill>
-                  <a:srgbClr val="92D050"/>
-                </a:solidFill>
-              </a:rPr>
-              <a:t>array</a:t>
-            </a:r>
-            <a:r>
-              <a:rPr lang="en-US" sz="4000" dirty="0" smtClean="0">
-                <a:solidFill>
-                  <a:schemeClr val="bg1"/>
-                </a:solidFill>
-              </a:rPr>
-              <a:t>) </a:t>
-            </a:r>
-            <a:r>
-              <a:rPr lang="en-US" sz="4000" b="1" dirty="0">
-                <a:solidFill>
-                  <a:schemeClr val="bg1"/>
-                </a:solidFill>
-              </a:rPr>
-              <a:t>=&gt;</a:t>
-            </a:r>
-            <a:r>
-              <a:rPr lang="en-US" sz="4000" dirty="0">
-                <a:solidFill>
-                  <a:schemeClr val="bg1"/>
-                </a:solidFill>
-              </a:rPr>
-              <a:t> </a:t>
-            </a:r>
-            <a:r>
-              <a:rPr lang="en-US" sz="4000" dirty="0" smtClean="0">
-                <a:solidFill>
-                  <a:schemeClr val="bg1"/>
-                </a:solidFill>
-              </a:rPr>
-              <a:t>{</a:t>
-            </a:r>
-          </a:p>
-          <a:p>
-            <a:pPr marL="180975"/>
-            <a:r>
-              <a:rPr lang="en-US" sz="4000" dirty="0" smtClean="0">
-                <a:solidFill>
-                  <a:schemeClr val="bg1"/>
-                </a:solidFill>
-              </a:rPr>
-              <a:t> 	</a:t>
-            </a:r>
-            <a:r>
-              <a:rPr lang="en-US" sz="4000" b="1" dirty="0" smtClean="0">
-                <a:solidFill>
-                  <a:schemeClr val="bg1"/>
-                </a:solidFill>
-              </a:rPr>
-              <a:t>return</a:t>
-            </a:r>
-            <a:r>
-              <a:rPr lang="en-US" sz="4000" dirty="0" smtClean="0">
-                <a:solidFill>
-                  <a:schemeClr val="bg1"/>
-                </a:solidFill>
-              </a:rPr>
-              <a:t> </a:t>
-            </a:r>
-            <a:r>
-              <a:rPr lang="en-US" sz="4000" dirty="0">
-                <a:solidFill>
-                  <a:srgbClr val="92D050"/>
-                </a:solidFill>
-              </a:rPr>
-              <a:t>array</a:t>
-            </a:r>
-            <a:r>
-              <a:rPr lang="en-US" sz="4000" dirty="0">
-                <a:solidFill>
-                  <a:schemeClr val="bg1"/>
-                </a:solidFill>
-              </a:rPr>
-              <a:t>[0]; </a:t>
-            </a:r>
-            <a:endParaRPr lang="en-US" sz="4000" dirty="0" smtClean="0">
-              <a:solidFill>
-                <a:schemeClr val="bg1"/>
-              </a:solidFill>
-            </a:endParaRPr>
-          </a:p>
-          <a:p>
-            <a:pPr marL="180975"/>
-            <a:r>
-              <a:rPr lang="en-US" sz="4000" dirty="0" smtClean="0">
-                <a:solidFill>
-                  <a:schemeClr val="bg1"/>
-                </a:solidFill>
-              </a:rPr>
-              <a:t>}; </a:t>
-            </a:r>
-          </a:p>
-          <a:p>
-            <a:pPr marL="180975"/>
-            <a:r>
-              <a:rPr lang="en-US" sz="4000" dirty="0" err="1" smtClean="0">
-                <a:solidFill>
-                  <a:schemeClr val="bg1"/>
-                </a:solidFill>
-              </a:rPr>
-              <a:t>getFirst</a:t>
-            </a:r>
-            <a:r>
-              <a:rPr lang="en-US" sz="4000" dirty="0" smtClean="0">
-                <a:solidFill>
-                  <a:schemeClr val="bg1"/>
-                </a:solidFill>
-              </a:rPr>
-              <a:t>(</a:t>
-            </a:r>
-            <a:r>
-              <a:rPr lang="en-US" sz="4000" dirty="0" smtClean="0">
-                <a:solidFill>
-                  <a:srgbClr val="92D050"/>
-                </a:solidFill>
-              </a:rPr>
-              <a:t>array</a:t>
-            </a:r>
-            <a:r>
-              <a:rPr lang="en-US" sz="4000" dirty="0">
-                <a:solidFill>
-                  <a:schemeClr val="bg1"/>
-                </a:solidFill>
-              </a:rPr>
-              <a:t>) </a:t>
-            </a:r>
-            <a:r>
-              <a:rPr lang="en-US" sz="4000" dirty="0" smtClean="0">
-                <a:solidFill>
-                  <a:schemeClr val="bg1"/>
-                </a:solidFill>
-              </a:rPr>
-              <a:t> </a:t>
-            </a:r>
-            <a:r>
-              <a:rPr lang="en-US" sz="4000" i="1" dirty="0" smtClean="0">
-                <a:solidFill>
-                  <a:srgbClr val="FFFF00"/>
-                </a:solidFill>
-              </a:rPr>
-              <a:t>// </a:t>
-            </a:r>
-            <a:r>
-              <a:rPr lang="en-US" sz="4000" i="1" dirty="0">
-                <a:solidFill>
-                  <a:srgbClr val="FFFF00"/>
-                </a:solidFill>
-              </a:rPr>
-              <a:t>3</a:t>
-            </a:r>
-            <a:r>
-              <a:rPr lang="en-US" sz="4000" dirty="0">
-                <a:solidFill>
-                  <a:srgbClr val="FFFF00"/>
-                </a:solidFill>
-              </a:rPr>
-              <a:t> </a:t>
-            </a:r>
-            <a:endParaRPr lang="en-US" sz="4000" dirty="0" smtClean="0">
-              <a:solidFill>
-                <a:srgbClr val="FFFF00"/>
-              </a:solidFill>
-            </a:endParaRPr>
-          </a:p>
-          <a:p>
-            <a:pPr marL="180975"/>
-            <a:r>
-              <a:rPr lang="en-US" sz="4000" dirty="0" err="1" smtClean="0">
-                <a:solidFill>
-                  <a:srgbClr val="92D050"/>
-                </a:solidFill>
-              </a:rPr>
-              <a:t>array</a:t>
-            </a:r>
-            <a:r>
-              <a:rPr lang="en-US" sz="4000" dirty="0" err="1" smtClean="0">
-                <a:solidFill>
-                  <a:schemeClr val="bg1"/>
-                </a:solidFill>
-              </a:rPr>
-              <a:t>.sort</a:t>
-            </a:r>
-            <a:r>
-              <a:rPr lang="en-US" sz="4000" dirty="0">
-                <a:solidFill>
-                  <a:schemeClr val="bg1"/>
-                </a:solidFill>
-              </a:rPr>
-              <a:t>(); </a:t>
-            </a:r>
-            <a:r>
-              <a:rPr lang="en-US" sz="4000" dirty="0" smtClean="0">
-                <a:solidFill>
-                  <a:schemeClr val="bg1"/>
-                </a:solidFill>
-              </a:rPr>
-              <a:t> </a:t>
-            </a:r>
-          </a:p>
-          <a:p>
-            <a:pPr marL="180975"/>
-            <a:r>
-              <a:rPr lang="en-US" sz="4000" dirty="0" err="1" smtClean="0">
-                <a:solidFill>
-                  <a:schemeClr val="bg1"/>
-                </a:solidFill>
-              </a:rPr>
-              <a:t>getFirst</a:t>
-            </a:r>
-            <a:r>
-              <a:rPr lang="en-US" sz="4000" dirty="0" smtClean="0">
-                <a:solidFill>
-                  <a:schemeClr val="bg1"/>
-                </a:solidFill>
-              </a:rPr>
-              <a:t>(</a:t>
-            </a:r>
-            <a:r>
-              <a:rPr lang="en-US" sz="4000" dirty="0" smtClean="0">
-                <a:solidFill>
-                  <a:srgbClr val="92D050"/>
-                </a:solidFill>
-              </a:rPr>
-              <a:t>array</a:t>
-            </a:r>
-            <a:r>
-              <a:rPr lang="en-US" sz="4000" dirty="0" smtClean="0">
-                <a:solidFill>
-                  <a:schemeClr val="bg1"/>
-                </a:solidFill>
-              </a:rPr>
-              <a:t>);  </a:t>
-            </a:r>
-            <a:r>
-              <a:rPr lang="en-US" sz="4000" i="1" dirty="0" smtClean="0">
-                <a:solidFill>
-                  <a:srgbClr val="FFFF00"/>
-                </a:solidFill>
-              </a:rPr>
               <a:t>// 1</a:t>
             </a:r>
             <a:r>
-              <a:rPr lang="en-US" sz="4000" dirty="0" smtClean="0"/>
+              <a:rPr lang="en-US" sz="4000" dirty="0"/>
               <a:t>) </a:t>
             </a:r>
             <a:r>
               <a:rPr lang="en-US" sz="4000" i="1" dirty="0"/>
               <a:t>// 3</a:t>
             </a:r>
-            <a:endParaRPr lang="en-US" sz="4000" b="1" dirty="0" smtClean="0">
+            <a:endParaRPr lang="en-US" sz="4000" b="1" dirty="0">
               <a:solidFill>
                 <a:schemeClr val="bg1"/>
               </a:solidFill>

--- a/frontend-cursus/ 5 - Functional programmming.pptx
+++ b/frontend-cursus/ 5 - Functional programmming.pptx
@@ -20449,6 +20449,36 @@
           </a:p>
         </p:txBody>
       </p:sp>
+      <p:pic>
+        <p:nvPicPr>
+          <p:cNvPr id="3" name="Picture 2" descr="Text&#10;&#10;Description automatically generated">
+            <a:extLst>
+              <a:ext uri="{FF2B5EF4-FFF2-40B4-BE49-F238E27FC236}">
+                <a16:creationId xmlns:a16="http://schemas.microsoft.com/office/drawing/2014/main" id="{C63A368C-9235-A0CF-5FE8-6E5458BEC056}"/>
+              </a:ext>
+            </a:extLst>
+          </p:cNvPr>
+          <p:cNvPicPr>
+            <a:picLocks noChangeAspect="1"/>
+          </p:cNvPicPr>
+          <p:nvPr/>
+        </p:nvPicPr>
+        <p:blipFill>
+          <a:blip r:embed="rId3"/>
+          <a:stretch>
+            <a:fillRect/>
+          </a:stretch>
+        </p:blipFill>
+        <p:spPr>
+          <a:xfrm>
+            <a:off x="9261280" y="6791536"/>
+            <a:ext cx="3725672" cy="3104727"/>
+          </a:xfrm>
+          <a:prstGeom prst="rect">
+            <a:avLst/>
+          </a:prstGeom>
+        </p:spPr>
+      </p:pic>
     </p:spTree>
     <p:extLst>
       <p:ext uri="{BB962C8B-B14F-4D97-AF65-F5344CB8AC3E}">
@@ -20942,6 +20972,36 @@
           </a:p>
         </p:txBody>
       </p:sp>
+      <p:pic>
+        <p:nvPicPr>
+          <p:cNvPr id="5" name="Picture 4" descr="Text&#10;&#10;Description automatically generated">
+            <a:extLst>
+              <a:ext uri="{FF2B5EF4-FFF2-40B4-BE49-F238E27FC236}">
+                <a16:creationId xmlns:a16="http://schemas.microsoft.com/office/drawing/2014/main" id="{6EEF56D7-660D-C57F-BFC2-E7FED949A53B}"/>
+              </a:ext>
+            </a:extLst>
+          </p:cNvPr>
+          <p:cNvPicPr>
+            <a:picLocks noChangeAspect="1"/>
+          </p:cNvPicPr>
+          <p:nvPr/>
+        </p:nvPicPr>
+        <p:blipFill>
+          <a:blip r:embed="rId3"/>
+          <a:stretch>
+            <a:fillRect/>
+          </a:stretch>
+        </p:blipFill>
+        <p:spPr>
+          <a:xfrm>
+            <a:off x="8821166" y="5927130"/>
+            <a:ext cx="4762500" cy="3619500"/>
+          </a:xfrm>
+          <a:prstGeom prst="rect">
+            <a:avLst/>
+          </a:prstGeom>
+        </p:spPr>
+      </p:pic>
     </p:spTree>
     <p:extLst>
       <p:ext uri="{BB962C8B-B14F-4D97-AF65-F5344CB8AC3E}">
